--- a/Masterprüfung/Presentation/Presentation.pptx
+++ b/Masterprüfung/Presentation/Presentation.pptx
@@ -5,21 +5,22 @@
     <p:sldMasterId id="2147483648" r:id="rId1"/>
   </p:sldMasterIdLst>
   <p:notesMasterIdLst>
-    <p:notesMasterId r:id="rId11"/>
+    <p:notesMasterId r:id="rId12"/>
   </p:notesMasterIdLst>
   <p:handoutMasterIdLst>
-    <p:handoutMasterId r:id="rId12"/>
+    <p:handoutMasterId r:id="rId13"/>
   </p:handoutMasterIdLst>
   <p:sldIdLst>
     <p:sldId id="260" r:id="rId2"/>
     <p:sldId id="263" r:id="rId3"/>
-    <p:sldId id="265" r:id="rId4"/>
-    <p:sldId id="266" r:id="rId5"/>
-    <p:sldId id="267" r:id="rId6"/>
-    <p:sldId id="271" r:id="rId7"/>
-    <p:sldId id="268" r:id="rId8"/>
-    <p:sldId id="269" r:id="rId9"/>
-    <p:sldId id="270" r:id="rId10"/>
+    <p:sldId id="274" r:id="rId4"/>
+    <p:sldId id="273" r:id="rId5"/>
+    <p:sldId id="275" r:id="rId6"/>
+    <p:sldId id="267" r:id="rId7"/>
+    <p:sldId id="271" r:id="rId8"/>
+    <p:sldId id="268" r:id="rId9"/>
+    <p:sldId id="269" r:id="rId10"/>
+    <p:sldId id="270" r:id="rId11"/>
   </p:sldIdLst>
   <p:sldSz cx="9144000" cy="5143500" type="screen16x9"/>
   <p:notesSz cx="6858000" cy="9144000"/>
@@ -211,7 +212,7 @@
           <a:p>
             <a:fld id="{177B9070-9281-4B15-842B-9B135EE24603}" type="datetimeFigureOut">
               <a:rPr lang="de-AT" smtClean="0"/>
-              <a:t>20.09.2024</a:t>
+              <a:t>24.09.2024</a:t>
             </a:fld>
             <a:endParaRPr lang="de-AT"/>
           </a:p>
@@ -376,7 +377,7 @@
           <a:p>
             <a:fld id="{843A4CAD-2332-440A-B5F3-F5F26A7FAEC2}" type="datetimeFigureOut">
               <a:rPr lang="en-US" smtClean="0"/>
-              <a:t>9/20/2024</a:t>
+              <a:t>9/24/2024</a:t>
             </a:fld>
             <a:endParaRPr lang="en-US"/>
           </a:p>
@@ -5669,15 +5670,7 @@
             <a:pPr algn="ctr"/>
             <a:r>
               <a:rPr lang="en-US" sz="2400" dirty="0"/>
-              <a:t>Virtualization of a Real-Time Operating System for Robot Control with a Focus on </a:t>
-            </a:r>
-            <a:r>
-              <a:rPr lang="en-US" sz="2400" dirty="0" err="1"/>
-              <a:t>RealTime</a:t>
-            </a:r>
-            <a:r>
-              <a:rPr lang="en-US" sz="2400" dirty="0"/>
-              <a:t> Compliance</a:t>
+              <a:t>Virtualization of a Real-Time Operating System for Robot Control with a Focus on Real-Time Compliance</a:t>
             </a:r>
             <a:endParaRPr lang="de-AT" sz="2400" noProof="0" dirty="0"/>
           </a:p>
@@ -5792,6 +5785,255 @@
     <p:extLst>
       <p:ext uri="{BB962C8B-B14F-4D97-AF65-F5344CB8AC3E}">
         <p14:creationId xmlns:p14="http://schemas.microsoft.com/office/powerpoint/2010/main" val="2759544461"/>
+      </p:ext>
+    </p:extLst>
+  </p:cSld>
+  <p:clrMapOvr>
+    <a:masterClrMapping/>
+  </p:clrMapOvr>
+</p:sld>
+</file>
+
+<file path=ppt/slides/slide10.xml><?xml version="1.0" encoding="utf-8"?>
+<p:sld xmlns:a="http://schemas.openxmlformats.org/drawingml/2006/main" xmlns:r="http://schemas.openxmlformats.org/officeDocument/2006/relationships" xmlns:p="http://schemas.openxmlformats.org/presentationml/2006/main">
+  <p:cSld>
+    <p:spTree>
+      <p:nvGrpSpPr>
+        <p:cNvPr id="1" name=""/>
+        <p:cNvGrpSpPr/>
+        <p:nvPr/>
+      </p:nvGrpSpPr>
+      <p:grpSpPr>
+        <a:xfrm>
+          <a:off x="0" y="0"/>
+          <a:ext cx="0" cy="0"/>
+          <a:chOff x="0" y="0"/>
+          <a:chExt cx="0" cy="0"/>
+        </a:xfrm>
+      </p:grpSpPr>
+      <p:sp>
+        <p:nvSpPr>
+          <p:cNvPr id="2" name="Titel 1">
+            <a:extLst>
+              <a:ext uri="{FF2B5EF4-FFF2-40B4-BE49-F238E27FC236}">
+                <a16:creationId xmlns:a16="http://schemas.microsoft.com/office/drawing/2014/main" id="{73ADFF64-5302-EF15-926F-46D2C696D31A}"/>
+              </a:ext>
+            </a:extLst>
+          </p:cNvPr>
+          <p:cNvSpPr>
+            <a:spLocks noGrp="1"/>
+          </p:cNvSpPr>
+          <p:nvPr>
+            <p:ph type="title"/>
+          </p:nvPr>
+        </p:nvSpPr>
+        <p:spPr/>
+        <p:txBody>
+          <a:bodyPr>
+            <a:normAutofit fontScale="90000"/>
+          </a:bodyPr>
+          <a:lstStyle/>
+          <a:p>
+            <a:r>
+              <a:rPr lang="de-AT" dirty="0"/>
+              <a:t>References</a:t>
+            </a:r>
+          </a:p>
+        </p:txBody>
+      </p:sp>
+      <p:sp>
+        <p:nvSpPr>
+          <p:cNvPr id="3" name="Textplatzhalter 2">
+            <a:extLst>
+              <a:ext uri="{FF2B5EF4-FFF2-40B4-BE49-F238E27FC236}">
+                <a16:creationId xmlns:a16="http://schemas.microsoft.com/office/drawing/2014/main" id="{0C5D34C3-D25D-2153-5492-7F46FFB508EE}"/>
+              </a:ext>
+            </a:extLst>
+          </p:cNvPr>
+          <p:cNvSpPr>
+            <a:spLocks noGrp="1"/>
+          </p:cNvSpPr>
+          <p:nvPr>
+            <p:ph type="body" sz="quarter" idx="14"/>
+          </p:nvPr>
+        </p:nvSpPr>
+        <p:spPr/>
+        <p:txBody>
+          <a:bodyPr/>
+          <a:lstStyle/>
+          <a:p>
+            <a:r>
+              <a:rPr lang="en-US" sz="1800" b="0" i="0" u="none" strike="noStrike" baseline="0" dirty="0">
+                <a:latin typeface="NimbusSanL-Regu"/>
+              </a:rPr>
+              <a:t>[1] </a:t>
+            </a:r>
+            <a:r>
+              <a:rPr lang="en-US" sz="1800" b="0" i="0" u="none" strike="noStrike" baseline="0" dirty="0">
+                <a:latin typeface="NimbusSanL-Regu"/>
+                <a:hlinkClick r:id="rId2"/>
+              </a:rPr>
+              <a:t>https://docs.yoctoproject.org/</a:t>
+            </a:r>
+            <a:endParaRPr lang="en-US" sz="1800" b="0" i="0" u="none" strike="noStrike" baseline="0" dirty="0">
+              <a:latin typeface="NimbusSanL-Regu"/>
+            </a:endParaRPr>
+          </a:p>
+          <a:p>
+            <a:r>
+              <a:rPr lang="en-US" sz="1800" dirty="0">
+                <a:latin typeface="NimbusSanL-Regu"/>
+              </a:rPr>
+              <a:t>[2] </a:t>
+            </a:r>
+            <a:r>
+              <a:rPr lang="en-US" sz="1800" b="0" i="0" u="none" strike="noStrike" baseline="0" dirty="0">
+                <a:latin typeface="NimbusSanL-Regu"/>
+                <a:hlinkClick r:id="rId3"/>
+              </a:rPr>
+              <a:t>https://www.qemu.org/</a:t>
+            </a:r>
+            <a:endParaRPr lang="en-US" sz="1800" b="0" i="0" u="none" strike="noStrike" baseline="0" dirty="0">
+              <a:latin typeface="NimbusSanL-Regu"/>
+            </a:endParaRPr>
+          </a:p>
+          <a:p>
+            <a:r>
+              <a:rPr lang="en-US" sz="1800" dirty="0">
+                <a:latin typeface="NimbusSanL-Regu"/>
+              </a:rPr>
+              <a:t>[3] </a:t>
+            </a:r>
+            <a:r>
+              <a:rPr lang="en-US" sz="1800" b="0" i="0" u="none" strike="noStrike" baseline="0" dirty="0">
+                <a:latin typeface="NimbusSanL-Regu"/>
+                <a:hlinkClick r:id="rId4"/>
+              </a:rPr>
+              <a:t>https://xenomai.org/</a:t>
+            </a:r>
+            <a:endParaRPr lang="en-US" sz="1800" b="0" i="0" u="none" strike="noStrike" baseline="0" dirty="0">
+              <a:latin typeface="NimbusSanL-Regu"/>
+            </a:endParaRPr>
+          </a:p>
+          <a:p>
+            <a:r>
+              <a:rPr lang="en-US" sz="1800" dirty="0">
+                <a:latin typeface="NimbusSanL-Regu"/>
+              </a:rPr>
+              <a:t>[4] </a:t>
+            </a:r>
+            <a:r>
+              <a:rPr lang="en-US" sz="1800" b="0" i="0" u="none" strike="noStrike" baseline="0" dirty="0">
+                <a:latin typeface="NimbusSanL-Regu"/>
+                <a:hlinkClick r:id="rId5"/>
+              </a:rPr>
+              <a:t>https://trace-cmd.org/</a:t>
+            </a:r>
+            <a:endParaRPr lang="en-US" sz="1800" dirty="0">
+              <a:latin typeface="NimbusSanL-Regu"/>
+            </a:endParaRPr>
+          </a:p>
+          <a:p>
+            <a:r>
+              <a:rPr lang="en-US" sz="1800" dirty="0">
+                <a:latin typeface="NimbusSanL-Regu"/>
+              </a:rPr>
+              <a:t>[5]</a:t>
+            </a:r>
+            <a:r>
+              <a:rPr lang="en-US" sz="1800" b="0" i="0" u="none" strike="noStrike" baseline="0" dirty="0">
+                <a:latin typeface="NimbusSanL-Regu"/>
+              </a:rPr>
+              <a:t> </a:t>
+            </a:r>
+            <a:r>
+              <a:rPr lang="en-US" sz="1800" b="0" i="0" u="none" strike="noStrike" baseline="0" dirty="0">
+                <a:latin typeface="NimbusSanL-Regu"/>
+                <a:hlinkClick r:id="rId6"/>
+              </a:rPr>
+              <a:t>https://kernelshark.org/</a:t>
+            </a:r>
+            <a:endParaRPr lang="en-US" sz="1800" b="0" i="0" u="none" strike="noStrike" baseline="0" dirty="0">
+              <a:latin typeface="NimbusSanL-Regu"/>
+            </a:endParaRPr>
+          </a:p>
+        </p:txBody>
+      </p:sp>
+      <p:sp>
+        <p:nvSpPr>
+          <p:cNvPr id="4" name="Fußzeilenplatzhalter 3">
+            <a:extLst>
+              <a:ext uri="{FF2B5EF4-FFF2-40B4-BE49-F238E27FC236}">
+                <a16:creationId xmlns:a16="http://schemas.microsoft.com/office/drawing/2014/main" id="{EA817E3F-89E9-CA85-E9CF-E05C574B5D7A}"/>
+              </a:ext>
+            </a:extLst>
+          </p:cNvPr>
+          <p:cNvSpPr>
+            <a:spLocks noGrp="1"/>
+          </p:cNvSpPr>
+          <p:nvPr>
+            <p:ph type="ftr" sz="quarter" idx="12"/>
+          </p:nvPr>
+        </p:nvSpPr>
+        <p:spPr/>
+        <p:txBody>
+          <a:bodyPr/>
+          <a:lstStyle/>
+          <a:p>
+            <a:r>
+              <a:rPr lang="en-US"/>
+              <a:t>Virtualization of a Real-Time Operating System for Robot Control with a Focus on RealTime Compliance</a:t>
+            </a:r>
+            <a:r>
+              <a:rPr lang="en-GB"/>
+              <a:t> | </a:t>
+            </a:r>
+            <a:r>
+              <a:rPr lang="de-AT"/>
+              <a:t>Halil Pamuk, BSc.</a:t>
+            </a:r>
+            <a:r>
+              <a:rPr lang="en-GB"/>
+              <a:t> | 10.10.2024</a:t>
+            </a:r>
+            <a:endParaRPr lang="en-GB" dirty="0"/>
+          </a:p>
+        </p:txBody>
+      </p:sp>
+      <p:sp>
+        <p:nvSpPr>
+          <p:cNvPr id="5" name="Foliennummernplatzhalter 4">
+            <a:extLst>
+              <a:ext uri="{FF2B5EF4-FFF2-40B4-BE49-F238E27FC236}">
+                <a16:creationId xmlns:a16="http://schemas.microsoft.com/office/drawing/2014/main" id="{A3704926-5E9E-0193-79D6-E0567D7C55A4}"/>
+              </a:ext>
+            </a:extLst>
+          </p:cNvPr>
+          <p:cNvSpPr>
+            <a:spLocks noGrp="1"/>
+          </p:cNvSpPr>
+          <p:nvPr>
+            <p:ph type="sldNum" sz="quarter" idx="13"/>
+          </p:nvPr>
+        </p:nvSpPr>
+        <p:spPr/>
+        <p:txBody>
+          <a:bodyPr/>
+          <a:lstStyle/>
+          <a:p>
+            <a:fld id="{9C057DB4-583E-41A7-BD94-987342018C17}" type="slidenum">
+              <a:rPr lang="en-GB" smtClean="0"/>
+              <a:pPr/>
+              <a:t>10</a:t>
+            </a:fld>
+            <a:endParaRPr lang="en-GB" dirty="0"/>
+          </a:p>
+        </p:txBody>
+      </p:sp>
+    </p:spTree>
+    <p:extLst>
+      <p:ext uri="{BB962C8B-B14F-4D97-AF65-F5344CB8AC3E}">
+        <p14:creationId xmlns:p14="http://schemas.microsoft.com/office/powerpoint/2010/main" val="2896605074"/>
       </p:ext>
     </p:extLst>
   </p:cSld>
@@ -5818,6 +6060,42 @@
           <a:chExt cx="0" cy="0"/>
         </a:xfrm>
       </p:grpSpPr>
+      <p:pic>
+        <p:nvPicPr>
+          <p:cNvPr id="15" name="Grafik 14" descr="Ein Bild, das Text, Screenshot, Reihe, Diagramm enthält.">
+            <a:extLst>
+              <a:ext uri="{FF2B5EF4-FFF2-40B4-BE49-F238E27FC236}">
+                <a16:creationId xmlns:a16="http://schemas.microsoft.com/office/drawing/2014/main" id="{70183D45-2E28-0D46-2796-E345F999D034}"/>
+              </a:ext>
+            </a:extLst>
+          </p:cNvPr>
+          <p:cNvPicPr>
+            <a:picLocks noChangeAspect="1"/>
+          </p:cNvPicPr>
+          <p:nvPr/>
+        </p:nvPicPr>
+        <p:blipFill>
+          <a:blip r:embed="rId2">
+            <a:extLst>
+              <a:ext uri="{28A0092B-C50C-407E-A947-70E740481C1C}">
+                <a14:useLocalDpi xmlns:a14="http://schemas.microsoft.com/office/drawing/2010/main" val="0"/>
+              </a:ext>
+            </a:extLst>
+          </a:blip>
+          <a:stretch>
+            <a:fillRect/>
+          </a:stretch>
+        </p:blipFill>
+        <p:spPr>
+          <a:xfrm>
+            <a:off x="4433628" y="2749166"/>
+            <a:ext cx="4124325" cy="1559511"/>
+          </a:xfrm>
+          <a:prstGeom prst="rect">
+            <a:avLst/>
+          </a:prstGeom>
+        </p:spPr>
+      </p:pic>
       <p:sp>
         <p:nvSpPr>
           <p:cNvPr id="2" name="Titel 1">
@@ -5867,23 +6145,45 @@
         <p:spPr/>
         <p:txBody>
           <a:bodyPr>
-            <a:normAutofit fontScale="92500" lnSpcReduction="20000"/>
+            <a:normAutofit/>
           </a:bodyPr>
           <a:lstStyle/>
           <a:p>
             <a:r>
-              <a:rPr lang="en-US" dirty="0"/>
-              <a:t>In today’s industrial production and automation, robots must react to their environment and perform time-critical tasks within strict time constraints. Delays or errors can have catastrophic consequences. In a traditional General-Purpose Operating System (GPOS), a high-priority task cannot interrupt a kernel operation, which makes them unsuitable for </a:t>
-            </a:r>
-            <a:r>
-              <a:rPr lang="en-US" dirty="0" err="1"/>
-              <a:t>realtime</a:t>
-            </a:r>
-            <a:r>
-              <a:rPr lang="en-US" dirty="0"/>
-              <a:t> requirements, as they cannot guarantee deterministic execution times. However, in a Real-Time Operating System (RTOS), a high-priority process can interrupt a lower-priority one, even if it is in the middle of a kernel operation. Virtualizing real-time operating systems for robotic control offers many advantages over traditional hardware-based approaches, especially when it comes to scaling [1], flexibility, and costs [2]. However, virtualization also introduces overhead and latency [3] [4]. In this master’s thesis, the goal was the virtualization of an RTOS, namely Salamander 4, to control a robot, with a focus on compliance with real-time determinism. Specifically, the aim was to bring the latency of the virtualized Salamander 4 closer to that of the bare metal version, as initial latency measurements revealed a significant latency gap between the bare metal and virtualized setup.</a:t>
-            </a:r>
-            <a:endParaRPr lang="de-AT" dirty="0"/>
+              <a:rPr lang="en-US" sz="2000" dirty="0"/>
+              <a:t>Robots perform time-critical tasks</a:t>
+            </a:r>
+          </a:p>
+          <a:p>
+            <a:endParaRPr lang="en-US" sz="2000" dirty="0"/>
+          </a:p>
+          <a:p>
+            <a:r>
+              <a:rPr lang="en-US" sz="2000" dirty="0"/>
+              <a:t>Delays </a:t>
+            </a:r>
+            <a:r>
+              <a:rPr lang="en-US" sz="2000" dirty="0">
+                <a:sym typeface="Wingdings" panose="05000000000000000000" pitchFamily="2" charset="2"/>
+              </a:rPr>
+              <a:t> </a:t>
+            </a:r>
+            <a:r>
+              <a:rPr lang="en-US" sz="2000" dirty="0"/>
+              <a:t>catastrophic consequences</a:t>
+            </a:r>
+          </a:p>
+          <a:p>
+            <a:endParaRPr lang="en-US" sz="2000" dirty="0"/>
+          </a:p>
+          <a:p>
+            <a:r>
+              <a:rPr lang="en-US" sz="2000" dirty="0"/>
+              <a:t>General-Purpose Operating System vs Real-Time Operating System </a:t>
+            </a:r>
+          </a:p>
+          <a:p>
+            <a:endParaRPr lang="en-US" sz="2000" dirty="0"/>
           </a:p>
         </p:txBody>
       </p:sp>
@@ -5955,6 +6255,114 @@
               <a:t>2</a:t>
             </a:fld>
             <a:endParaRPr lang="en-GB" dirty="0"/>
+          </a:p>
+        </p:txBody>
+      </p:sp>
+      <p:pic>
+        <p:nvPicPr>
+          <p:cNvPr id="13" name="Grafik 12" descr="Ein Bild, das Text, Screenshot, Schrift, Zahl enthält.&#10;&#10;Automatisch generierte Beschreibung">
+            <a:extLst>
+              <a:ext uri="{FF2B5EF4-FFF2-40B4-BE49-F238E27FC236}">
+                <a16:creationId xmlns:a16="http://schemas.microsoft.com/office/drawing/2014/main" id="{70F739E8-5464-7C7C-30BA-78B9A427F767}"/>
+              </a:ext>
+            </a:extLst>
+          </p:cNvPr>
+          <p:cNvPicPr>
+            <a:picLocks noChangeAspect="1"/>
+          </p:cNvPicPr>
+          <p:nvPr/>
+        </p:nvPicPr>
+        <p:blipFill>
+          <a:blip r:embed="rId3">
+            <a:extLst>
+              <a:ext uri="{28A0092B-C50C-407E-A947-70E740481C1C}">
+                <a14:useLocalDpi xmlns:a14="http://schemas.microsoft.com/office/drawing/2010/main" val="0"/>
+              </a:ext>
+            </a:extLst>
+          </a:blip>
+          <a:stretch>
+            <a:fillRect/>
+          </a:stretch>
+        </p:blipFill>
+        <p:spPr>
+          <a:xfrm>
+            <a:off x="180000" y="2774944"/>
+            <a:ext cx="4124325" cy="1533733"/>
+          </a:xfrm>
+          <a:prstGeom prst="rect">
+            <a:avLst/>
+          </a:prstGeom>
+        </p:spPr>
+      </p:pic>
+      <p:sp>
+        <p:nvSpPr>
+          <p:cNvPr id="16" name="Textfeld 15">
+            <a:extLst>
+              <a:ext uri="{FF2B5EF4-FFF2-40B4-BE49-F238E27FC236}">
+                <a16:creationId xmlns:a16="http://schemas.microsoft.com/office/drawing/2014/main" id="{36F7C50C-9802-1145-F3A6-EB87CF7BF46C}"/>
+              </a:ext>
+            </a:extLst>
+          </p:cNvPr>
+          <p:cNvSpPr txBox="1"/>
+          <p:nvPr/>
+        </p:nvSpPr>
+        <p:spPr>
+          <a:xfrm>
+            <a:off x="632460" y="4314209"/>
+            <a:ext cx="960120" cy="271012"/>
+          </a:xfrm>
+          <a:prstGeom prst="rect">
+            <a:avLst/>
+          </a:prstGeom>
+        </p:spPr>
+        <p:txBody>
+          <a:bodyPr vert="horz" wrap="none" lIns="91440" tIns="45720" rIns="91440" bIns="45720" rtlCol="0" anchor="t">
+            <a:normAutofit/>
+          </a:bodyPr>
+          <a:lstStyle/>
+          <a:p>
+            <a:pPr algn="l"/>
+            <a:r>
+              <a:rPr lang="de-AT" sz="1000" dirty="0"/>
+              <a:t>Figure x: </a:t>
+            </a:r>
+            <a:endParaRPr lang="en-US" sz="1000" dirty="0"/>
+          </a:p>
+        </p:txBody>
+      </p:sp>
+      <p:sp>
+        <p:nvSpPr>
+          <p:cNvPr id="17" name="Textfeld 16">
+            <a:extLst>
+              <a:ext uri="{FF2B5EF4-FFF2-40B4-BE49-F238E27FC236}">
+                <a16:creationId xmlns:a16="http://schemas.microsoft.com/office/drawing/2014/main" id="{68A0CFD0-63E7-4A7C-B676-37AE988CB33B}"/>
+              </a:ext>
+            </a:extLst>
+          </p:cNvPr>
+          <p:cNvSpPr txBox="1"/>
+          <p:nvPr/>
+        </p:nvSpPr>
+        <p:spPr>
+          <a:xfrm>
+            <a:off x="4824370" y="4321464"/>
+            <a:ext cx="960120" cy="271012"/>
+          </a:xfrm>
+          <a:prstGeom prst="rect">
+            <a:avLst/>
+          </a:prstGeom>
+        </p:spPr>
+        <p:txBody>
+          <a:bodyPr vert="horz" wrap="none" lIns="91440" tIns="45720" rIns="91440" bIns="45720" rtlCol="0" anchor="t">
+            <a:normAutofit/>
+          </a:bodyPr>
+          <a:lstStyle/>
+          <a:p>
+            <a:pPr algn="l"/>
+            <a:r>
+              <a:rPr lang="de-AT" sz="1000" dirty="0"/>
+              <a:t>Figure x: </a:t>
+            </a:r>
+            <a:endParaRPr lang="en-US" sz="1000" dirty="0"/>
           </a:p>
         </p:txBody>
       </p:sp>
@@ -6013,7 +6421,7 @@
           <a:p>
             <a:r>
               <a:rPr lang="de-AT" dirty="0"/>
-              <a:t>Methodology</a:t>
+              <a:t>Problem and Task Definition</a:t>
             </a:r>
           </a:p>
         </p:txBody>
@@ -6037,55 +6445,131 @@
         <p:spPr/>
         <p:txBody>
           <a:bodyPr>
-            <a:normAutofit lnSpcReduction="10000"/>
+            <a:normAutofit/>
           </a:bodyPr>
           <a:lstStyle/>
           <a:p>
-            <a:r>
-              <a:rPr lang="en-US" dirty="0"/>
-              <a:t>In order to address this gap and achieve determinism, an extensive real-time performance tuning process was carried out. These tunings were added sequentially and tested together. This involves configurations spanning the BIOS, kernel, host operating system (OS), and QEMU/KVM virtualization layer, as demonstrated in [5]. </a:t>
-            </a:r>
-            <a:r>
-              <a:rPr lang="en-US" dirty="0" err="1"/>
-              <a:t>Xenomai</a:t>
-            </a:r>
-            <a:r>
-              <a:rPr lang="en-US" dirty="0"/>
-              <a:t> provided real-time capabilities for the guest OS and therefore, no additional modifications were necessary. Ubuntu 22.04.4 LTS served as the host operating system, while Salamander 4, built with </a:t>
-            </a:r>
-            <a:r>
-              <a:rPr lang="en-US" dirty="0" err="1"/>
-              <a:t>Yocto</a:t>
-            </a:r>
-            <a:r>
-              <a:rPr lang="en-US" dirty="0"/>
-              <a:t> and based on Linux 5.15.94, was the guest OS. The latency tool of the </a:t>
-            </a:r>
-            <a:r>
-              <a:rPr lang="en-US" dirty="0" err="1"/>
-              <a:t>Xenomai</a:t>
-            </a:r>
-            <a:r>
-              <a:rPr lang="en-US" dirty="0"/>
-              <a:t> tool suite was used to measure the scheduling latency of the real-time OS. QEMU with KVM was employed for virtualization. Trace-</a:t>
-            </a:r>
-            <a:r>
-              <a:rPr lang="en-US" dirty="0" err="1"/>
-              <a:t>cmd</a:t>
-            </a:r>
-            <a:r>
-              <a:rPr lang="en-US" dirty="0"/>
-              <a:t> and </a:t>
-            </a:r>
-            <a:r>
-              <a:rPr lang="en-US" dirty="0" err="1"/>
-              <a:t>Kernelshark</a:t>
-            </a:r>
-            <a:r>
-              <a:rPr lang="en-US" dirty="0"/>
-              <a:t> were used for kernel tracing and visualization of trace data. The testing robot was connected to the virtual CPU via a VARAN bus interface.</a:t>
-            </a:r>
-            <a:endParaRPr lang="de-AT" dirty="0"/>
+            <a:pPr rtl="0"/>
+            <a:endParaRPr lang="en-US" sz="2000" b="0" i="0" u="none" strike="noStrike" kern="1200" baseline="0" dirty="0">
+              <a:solidFill>
+                <a:srgbClr val="000000"/>
+              </a:solidFill>
+              <a:latin typeface="Arial" panose="020B0604020202020204" pitchFamily="34" charset="0"/>
+            </a:endParaRPr>
+          </a:p>
+          <a:p>
+            <a:pPr rtl="0"/>
+            <a:endParaRPr lang="en-US" sz="2000" dirty="0">
+              <a:solidFill>
+                <a:srgbClr val="000000"/>
+              </a:solidFill>
+            </a:endParaRPr>
+          </a:p>
+          <a:p>
+            <a:pPr rtl="0"/>
+            <a:endParaRPr lang="en-US" sz="2000" b="0" i="0" u="none" strike="noStrike" kern="1200" baseline="0" dirty="0">
+              <a:solidFill>
+                <a:srgbClr val="000000"/>
+              </a:solidFill>
+              <a:latin typeface="Arial" panose="020B0604020202020204" pitchFamily="34" charset="0"/>
+            </a:endParaRPr>
+          </a:p>
+          <a:p>
+            <a:pPr rtl="0"/>
+            <a:endParaRPr lang="en-US" sz="2000" b="0" i="0" u="none" strike="noStrike" kern="1200" baseline="0" dirty="0">
+              <a:solidFill>
+                <a:srgbClr val="000000"/>
+              </a:solidFill>
+              <a:latin typeface="Arial" panose="020B0604020202020204" pitchFamily="34" charset="0"/>
+            </a:endParaRPr>
+          </a:p>
+          <a:p>
+            <a:pPr rtl="0">
+              <a:buSzPts val="1900"/>
+              <a:buFont typeface="Arial" panose="020B0604020202020204" pitchFamily="34" charset="0"/>
+              <a:buChar char="•"/>
+            </a:pPr>
+            <a:endParaRPr lang="en-US" sz="2000" b="0" i="0" u="none" strike="noStrike" kern="1200" baseline="0" dirty="0">
+              <a:solidFill>
+                <a:srgbClr val="000000"/>
+              </a:solidFill>
+              <a:latin typeface="Arial" panose="020B0604020202020204" pitchFamily="34" charset="0"/>
+            </a:endParaRPr>
+          </a:p>
+          <a:p>
+            <a:pPr rtl="0">
+              <a:buSzPts val="1900"/>
+              <a:buFont typeface="Arial" panose="020B0604020202020204" pitchFamily="34" charset="0"/>
+              <a:buChar char="•"/>
+            </a:pPr>
+            <a:endParaRPr lang="en-US" sz="2000" dirty="0">
+              <a:solidFill>
+                <a:srgbClr val="000000"/>
+              </a:solidFill>
+            </a:endParaRPr>
+          </a:p>
+          <a:p>
+            <a:pPr marL="0" indent="0" rtl="0">
+              <a:buSzPts val="1900"/>
+              <a:buNone/>
+            </a:pPr>
+            <a:endParaRPr lang="en-US" sz="2000" dirty="0">
+              <a:solidFill>
+                <a:srgbClr val="000000"/>
+              </a:solidFill>
+            </a:endParaRPr>
+          </a:p>
+          <a:p>
+            <a:pPr rtl="0">
+              <a:buSzPts val="1900"/>
+              <a:buFont typeface="Arial" panose="020B0604020202020204" pitchFamily="34" charset="0"/>
+              <a:buChar char="•"/>
+            </a:pPr>
+            <a:r>
+              <a:rPr lang="en-US" sz="2000" b="1" i="0" u="none" strike="noStrike" kern="1200" baseline="0" dirty="0">
+                <a:solidFill>
+                  <a:srgbClr val="000000"/>
+                </a:solidFill>
+                <a:latin typeface="Arial" panose="020B0604020202020204" pitchFamily="34" charset="0"/>
+              </a:rPr>
+              <a:t>Task: </a:t>
+            </a:r>
+            <a:r>
+              <a:rPr lang="en-US" sz="2000" b="0" i="0" u="none" strike="noStrike" kern="1200" baseline="0" dirty="0">
+                <a:solidFill>
+                  <a:srgbClr val="000000"/>
+                </a:solidFill>
+                <a:latin typeface="Arial" panose="020B0604020202020204" pitchFamily="34" charset="0"/>
+              </a:rPr>
+              <a:t>Bring latency of virtualization closer to hardware (</a:t>
+            </a:r>
+            <a:r>
+              <a:rPr lang="en-US" sz="2000" b="0" i="0" u="none" strike="noStrike" baseline="0" dirty="0">
+                <a:latin typeface="NimbusSanL-Regu"/>
+              </a:rPr>
+              <a:t>below 50 </a:t>
+            </a:r>
+            <a:r>
+              <a:rPr lang="en-US" sz="2000" b="0" i="0" u="none" strike="noStrike" baseline="0" dirty="0" err="1">
+                <a:latin typeface="NimbusSanL-Regu"/>
+              </a:rPr>
+              <a:t>μs</a:t>
+            </a:r>
+            <a:r>
+              <a:rPr lang="en-US" sz="2000" b="0" i="0" u="none" strike="noStrike" kern="1200" baseline="0" dirty="0">
+                <a:solidFill>
+                  <a:srgbClr val="000000"/>
+                </a:solidFill>
+                <a:latin typeface="Arial" panose="020B0604020202020204" pitchFamily="34" charset="0"/>
+              </a:rPr>
+              <a:t>)</a:t>
+            </a:r>
+            <a:endParaRPr lang="de-AT" sz="2000" b="0" i="0" u="none" strike="noStrike" kern="1200" baseline="0" dirty="0">
+              <a:solidFill>
+                <a:srgbClr val="000000"/>
+              </a:solidFill>
+              <a:latin typeface="Arial" panose="020B0604020202020204" pitchFamily="34" charset="0"/>
+            </a:endParaRPr>
           </a:p>
         </p:txBody>
       </p:sp>
@@ -6160,10 +6644,342 @@
           </a:p>
         </p:txBody>
       </p:sp>
+      <p:graphicFrame>
+        <p:nvGraphicFramePr>
+          <p:cNvPr id="6" name="Tabelle 7">
+            <a:extLst>
+              <a:ext uri="{FF2B5EF4-FFF2-40B4-BE49-F238E27FC236}">
+                <a16:creationId xmlns:a16="http://schemas.microsoft.com/office/drawing/2014/main" id="{157521BE-FBDC-6961-3349-EB4BB901290D}"/>
+              </a:ext>
+            </a:extLst>
+          </p:cNvPr>
+          <p:cNvGraphicFramePr>
+            <a:graphicFrameLocks noGrp="1"/>
+          </p:cNvGraphicFramePr>
+          <p:nvPr>
+            <p:extLst>
+              <p:ext uri="{D42A27DB-BD31-4B8C-83A1-F6EECF244321}">
+                <p14:modId xmlns:p14="http://schemas.microsoft.com/office/powerpoint/2010/main" val="1715808295"/>
+              </p:ext>
+            </p:extLst>
+          </p:nvPr>
+        </p:nvGraphicFramePr>
+        <p:xfrm>
+          <a:off x="1204700" y="960531"/>
+          <a:ext cx="6725919" cy="1854200"/>
+        </p:xfrm>
+        <a:graphic>
+          <a:graphicData uri="http://schemas.openxmlformats.org/drawingml/2006/table">
+            <a:tbl>
+              <a:tblPr firstRow="1" bandRow="1">
+                <a:tableStyleId>{5C22544A-7EE6-4342-B048-85BDC9FD1C3A}</a:tableStyleId>
+              </a:tblPr>
+              <a:tblGrid>
+                <a:gridCol w="3398736">
+                  <a:extLst>
+                    <a:ext uri="{9D8B030D-6E8A-4147-A177-3AD203B41FA5}">
+                      <a16:colId xmlns:a16="http://schemas.microsoft.com/office/drawing/2014/main" val="264832588"/>
+                    </a:ext>
+                  </a:extLst>
+                </a:gridCol>
+                <a:gridCol w="3327183">
+                  <a:extLst>
+                    <a:ext uri="{9D8B030D-6E8A-4147-A177-3AD203B41FA5}">
+                      <a16:colId xmlns:a16="http://schemas.microsoft.com/office/drawing/2014/main" val="2528670559"/>
+                    </a:ext>
+                  </a:extLst>
+                </a:gridCol>
+              </a:tblGrid>
+              <a:tr h="370840">
+                <a:tc gridSpan="2">
+                  <a:txBody>
+                    <a:bodyPr/>
+                    <a:lstStyle/>
+                    <a:p>
+                      <a:pPr algn="ctr"/>
+                      <a:r>
+                        <a:rPr lang="de-AT" dirty="0"/>
+                        <a:t>Virtualization</a:t>
+                      </a:r>
+                      <a:endParaRPr lang="en-US" dirty="0"/>
+                    </a:p>
+                  </a:txBody>
+                  <a:tcPr/>
+                </a:tc>
+                <a:tc hMerge="1">
+                  <a:txBody>
+                    <a:bodyPr/>
+                    <a:lstStyle/>
+                    <a:p>
+                      <a:endParaRPr lang="en-US" dirty="0"/>
+                    </a:p>
+                  </a:txBody>
+                  <a:tcPr/>
+                </a:tc>
+                <a:extLst>
+                  <a:ext uri="{0D108BD9-81ED-4DB2-BD59-A6C34878D82A}">
+                    <a16:rowId xmlns:a16="http://schemas.microsoft.com/office/drawing/2014/main" val="1937937157"/>
+                  </a:ext>
+                </a:extLst>
+              </a:tr>
+              <a:tr h="370840">
+                <a:tc>
+                  <a:txBody>
+                    <a:bodyPr/>
+                    <a:lstStyle/>
+                    <a:p>
+                      <a:r>
+                        <a:rPr lang="de-AT" b="1" dirty="0"/>
+                        <a:t>Advantages</a:t>
+                      </a:r>
+                      <a:endParaRPr lang="en-US" b="1" dirty="0"/>
+                    </a:p>
+                  </a:txBody>
+                  <a:tcPr/>
+                </a:tc>
+                <a:tc>
+                  <a:txBody>
+                    <a:bodyPr/>
+                    <a:lstStyle/>
+                    <a:p>
+                      <a:r>
+                        <a:rPr lang="de-AT" b="1" dirty="0"/>
+                        <a:t>Disadvantages</a:t>
+                      </a:r>
+                      <a:endParaRPr lang="en-US" b="1" dirty="0"/>
+                    </a:p>
+                  </a:txBody>
+                  <a:tcPr/>
+                </a:tc>
+                <a:extLst>
+                  <a:ext uri="{0D108BD9-81ED-4DB2-BD59-A6C34878D82A}">
+                    <a16:rowId xmlns:a16="http://schemas.microsoft.com/office/drawing/2014/main" val="3489513476"/>
+                  </a:ext>
+                </a:extLst>
+              </a:tr>
+              <a:tr h="370840">
+                <a:tc>
+                  <a:txBody>
+                    <a:bodyPr/>
+                    <a:lstStyle/>
+                    <a:p>
+                      <a:pPr marL="0" marR="0" lvl="0" indent="0" algn="l" defTabSz="685783" rtl="0" eaLnBrk="1" fontAlgn="auto" latinLnBrk="0" hangingPunct="1">
+                        <a:lnSpc>
+                          <a:spcPct val="100000"/>
+                        </a:lnSpc>
+                        <a:spcBef>
+                          <a:spcPts val="0"/>
+                        </a:spcBef>
+                        <a:spcAft>
+                          <a:spcPts val="0"/>
+                        </a:spcAft>
+                        <a:buClrTx/>
+                        <a:buSzTx/>
+                        <a:buFontTx/>
+                        <a:buNone/>
+                        <a:tabLst/>
+                        <a:defRPr/>
+                      </a:pPr>
+                      <a:r>
+                        <a:rPr lang="en-US" sz="1350" b="0" i="0" kern="1200" dirty="0">
+                          <a:solidFill>
+                            <a:schemeClr val="dk1"/>
+                          </a:solidFill>
+                          <a:effectLst/>
+                          <a:latin typeface="+mn-lt"/>
+                          <a:ea typeface="+mn-ea"/>
+                          <a:cs typeface="+mn-cs"/>
+                        </a:rPr>
+                        <a:t>Scalability &amp; Flexibility</a:t>
+                      </a:r>
+                    </a:p>
+                  </a:txBody>
+                  <a:tcPr/>
+                </a:tc>
+                <a:tc>
+                  <a:txBody>
+                    <a:bodyPr/>
+                    <a:lstStyle/>
+                    <a:p>
+                      <a:r>
+                        <a:rPr lang="en-US" sz="1350" b="0" i="0" kern="1200" dirty="0">
+                          <a:solidFill>
+                            <a:schemeClr val="dk1"/>
+                          </a:solidFill>
+                          <a:effectLst/>
+                          <a:latin typeface="+mn-lt"/>
+                          <a:ea typeface="+mn-ea"/>
+                          <a:cs typeface="+mn-cs"/>
+                        </a:rPr>
+                        <a:t>Increased overhead and latency</a:t>
+                      </a:r>
+                    </a:p>
+                  </a:txBody>
+                  <a:tcPr/>
+                </a:tc>
+                <a:extLst>
+                  <a:ext uri="{0D108BD9-81ED-4DB2-BD59-A6C34878D82A}">
+                    <a16:rowId xmlns:a16="http://schemas.microsoft.com/office/drawing/2014/main" val="2372108831"/>
+                  </a:ext>
+                </a:extLst>
+              </a:tr>
+              <a:tr h="370840">
+                <a:tc>
+                  <a:txBody>
+                    <a:bodyPr/>
+                    <a:lstStyle/>
+                    <a:p>
+                      <a:pPr marL="0" marR="0" lvl="0" indent="0" algn="l" defTabSz="685783" rtl="0" eaLnBrk="1" fontAlgn="auto" latinLnBrk="0" hangingPunct="1">
+                        <a:lnSpc>
+                          <a:spcPct val="100000"/>
+                        </a:lnSpc>
+                        <a:spcBef>
+                          <a:spcPts val="0"/>
+                        </a:spcBef>
+                        <a:spcAft>
+                          <a:spcPts val="0"/>
+                        </a:spcAft>
+                        <a:buClrTx/>
+                        <a:buSzTx/>
+                        <a:buFontTx/>
+                        <a:buNone/>
+                        <a:tabLst/>
+                        <a:defRPr/>
+                      </a:pPr>
+                      <a:r>
+                        <a:rPr lang="en-US" sz="1350" b="0" i="0" kern="1200" dirty="0">
+                          <a:solidFill>
+                            <a:schemeClr val="dk1"/>
+                          </a:solidFill>
+                          <a:effectLst/>
+                          <a:latin typeface="+mn-lt"/>
+                          <a:ea typeface="+mn-ea"/>
+                          <a:cs typeface="+mn-cs"/>
+                        </a:rPr>
+                        <a:t>Cheaper</a:t>
+                      </a:r>
+                    </a:p>
+                  </a:txBody>
+                  <a:tcPr/>
+                </a:tc>
+                <a:tc>
+                  <a:txBody>
+                    <a:bodyPr/>
+                    <a:lstStyle/>
+                    <a:p>
+                      <a:r>
+                        <a:rPr lang="en-US" sz="1350" b="0" i="0" kern="1200" dirty="0">
+                          <a:solidFill>
+                            <a:schemeClr val="dk1"/>
+                          </a:solidFill>
+                          <a:effectLst/>
+                          <a:latin typeface="+mn-lt"/>
+                          <a:ea typeface="+mn-ea"/>
+                          <a:cs typeface="+mn-cs"/>
+                        </a:rPr>
+                        <a:t>Performance variability</a:t>
+                      </a:r>
+                    </a:p>
+                  </a:txBody>
+                  <a:tcPr/>
+                </a:tc>
+                <a:extLst>
+                  <a:ext uri="{0D108BD9-81ED-4DB2-BD59-A6C34878D82A}">
+                    <a16:rowId xmlns:a16="http://schemas.microsoft.com/office/drawing/2014/main" val="180579272"/>
+                  </a:ext>
+                </a:extLst>
+              </a:tr>
+              <a:tr h="370840">
+                <a:tc>
+                  <a:txBody>
+                    <a:bodyPr/>
+                    <a:lstStyle/>
+                    <a:p>
+                      <a:pPr marL="0" marR="0" lvl="0" indent="0" algn="l" defTabSz="685783" rtl="0" eaLnBrk="1" fontAlgn="auto" latinLnBrk="0" hangingPunct="1">
+                        <a:lnSpc>
+                          <a:spcPct val="100000"/>
+                        </a:lnSpc>
+                        <a:spcBef>
+                          <a:spcPts val="0"/>
+                        </a:spcBef>
+                        <a:spcAft>
+                          <a:spcPts val="0"/>
+                        </a:spcAft>
+                        <a:buClrTx/>
+                        <a:buSzTx/>
+                        <a:buFontTx/>
+                        <a:buNone/>
+                        <a:tabLst/>
+                        <a:defRPr/>
+                      </a:pPr>
+                      <a:r>
+                        <a:rPr lang="en-US" sz="1350" b="0" i="0" kern="1200" dirty="0">
+                          <a:solidFill>
+                            <a:schemeClr val="dk1"/>
+                          </a:solidFill>
+                          <a:effectLst/>
+                          <a:latin typeface="+mn-lt"/>
+                          <a:ea typeface="+mn-ea"/>
+                          <a:cs typeface="+mn-cs"/>
+                        </a:rPr>
+                        <a:t>Remote management</a:t>
+                      </a:r>
+                    </a:p>
+                  </a:txBody>
+                  <a:tcPr/>
+                </a:tc>
+                <a:tc>
+                  <a:txBody>
+                    <a:bodyPr/>
+                    <a:lstStyle/>
+                    <a:p>
+                      <a:pPr marL="0" marR="0" lvl="0" indent="0" algn="l" defTabSz="685783" rtl="0" eaLnBrk="1" fontAlgn="auto" latinLnBrk="0" hangingPunct="1">
+                        <a:lnSpc>
+                          <a:spcPct val="100000"/>
+                        </a:lnSpc>
+                        <a:spcBef>
+                          <a:spcPts val="0"/>
+                        </a:spcBef>
+                        <a:spcAft>
+                          <a:spcPts val="0"/>
+                        </a:spcAft>
+                        <a:buClrTx/>
+                        <a:buSzTx/>
+                        <a:buFontTx/>
+                        <a:buNone/>
+                        <a:tabLst/>
+                        <a:defRPr/>
+                      </a:pPr>
+                      <a:r>
+                        <a:rPr lang="en-US" sz="1350" b="0" i="0" kern="1200" dirty="0">
+                          <a:solidFill>
+                            <a:schemeClr val="dk1"/>
+                          </a:solidFill>
+                          <a:effectLst/>
+                          <a:latin typeface="+mn-lt"/>
+                          <a:ea typeface="+mn-ea"/>
+                          <a:cs typeface="+mn-cs"/>
+                        </a:rPr>
+                        <a:t>Complexity</a:t>
+                      </a:r>
+                    </a:p>
+                  </a:txBody>
+                  <a:tcPr/>
+                </a:tc>
+                <a:extLst>
+                  <a:ext uri="{0D108BD9-81ED-4DB2-BD59-A6C34878D82A}">
+                    <a16:rowId xmlns:a16="http://schemas.microsoft.com/office/drawing/2014/main" val="3324180784"/>
+                  </a:ext>
+                </a:extLst>
+              </a:tr>
+            </a:tbl>
+          </a:graphicData>
+        </a:graphic>
+      </p:graphicFrame>
     </p:spTree>
     <p:extLst>
       <p:ext uri="{BB962C8B-B14F-4D97-AF65-F5344CB8AC3E}">
-        <p14:creationId xmlns:p14="http://schemas.microsoft.com/office/powerpoint/2010/main" val="1686337203"/>
+        <p14:creationId xmlns:p14="http://schemas.microsoft.com/office/powerpoint/2010/main" val="876413958"/>
       </p:ext>
     </p:extLst>
   </p:cSld>
@@ -6215,7 +7031,7 @@
           <a:p>
             <a:r>
               <a:rPr lang="de-AT" dirty="0"/>
-              <a:t>Practical Implementation</a:t>
+              <a:t>Methodology</a:t>
             </a:r>
           </a:p>
         </p:txBody>
@@ -6239,31 +7055,14 @@
         <p:spPr/>
         <p:txBody>
           <a:bodyPr>
-            <a:normAutofit fontScale="92500" lnSpcReduction="20000"/>
+            <a:normAutofit/>
           </a:bodyPr>
           <a:lstStyle/>
           <a:p>
-            <a:r>
-              <a:rPr lang="en-US" dirty="0"/>
-              <a:t>The initial latency values were first measured with the latency program of the </a:t>
-            </a:r>
-            <a:r>
-              <a:rPr lang="en-US" dirty="0" err="1"/>
-              <a:t>Xenomai</a:t>
-            </a:r>
-            <a:r>
-              <a:rPr lang="en-US" dirty="0"/>
-              <a:t> tool suite. The tests were conducted for 10 minutes with a sampling period of 100 µs, using a periodic user-mode task, and were assigned a priority of 99. If any sample’s latency value was greater than 100 µs, this was considered an overrun. There was a significant initial gap in latency between the bare metal and virtualized Salamander 4. To address this gap, an extensive tuning process was carried out to achieve real-time performance and determinism. These modifications were added sequentially and tested together. Previous tunings were not reverted when moving to the next tunings. First, the BIOS was configured, followed by the kernel. The BIOS settings were not reverted when moving to the kernel configurations. Next, the host was configured, but the BIOS and kernel settings remained unchanged. The guest configurations were not changed since </a:t>
-            </a:r>
-            <a:r>
-              <a:rPr lang="en-US" dirty="0" err="1"/>
-              <a:t>Xenomai</a:t>
-            </a:r>
-            <a:r>
-              <a:rPr lang="en-US" dirty="0"/>
-              <a:t> already provides real-time capabilities. Finally, QEMU/KVM settings were applied. A robotic application further confirmed the improvements. The difference between the command time and the time the signal reaches the Pulse Width Modulation (PWM) Module was measured 1,000 times to get reliable results for the bare metal, untuned, and tuned versions of Salamander 4.</a:t>
-            </a:r>
-            <a:endParaRPr lang="de-AT" dirty="0"/>
+            <a:endParaRPr lang="en-US" dirty="0"/>
+          </a:p>
+          <a:p>
+            <a:endParaRPr lang="en-US" dirty="0"/>
           </a:p>
         </p:txBody>
       </p:sp>
@@ -6289,22 +7088,37 @@
           <a:lstStyle/>
           <a:p>
             <a:r>
-              <a:rPr lang="en-US"/>
-              <a:t>Virtualization of a Real-Time Operating System for Robot Control with a Focus on RealTime Compliance</a:t>
-            </a:r>
-            <a:r>
-              <a:rPr lang="en-GB"/>
+              <a:rPr lang="en-US" dirty="0"/>
+              <a:t>Virtualization of a Real-Time Operating System for Robot Control with a Focus on </a:t>
+            </a:r>
+            <a:r>
+              <a:rPr lang="en-US" dirty="0" err="1"/>
+              <a:t>RealTime</a:t>
+            </a:r>
+            <a:r>
+              <a:rPr lang="en-US" dirty="0"/>
+              <a:t> Compliance</a:t>
+            </a:r>
+            <a:r>
+              <a:rPr lang="en-GB" dirty="0"/>
               <a:t> | </a:t>
             </a:r>
             <a:r>
-              <a:rPr lang="de-AT"/>
-              <a:t>Halil Pamuk, BSc.</a:t>
-            </a:r>
-            <a:r>
-              <a:rPr lang="en-GB"/>
+              <a:rPr lang="de-AT" dirty="0"/>
+              <a:t>Halil Pamuk, </a:t>
+            </a:r>
+            <a:r>
+              <a:rPr lang="de-AT" dirty="0" err="1"/>
+              <a:t>BSc</a:t>
+            </a:r>
+            <a:r>
+              <a:rPr lang="de-AT" dirty="0"/>
+              <a:t>.</a:t>
+            </a:r>
+            <a:r>
+              <a:rPr lang="en-GB" dirty="0"/>
               <a:t> | 10.10.2024</a:t>
             </a:r>
-            <a:endParaRPr lang="en-GB" dirty="0"/>
           </a:p>
         </p:txBody>
       </p:sp>
@@ -6338,10 +7152,478 @@
           </a:p>
         </p:txBody>
       </p:sp>
+      <p:sp>
+        <p:nvSpPr>
+          <p:cNvPr id="6" name="Rechteck 5">
+            <a:extLst>
+              <a:ext uri="{FF2B5EF4-FFF2-40B4-BE49-F238E27FC236}">
+                <a16:creationId xmlns:a16="http://schemas.microsoft.com/office/drawing/2014/main" id="{B9C643C1-FF11-E858-F2E3-08F038B396CE}"/>
+              </a:ext>
+            </a:extLst>
+          </p:cNvPr>
+          <p:cNvSpPr/>
+          <p:nvPr/>
+        </p:nvSpPr>
+        <p:spPr>
+          <a:xfrm>
+            <a:off x="850900" y="787400"/>
+            <a:ext cx="6945735" cy="812800"/>
+          </a:xfrm>
+          <a:prstGeom prst="rect">
+            <a:avLst/>
+          </a:prstGeom>
+          <a:solidFill>
+            <a:schemeClr val="accent5">
+              <a:lumMod val="40000"/>
+              <a:lumOff val="60000"/>
+            </a:schemeClr>
+          </a:solidFill>
+        </p:spPr>
+        <p:style>
+          <a:lnRef idx="2">
+            <a:schemeClr val="accent1">
+              <a:shade val="15000"/>
+            </a:schemeClr>
+          </a:lnRef>
+          <a:fillRef idx="1">
+            <a:schemeClr val="accent1"/>
+          </a:fillRef>
+          <a:effectRef idx="0">
+            <a:schemeClr val="accent1"/>
+          </a:effectRef>
+          <a:fontRef idx="minor">
+            <a:schemeClr val="lt1"/>
+          </a:fontRef>
+        </p:style>
+        <p:txBody>
+          <a:bodyPr rtlCol="0" anchor="ctr"/>
+          <a:lstStyle/>
+          <a:p>
+            <a:pPr algn="ctr"/>
+            <a:r>
+              <a:rPr lang="de-AT" sz="2400" dirty="0">
+                <a:solidFill>
+                  <a:schemeClr val="bg1"/>
+                </a:solidFill>
+              </a:rPr>
+              <a:t>Asses Initial Situation</a:t>
+            </a:r>
+          </a:p>
+          <a:p>
+            <a:pPr algn="ctr"/>
+            <a:r>
+              <a:rPr lang="en-US" sz="1400" dirty="0">
+                <a:solidFill>
+                  <a:schemeClr val="tx1"/>
+                </a:solidFill>
+              </a:rPr>
+              <a:t>Measure initial latency difference between bare metal &amp; untuned virtualization with the latency tool of </a:t>
+            </a:r>
+            <a:r>
+              <a:rPr lang="en-US" sz="1400" dirty="0" err="1">
+                <a:solidFill>
+                  <a:schemeClr val="tx1"/>
+                </a:solidFill>
+              </a:rPr>
+              <a:t>Xenomai</a:t>
+            </a:r>
+            <a:endParaRPr lang="en-US" sz="1400" dirty="0">
+              <a:solidFill>
+                <a:schemeClr val="tx1"/>
+              </a:solidFill>
+            </a:endParaRPr>
+          </a:p>
+        </p:txBody>
+      </p:sp>
+      <p:sp>
+        <p:nvSpPr>
+          <p:cNvPr id="7" name="Rechteck 6">
+            <a:extLst>
+              <a:ext uri="{FF2B5EF4-FFF2-40B4-BE49-F238E27FC236}">
+                <a16:creationId xmlns:a16="http://schemas.microsoft.com/office/drawing/2014/main" id="{5339BAD2-97DD-CCC7-93CA-5BB3C68C0549}"/>
+              </a:ext>
+            </a:extLst>
+          </p:cNvPr>
+          <p:cNvSpPr/>
+          <p:nvPr/>
+        </p:nvSpPr>
+        <p:spPr>
+          <a:xfrm>
+            <a:off x="850900" y="2057400"/>
+            <a:ext cx="6945735" cy="812800"/>
+          </a:xfrm>
+          <a:prstGeom prst="rect">
+            <a:avLst/>
+          </a:prstGeom>
+          <a:solidFill>
+            <a:srgbClr val="92D050"/>
+          </a:solidFill>
+        </p:spPr>
+        <p:style>
+          <a:lnRef idx="2">
+            <a:schemeClr val="accent1">
+              <a:shade val="15000"/>
+            </a:schemeClr>
+          </a:lnRef>
+          <a:fillRef idx="1">
+            <a:schemeClr val="accent1"/>
+          </a:fillRef>
+          <a:effectRef idx="0">
+            <a:schemeClr val="accent1"/>
+          </a:effectRef>
+          <a:fontRef idx="minor">
+            <a:schemeClr val="lt1"/>
+          </a:fontRef>
+        </p:style>
+        <p:txBody>
+          <a:bodyPr rtlCol="0" anchor="ctr"/>
+          <a:lstStyle/>
+          <a:p>
+            <a:pPr algn="ctr"/>
+            <a:r>
+              <a:rPr lang="en-US" sz="2400" b="0" i="0" u="none" strike="noStrike" baseline="0" dirty="0">
+                <a:solidFill>
+                  <a:schemeClr val="bg1"/>
+                </a:solidFill>
+                <a:latin typeface="NimbusSanL-Regu"/>
+              </a:rPr>
+              <a:t>Real-Time Performance Tunings</a:t>
+            </a:r>
+          </a:p>
+          <a:p>
+            <a:pPr algn="ctr"/>
+            <a:r>
+              <a:rPr lang="en-US" sz="1400" dirty="0">
+                <a:solidFill>
+                  <a:schemeClr val="tx1"/>
+                </a:solidFill>
+                <a:latin typeface="NimbusSanL-Regu"/>
+              </a:rPr>
+              <a:t>Sequentially tune virtualization through BIOS, kernel, host, guest and QEMU configurations</a:t>
+            </a:r>
+            <a:endParaRPr lang="en-US" sz="1100" dirty="0">
+              <a:solidFill>
+                <a:schemeClr val="tx1"/>
+              </a:solidFill>
+            </a:endParaRPr>
+          </a:p>
+        </p:txBody>
+      </p:sp>
+      <p:cxnSp>
+        <p:nvCxnSpPr>
+          <p:cNvPr id="9" name="Gerade Verbindung mit Pfeil 8">
+            <a:extLst>
+              <a:ext uri="{FF2B5EF4-FFF2-40B4-BE49-F238E27FC236}">
+                <a16:creationId xmlns:a16="http://schemas.microsoft.com/office/drawing/2014/main" id="{81B8A296-7A62-BD33-C46A-D30B17A44A4F}"/>
+              </a:ext>
+            </a:extLst>
+          </p:cNvPr>
+          <p:cNvCxnSpPr>
+            <a:cxnSpLocks/>
+            <a:stCxn id="6" idx="2"/>
+            <a:endCxn id="7" idx="0"/>
+          </p:cNvCxnSpPr>
+          <p:nvPr/>
+        </p:nvCxnSpPr>
+        <p:spPr>
+          <a:xfrm>
+            <a:off x="4323768" y="1600200"/>
+            <a:ext cx="0" cy="457200"/>
+          </a:xfrm>
+          <a:prstGeom prst="straightConnector1">
+            <a:avLst/>
+          </a:prstGeom>
+          <a:ln>
+            <a:solidFill>
+              <a:schemeClr val="tx1"/>
+            </a:solidFill>
+            <a:tailEnd type="triangle"/>
+          </a:ln>
+        </p:spPr>
+        <p:style>
+          <a:lnRef idx="1">
+            <a:schemeClr val="accent1"/>
+          </a:lnRef>
+          <a:fillRef idx="0">
+            <a:schemeClr val="accent1"/>
+          </a:fillRef>
+          <a:effectRef idx="0">
+            <a:schemeClr val="accent1"/>
+          </a:effectRef>
+          <a:fontRef idx="minor">
+            <a:schemeClr val="tx1"/>
+          </a:fontRef>
+        </p:style>
+      </p:cxnSp>
+      <p:sp>
+        <p:nvSpPr>
+          <p:cNvPr id="19" name="Rechteck 18">
+            <a:extLst>
+              <a:ext uri="{FF2B5EF4-FFF2-40B4-BE49-F238E27FC236}">
+                <a16:creationId xmlns:a16="http://schemas.microsoft.com/office/drawing/2014/main" id="{CC6DC2CD-AE6D-B9CA-BF9C-F0493A5034E9}"/>
+              </a:ext>
+            </a:extLst>
+          </p:cNvPr>
+          <p:cNvSpPr/>
+          <p:nvPr/>
+        </p:nvSpPr>
+        <p:spPr>
+          <a:xfrm>
+            <a:off x="892039" y="3327400"/>
+            <a:ext cx="3343412" cy="812800"/>
+          </a:xfrm>
+          <a:prstGeom prst="rect">
+            <a:avLst/>
+          </a:prstGeom>
+          <a:solidFill>
+            <a:srgbClr val="FFC000"/>
+          </a:solidFill>
+        </p:spPr>
+        <p:style>
+          <a:lnRef idx="2">
+            <a:schemeClr val="accent1">
+              <a:shade val="15000"/>
+            </a:schemeClr>
+          </a:lnRef>
+          <a:fillRef idx="1">
+            <a:schemeClr val="accent1"/>
+          </a:fillRef>
+          <a:effectRef idx="0">
+            <a:schemeClr val="accent1"/>
+          </a:effectRef>
+          <a:fontRef idx="minor">
+            <a:schemeClr val="lt1"/>
+          </a:fontRef>
+        </p:style>
+        <p:txBody>
+          <a:bodyPr rtlCol="0" anchor="ctr"/>
+          <a:lstStyle/>
+          <a:p>
+            <a:pPr algn="ctr"/>
+            <a:r>
+              <a:rPr lang="en-US" sz="2400" b="0" i="0" u="none" strike="noStrike" baseline="0" dirty="0">
+                <a:solidFill>
+                  <a:schemeClr val="bg1"/>
+                </a:solidFill>
+                <a:latin typeface="NimbusSanL-Regu"/>
+              </a:rPr>
+              <a:t>Comparison</a:t>
+            </a:r>
+          </a:p>
+          <a:p>
+            <a:pPr algn="ctr"/>
+            <a:r>
+              <a:rPr lang="en-US" sz="1400" b="0" i="0" u="none" strike="noStrike" baseline="0" dirty="0">
+                <a:solidFill>
+                  <a:schemeClr val="tx1"/>
+                </a:solidFill>
+                <a:latin typeface="NimbusSanL-Regu"/>
+              </a:rPr>
+              <a:t>Measure </a:t>
+            </a:r>
+            <a:r>
+              <a:rPr lang="en-US" sz="1400" dirty="0">
+                <a:solidFill>
+                  <a:schemeClr val="tx1"/>
+                </a:solidFill>
+                <a:latin typeface="NimbusSanL-Regu"/>
+              </a:rPr>
+              <a:t>the latency difference with the latency tool</a:t>
+            </a:r>
+            <a:endParaRPr lang="en-US" sz="1400" dirty="0">
+              <a:solidFill>
+                <a:schemeClr val="tx1"/>
+              </a:solidFill>
+            </a:endParaRPr>
+          </a:p>
+        </p:txBody>
+      </p:sp>
+      <p:cxnSp>
+        <p:nvCxnSpPr>
+          <p:cNvPr id="11" name="Gerade Verbindung mit Pfeil 10">
+            <a:extLst>
+              <a:ext uri="{FF2B5EF4-FFF2-40B4-BE49-F238E27FC236}">
+                <a16:creationId xmlns:a16="http://schemas.microsoft.com/office/drawing/2014/main" id="{CFB98A11-0A46-9CC9-731A-230FA7B2A36C}"/>
+              </a:ext>
+            </a:extLst>
+          </p:cNvPr>
+          <p:cNvCxnSpPr>
+            <a:cxnSpLocks/>
+            <a:endCxn id="19" idx="0"/>
+          </p:cNvCxnSpPr>
+          <p:nvPr/>
+        </p:nvCxnSpPr>
+        <p:spPr>
+          <a:xfrm flipH="1">
+            <a:off x="2563745" y="2870200"/>
+            <a:ext cx="1" cy="457200"/>
+          </a:xfrm>
+          <a:prstGeom prst="straightConnector1">
+            <a:avLst/>
+          </a:prstGeom>
+          <a:ln>
+            <a:solidFill>
+              <a:schemeClr val="tx1"/>
+            </a:solidFill>
+            <a:tailEnd type="triangle"/>
+          </a:ln>
+        </p:spPr>
+        <p:style>
+          <a:lnRef idx="1">
+            <a:schemeClr val="accent1"/>
+          </a:lnRef>
+          <a:fillRef idx="0">
+            <a:schemeClr val="accent1"/>
+          </a:fillRef>
+          <a:effectRef idx="0">
+            <a:schemeClr val="accent1"/>
+          </a:effectRef>
+          <a:fontRef idx="minor">
+            <a:schemeClr val="tx1"/>
+          </a:fontRef>
+        </p:style>
+      </p:cxnSp>
+      <p:sp>
+        <p:nvSpPr>
+          <p:cNvPr id="24" name="Rechteck 23">
+            <a:extLst>
+              <a:ext uri="{FF2B5EF4-FFF2-40B4-BE49-F238E27FC236}">
+                <a16:creationId xmlns:a16="http://schemas.microsoft.com/office/drawing/2014/main" id="{2A2922D1-174D-DD22-9BB7-E6038FD9DDF6}"/>
+              </a:ext>
+            </a:extLst>
+          </p:cNvPr>
+          <p:cNvSpPr/>
+          <p:nvPr/>
+        </p:nvSpPr>
+        <p:spPr>
+          <a:xfrm>
+            <a:off x="4394200" y="3327400"/>
+            <a:ext cx="3411117" cy="812800"/>
+          </a:xfrm>
+          <a:prstGeom prst="rect">
+            <a:avLst/>
+          </a:prstGeom>
+          <a:solidFill>
+            <a:srgbClr val="FFC000"/>
+          </a:solidFill>
+        </p:spPr>
+        <p:style>
+          <a:lnRef idx="2">
+            <a:schemeClr val="accent1">
+              <a:shade val="15000"/>
+            </a:schemeClr>
+          </a:lnRef>
+          <a:fillRef idx="1">
+            <a:schemeClr val="accent1"/>
+          </a:fillRef>
+          <a:effectRef idx="0">
+            <a:schemeClr val="accent1"/>
+          </a:effectRef>
+          <a:fontRef idx="minor">
+            <a:schemeClr val="lt1"/>
+          </a:fontRef>
+        </p:style>
+        <p:txBody>
+          <a:bodyPr rtlCol="0" anchor="ctr"/>
+          <a:lstStyle/>
+          <a:p>
+            <a:pPr algn="ctr"/>
+            <a:r>
+              <a:rPr lang="en-US" sz="2400" b="0" i="0" u="none" strike="noStrike" baseline="0" dirty="0">
+                <a:solidFill>
+                  <a:schemeClr val="bg1"/>
+                </a:solidFill>
+                <a:latin typeface="NimbusSanL-Regu"/>
+              </a:rPr>
+              <a:t>Validation</a:t>
+            </a:r>
+          </a:p>
+          <a:p>
+            <a:pPr algn="ctr"/>
+            <a:r>
+              <a:rPr lang="en-US" sz="1400" b="0" i="0" u="none" strike="noStrike" baseline="0" dirty="0">
+                <a:solidFill>
+                  <a:schemeClr val="tx1"/>
+                </a:solidFill>
+                <a:latin typeface="NimbusSanL-Regu"/>
+              </a:rPr>
+              <a:t>Measure </a:t>
+            </a:r>
+            <a:r>
+              <a:rPr lang="en-US" sz="1400" dirty="0">
+                <a:solidFill>
+                  <a:schemeClr val="tx1"/>
+                </a:solidFill>
+                <a:latin typeface="NimbusSanL-Regu"/>
+              </a:rPr>
+              <a:t>the latency difference with a r</a:t>
+            </a:r>
+            <a:r>
+              <a:rPr lang="en-US" sz="1400" b="0" i="0" u="none" strike="noStrike" baseline="0" dirty="0">
+                <a:solidFill>
+                  <a:schemeClr val="tx1"/>
+                </a:solidFill>
+                <a:latin typeface="NimbusSanL-Regu"/>
+              </a:rPr>
+              <a:t>eal-time robotic application</a:t>
+            </a:r>
+            <a:endParaRPr lang="en-US" sz="1100" dirty="0">
+              <a:solidFill>
+                <a:schemeClr val="tx1"/>
+              </a:solidFill>
+            </a:endParaRPr>
+          </a:p>
+        </p:txBody>
+      </p:sp>
+      <p:cxnSp>
+        <p:nvCxnSpPr>
+          <p:cNvPr id="13" name="Gerade Verbindung mit Pfeil 12">
+            <a:extLst>
+              <a:ext uri="{FF2B5EF4-FFF2-40B4-BE49-F238E27FC236}">
+                <a16:creationId xmlns:a16="http://schemas.microsoft.com/office/drawing/2014/main" id="{4DF5E1AE-A2CD-9D35-C7BF-7315F5CA4AB1}"/>
+              </a:ext>
+            </a:extLst>
+          </p:cNvPr>
+          <p:cNvCxnSpPr>
+            <a:cxnSpLocks/>
+            <a:endCxn id="24" idx="0"/>
+          </p:cNvCxnSpPr>
+          <p:nvPr/>
+        </p:nvCxnSpPr>
+        <p:spPr>
+          <a:xfrm>
+            <a:off x="6099758" y="2870200"/>
+            <a:ext cx="1" cy="457200"/>
+          </a:xfrm>
+          <a:prstGeom prst="straightConnector1">
+            <a:avLst/>
+          </a:prstGeom>
+          <a:ln>
+            <a:solidFill>
+              <a:schemeClr val="tx1"/>
+            </a:solidFill>
+            <a:tailEnd type="triangle"/>
+          </a:ln>
+        </p:spPr>
+        <p:style>
+          <a:lnRef idx="1">
+            <a:schemeClr val="accent1"/>
+          </a:lnRef>
+          <a:fillRef idx="0">
+            <a:schemeClr val="accent1"/>
+          </a:fillRef>
+          <a:effectRef idx="0">
+            <a:schemeClr val="accent1"/>
+          </a:effectRef>
+          <a:fontRef idx="minor">
+            <a:schemeClr val="tx1"/>
+          </a:fontRef>
+        </p:style>
+      </p:cxnSp>
     </p:spTree>
     <p:extLst>
       <p:ext uri="{BB962C8B-B14F-4D97-AF65-F5344CB8AC3E}">
-        <p14:creationId xmlns:p14="http://schemas.microsoft.com/office/powerpoint/2010/main" val="453127118"/>
+        <p14:creationId xmlns:p14="http://schemas.microsoft.com/office/powerpoint/2010/main" val="3669568136"/>
       </p:ext>
     </p:extLst>
   </p:cSld>
@@ -6373,7 +7655,7 @@
           <p:cNvPr id="2" name="Titel 1">
             <a:extLst>
               <a:ext uri="{FF2B5EF4-FFF2-40B4-BE49-F238E27FC236}">
-                <a16:creationId xmlns:a16="http://schemas.microsoft.com/office/drawing/2014/main" id="{73ADFF64-5302-EF15-926F-46D2C696D31A}"/>
+                <a16:creationId xmlns:a16="http://schemas.microsoft.com/office/drawing/2014/main" id="{A961F96A-767C-259C-1F1C-858E9A5A41BA}"/>
               </a:ext>
             </a:extLst>
           </p:cNvPr>
@@ -6393,8 +7675,21 @@
           <a:p>
             <a:r>
               <a:rPr lang="de-AT" dirty="0"/>
-              <a:t>Results (1)</a:t>
-            </a:r>
+              <a:t>Application </a:t>
+            </a:r>
+            <a:r>
+              <a:rPr lang="de-AT" dirty="0" err="1"/>
+              <a:t>Context</a:t>
+            </a:r>
+            <a:r>
+              <a:rPr lang="de-AT" dirty="0"/>
+              <a:t> and </a:t>
+            </a:r>
+            <a:r>
+              <a:rPr lang="de-AT" dirty="0" err="1"/>
+              <a:t>Conditions</a:t>
+            </a:r>
+            <a:endParaRPr lang="en-US" dirty="0"/>
           </a:p>
         </p:txBody>
       </p:sp>
@@ -6403,7 +7698,7 @@
           <p:cNvPr id="3" name="Textplatzhalter 2">
             <a:extLst>
               <a:ext uri="{FF2B5EF4-FFF2-40B4-BE49-F238E27FC236}">
-                <a16:creationId xmlns:a16="http://schemas.microsoft.com/office/drawing/2014/main" id="{0C5D34C3-D25D-2153-5492-7F46FFB508EE}"/>
+                <a16:creationId xmlns:a16="http://schemas.microsoft.com/office/drawing/2014/main" id="{F246704A-3834-2048-255A-E4B003C0E209}"/>
               </a:ext>
             </a:extLst>
           </p:cNvPr>
@@ -6416,14 +7711,196 @@
         </p:nvSpPr>
         <p:spPr/>
         <p:txBody>
-          <a:bodyPr/>
+          <a:bodyPr>
+            <a:normAutofit/>
+          </a:bodyPr>
           <a:lstStyle/>
           <a:p>
-            <a:r>
-              <a:rPr lang="en-US" dirty="0"/>
-              <a:t>This section summarizes the results after the real-time performance tunings, both in terms of the latency program and the robotic application. Figure 1 displays the change in latency after each real-time performance tuning of Salamander 4. Table 1 gives an overview of the most important metrics of the measurements after each tuning.</a:t>
-            </a:r>
-            <a:endParaRPr lang="de-AT" dirty="0"/>
+            <a:pPr algn="l"/>
+            <a:r>
+              <a:rPr lang="en-US" sz="2000" b="0" i="0" u="none" strike="noStrike" baseline="0" dirty="0">
+                <a:latin typeface="+mn-lt"/>
+              </a:rPr>
+              <a:t>This work was written at SIGMATEK GmbH &amp; Co KG</a:t>
+            </a:r>
+          </a:p>
+          <a:p>
+            <a:pPr algn="l"/>
+            <a:endParaRPr lang="en-US" sz="2000" b="0" i="0" u="none" strike="noStrike" baseline="0" dirty="0">
+              <a:latin typeface="+mn-lt"/>
+            </a:endParaRPr>
+          </a:p>
+          <a:p>
+            <a:pPr algn="l"/>
+            <a:r>
+              <a:rPr lang="en-US" sz="2000" b="1" dirty="0">
+                <a:latin typeface="+mn-lt"/>
+              </a:rPr>
+              <a:t>Host OS:</a:t>
+            </a:r>
+            <a:r>
+              <a:rPr lang="en-US" sz="2000" dirty="0">
+                <a:latin typeface="+mn-lt"/>
+              </a:rPr>
+              <a:t> Ubuntu 22.04.4 LTS, </a:t>
+            </a:r>
+            <a:r>
+              <a:rPr lang="en-US" sz="2000" dirty="0"/>
+              <a:t>PREEMPT-RT</a:t>
+            </a:r>
+            <a:endParaRPr lang="en-US" sz="2000" dirty="0">
+              <a:latin typeface="+mn-lt"/>
+            </a:endParaRPr>
+          </a:p>
+          <a:p>
+            <a:pPr algn="l"/>
+            <a:r>
+              <a:rPr lang="en-US" sz="2000" b="1" i="0" u="none" strike="noStrike" baseline="0" dirty="0">
+                <a:latin typeface="+mn-lt"/>
+              </a:rPr>
+              <a:t>Guest OS: </a:t>
+            </a:r>
+            <a:r>
+              <a:rPr lang="en-US" sz="2000" b="0" i="0" u="none" strike="noStrike" baseline="0" dirty="0">
+                <a:latin typeface="+mn-lt"/>
+              </a:rPr>
+              <a:t>Salamander 4</a:t>
+            </a:r>
+          </a:p>
+          <a:p>
+            <a:pPr lvl="1"/>
+            <a:r>
+              <a:rPr lang="en-US" sz="2000" dirty="0">
+                <a:latin typeface="+mn-lt"/>
+              </a:rPr>
+              <a:t>Built with </a:t>
+            </a:r>
+            <a:r>
+              <a:rPr lang="en-US" sz="2000" dirty="0" err="1">
+                <a:latin typeface="+mn-lt"/>
+              </a:rPr>
+              <a:t>Yocto</a:t>
+            </a:r>
+            <a:r>
+              <a:rPr lang="en-US" sz="2000" dirty="0">
+                <a:latin typeface="+mn-lt"/>
+              </a:rPr>
+              <a:t> [1]</a:t>
+            </a:r>
+          </a:p>
+          <a:p>
+            <a:pPr lvl="1"/>
+            <a:r>
+              <a:rPr lang="en-US" sz="2000" b="0" i="0" u="none" strike="noStrike" baseline="0" dirty="0">
+                <a:latin typeface="+mn-lt"/>
+              </a:rPr>
+              <a:t>Virtualized through Quick Emulator (QEMU) </a:t>
+            </a:r>
+            <a:r>
+              <a:rPr lang="en-US" sz="2000" dirty="0">
+                <a:latin typeface="+mn-lt"/>
+              </a:rPr>
+              <a:t>[2]</a:t>
+            </a:r>
+            <a:endParaRPr lang="en-US" sz="2000" b="0" i="0" u="none" strike="noStrike" baseline="0" dirty="0">
+              <a:latin typeface="+mn-lt"/>
+            </a:endParaRPr>
+          </a:p>
+          <a:p>
+            <a:pPr lvl="1"/>
+            <a:r>
+              <a:rPr lang="en-US" sz="2000" dirty="0">
+                <a:latin typeface="+mn-lt"/>
+              </a:rPr>
+              <a:t>H</a:t>
+            </a:r>
+            <a:r>
+              <a:rPr lang="en-US" sz="2000" b="0" i="0" u="none" strike="noStrike" baseline="0" dirty="0">
+                <a:latin typeface="+mn-lt"/>
+              </a:rPr>
+              <a:t>ard real-time with </a:t>
+            </a:r>
+            <a:r>
+              <a:rPr lang="en-US" sz="2000" b="0" i="0" u="none" strike="noStrike" baseline="0" dirty="0" err="1">
+                <a:latin typeface="+mn-lt"/>
+              </a:rPr>
+              <a:t>Xenomai</a:t>
+            </a:r>
+            <a:r>
+              <a:rPr lang="en-US" sz="2000" b="0" i="0" u="none" strike="noStrike" baseline="0" dirty="0">
+                <a:latin typeface="+mn-lt"/>
+              </a:rPr>
+              <a:t> 3 </a:t>
+            </a:r>
+            <a:r>
+              <a:rPr lang="en-US" sz="2000" dirty="0">
+                <a:latin typeface="+mn-lt"/>
+              </a:rPr>
+              <a:t>[3]</a:t>
+            </a:r>
+          </a:p>
+          <a:p>
+            <a:pPr lvl="1"/>
+            <a:endParaRPr lang="en-US" sz="2000" b="0" i="0" u="none" strike="noStrike" baseline="0" dirty="0">
+              <a:latin typeface="+mn-lt"/>
+            </a:endParaRPr>
+          </a:p>
+          <a:p>
+            <a:pPr algn="l"/>
+            <a:r>
+              <a:rPr lang="en-US" sz="2000" b="0" i="0" u="none" strike="noStrike" baseline="0" dirty="0">
+                <a:latin typeface="+mn-lt"/>
+              </a:rPr>
+              <a:t>Trace-</a:t>
+            </a:r>
+            <a:r>
+              <a:rPr lang="en-US" sz="2000" b="0" i="0" u="none" strike="noStrike" baseline="0" dirty="0" err="1">
+                <a:latin typeface="+mn-lt"/>
+              </a:rPr>
+              <a:t>cmd</a:t>
+            </a:r>
+            <a:r>
+              <a:rPr lang="en-US" sz="2000" b="0" i="0" u="none" strike="noStrike" baseline="0" dirty="0">
+                <a:latin typeface="+mn-lt"/>
+              </a:rPr>
+              <a:t> </a:t>
+            </a:r>
+            <a:r>
+              <a:rPr lang="en-US" sz="2000" dirty="0">
+                <a:latin typeface="+mn-lt"/>
+              </a:rPr>
+              <a:t>[4] </a:t>
+            </a:r>
+            <a:r>
+              <a:rPr lang="en-US" sz="2000" b="0" i="0" u="none" strike="noStrike" baseline="0" dirty="0">
+                <a:latin typeface="+mn-lt"/>
+              </a:rPr>
+              <a:t>and </a:t>
+            </a:r>
+            <a:r>
+              <a:rPr lang="en-US" sz="2000" b="0" i="0" u="none" strike="noStrike" baseline="0" dirty="0" err="1">
+                <a:latin typeface="+mn-lt"/>
+              </a:rPr>
+              <a:t>Kernelshark</a:t>
+            </a:r>
+            <a:r>
+              <a:rPr lang="en-US" sz="2000" b="0" i="0" u="none" strike="noStrike" baseline="0" dirty="0">
+                <a:latin typeface="+mn-lt"/>
+              </a:rPr>
+              <a:t> </a:t>
+            </a:r>
+            <a:r>
+              <a:rPr lang="en-US" sz="2000" dirty="0">
+                <a:latin typeface="+mn-lt"/>
+              </a:rPr>
+              <a:t>[5]</a:t>
+            </a:r>
+            <a:r>
+              <a:rPr lang="en-US" sz="2000" b="0" i="0" u="none" strike="noStrike" baseline="0" dirty="0">
+                <a:latin typeface="+mn-lt"/>
+              </a:rPr>
+              <a:t> for kernel tracing and visualization</a:t>
+            </a:r>
           </a:p>
         </p:txBody>
       </p:sp>
@@ -6432,7 +7909,7 @@
           <p:cNvPr id="4" name="Fußzeilenplatzhalter 3">
             <a:extLst>
               <a:ext uri="{FF2B5EF4-FFF2-40B4-BE49-F238E27FC236}">
-                <a16:creationId xmlns:a16="http://schemas.microsoft.com/office/drawing/2014/main" id="{EA817E3F-89E9-CA85-E9CF-E05C574B5D7A}"/>
+                <a16:creationId xmlns:a16="http://schemas.microsoft.com/office/drawing/2014/main" id="{DBD0C13C-CF47-EAA5-49A1-AE759C771206}"/>
               </a:ext>
             </a:extLst>
           </p:cNvPr>
@@ -6473,7 +7950,7 @@
           <p:cNvPr id="5" name="Foliennummernplatzhalter 4">
             <a:extLst>
               <a:ext uri="{FF2B5EF4-FFF2-40B4-BE49-F238E27FC236}">
-                <a16:creationId xmlns:a16="http://schemas.microsoft.com/office/drawing/2014/main" id="{A3704926-5E9E-0193-79D6-E0567D7C55A4}"/>
+                <a16:creationId xmlns:a16="http://schemas.microsoft.com/office/drawing/2014/main" id="{4D53075F-0CF6-3549-890D-03AF6A4CF740}"/>
               </a:ext>
             </a:extLst>
           </p:cNvPr>
@@ -6500,15 +7977,15 @@
       </p:sp>
       <p:pic>
         <p:nvPicPr>
-          <p:cNvPr id="7" name="Grafik 6" descr="Ein Bild, das Text, Screenshot, Reihe, Diagramm enthält.&#10;&#10;Automatisch generierte Beschreibung">
-            <a:extLst>
-              <a:ext uri="{FF2B5EF4-FFF2-40B4-BE49-F238E27FC236}">
-                <a16:creationId xmlns:a16="http://schemas.microsoft.com/office/drawing/2014/main" id="{C191CB62-4008-E5C3-2464-9C673AB8D9C8}"/>
+          <p:cNvPr id="6" name="Picture 2" descr="SIGMATEK | LinkedIn">
+            <a:extLst>
+              <a:ext uri="{FF2B5EF4-FFF2-40B4-BE49-F238E27FC236}">
+                <a16:creationId xmlns:a16="http://schemas.microsoft.com/office/drawing/2014/main" id="{08F1A426-1AA9-C7E7-B28A-B0DC64291BC1}"/>
               </a:ext>
             </a:extLst>
           </p:cNvPr>
           <p:cNvPicPr>
-            <a:picLocks noChangeAspect="1"/>
+            <a:picLocks noChangeAspect="1" noChangeArrowheads="1"/>
           </p:cNvPicPr>
           <p:nvPr/>
         </p:nvPicPr>
@@ -6520,54 +7997,35 @@
               </a:ext>
             </a:extLst>
           </a:blip>
+          <a:srcRect/>
           <a:stretch>
             <a:fillRect/>
           </a:stretch>
         </p:blipFill>
-        <p:spPr>
+        <p:spPr bwMode="auto">
           <a:xfrm>
-            <a:off x="647700" y="2203529"/>
-            <a:ext cx="3356264" cy="2517198"/>
+            <a:off x="6509904" y="514551"/>
+            <a:ext cx="577850" cy="577850"/>
           </a:xfrm>
           <a:prstGeom prst="rect">
             <a:avLst/>
           </a:prstGeom>
-        </p:spPr>
-      </p:pic>
-      <p:pic>
-        <p:nvPicPr>
-          <p:cNvPr id="9" name="Grafik 8">
-            <a:extLst>
-              <a:ext uri="{FF2B5EF4-FFF2-40B4-BE49-F238E27FC236}">
-                <a16:creationId xmlns:a16="http://schemas.microsoft.com/office/drawing/2014/main" id="{27CB1731-6750-884F-CE45-6FC2BA18D3B3}"/>
-              </a:ext>
-            </a:extLst>
-          </p:cNvPr>
-          <p:cNvPicPr>
-            <a:picLocks noChangeAspect="1"/>
-          </p:cNvPicPr>
-          <p:nvPr/>
-        </p:nvPicPr>
-        <p:blipFill>
-          <a:blip r:embed="rId3"/>
-          <a:stretch>
-            <a:fillRect/>
-          </a:stretch>
-        </p:blipFill>
-        <p:spPr>
-          <a:xfrm>
-            <a:off x="4572000" y="2250461"/>
-            <a:ext cx="4073102" cy="2329989"/>
-          </a:xfrm>
-          <a:prstGeom prst="rect">
-            <a:avLst/>
-          </a:prstGeom>
+          <a:noFill/>
+          <a:extLst>
+            <a:ext uri="{909E8E84-426E-40DD-AFC4-6F175D3DCCD1}">
+              <a14:hiddenFill xmlns:a14="http://schemas.microsoft.com/office/drawing/2010/main">
+                <a:solidFill>
+                  <a:srgbClr val="FFFFFF"/>
+                </a:solidFill>
+              </a14:hiddenFill>
+            </a:ext>
+          </a:extLst>
         </p:spPr>
       </p:pic>
     </p:spTree>
     <p:extLst>
       <p:ext uri="{BB962C8B-B14F-4D97-AF65-F5344CB8AC3E}">
-        <p14:creationId xmlns:p14="http://schemas.microsoft.com/office/powerpoint/2010/main" val="2001939340"/>
+        <p14:creationId xmlns:p14="http://schemas.microsoft.com/office/powerpoint/2010/main" val="2940889341"/>
       </p:ext>
     </p:extLst>
   </p:cSld>
@@ -6619,7 +8077,15 @@
           <a:p>
             <a:r>
               <a:rPr lang="de-AT" dirty="0"/>
-              <a:t>Results (2)</a:t>
+              <a:t>Results – </a:t>
+            </a:r>
+            <a:r>
+              <a:rPr lang="de-AT" dirty="0" err="1"/>
+              <a:t>Latency</a:t>
+            </a:r>
+            <a:r>
+              <a:rPr lang="de-AT" dirty="0"/>
+              <a:t> Tool</a:t>
             </a:r>
           </a:p>
         </p:txBody>
@@ -6642,14 +8108,23 @@
         </p:nvSpPr>
         <p:spPr/>
         <p:txBody>
-          <a:bodyPr/>
+          <a:bodyPr>
+            <a:normAutofit/>
+          </a:bodyPr>
           <a:lstStyle/>
           <a:p>
             <a:r>
-              <a:rPr lang="en-US" dirty="0"/>
-              <a:t>The improved latency was also tested with a robotic application. The difference between the command issuance time and the time the signal reaches the PWM module was measured 1,000 times for the bare metal, untuned, and tuned versions of Salamander 4. The results are visualized in Table 2.</a:t>
-            </a:r>
-            <a:endParaRPr lang="de-AT" dirty="0"/>
+              <a:rPr lang="en-US" sz="2000" dirty="0"/>
+              <a:t>10 minutes with a sampling period of 100 µs, priority of 99</a:t>
+            </a:r>
+            <a:endParaRPr lang="en-US" sz="2000" dirty="0">
+              <a:solidFill>
+                <a:srgbClr val="FF0000"/>
+              </a:solidFill>
+            </a:endParaRPr>
+          </a:p>
+          <a:p>
+            <a:endParaRPr lang="en-US" sz="2000" dirty="0"/>
           </a:p>
         </p:txBody>
       </p:sp>
@@ -6724,12 +8199,84 @@
           </a:p>
         </p:txBody>
       </p:sp>
+      <p:sp>
+        <p:nvSpPr>
+          <p:cNvPr id="6" name="Textfeld 5">
+            <a:extLst>
+              <a:ext uri="{FF2B5EF4-FFF2-40B4-BE49-F238E27FC236}">
+                <a16:creationId xmlns:a16="http://schemas.microsoft.com/office/drawing/2014/main" id="{A4C8758D-1204-0E43-C3C8-8FDAEA108E4D}"/>
+              </a:ext>
+            </a:extLst>
+          </p:cNvPr>
+          <p:cNvSpPr txBox="1"/>
+          <p:nvPr/>
+        </p:nvSpPr>
+        <p:spPr>
+          <a:xfrm>
+            <a:off x="6100917" y="4005707"/>
+            <a:ext cx="960120" cy="271012"/>
+          </a:xfrm>
+          <a:prstGeom prst="rect">
+            <a:avLst/>
+          </a:prstGeom>
+        </p:spPr>
+        <p:txBody>
+          <a:bodyPr vert="horz" wrap="none" lIns="91440" tIns="45720" rIns="91440" bIns="45720" rtlCol="0" anchor="t">
+            <a:normAutofit/>
+          </a:bodyPr>
+          <a:lstStyle/>
+          <a:p>
+            <a:pPr algn="l"/>
+            <a:r>
+              <a:rPr lang="de-AT" sz="1000" dirty="0"/>
+              <a:t>Table x:</a:t>
+            </a:r>
+            <a:endParaRPr lang="en-US" sz="1000" dirty="0"/>
+          </a:p>
+        </p:txBody>
+      </p:sp>
+      <p:sp>
+        <p:nvSpPr>
+          <p:cNvPr id="8" name="Textfeld 7">
+            <a:extLst>
+              <a:ext uri="{FF2B5EF4-FFF2-40B4-BE49-F238E27FC236}">
+                <a16:creationId xmlns:a16="http://schemas.microsoft.com/office/drawing/2014/main" id="{9E724A8E-66C2-C7F9-9C4C-CA248A4E23CE}"/>
+              </a:ext>
+            </a:extLst>
+          </p:cNvPr>
+          <p:cNvSpPr txBox="1"/>
+          <p:nvPr/>
+        </p:nvSpPr>
+        <p:spPr>
+          <a:xfrm>
+            <a:off x="2082963" y="4249575"/>
+            <a:ext cx="960120" cy="271012"/>
+          </a:xfrm>
+          <a:prstGeom prst="rect">
+            <a:avLst/>
+          </a:prstGeom>
+        </p:spPr>
+        <p:txBody>
+          <a:bodyPr vert="horz" wrap="none" lIns="91440" tIns="45720" rIns="91440" bIns="45720" rtlCol="0" anchor="t">
+            <a:normAutofit/>
+          </a:bodyPr>
+          <a:lstStyle/>
+          <a:p>
+            <a:pPr algn="l"/>
+            <a:r>
+              <a:rPr lang="de-AT" sz="1000" dirty="0"/>
+              <a:t>Figure x: </a:t>
+            </a:r>
+            <a:endParaRPr lang="en-US" sz="1000" dirty="0"/>
+          </a:p>
+        </p:txBody>
+      </p:sp>
       <p:pic>
         <p:nvPicPr>
-          <p:cNvPr id="8" name="Grafik 7">
-            <a:extLst>
-              <a:ext uri="{FF2B5EF4-FFF2-40B4-BE49-F238E27FC236}">
-                <a16:creationId xmlns:a16="http://schemas.microsoft.com/office/drawing/2014/main" id="{9D67EED3-F170-0487-1865-F0B747FD9CC1}"/>
+          <p:cNvPr id="11" name="Grafik 10" descr="Ein Bild, das Text, Screenshot, Reihe, Diagramm enthält.&#10;&#10;Automatisch generierte Beschreibung">
+            <a:extLst>
+              <a:ext uri="{FF2B5EF4-FFF2-40B4-BE49-F238E27FC236}">
+                <a16:creationId xmlns:a16="http://schemas.microsoft.com/office/drawing/2014/main" id="{A4027017-1A74-D9C6-03E4-34E67A892000}"/>
               </a:ext>
             </a:extLst>
           </p:cNvPr>
@@ -6739,15 +8286,51 @@
           <p:nvPr/>
         </p:nvPicPr>
         <p:blipFill>
-          <a:blip r:embed="rId2"/>
+          <a:blip r:embed="rId2" cstate="print">
+            <a:extLst>
+              <a:ext uri="{28A0092B-C50C-407E-A947-70E740481C1C}">
+                <a14:useLocalDpi xmlns:a14="http://schemas.microsoft.com/office/drawing/2010/main" val="0"/>
+              </a:ext>
+            </a:extLst>
+          </a:blip>
           <a:stretch>
             <a:fillRect/>
           </a:stretch>
         </p:blipFill>
         <p:spPr>
           <a:xfrm>
-            <a:off x="1955800" y="2446337"/>
-            <a:ext cx="5029200" cy="1609725"/>
+            <a:off x="321921" y="1270000"/>
+            <a:ext cx="3828284" cy="2871213"/>
+          </a:xfrm>
+          <a:prstGeom prst="rect">
+            <a:avLst/>
+          </a:prstGeom>
+        </p:spPr>
+      </p:pic>
+      <p:pic>
+        <p:nvPicPr>
+          <p:cNvPr id="13" name="Grafik 12">
+            <a:extLst>
+              <a:ext uri="{FF2B5EF4-FFF2-40B4-BE49-F238E27FC236}">
+                <a16:creationId xmlns:a16="http://schemas.microsoft.com/office/drawing/2014/main" id="{2EE98E2C-BD26-4696-04C3-A79A7603AC1F}"/>
+              </a:ext>
+            </a:extLst>
+          </p:cNvPr>
+          <p:cNvPicPr>
+            <a:picLocks noChangeAspect="1"/>
+          </p:cNvPicPr>
+          <p:nvPr/>
+        </p:nvPicPr>
+        <p:blipFill>
+          <a:blip r:embed="rId3"/>
+          <a:stretch>
+            <a:fillRect/>
+          </a:stretch>
+        </p:blipFill>
+        <p:spPr>
+          <a:xfrm>
+            <a:off x="4379091" y="1309536"/>
+            <a:ext cx="4576229" cy="2617375"/>
           </a:xfrm>
           <a:prstGeom prst="rect">
             <a:avLst/>
@@ -6757,7 +8340,7 @@
     </p:spTree>
     <p:extLst>
       <p:ext uri="{BB962C8B-B14F-4D97-AF65-F5344CB8AC3E}">
-        <p14:creationId xmlns:p14="http://schemas.microsoft.com/office/powerpoint/2010/main" val="2289910628"/>
+        <p14:creationId xmlns:p14="http://schemas.microsoft.com/office/powerpoint/2010/main" val="2001939340"/>
       </p:ext>
     </p:extLst>
   </p:cSld>
@@ -6809,7 +8392,15 @@
           <a:p>
             <a:r>
               <a:rPr lang="de-AT" dirty="0"/>
-              <a:t>Discussion</a:t>
+              <a:t>Results – </a:t>
+            </a:r>
+            <a:r>
+              <a:rPr lang="de-AT" dirty="0" err="1"/>
+              <a:t>Robotic</a:t>
+            </a:r>
+            <a:r>
+              <a:rPr lang="de-AT" dirty="0"/>
+              <a:t> Application</a:t>
             </a:r>
           </a:p>
         </p:txBody>
@@ -6833,62 +8424,26 @@
         <p:spPr/>
         <p:txBody>
           <a:bodyPr>
-            <a:normAutofit fontScale="77500" lnSpcReduction="20000"/>
+            <a:normAutofit/>
           </a:bodyPr>
           <a:lstStyle/>
           <a:p>
             <a:r>
               <a:rPr lang="en-US" dirty="0"/>
-              <a:t>The results show that the real-time performance tunings applied to the virtualized Salamander 4 OS reduced latency and improved determinism. The maximum latency decreased from 707.622 µs to 17.134 µs after tuning BIOS, kernel, host, and QEMU/KVM configurations. Especially, applying the PREEMPT-RT patch, along with optimizing both the BIOS and kernel configurations, played a crucial role in reducing the maximum latency to 21.694 µs. This also eliminated overruns going forward. The host configurations, including CPU and interrupt affinity, and real-time prioritization of QEMU, further reduced latency down to 18.441 µs. The guest OS already had real-time capabilities through </a:t>
-            </a:r>
-            <a:r>
-              <a:rPr lang="en-US" dirty="0" err="1"/>
-              <a:t>Xenomai</a:t>
-            </a:r>
-            <a:r>
-              <a:rPr lang="en-US" dirty="0"/>
-              <a:t>, hence the focus was primarily on optimizing the host and virtualization layer to achieve the desired </a:t>
-            </a:r>
-            <a:r>
-              <a:rPr lang="en-US" dirty="0" err="1"/>
-              <a:t>realtime</a:t>
-            </a:r>
-            <a:r>
-              <a:rPr lang="en-US" dirty="0"/>
-              <a:t> performance. Finally, QEMU/KVM configurations, such as tuning the LAPIC timer advance and using </a:t>
-            </a:r>
-            <a:r>
-              <a:rPr lang="en-US" dirty="0" err="1"/>
-              <a:t>hugepages</a:t>
-            </a:r>
-            <a:r>
-              <a:rPr lang="en-US" dirty="0"/>
-              <a:t>, brought the latency down to the final worst latency value of 17.134 µs. This value is very close to the bare metal value of 10.709 µs. The goal was set to achieving latency values below 50 µs in the duration of the measurement. This goal was achieved. A robotic application in a practical scenario validated the improvement of the tuned virtualization compared to the unmodified version. The difference between the command time and the time the signal reaches the PWM module was measured 1,000 times for the bare metal, untuned, and tuned versions of Salamander 4. The worst latency in the virtualization dropped from 129 </a:t>
-            </a:r>
-            <a:r>
-              <a:rPr lang="en-US" dirty="0" err="1"/>
-              <a:t>ms</a:t>
-            </a:r>
-            <a:r>
-              <a:rPr lang="en-US" dirty="0"/>
-              <a:t> to 3.988 </a:t>
-            </a:r>
-            <a:r>
-              <a:rPr lang="en-US" dirty="0" err="1"/>
-              <a:t>ms</a:t>
-            </a:r>
-            <a:r>
-              <a:rPr lang="en-US" dirty="0"/>
-              <a:t> in the developed application. Compared to the bare metal version’s worst latency of 1.49 </a:t>
-            </a:r>
-            <a:r>
-              <a:rPr lang="en-US" dirty="0" err="1"/>
-              <a:t>ms</a:t>
-            </a:r>
-            <a:r>
-              <a:rPr lang="en-US" dirty="0"/>
-              <a:t>, the tuned virtualization came very close to the determinism and reliability of the bare metal.</a:t>
-            </a:r>
+              <a:t>Difference between command issuance time and the time the signal reaches the PWM module was measured 1,000 times for the bare metal, untuned, and tuned versions of Salamander 4. </a:t>
+            </a:r>
+          </a:p>
+          <a:p>
+            <a:pPr marL="0" indent="0">
+              <a:buNone/>
+            </a:pPr>
+            <a:endParaRPr lang="en-US" dirty="0">
+              <a:solidFill>
+                <a:srgbClr val="FF0000"/>
+              </a:solidFill>
+            </a:endParaRPr>
+          </a:p>
+          <a:p>
             <a:endParaRPr lang="de-AT" dirty="0"/>
           </a:p>
         </p:txBody>
@@ -6964,10 +8519,76 @@
           </a:p>
         </p:txBody>
       </p:sp>
+      <p:sp>
+        <p:nvSpPr>
+          <p:cNvPr id="6" name="Textfeld 5">
+            <a:extLst>
+              <a:ext uri="{FF2B5EF4-FFF2-40B4-BE49-F238E27FC236}">
+                <a16:creationId xmlns:a16="http://schemas.microsoft.com/office/drawing/2014/main" id="{D9C163D6-FD62-5863-C7DC-CBFBDB83CB00}"/>
+              </a:ext>
+            </a:extLst>
+          </p:cNvPr>
+          <p:cNvSpPr txBox="1"/>
+          <p:nvPr/>
+        </p:nvSpPr>
+        <p:spPr>
+          <a:xfrm>
+            <a:off x="4087600" y="4137912"/>
+            <a:ext cx="960120" cy="271012"/>
+          </a:xfrm>
+          <a:prstGeom prst="rect">
+            <a:avLst/>
+          </a:prstGeom>
+        </p:spPr>
+        <p:txBody>
+          <a:bodyPr vert="horz" wrap="none" lIns="91440" tIns="45720" rIns="91440" bIns="45720" rtlCol="0" anchor="t">
+            <a:normAutofit/>
+          </a:bodyPr>
+          <a:lstStyle/>
+          <a:p>
+            <a:pPr algn="l"/>
+            <a:r>
+              <a:rPr lang="de-AT" sz="1000" dirty="0"/>
+              <a:t>Table x:</a:t>
+            </a:r>
+            <a:endParaRPr lang="en-US" sz="1000" dirty="0"/>
+          </a:p>
+        </p:txBody>
+      </p:sp>
+      <p:pic>
+        <p:nvPicPr>
+          <p:cNvPr id="11" name="Grafik 10">
+            <a:extLst>
+              <a:ext uri="{FF2B5EF4-FFF2-40B4-BE49-F238E27FC236}">
+                <a16:creationId xmlns:a16="http://schemas.microsoft.com/office/drawing/2014/main" id="{B58E2B6E-71F4-5C46-A69E-C12FB820E310}"/>
+              </a:ext>
+            </a:extLst>
+          </p:cNvPr>
+          <p:cNvPicPr>
+            <a:picLocks noChangeAspect="1"/>
+          </p:cNvPicPr>
+          <p:nvPr/>
+        </p:nvPicPr>
+        <p:blipFill>
+          <a:blip r:embed="rId2"/>
+          <a:stretch>
+            <a:fillRect/>
+          </a:stretch>
+        </p:blipFill>
+        <p:spPr>
+          <a:xfrm>
+            <a:off x="967210" y="1696071"/>
+            <a:ext cx="7200900" cy="2340429"/>
+          </a:xfrm>
+          <a:prstGeom prst="rect">
+            <a:avLst/>
+          </a:prstGeom>
+        </p:spPr>
+      </p:pic>
     </p:spTree>
     <p:extLst>
       <p:ext uri="{BB962C8B-B14F-4D97-AF65-F5344CB8AC3E}">
-        <p14:creationId xmlns:p14="http://schemas.microsoft.com/office/powerpoint/2010/main" val="3311002377"/>
+        <p14:creationId xmlns:p14="http://schemas.microsoft.com/office/powerpoint/2010/main" val="2289910628"/>
       </p:ext>
     </p:extLst>
   </p:cSld>
@@ -7019,7 +8640,7 @@
           <a:p>
             <a:r>
               <a:rPr lang="de-AT" dirty="0"/>
-              <a:t>Summary and Outlook</a:t>
+              <a:t>Discussion</a:t>
             </a:r>
           </a:p>
         </p:txBody>
@@ -7043,39 +8664,92 @@
         <p:spPr/>
         <p:txBody>
           <a:bodyPr>
-            <a:normAutofit fontScale="92500"/>
+            <a:normAutofit/>
           </a:bodyPr>
           <a:lstStyle/>
           <a:p>
-            <a:r>
-              <a:rPr lang="en-US" dirty="0"/>
-              <a:t>This master’s thesis aimed to virtualize an RTOS for robot control, focusing on real-time determinism. The goal was to reduce latency in the virtualized Salamander 4 to match its bare metal version. Initial tests showed a significant latency gap between bare metal and virtualized versions. Extensive tuning was performed sequentially, including BIOS, kernel, host, and QEMU/KVM configurations. This process reduced the worst latency from 707.62 µs to 17.134 µs, close to the bare metal value of 10.709 µs, achieving the goal of sub-50 µs latency. A robotic application confirmed these improvements. Measuring the time between command issuance and command arrival at the PWM module 1,000 times showed worst latency dropping from 129 </a:t>
-            </a:r>
-            <a:r>
-              <a:rPr lang="en-US" dirty="0" err="1"/>
+            <a:pPr>
+              <a:buFont typeface="Wingdings" panose="05000000000000000000" pitchFamily="2" charset="2"/>
+              <a:buChar char="ü"/>
+            </a:pPr>
+            <a:r>
+              <a:rPr lang="en-US" sz="2000" b="1" dirty="0"/>
+              <a:t>Latency Tool</a:t>
+            </a:r>
+          </a:p>
+          <a:p>
+            <a:r>
+              <a:rPr lang="en-US" sz="2000" dirty="0"/>
+              <a:t>Worst latency decreased from 707.622 µs to 17.134 µs</a:t>
+            </a:r>
+          </a:p>
+          <a:p>
+            <a:r>
+              <a:rPr lang="en-US" sz="2000" dirty="0"/>
+              <a:t>No overruns</a:t>
+            </a:r>
+          </a:p>
+          <a:p>
+            <a:r>
+              <a:rPr lang="en-US" sz="2000" dirty="0"/>
+              <a:t>Close to bare metal’s 10.709 µs</a:t>
+            </a:r>
+          </a:p>
+          <a:p>
+            <a:r>
+              <a:rPr lang="en-US" sz="2000" dirty="0"/>
+              <a:t>Goal achieved</a:t>
+            </a:r>
+          </a:p>
+          <a:p>
+            <a:endParaRPr lang="en-US" sz="2000" dirty="0"/>
+          </a:p>
+          <a:p>
+            <a:pPr>
+              <a:buFont typeface="Wingdings" panose="05000000000000000000" pitchFamily="2" charset="2"/>
+              <a:buChar char="ü"/>
+            </a:pPr>
+            <a:r>
+              <a:rPr lang="en-US" sz="2000" b="1" dirty="0"/>
+              <a:t>Robotic Application</a:t>
+            </a:r>
+          </a:p>
+          <a:p>
+            <a:r>
+              <a:rPr lang="en-US" sz="2000" dirty="0"/>
+              <a:t>Worst latency dropped from 129 </a:t>
+            </a:r>
+            <a:r>
+              <a:rPr lang="en-US" sz="2000" dirty="0" err="1"/>
               <a:t>ms</a:t>
             </a:r>
             <a:r>
-              <a:rPr lang="en-US" dirty="0"/>
+              <a:rPr lang="en-US" sz="2000" dirty="0"/>
               <a:t> to 3.988 </a:t>
             </a:r>
             <a:r>
-              <a:rPr lang="en-US" dirty="0" err="1"/>
+              <a:rPr lang="en-US" sz="2000" dirty="0" err="1"/>
               <a:t>ms</a:t>
             </a:r>
-            <a:r>
-              <a:rPr lang="en-US" dirty="0"/>
-              <a:t>, approaching the bare metal version’s 1.49 </a:t>
-            </a:r>
-            <a:r>
-              <a:rPr lang="en-US" dirty="0" err="1"/>
-              <a:t>ms.</a:t>
-            </a:r>
-            <a:r>
-              <a:rPr lang="en-US" dirty="0"/>
-              <a:t> Future work could include additional configurations and optimizations of the virtualization layer, investigating other hypervisors and virtualization technologies, and extensive testing under various workloads and stressed situations.</a:t>
-            </a:r>
-            <a:endParaRPr lang="de-AT" dirty="0"/>
+            <a:endParaRPr lang="en-US" sz="2000" dirty="0"/>
+          </a:p>
+          <a:p>
+            <a:r>
+              <a:rPr lang="en-US" sz="2000" dirty="0"/>
+              <a:t>Close to bare metal’s 1.49 </a:t>
+            </a:r>
+            <a:r>
+              <a:rPr lang="en-US" sz="2000" dirty="0" err="1"/>
+              <a:t>ms</a:t>
+            </a:r>
+            <a:endParaRPr lang="en-US" sz="2000" dirty="0"/>
+          </a:p>
+          <a:p>
+            <a:r>
+              <a:rPr lang="en-US" sz="2000" dirty="0"/>
+              <a:t>Tunings validated</a:t>
+            </a:r>
+            <a:endParaRPr lang="de-AT" sz="2000" dirty="0"/>
           </a:p>
         </p:txBody>
       </p:sp>
@@ -7153,7 +8827,7 @@
     </p:spTree>
     <p:extLst>
       <p:ext uri="{BB962C8B-B14F-4D97-AF65-F5344CB8AC3E}">
-        <p14:creationId xmlns:p14="http://schemas.microsoft.com/office/powerpoint/2010/main" val="2035872669"/>
+        <p14:creationId xmlns:p14="http://schemas.microsoft.com/office/powerpoint/2010/main" val="3311002377"/>
       </p:ext>
     </p:extLst>
   </p:cSld>
@@ -7205,7 +8879,7 @@
           <a:p>
             <a:r>
               <a:rPr lang="de-AT" dirty="0"/>
-              <a:t>References</a:t>
+              <a:t>Outlook</a:t>
             </a:r>
           </a:p>
         </p:txBody>
@@ -7228,10 +8902,35 @@
         </p:nvSpPr>
         <p:spPr/>
         <p:txBody>
-          <a:bodyPr/>
+          <a:bodyPr>
+            <a:normAutofit/>
+          </a:bodyPr>
           <a:lstStyle/>
           <a:p>
-            <a:endParaRPr lang="de-AT"/>
+            <a:r>
+              <a:rPr lang="en-US" dirty="0"/>
+              <a:t>Additional configurations</a:t>
+            </a:r>
+          </a:p>
+          <a:p>
+            <a:endParaRPr lang="en-US" dirty="0"/>
+          </a:p>
+          <a:p>
+            <a:r>
+              <a:rPr lang="en-US" dirty="0"/>
+              <a:t>Other hypervisors and virtualization technologies</a:t>
+            </a:r>
+          </a:p>
+          <a:p>
+            <a:endParaRPr lang="en-US" dirty="0"/>
+          </a:p>
+          <a:p>
+            <a:pPr algn="l"/>
+            <a:r>
+              <a:rPr lang="en-US" dirty="0"/>
+              <a:t>More testing under workloads</a:t>
+            </a:r>
+            <a:endParaRPr lang="de-AT" dirty="0"/>
           </a:p>
         </p:txBody>
       </p:sp>
@@ -7309,7 +9008,7 @@
     </p:spTree>
     <p:extLst>
       <p:ext uri="{BB962C8B-B14F-4D97-AF65-F5344CB8AC3E}">
-        <p14:creationId xmlns:p14="http://schemas.microsoft.com/office/powerpoint/2010/main" val="2896605074"/>
+        <p14:creationId xmlns:p14="http://schemas.microsoft.com/office/powerpoint/2010/main" val="2035872669"/>
       </p:ext>
     </p:extLst>
   </p:cSld>

--- a/Masterprüfung/Presentation/Presentation.pptx
+++ b/Masterprüfung/Presentation/Presentation.pptx
@@ -6659,7 +6659,7 @@
           <p:nvPr>
             <p:extLst>
               <p:ext uri="{D42A27DB-BD31-4B8C-83A1-F6EECF244321}">
-                <p14:modId xmlns:p14="http://schemas.microsoft.com/office/powerpoint/2010/main" val="1715808295"/>
+                <p14:modId xmlns:p14="http://schemas.microsoft.com/office/powerpoint/2010/main" val="3639584334"/>
               </p:ext>
             </p:extLst>
           </p:nvPr>
@@ -8124,7 +8124,46 @@
             </a:endParaRPr>
           </a:p>
           <a:p>
-            <a:endParaRPr lang="en-US" sz="2000" dirty="0"/>
+            <a:r>
+              <a:rPr lang="en-US" sz="2000" dirty="0">
+                <a:solidFill>
+                  <a:srgbClr val="FF0000"/>
+                </a:solidFill>
+              </a:rPr>
+              <a:t>LEGENDE </a:t>
+            </a:r>
+            <a:r>
+              <a:rPr lang="en-US" sz="2000" dirty="0" err="1">
+                <a:solidFill>
+                  <a:srgbClr val="FF0000"/>
+                </a:solidFill>
+              </a:rPr>
+              <a:t>GRÖßER</a:t>
+            </a:r>
+            <a:r>
+              <a:rPr lang="en-US" sz="2000" dirty="0">
+                <a:solidFill>
+                  <a:srgbClr val="FF0000"/>
+                </a:solidFill>
+              </a:rPr>
+              <a:t> UND </a:t>
+            </a:r>
+            <a:r>
+              <a:rPr lang="en-US" sz="2000">
+                <a:solidFill>
+                  <a:srgbClr val="FF0000"/>
+                </a:solidFill>
+              </a:rPr>
+              <a:t>X UND </a:t>
+            </a:r>
+            <a:r>
+              <a:rPr lang="en-US" sz="2000" dirty="0">
+                <a:solidFill>
+                  <a:srgbClr val="FF0000"/>
+                </a:solidFill>
+              </a:rPr>
+              <a:t>Y</a:t>
+            </a:r>
           </a:p>
         </p:txBody>
       </p:sp>

--- a/Masterprüfung/Presentation/Presentation.pptx
+++ b/Masterprüfung/Presentation/Presentation.pptx
@@ -212,7 +212,7 @@
           <a:p>
             <a:fld id="{177B9070-9281-4B15-842B-9B135EE24603}" type="datetimeFigureOut">
               <a:rPr lang="de-AT" smtClean="0"/>
-              <a:t>24.09.2024</a:t>
+              <a:t>01.10.2024</a:t>
             </a:fld>
             <a:endParaRPr lang="de-AT"/>
           </a:p>
@@ -377,7 +377,7 @@
           <a:p>
             <a:fld id="{843A4CAD-2332-440A-B5F3-F5F26A7FAEC2}" type="datetimeFigureOut">
               <a:rPr lang="en-US" smtClean="0"/>
-              <a:t>9/24/2024</a:t>
+              <a:t>10/1/2024</a:t>
             </a:fld>
             <a:endParaRPr lang="en-US"/>
           </a:p>
@@ -6179,7 +6179,7 @@
           <a:p>
             <a:r>
               <a:rPr lang="en-US" sz="2000" dirty="0"/>
-              <a:t>General-Purpose Operating System vs Real-Time Operating System </a:t>
+              <a:t>General-Purpose Operating System vs. Real-Time Operating System </a:t>
             </a:r>
           </a:p>
           <a:p>
@@ -6363,6 +6363,50 @@
               <a:t>Figure x: </a:t>
             </a:r>
             <a:endParaRPr lang="en-US" sz="1000" dirty="0"/>
+          </a:p>
+        </p:txBody>
+      </p:sp>
+      <p:sp>
+        <p:nvSpPr>
+          <p:cNvPr id="6" name="Textfeld 5">
+            <a:extLst>
+              <a:ext uri="{FF2B5EF4-FFF2-40B4-BE49-F238E27FC236}">
+                <a16:creationId xmlns:a16="http://schemas.microsoft.com/office/drawing/2014/main" id="{2BE9F797-95F7-4855-893E-BE1D6FFC4611}"/>
+              </a:ext>
+            </a:extLst>
+          </p:cNvPr>
+          <p:cNvSpPr txBox="1"/>
+          <p:nvPr/>
+        </p:nvSpPr>
+        <p:spPr>
+          <a:xfrm>
+            <a:off x="6003353" y="4178143"/>
+            <a:ext cx="2871893" cy="914400"/>
+          </a:xfrm>
+          <a:prstGeom prst="rect">
+            <a:avLst/>
+          </a:prstGeom>
+        </p:spPr>
+        <p:txBody>
+          <a:bodyPr vert="horz" wrap="none" lIns="91440" tIns="45720" rIns="91440" bIns="45720" rtlCol="0" anchor="t">
+            <a:normAutofit/>
+          </a:bodyPr>
+          <a:lstStyle/>
+          <a:p>
+            <a:pPr algn="l"/>
+            <a:r>
+              <a:rPr lang="de-AT" sz="2800" dirty="0">
+                <a:solidFill>
+                  <a:srgbClr val="FF0000"/>
+                </a:solidFill>
+              </a:rPr>
+              <a:t>Kann man lesen?</a:t>
+            </a:r>
+            <a:endParaRPr lang="en-US" sz="2800" dirty="0">
+              <a:solidFill>
+                <a:srgbClr val="FF0000"/>
+              </a:solidFill>
+            </a:endParaRPr>
           </a:p>
         </p:txBody>
       </p:sp>
@@ -6659,7 +6703,7 @@
           <p:nvPr>
             <p:extLst>
               <p:ext uri="{D42A27DB-BD31-4B8C-83A1-F6EECF244321}">
-                <p14:modId xmlns:p14="http://schemas.microsoft.com/office/powerpoint/2010/main" val="3639584334"/>
+                <p14:modId xmlns:p14="http://schemas.microsoft.com/office/powerpoint/2010/main" val="1044625145"/>
               </p:ext>
             </p:extLst>
           </p:nvPr>
@@ -6790,7 +6834,7 @@
                           <a:ea typeface="+mn-ea"/>
                           <a:cs typeface="+mn-cs"/>
                         </a:rPr>
-                        <a:t>Scalability &amp; Flexibility</a:t>
+                        <a:t>Scalability &amp; flexibility</a:t>
                       </a:r>
                     </a:p>
                   </a:txBody>
@@ -7285,7 +7329,6 @@
                 <a:solidFill>
                   <a:schemeClr val="bg1"/>
                 </a:solidFill>
-                <a:latin typeface="NimbusSanL-Regu"/>
               </a:rPr>
               <a:t>Real-Time Performance Tunings</a:t>
             </a:r>
@@ -7297,7 +7340,6 @@
                 <a:solidFill>
                   <a:schemeClr val="tx1"/>
                 </a:solidFill>
-                <a:latin typeface="NimbusSanL-Regu"/>
               </a:rPr>
               <a:t>Sequentially tune virtualization through BIOS, kernel, host, guest and QEMU configurations</a:t>
             </a:r>
@@ -7405,7 +7447,6 @@
                 <a:solidFill>
                   <a:schemeClr val="bg1"/>
                 </a:solidFill>
-                <a:latin typeface="NimbusSanL-Regu"/>
               </a:rPr>
               <a:t>Comparison</a:t>
             </a:r>
@@ -7417,7 +7458,6 @@
                 <a:solidFill>
                   <a:schemeClr val="tx1"/>
                 </a:solidFill>
-                <a:latin typeface="NimbusSanL-Regu"/>
               </a:rPr>
               <a:t>Measure </a:t>
             </a:r>
@@ -7426,15 +7466,9 @@
                 <a:solidFill>
                   <a:schemeClr val="tx1"/>
                 </a:solidFill>
-                <a:latin typeface="NimbusSanL-Regu"/>
               </a:rPr>
               <a:t>the latency difference with the latency tool</a:t>
             </a:r>
-            <a:endParaRPr lang="en-US" sz="1400" dirty="0">
-              <a:solidFill>
-                <a:schemeClr val="tx1"/>
-              </a:solidFill>
-            </a:endParaRPr>
           </a:p>
         </p:txBody>
       </p:sp>
@@ -7533,7 +7567,6 @@
                 <a:solidFill>
                   <a:schemeClr val="bg1"/>
                 </a:solidFill>
-                <a:latin typeface="NimbusSanL-Regu"/>
               </a:rPr>
               <a:t>Validation</a:t>
             </a:r>
@@ -7545,7 +7578,6 @@
                 <a:solidFill>
                   <a:schemeClr val="tx1"/>
                 </a:solidFill>
-                <a:latin typeface="NimbusSanL-Regu"/>
               </a:rPr>
               <a:t>Measure </a:t>
             </a:r>
@@ -7554,7 +7586,6 @@
                 <a:solidFill>
                   <a:schemeClr val="tx1"/>
                 </a:solidFill>
-                <a:latin typeface="NimbusSanL-Regu"/>
               </a:rPr>
               <a:t>the latency difference with a r</a:t>
             </a:r>
@@ -7563,7 +7594,6 @@
                 <a:solidFill>
                   <a:schemeClr val="tx1"/>
                 </a:solidFill>
-                <a:latin typeface="NimbusSanL-Regu"/>
               </a:rPr>
               <a:t>eal-time robotic application</a:t>
             </a:r>
@@ -7748,6 +7778,9 @@
               <a:rPr lang="en-US" sz="2000" dirty="0"/>
               <a:t>PREEMPT-RT</a:t>
             </a:r>
+          </a:p>
+          <a:p>
+            <a:pPr algn="l"/>
             <a:endParaRPr lang="en-US" sz="2000" dirty="0">
               <a:latin typeface="+mn-lt"/>
             </a:endParaRPr>
@@ -7975,53 +8008,6 @@
           </a:p>
         </p:txBody>
       </p:sp>
-      <p:pic>
-        <p:nvPicPr>
-          <p:cNvPr id="6" name="Picture 2" descr="SIGMATEK | LinkedIn">
-            <a:extLst>
-              <a:ext uri="{FF2B5EF4-FFF2-40B4-BE49-F238E27FC236}">
-                <a16:creationId xmlns:a16="http://schemas.microsoft.com/office/drawing/2014/main" id="{08F1A426-1AA9-C7E7-B28A-B0DC64291BC1}"/>
-              </a:ext>
-            </a:extLst>
-          </p:cNvPr>
-          <p:cNvPicPr>
-            <a:picLocks noChangeAspect="1" noChangeArrowheads="1"/>
-          </p:cNvPicPr>
-          <p:nvPr/>
-        </p:nvPicPr>
-        <p:blipFill>
-          <a:blip r:embed="rId2" cstate="print">
-            <a:extLst>
-              <a:ext uri="{28A0092B-C50C-407E-A947-70E740481C1C}">
-                <a14:useLocalDpi xmlns:a14="http://schemas.microsoft.com/office/drawing/2010/main" val="0"/>
-              </a:ext>
-            </a:extLst>
-          </a:blip>
-          <a:srcRect/>
-          <a:stretch>
-            <a:fillRect/>
-          </a:stretch>
-        </p:blipFill>
-        <p:spPr bwMode="auto">
-          <a:xfrm>
-            <a:off x="6509904" y="514551"/>
-            <a:ext cx="577850" cy="577850"/>
-          </a:xfrm>
-          <a:prstGeom prst="rect">
-            <a:avLst/>
-          </a:prstGeom>
-          <a:noFill/>
-          <a:extLst>
-            <a:ext uri="{909E8E84-426E-40DD-AFC4-6F175D3DCCD1}">
-              <a14:hiddenFill xmlns:a14="http://schemas.microsoft.com/office/drawing/2010/main">
-                <a:solidFill>
-                  <a:srgbClr val="FFFFFF"/>
-                </a:solidFill>
-              </a14:hiddenFill>
-            </a:ext>
-          </a:extLst>
-        </p:spPr>
-      </p:pic>
     </p:spTree>
     <p:extLst>
       <p:ext uri="{BB962C8B-B14F-4D97-AF65-F5344CB8AC3E}">
@@ -8468,7 +8454,7 @@
           <a:lstStyle/>
           <a:p>
             <a:r>
-              <a:rPr lang="en-US" dirty="0"/>
+              <a:rPr lang="en-US" sz="1800" dirty="0"/>
               <a:t>Difference between command issuance time and the time the signal reaches the PWM module was measured 1,000 times for the bare metal, untuned, and tuned versions of Salamander 4. </a:t>
             </a:r>
           </a:p>
@@ -8616,7 +8602,7 @@
         </p:blipFill>
         <p:spPr>
           <a:xfrm>
-            <a:off x="967210" y="1696071"/>
+            <a:off x="971550" y="1696071"/>
             <a:ext cx="7200900" cy="2340429"/>
           </a:xfrm>
           <a:prstGeom prst="rect">
@@ -8708,12 +8694,15 @@
           <a:lstStyle/>
           <a:p>
             <a:pPr>
+              <a:buClr>
+                <a:srgbClr val="00B050"/>
+              </a:buClr>
               <a:buFont typeface="Wingdings" panose="05000000000000000000" pitchFamily="2" charset="2"/>
               <a:buChar char="ü"/>
             </a:pPr>
             <a:r>
               <a:rPr lang="en-US" sz="2000" b="1" dirty="0"/>
-              <a:t>Latency Tool</a:t>
+              <a:t> Latency Tool</a:t>
             </a:r>
           </a:p>
           <a:p>
@@ -8745,12 +8734,15 @@
           </a:p>
           <a:p>
             <a:pPr>
+              <a:buClr>
+                <a:srgbClr val="00B050"/>
+              </a:buClr>
               <a:buFont typeface="Wingdings" panose="05000000000000000000" pitchFamily="2" charset="2"/>
               <a:buChar char="ü"/>
             </a:pPr>
             <a:r>
               <a:rPr lang="en-US" sz="2000" b="1" dirty="0"/>
-              <a:t>Robotic Application</a:t>
+              <a:t> Robotic Application</a:t>
             </a:r>
           </a:p>
           <a:p>

--- a/Masterprüfung/Presentation/Presentation.pptx
+++ b/Masterprüfung/Presentation/Presentation.pptx
@@ -5,10 +5,10 @@
     <p:sldMasterId id="2147483648" r:id="rId1"/>
   </p:sldMasterIdLst>
   <p:notesMasterIdLst>
-    <p:notesMasterId r:id="rId12"/>
+    <p:notesMasterId r:id="rId37"/>
   </p:notesMasterIdLst>
   <p:handoutMasterIdLst>
-    <p:handoutMasterId r:id="rId13"/>
+    <p:handoutMasterId r:id="rId38"/>
   </p:handoutMasterIdLst>
   <p:sldIdLst>
     <p:sldId id="260" r:id="rId2"/>
@@ -21,6 +21,31 @@
     <p:sldId id="268" r:id="rId9"/>
     <p:sldId id="269" r:id="rId10"/>
     <p:sldId id="270" r:id="rId11"/>
+    <p:sldId id="276" r:id="rId12"/>
+    <p:sldId id="277" r:id="rId13"/>
+    <p:sldId id="278" r:id="rId14"/>
+    <p:sldId id="279" r:id="rId15"/>
+    <p:sldId id="280" r:id="rId16"/>
+    <p:sldId id="281" r:id="rId17"/>
+    <p:sldId id="303" r:id="rId18"/>
+    <p:sldId id="286" r:id="rId19"/>
+    <p:sldId id="287" r:id="rId20"/>
+    <p:sldId id="288" r:id="rId21"/>
+    <p:sldId id="289" r:id="rId22"/>
+    <p:sldId id="295" r:id="rId23"/>
+    <p:sldId id="290" r:id="rId24"/>
+    <p:sldId id="296" r:id="rId25"/>
+    <p:sldId id="291" r:id="rId26"/>
+    <p:sldId id="297" r:id="rId27"/>
+    <p:sldId id="292" r:id="rId28"/>
+    <p:sldId id="304" r:id="rId29"/>
+    <p:sldId id="298" r:id="rId30"/>
+    <p:sldId id="293" r:id="rId31"/>
+    <p:sldId id="294" r:id="rId32"/>
+    <p:sldId id="299" r:id="rId33"/>
+    <p:sldId id="300" r:id="rId34"/>
+    <p:sldId id="301" r:id="rId35"/>
+    <p:sldId id="302" r:id="rId36"/>
   </p:sldIdLst>
   <p:sldSz cx="9144000" cy="5143500" type="screen16x9"/>
   <p:notesSz cx="6858000" cy="9144000"/>
@@ -120,6 +145,53 @@
     </a:lvl9pPr>
   </p:defaultTextStyle>
   <p:extLst>
+    <p:ext uri="{521415D9-36F7-43E2-AB2F-B90AF26B5E84}">
+      <p14:sectionLst xmlns:p14="http://schemas.microsoft.com/office/powerpoint/2010/main">
+        <p14:section name="Standardabschnitt" id="{620DFEAB-8105-4F67-B7A4-0D5F6999B179}">
+          <p14:sldIdLst>
+            <p14:sldId id="260"/>
+            <p14:sldId id="263"/>
+            <p14:sldId id="274"/>
+            <p14:sldId id="273"/>
+            <p14:sldId id="275"/>
+            <p14:sldId id="267"/>
+            <p14:sldId id="271"/>
+            <p14:sldId id="268"/>
+            <p14:sldId id="269"/>
+            <p14:sldId id="270"/>
+          </p14:sldIdLst>
+        </p14:section>
+        <p14:section name="Backup" id="{05246FA4-7B3D-4EC2-A608-15D2AADC5265}">
+          <p14:sldIdLst>
+            <p14:sldId id="276"/>
+            <p14:sldId id="277"/>
+            <p14:sldId id="278"/>
+            <p14:sldId id="279"/>
+            <p14:sldId id="280"/>
+            <p14:sldId id="281"/>
+            <p14:sldId id="303"/>
+            <p14:sldId id="286"/>
+            <p14:sldId id="287"/>
+            <p14:sldId id="288"/>
+            <p14:sldId id="289"/>
+            <p14:sldId id="295"/>
+            <p14:sldId id="290"/>
+            <p14:sldId id="296"/>
+            <p14:sldId id="291"/>
+            <p14:sldId id="297"/>
+            <p14:sldId id="292"/>
+            <p14:sldId id="304"/>
+            <p14:sldId id="298"/>
+            <p14:sldId id="293"/>
+            <p14:sldId id="294"/>
+            <p14:sldId id="299"/>
+            <p14:sldId id="300"/>
+            <p14:sldId id="301"/>
+            <p14:sldId id="302"/>
+          </p14:sldIdLst>
+        </p14:section>
+      </p14:sectionLst>
+    </p:ext>
     <p:ext uri="{EFAFB233-063F-42B5-8137-9DF3F51BA10A}">
       <p15:sldGuideLst xmlns:p15="http://schemas.microsoft.com/office/powerpoint/2012/main"/>
     </p:ext>
@@ -212,7 +284,7 @@
           <a:p>
             <a:fld id="{177B9070-9281-4B15-842B-9B135EE24603}" type="datetimeFigureOut">
               <a:rPr lang="de-AT" smtClean="0"/>
-              <a:t>01.10.2024</a:t>
+              <a:t>02.10.2024</a:t>
             </a:fld>
             <a:endParaRPr lang="de-AT"/>
           </a:p>
@@ -377,7 +449,7 @@
           <a:p>
             <a:fld id="{843A4CAD-2332-440A-B5F3-F5F26A7FAEC2}" type="datetimeFigureOut">
               <a:rPr lang="en-US" smtClean="0"/>
-              <a:t>10/1/2024</a:t>
+              <a:t>10/2/2024</a:t>
             </a:fld>
             <a:endParaRPr lang="en-US"/>
           </a:p>
@@ -6043,6 +6115,2056 @@
 </p:sld>
 </file>
 
+<file path=ppt/slides/slide11.xml><?xml version="1.0" encoding="utf-8"?>
+<p:sld xmlns:a="http://schemas.openxmlformats.org/drawingml/2006/main" xmlns:r="http://schemas.openxmlformats.org/officeDocument/2006/relationships" xmlns:p="http://schemas.openxmlformats.org/presentationml/2006/main" show="0">
+  <p:cSld>
+    <p:spTree>
+      <p:nvGrpSpPr>
+        <p:cNvPr id="1" name=""/>
+        <p:cNvGrpSpPr/>
+        <p:nvPr/>
+      </p:nvGrpSpPr>
+      <p:grpSpPr>
+        <a:xfrm>
+          <a:off x="0" y="0"/>
+          <a:ext cx="0" cy="0"/>
+          <a:chOff x="0" y="0"/>
+          <a:chExt cx="0" cy="0"/>
+        </a:xfrm>
+      </p:grpSpPr>
+      <p:sp>
+        <p:nvSpPr>
+          <p:cNvPr id="2" name="Titel 1">
+            <a:extLst>
+              <a:ext uri="{FF2B5EF4-FFF2-40B4-BE49-F238E27FC236}">
+                <a16:creationId xmlns:a16="http://schemas.microsoft.com/office/drawing/2014/main" id="{446D3BEF-CC88-B742-5807-43EE48D25381}"/>
+              </a:ext>
+            </a:extLst>
+          </p:cNvPr>
+          <p:cNvSpPr>
+            <a:spLocks noGrp="1"/>
+          </p:cNvSpPr>
+          <p:nvPr>
+            <p:ph type="title"/>
+          </p:nvPr>
+        </p:nvSpPr>
+        <p:spPr/>
+        <p:txBody>
+          <a:bodyPr>
+            <a:normAutofit fontScale="90000"/>
+          </a:bodyPr>
+          <a:lstStyle/>
+          <a:p>
+            <a:r>
+              <a:rPr lang="en-US" dirty="0"/>
+              <a:t>Operations in a virtualized Environment</a:t>
+            </a:r>
+          </a:p>
+        </p:txBody>
+      </p:sp>
+      <p:sp>
+        <p:nvSpPr>
+          <p:cNvPr id="3" name="Textplatzhalter 2">
+            <a:extLst>
+              <a:ext uri="{FF2B5EF4-FFF2-40B4-BE49-F238E27FC236}">
+                <a16:creationId xmlns:a16="http://schemas.microsoft.com/office/drawing/2014/main" id="{04897626-5992-AC9F-A7C2-0A8A6A65B6F9}"/>
+              </a:ext>
+            </a:extLst>
+          </p:cNvPr>
+          <p:cNvSpPr>
+            <a:spLocks noGrp="1"/>
+          </p:cNvSpPr>
+          <p:nvPr>
+            <p:ph type="body" sz="quarter" idx="14"/>
+          </p:nvPr>
+        </p:nvSpPr>
+        <p:spPr/>
+        <p:txBody>
+          <a:bodyPr/>
+          <a:lstStyle/>
+          <a:p>
+            <a:endParaRPr lang="en-US" dirty="0"/>
+          </a:p>
+        </p:txBody>
+      </p:sp>
+      <p:sp>
+        <p:nvSpPr>
+          <p:cNvPr id="4" name="Fußzeilenplatzhalter 3">
+            <a:extLst>
+              <a:ext uri="{FF2B5EF4-FFF2-40B4-BE49-F238E27FC236}">
+                <a16:creationId xmlns:a16="http://schemas.microsoft.com/office/drawing/2014/main" id="{17F6F80D-FCFD-474A-A46E-BEF92F26DC8D}"/>
+              </a:ext>
+            </a:extLst>
+          </p:cNvPr>
+          <p:cNvSpPr>
+            <a:spLocks noGrp="1"/>
+          </p:cNvSpPr>
+          <p:nvPr>
+            <p:ph type="ftr" sz="quarter" idx="12"/>
+          </p:nvPr>
+        </p:nvSpPr>
+        <p:spPr/>
+        <p:txBody>
+          <a:bodyPr/>
+          <a:lstStyle/>
+          <a:p>
+            <a:r>
+              <a:rPr lang="en-US"/>
+              <a:t>Virtualization of a Real-Time Operating System for Robot Control with a Focus on RealTime Compliance</a:t>
+            </a:r>
+            <a:r>
+              <a:rPr lang="en-GB"/>
+              <a:t> | </a:t>
+            </a:r>
+            <a:r>
+              <a:rPr lang="de-AT"/>
+              <a:t>Halil Pamuk, BSc.</a:t>
+            </a:r>
+            <a:r>
+              <a:rPr lang="en-GB"/>
+              <a:t> | 10.10.2024</a:t>
+            </a:r>
+            <a:endParaRPr lang="en-GB" dirty="0"/>
+          </a:p>
+        </p:txBody>
+      </p:sp>
+      <p:sp>
+        <p:nvSpPr>
+          <p:cNvPr id="5" name="Foliennummernplatzhalter 4">
+            <a:extLst>
+              <a:ext uri="{FF2B5EF4-FFF2-40B4-BE49-F238E27FC236}">
+                <a16:creationId xmlns:a16="http://schemas.microsoft.com/office/drawing/2014/main" id="{6FE7C3E3-082F-E591-9994-A62597200B98}"/>
+              </a:ext>
+            </a:extLst>
+          </p:cNvPr>
+          <p:cNvSpPr>
+            <a:spLocks noGrp="1"/>
+          </p:cNvSpPr>
+          <p:nvPr>
+            <p:ph type="sldNum" sz="quarter" idx="13"/>
+          </p:nvPr>
+        </p:nvSpPr>
+        <p:spPr/>
+        <p:txBody>
+          <a:bodyPr/>
+          <a:lstStyle/>
+          <a:p>
+            <a:fld id="{9C057DB4-583E-41A7-BD94-987342018C17}" type="slidenum">
+              <a:rPr lang="en-GB" smtClean="0"/>
+              <a:pPr/>
+              <a:t>11</a:t>
+            </a:fld>
+            <a:endParaRPr lang="en-GB" dirty="0"/>
+          </a:p>
+        </p:txBody>
+      </p:sp>
+      <p:pic>
+        <p:nvPicPr>
+          <p:cNvPr id="7" name="Grafik 6">
+            <a:extLst>
+              <a:ext uri="{FF2B5EF4-FFF2-40B4-BE49-F238E27FC236}">
+                <a16:creationId xmlns:a16="http://schemas.microsoft.com/office/drawing/2014/main" id="{D3C8EB07-66E9-56CB-C779-AE257F3A454B}"/>
+              </a:ext>
+            </a:extLst>
+          </p:cNvPr>
+          <p:cNvPicPr>
+            <a:picLocks noChangeAspect="1"/>
+          </p:cNvPicPr>
+          <p:nvPr/>
+        </p:nvPicPr>
+        <p:blipFill>
+          <a:blip r:embed="rId2"/>
+          <a:stretch>
+            <a:fillRect/>
+          </a:stretch>
+        </p:blipFill>
+        <p:spPr>
+          <a:xfrm>
+            <a:off x="2259593" y="750246"/>
+            <a:ext cx="4616134" cy="3821904"/>
+          </a:xfrm>
+          <a:prstGeom prst="rect">
+            <a:avLst/>
+          </a:prstGeom>
+        </p:spPr>
+      </p:pic>
+    </p:spTree>
+    <p:extLst>
+      <p:ext uri="{BB962C8B-B14F-4D97-AF65-F5344CB8AC3E}">
+        <p14:creationId xmlns:p14="http://schemas.microsoft.com/office/powerpoint/2010/main" val="3521222500"/>
+      </p:ext>
+    </p:extLst>
+  </p:cSld>
+  <p:clrMapOvr>
+    <a:masterClrMapping/>
+  </p:clrMapOvr>
+</p:sld>
+</file>
+
+<file path=ppt/slides/slide12.xml><?xml version="1.0" encoding="utf-8"?>
+<p:sld xmlns:a="http://schemas.openxmlformats.org/drawingml/2006/main" xmlns:r="http://schemas.openxmlformats.org/officeDocument/2006/relationships" xmlns:p="http://schemas.openxmlformats.org/presentationml/2006/main" show="0">
+  <p:cSld>
+    <p:spTree>
+      <p:nvGrpSpPr>
+        <p:cNvPr id="1" name=""/>
+        <p:cNvGrpSpPr/>
+        <p:nvPr/>
+      </p:nvGrpSpPr>
+      <p:grpSpPr>
+        <a:xfrm>
+          <a:off x="0" y="0"/>
+          <a:ext cx="0" cy="0"/>
+          <a:chOff x="0" y="0"/>
+          <a:chExt cx="0" cy="0"/>
+        </a:xfrm>
+      </p:grpSpPr>
+      <p:sp>
+        <p:nvSpPr>
+          <p:cNvPr id="2" name="Titel 1">
+            <a:extLst>
+              <a:ext uri="{FF2B5EF4-FFF2-40B4-BE49-F238E27FC236}">
+                <a16:creationId xmlns:a16="http://schemas.microsoft.com/office/drawing/2014/main" id="{446D3BEF-CC88-B742-5807-43EE48D25381}"/>
+              </a:ext>
+            </a:extLst>
+          </p:cNvPr>
+          <p:cNvSpPr>
+            <a:spLocks noGrp="1"/>
+          </p:cNvSpPr>
+          <p:nvPr>
+            <p:ph type="title"/>
+          </p:nvPr>
+        </p:nvSpPr>
+        <p:spPr/>
+        <p:txBody>
+          <a:bodyPr>
+            <a:normAutofit fontScale="90000"/>
+          </a:bodyPr>
+          <a:lstStyle/>
+          <a:p>
+            <a:r>
+              <a:rPr lang="en-US" dirty="0"/>
+              <a:t>Host Operating System</a:t>
+            </a:r>
+          </a:p>
+        </p:txBody>
+      </p:sp>
+      <p:sp>
+        <p:nvSpPr>
+          <p:cNvPr id="3" name="Textplatzhalter 2">
+            <a:extLst>
+              <a:ext uri="{FF2B5EF4-FFF2-40B4-BE49-F238E27FC236}">
+                <a16:creationId xmlns:a16="http://schemas.microsoft.com/office/drawing/2014/main" id="{04897626-5992-AC9F-A7C2-0A8A6A65B6F9}"/>
+              </a:ext>
+            </a:extLst>
+          </p:cNvPr>
+          <p:cNvSpPr>
+            <a:spLocks noGrp="1"/>
+          </p:cNvSpPr>
+          <p:nvPr>
+            <p:ph type="body" sz="quarter" idx="14"/>
+          </p:nvPr>
+        </p:nvSpPr>
+        <p:spPr/>
+        <p:txBody>
+          <a:bodyPr/>
+          <a:lstStyle/>
+          <a:p>
+            <a:endParaRPr lang="en-US" dirty="0"/>
+          </a:p>
+        </p:txBody>
+      </p:sp>
+      <p:sp>
+        <p:nvSpPr>
+          <p:cNvPr id="4" name="Fußzeilenplatzhalter 3">
+            <a:extLst>
+              <a:ext uri="{FF2B5EF4-FFF2-40B4-BE49-F238E27FC236}">
+                <a16:creationId xmlns:a16="http://schemas.microsoft.com/office/drawing/2014/main" id="{17F6F80D-FCFD-474A-A46E-BEF92F26DC8D}"/>
+              </a:ext>
+            </a:extLst>
+          </p:cNvPr>
+          <p:cNvSpPr>
+            <a:spLocks noGrp="1"/>
+          </p:cNvSpPr>
+          <p:nvPr>
+            <p:ph type="ftr" sz="quarter" idx="12"/>
+          </p:nvPr>
+        </p:nvSpPr>
+        <p:spPr/>
+        <p:txBody>
+          <a:bodyPr/>
+          <a:lstStyle/>
+          <a:p>
+            <a:r>
+              <a:rPr lang="en-US"/>
+              <a:t>Virtualization of a Real-Time Operating System for Robot Control with a Focus on RealTime Compliance</a:t>
+            </a:r>
+            <a:r>
+              <a:rPr lang="en-GB"/>
+              <a:t> | </a:t>
+            </a:r>
+            <a:r>
+              <a:rPr lang="de-AT"/>
+              <a:t>Halil Pamuk, BSc.</a:t>
+            </a:r>
+            <a:r>
+              <a:rPr lang="en-GB"/>
+              <a:t> | 10.10.2024</a:t>
+            </a:r>
+            <a:endParaRPr lang="en-GB" dirty="0"/>
+          </a:p>
+        </p:txBody>
+      </p:sp>
+      <p:sp>
+        <p:nvSpPr>
+          <p:cNvPr id="5" name="Foliennummernplatzhalter 4">
+            <a:extLst>
+              <a:ext uri="{FF2B5EF4-FFF2-40B4-BE49-F238E27FC236}">
+                <a16:creationId xmlns:a16="http://schemas.microsoft.com/office/drawing/2014/main" id="{6FE7C3E3-082F-E591-9994-A62597200B98}"/>
+              </a:ext>
+            </a:extLst>
+          </p:cNvPr>
+          <p:cNvSpPr>
+            <a:spLocks noGrp="1"/>
+          </p:cNvSpPr>
+          <p:nvPr>
+            <p:ph type="sldNum" sz="quarter" idx="13"/>
+          </p:nvPr>
+        </p:nvSpPr>
+        <p:spPr/>
+        <p:txBody>
+          <a:bodyPr/>
+          <a:lstStyle/>
+          <a:p>
+            <a:fld id="{9C057DB4-583E-41A7-BD94-987342018C17}" type="slidenum">
+              <a:rPr lang="en-GB" smtClean="0"/>
+              <a:pPr/>
+              <a:t>12</a:t>
+            </a:fld>
+            <a:endParaRPr lang="en-GB" dirty="0"/>
+          </a:p>
+        </p:txBody>
+      </p:sp>
+      <p:pic>
+        <p:nvPicPr>
+          <p:cNvPr id="8" name="Grafik 7">
+            <a:extLst>
+              <a:ext uri="{FF2B5EF4-FFF2-40B4-BE49-F238E27FC236}">
+                <a16:creationId xmlns:a16="http://schemas.microsoft.com/office/drawing/2014/main" id="{90480B54-5B23-FF47-F714-252518C84D10}"/>
+              </a:ext>
+            </a:extLst>
+          </p:cNvPr>
+          <p:cNvPicPr>
+            <a:picLocks noChangeAspect="1"/>
+          </p:cNvPicPr>
+          <p:nvPr/>
+        </p:nvPicPr>
+        <p:blipFill>
+          <a:blip r:embed="rId2"/>
+          <a:stretch>
+            <a:fillRect/>
+          </a:stretch>
+        </p:blipFill>
+        <p:spPr>
+          <a:xfrm>
+            <a:off x="1243012" y="1090612"/>
+            <a:ext cx="6657975" cy="2962275"/>
+          </a:xfrm>
+          <a:prstGeom prst="rect">
+            <a:avLst/>
+          </a:prstGeom>
+        </p:spPr>
+      </p:pic>
+    </p:spTree>
+    <p:extLst>
+      <p:ext uri="{BB962C8B-B14F-4D97-AF65-F5344CB8AC3E}">
+        <p14:creationId xmlns:p14="http://schemas.microsoft.com/office/powerpoint/2010/main" val="1970974317"/>
+      </p:ext>
+    </p:extLst>
+  </p:cSld>
+  <p:clrMapOvr>
+    <a:masterClrMapping/>
+  </p:clrMapOvr>
+</p:sld>
+</file>
+
+<file path=ppt/slides/slide13.xml><?xml version="1.0" encoding="utf-8"?>
+<p:sld xmlns:a="http://schemas.openxmlformats.org/drawingml/2006/main" xmlns:r="http://schemas.openxmlformats.org/officeDocument/2006/relationships" xmlns:p="http://schemas.openxmlformats.org/presentationml/2006/main" show="0">
+  <p:cSld>
+    <p:spTree>
+      <p:nvGrpSpPr>
+        <p:cNvPr id="1" name=""/>
+        <p:cNvGrpSpPr/>
+        <p:nvPr/>
+      </p:nvGrpSpPr>
+      <p:grpSpPr>
+        <a:xfrm>
+          <a:off x="0" y="0"/>
+          <a:ext cx="0" cy="0"/>
+          <a:chOff x="0" y="0"/>
+          <a:chExt cx="0" cy="0"/>
+        </a:xfrm>
+      </p:grpSpPr>
+      <p:sp>
+        <p:nvSpPr>
+          <p:cNvPr id="2" name="Titel 1">
+            <a:extLst>
+              <a:ext uri="{FF2B5EF4-FFF2-40B4-BE49-F238E27FC236}">
+                <a16:creationId xmlns:a16="http://schemas.microsoft.com/office/drawing/2014/main" id="{446D3BEF-CC88-B742-5807-43EE48D25381}"/>
+              </a:ext>
+            </a:extLst>
+          </p:cNvPr>
+          <p:cNvSpPr>
+            <a:spLocks noGrp="1"/>
+          </p:cNvSpPr>
+          <p:nvPr>
+            <p:ph type="title"/>
+          </p:nvPr>
+        </p:nvSpPr>
+        <p:spPr/>
+        <p:txBody>
+          <a:bodyPr>
+            <a:normAutofit fontScale="90000"/>
+          </a:bodyPr>
+          <a:lstStyle/>
+          <a:p>
+            <a:r>
+              <a:rPr lang="en-US" dirty="0"/>
+              <a:t>QEMU Script</a:t>
+            </a:r>
+          </a:p>
+        </p:txBody>
+      </p:sp>
+      <p:sp>
+        <p:nvSpPr>
+          <p:cNvPr id="3" name="Textplatzhalter 2">
+            <a:extLst>
+              <a:ext uri="{FF2B5EF4-FFF2-40B4-BE49-F238E27FC236}">
+                <a16:creationId xmlns:a16="http://schemas.microsoft.com/office/drawing/2014/main" id="{04897626-5992-AC9F-A7C2-0A8A6A65B6F9}"/>
+              </a:ext>
+            </a:extLst>
+          </p:cNvPr>
+          <p:cNvSpPr>
+            <a:spLocks noGrp="1"/>
+          </p:cNvSpPr>
+          <p:nvPr>
+            <p:ph type="body" sz="quarter" idx="14"/>
+          </p:nvPr>
+        </p:nvSpPr>
+        <p:spPr/>
+        <p:txBody>
+          <a:bodyPr/>
+          <a:lstStyle/>
+          <a:p>
+            <a:endParaRPr lang="en-US" dirty="0"/>
+          </a:p>
+        </p:txBody>
+      </p:sp>
+      <p:sp>
+        <p:nvSpPr>
+          <p:cNvPr id="4" name="Fußzeilenplatzhalter 3">
+            <a:extLst>
+              <a:ext uri="{FF2B5EF4-FFF2-40B4-BE49-F238E27FC236}">
+                <a16:creationId xmlns:a16="http://schemas.microsoft.com/office/drawing/2014/main" id="{17F6F80D-FCFD-474A-A46E-BEF92F26DC8D}"/>
+              </a:ext>
+            </a:extLst>
+          </p:cNvPr>
+          <p:cNvSpPr>
+            <a:spLocks noGrp="1"/>
+          </p:cNvSpPr>
+          <p:nvPr>
+            <p:ph type="ftr" sz="quarter" idx="12"/>
+          </p:nvPr>
+        </p:nvSpPr>
+        <p:spPr/>
+        <p:txBody>
+          <a:bodyPr/>
+          <a:lstStyle/>
+          <a:p>
+            <a:r>
+              <a:rPr lang="en-US"/>
+              <a:t>Virtualization of a Real-Time Operating System for Robot Control with a Focus on RealTime Compliance</a:t>
+            </a:r>
+            <a:r>
+              <a:rPr lang="en-GB"/>
+              <a:t> | </a:t>
+            </a:r>
+            <a:r>
+              <a:rPr lang="de-AT"/>
+              <a:t>Halil Pamuk, BSc.</a:t>
+            </a:r>
+            <a:r>
+              <a:rPr lang="en-GB"/>
+              <a:t> | 10.10.2024</a:t>
+            </a:r>
+            <a:endParaRPr lang="en-GB" dirty="0"/>
+          </a:p>
+        </p:txBody>
+      </p:sp>
+      <p:sp>
+        <p:nvSpPr>
+          <p:cNvPr id="5" name="Foliennummernplatzhalter 4">
+            <a:extLst>
+              <a:ext uri="{FF2B5EF4-FFF2-40B4-BE49-F238E27FC236}">
+                <a16:creationId xmlns:a16="http://schemas.microsoft.com/office/drawing/2014/main" id="{6FE7C3E3-082F-E591-9994-A62597200B98}"/>
+              </a:ext>
+            </a:extLst>
+          </p:cNvPr>
+          <p:cNvSpPr>
+            <a:spLocks noGrp="1"/>
+          </p:cNvSpPr>
+          <p:nvPr>
+            <p:ph type="sldNum" sz="quarter" idx="13"/>
+          </p:nvPr>
+        </p:nvSpPr>
+        <p:spPr/>
+        <p:txBody>
+          <a:bodyPr/>
+          <a:lstStyle/>
+          <a:p>
+            <a:fld id="{9C057DB4-583E-41A7-BD94-987342018C17}" type="slidenum">
+              <a:rPr lang="en-GB" smtClean="0"/>
+              <a:pPr/>
+              <a:t>13</a:t>
+            </a:fld>
+            <a:endParaRPr lang="en-GB" dirty="0"/>
+          </a:p>
+        </p:txBody>
+      </p:sp>
+      <p:pic>
+        <p:nvPicPr>
+          <p:cNvPr id="8" name="Grafik 7">
+            <a:extLst>
+              <a:ext uri="{FF2B5EF4-FFF2-40B4-BE49-F238E27FC236}">
+                <a16:creationId xmlns:a16="http://schemas.microsoft.com/office/drawing/2014/main" id="{8578C0FB-74EF-18D9-88AA-7324A7F47987}"/>
+              </a:ext>
+            </a:extLst>
+          </p:cNvPr>
+          <p:cNvPicPr>
+            <a:picLocks noChangeAspect="1"/>
+          </p:cNvPicPr>
+          <p:nvPr/>
+        </p:nvPicPr>
+        <p:blipFill>
+          <a:blip r:embed="rId2"/>
+          <a:stretch>
+            <a:fillRect/>
+          </a:stretch>
+        </p:blipFill>
+        <p:spPr>
+          <a:xfrm>
+            <a:off x="1207741" y="632767"/>
+            <a:ext cx="6719837" cy="3996182"/>
+          </a:xfrm>
+          <a:prstGeom prst="rect">
+            <a:avLst/>
+          </a:prstGeom>
+        </p:spPr>
+      </p:pic>
+    </p:spTree>
+    <p:extLst>
+      <p:ext uri="{BB962C8B-B14F-4D97-AF65-F5344CB8AC3E}">
+        <p14:creationId xmlns:p14="http://schemas.microsoft.com/office/powerpoint/2010/main" val="2416702751"/>
+      </p:ext>
+    </p:extLst>
+  </p:cSld>
+  <p:clrMapOvr>
+    <a:masterClrMapping/>
+  </p:clrMapOvr>
+</p:sld>
+</file>
+
+<file path=ppt/slides/slide14.xml><?xml version="1.0" encoding="utf-8"?>
+<p:sld xmlns:a="http://schemas.openxmlformats.org/drawingml/2006/main" xmlns:r="http://schemas.openxmlformats.org/officeDocument/2006/relationships" xmlns:p="http://schemas.openxmlformats.org/presentationml/2006/main" show="0">
+  <p:cSld>
+    <p:spTree>
+      <p:nvGrpSpPr>
+        <p:cNvPr id="1" name=""/>
+        <p:cNvGrpSpPr/>
+        <p:nvPr/>
+      </p:nvGrpSpPr>
+      <p:grpSpPr>
+        <a:xfrm>
+          <a:off x="0" y="0"/>
+          <a:ext cx="0" cy="0"/>
+          <a:chOff x="0" y="0"/>
+          <a:chExt cx="0" cy="0"/>
+        </a:xfrm>
+      </p:grpSpPr>
+      <p:sp>
+        <p:nvSpPr>
+          <p:cNvPr id="2" name="Titel 1">
+            <a:extLst>
+              <a:ext uri="{FF2B5EF4-FFF2-40B4-BE49-F238E27FC236}">
+                <a16:creationId xmlns:a16="http://schemas.microsoft.com/office/drawing/2014/main" id="{446D3BEF-CC88-B742-5807-43EE48D25381}"/>
+              </a:ext>
+            </a:extLst>
+          </p:cNvPr>
+          <p:cNvSpPr>
+            <a:spLocks noGrp="1"/>
+          </p:cNvSpPr>
+          <p:nvPr>
+            <p:ph type="title"/>
+          </p:nvPr>
+        </p:nvSpPr>
+        <p:spPr/>
+        <p:txBody>
+          <a:bodyPr>
+            <a:normAutofit fontScale="90000"/>
+          </a:bodyPr>
+          <a:lstStyle/>
+          <a:p>
+            <a:r>
+              <a:rPr lang="en-US" dirty="0" err="1"/>
+              <a:t>Xenomai</a:t>
+            </a:r>
+            <a:r>
+              <a:rPr lang="en-US" dirty="0"/>
+              <a:t> Approaches </a:t>
+            </a:r>
+          </a:p>
+        </p:txBody>
+      </p:sp>
+      <p:sp>
+        <p:nvSpPr>
+          <p:cNvPr id="3" name="Textplatzhalter 2">
+            <a:extLst>
+              <a:ext uri="{FF2B5EF4-FFF2-40B4-BE49-F238E27FC236}">
+                <a16:creationId xmlns:a16="http://schemas.microsoft.com/office/drawing/2014/main" id="{04897626-5992-AC9F-A7C2-0A8A6A65B6F9}"/>
+              </a:ext>
+            </a:extLst>
+          </p:cNvPr>
+          <p:cNvSpPr>
+            <a:spLocks noGrp="1"/>
+          </p:cNvSpPr>
+          <p:nvPr>
+            <p:ph type="body" sz="quarter" idx="14"/>
+          </p:nvPr>
+        </p:nvSpPr>
+        <p:spPr/>
+        <p:txBody>
+          <a:bodyPr/>
+          <a:lstStyle/>
+          <a:p>
+            <a:endParaRPr lang="en-US" dirty="0"/>
+          </a:p>
+        </p:txBody>
+      </p:sp>
+      <p:sp>
+        <p:nvSpPr>
+          <p:cNvPr id="4" name="Fußzeilenplatzhalter 3">
+            <a:extLst>
+              <a:ext uri="{FF2B5EF4-FFF2-40B4-BE49-F238E27FC236}">
+                <a16:creationId xmlns:a16="http://schemas.microsoft.com/office/drawing/2014/main" id="{17F6F80D-FCFD-474A-A46E-BEF92F26DC8D}"/>
+              </a:ext>
+            </a:extLst>
+          </p:cNvPr>
+          <p:cNvSpPr>
+            <a:spLocks noGrp="1"/>
+          </p:cNvSpPr>
+          <p:nvPr>
+            <p:ph type="ftr" sz="quarter" idx="12"/>
+          </p:nvPr>
+        </p:nvSpPr>
+        <p:spPr/>
+        <p:txBody>
+          <a:bodyPr/>
+          <a:lstStyle/>
+          <a:p>
+            <a:r>
+              <a:rPr lang="en-US"/>
+              <a:t>Virtualization of a Real-Time Operating System for Robot Control with a Focus on RealTime Compliance</a:t>
+            </a:r>
+            <a:r>
+              <a:rPr lang="en-GB"/>
+              <a:t> | </a:t>
+            </a:r>
+            <a:r>
+              <a:rPr lang="de-AT"/>
+              <a:t>Halil Pamuk, BSc.</a:t>
+            </a:r>
+            <a:r>
+              <a:rPr lang="en-GB"/>
+              <a:t> | 10.10.2024</a:t>
+            </a:r>
+            <a:endParaRPr lang="en-GB" dirty="0"/>
+          </a:p>
+        </p:txBody>
+      </p:sp>
+      <p:sp>
+        <p:nvSpPr>
+          <p:cNvPr id="5" name="Foliennummernplatzhalter 4">
+            <a:extLst>
+              <a:ext uri="{FF2B5EF4-FFF2-40B4-BE49-F238E27FC236}">
+                <a16:creationId xmlns:a16="http://schemas.microsoft.com/office/drawing/2014/main" id="{6FE7C3E3-082F-E591-9994-A62597200B98}"/>
+              </a:ext>
+            </a:extLst>
+          </p:cNvPr>
+          <p:cNvSpPr>
+            <a:spLocks noGrp="1"/>
+          </p:cNvSpPr>
+          <p:nvPr>
+            <p:ph type="sldNum" sz="quarter" idx="13"/>
+          </p:nvPr>
+        </p:nvSpPr>
+        <p:spPr/>
+        <p:txBody>
+          <a:bodyPr/>
+          <a:lstStyle/>
+          <a:p>
+            <a:fld id="{9C057DB4-583E-41A7-BD94-987342018C17}" type="slidenum">
+              <a:rPr lang="en-GB" smtClean="0"/>
+              <a:pPr/>
+              <a:t>14</a:t>
+            </a:fld>
+            <a:endParaRPr lang="en-GB" dirty="0"/>
+          </a:p>
+        </p:txBody>
+      </p:sp>
+      <p:pic>
+        <p:nvPicPr>
+          <p:cNvPr id="10" name="Grafik 9">
+            <a:extLst>
+              <a:ext uri="{FF2B5EF4-FFF2-40B4-BE49-F238E27FC236}">
+                <a16:creationId xmlns:a16="http://schemas.microsoft.com/office/drawing/2014/main" id="{A0162D1F-E32F-4AB1-B397-D24C5601D159}"/>
+              </a:ext>
+            </a:extLst>
+          </p:cNvPr>
+          <p:cNvPicPr>
+            <a:picLocks noChangeAspect="1"/>
+          </p:cNvPicPr>
+          <p:nvPr/>
+        </p:nvPicPr>
+        <p:blipFill>
+          <a:blip r:embed="rId2"/>
+          <a:stretch>
+            <a:fillRect/>
+          </a:stretch>
+        </p:blipFill>
+        <p:spPr>
+          <a:xfrm>
+            <a:off x="4865900" y="1402499"/>
+            <a:ext cx="3676167" cy="2577912"/>
+          </a:xfrm>
+          <a:prstGeom prst="rect">
+            <a:avLst/>
+          </a:prstGeom>
+          <a:ln>
+            <a:solidFill>
+              <a:schemeClr val="tx1"/>
+            </a:solidFill>
+          </a:ln>
+        </p:spPr>
+      </p:pic>
+      <p:pic>
+        <p:nvPicPr>
+          <p:cNvPr id="12" name="Grafik 11">
+            <a:extLst>
+              <a:ext uri="{FF2B5EF4-FFF2-40B4-BE49-F238E27FC236}">
+                <a16:creationId xmlns:a16="http://schemas.microsoft.com/office/drawing/2014/main" id="{0438F7D7-2BBA-3715-5B63-ACF5E237621D}"/>
+              </a:ext>
+            </a:extLst>
+          </p:cNvPr>
+          <p:cNvPicPr>
+            <a:picLocks noChangeAspect="1"/>
+          </p:cNvPicPr>
+          <p:nvPr/>
+        </p:nvPicPr>
+        <p:blipFill>
+          <a:blip r:embed="rId3"/>
+          <a:stretch>
+            <a:fillRect/>
+          </a:stretch>
+        </p:blipFill>
+        <p:spPr>
+          <a:xfrm>
+            <a:off x="503810" y="1402499"/>
+            <a:ext cx="3774292" cy="2577912"/>
+          </a:xfrm>
+          <a:prstGeom prst="rect">
+            <a:avLst/>
+          </a:prstGeom>
+          <a:ln>
+            <a:solidFill>
+              <a:schemeClr val="tx1"/>
+            </a:solidFill>
+          </a:ln>
+        </p:spPr>
+      </p:pic>
+    </p:spTree>
+    <p:extLst>
+      <p:ext uri="{BB962C8B-B14F-4D97-AF65-F5344CB8AC3E}">
+        <p14:creationId xmlns:p14="http://schemas.microsoft.com/office/powerpoint/2010/main" val="3454499866"/>
+      </p:ext>
+    </p:extLst>
+  </p:cSld>
+  <p:clrMapOvr>
+    <a:masterClrMapping/>
+  </p:clrMapOvr>
+</p:sld>
+</file>
+
+<file path=ppt/slides/slide15.xml><?xml version="1.0" encoding="utf-8"?>
+<p:sld xmlns:a="http://schemas.openxmlformats.org/drawingml/2006/main" xmlns:r="http://schemas.openxmlformats.org/officeDocument/2006/relationships" xmlns:p="http://schemas.openxmlformats.org/presentationml/2006/main" show="0">
+  <p:cSld>
+    <p:spTree>
+      <p:nvGrpSpPr>
+        <p:cNvPr id="1" name=""/>
+        <p:cNvGrpSpPr/>
+        <p:nvPr/>
+      </p:nvGrpSpPr>
+      <p:grpSpPr>
+        <a:xfrm>
+          <a:off x="0" y="0"/>
+          <a:ext cx="0" cy="0"/>
+          <a:chOff x="0" y="0"/>
+          <a:chExt cx="0" cy="0"/>
+        </a:xfrm>
+      </p:grpSpPr>
+      <p:sp>
+        <p:nvSpPr>
+          <p:cNvPr id="2" name="Titel 1">
+            <a:extLst>
+              <a:ext uri="{FF2B5EF4-FFF2-40B4-BE49-F238E27FC236}">
+                <a16:creationId xmlns:a16="http://schemas.microsoft.com/office/drawing/2014/main" id="{446D3BEF-CC88-B742-5807-43EE48D25381}"/>
+              </a:ext>
+            </a:extLst>
+          </p:cNvPr>
+          <p:cNvSpPr>
+            <a:spLocks noGrp="1"/>
+          </p:cNvSpPr>
+          <p:nvPr>
+            <p:ph type="title"/>
+          </p:nvPr>
+        </p:nvSpPr>
+        <p:spPr/>
+        <p:txBody>
+          <a:bodyPr>
+            <a:normAutofit fontScale="90000"/>
+          </a:bodyPr>
+          <a:lstStyle/>
+          <a:p>
+            <a:r>
+              <a:rPr lang="en-US" dirty="0"/>
+              <a:t>Trace-</a:t>
+            </a:r>
+            <a:r>
+              <a:rPr lang="en-US" dirty="0" err="1"/>
+              <a:t>cmd</a:t>
+            </a:r>
+            <a:endParaRPr lang="en-US" dirty="0"/>
+          </a:p>
+        </p:txBody>
+      </p:sp>
+      <p:sp>
+        <p:nvSpPr>
+          <p:cNvPr id="3" name="Textplatzhalter 2">
+            <a:extLst>
+              <a:ext uri="{FF2B5EF4-FFF2-40B4-BE49-F238E27FC236}">
+                <a16:creationId xmlns:a16="http://schemas.microsoft.com/office/drawing/2014/main" id="{04897626-5992-AC9F-A7C2-0A8A6A65B6F9}"/>
+              </a:ext>
+            </a:extLst>
+          </p:cNvPr>
+          <p:cNvSpPr>
+            <a:spLocks noGrp="1"/>
+          </p:cNvSpPr>
+          <p:nvPr>
+            <p:ph type="body" sz="quarter" idx="14"/>
+          </p:nvPr>
+        </p:nvSpPr>
+        <p:spPr/>
+        <p:txBody>
+          <a:bodyPr/>
+          <a:lstStyle/>
+          <a:p>
+            <a:endParaRPr lang="en-US" dirty="0"/>
+          </a:p>
+        </p:txBody>
+      </p:sp>
+      <p:sp>
+        <p:nvSpPr>
+          <p:cNvPr id="4" name="Fußzeilenplatzhalter 3">
+            <a:extLst>
+              <a:ext uri="{FF2B5EF4-FFF2-40B4-BE49-F238E27FC236}">
+                <a16:creationId xmlns:a16="http://schemas.microsoft.com/office/drawing/2014/main" id="{17F6F80D-FCFD-474A-A46E-BEF92F26DC8D}"/>
+              </a:ext>
+            </a:extLst>
+          </p:cNvPr>
+          <p:cNvSpPr>
+            <a:spLocks noGrp="1"/>
+          </p:cNvSpPr>
+          <p:nvPr>
+            <p:ph type="ftr" sz="quarter" idx="12"/>
+          </p:nvPr>
+        </p:nvSpPr>
+        <p:spPr/>
+        <p:txBody>
+          <a:bodyPr/>
+          <a:lstStyle/>
+          <a:p>
+            <a:r>
+              <a:rPr lang="en-US"/>
+              <a:t>Virtualization of a Real-Time Operating System for Robot Control with a Focus on RealTime Compliance</a:t>
+            </a:r>
+            <a:r>
+              <a:rPr lang="en-GB"/>
+              <a:t> | </a:t>
+            </a:r>
+            <a:r>
+              <a:rPr lang="de-AT"/>
+              <a:t>Halil Pamuk, BSc.</a:t>
+            </a:r>
+            <a:r>
+              <a:rPr lang="en-GB"/>
+              <a:t> | 10.10.2024</a:t>
+            </a:r>
+            <a:endParaRPr lang="en-GB" dirty="0"/>
+          </a:p>
+        </p:txBody>
+      </p:sp>
+      <p:sp>
+        <p:nvSpPr>
+          <p:cNvPr id="5" name="Foliennummernplatzhalter 4">
+            <a:extLst>
+              <a:ext uri="{FF2B5EF4-FFF2-40B4-BE49-F238E27FC236}">
+                <a16:creationId xmlns:a16="http://schemas.microsoft.com/office/drawing/2014/main" id="{6FE7C3E3-082F-E591-9994-A62597200B98}"/>
+              </a:ext>
+            </a:extLst>
+          </p:cNvPr>
+          <p:cNvSpPr>
+            <a:spLocks noGrp="1"/>
+          </p:cNvSpPr>
+          <p:nvPr>
+            <p:ph type="sldNum" sz="quarter" idx="13"/>
+          </p:nvPr>
+        </p:nvSpPr>
+        <p:spPr/>
+        <p:txBody>
+          <a:bodyPr/>
+          <a:lstStyle/>
+          <a:p>
+            <a:fld id="{9C057DB4-583E-41A7-BD94-987342018C17}" type="slidenum">
+              <a:rPr lang="en-GB" smtClean="0"/>
+              <a:pPr/>
+              <a:t>15</a:t>
+            </a:fld>
+            <a:endParaRPr lang="en-GB" dirty="0"/>
+          </a:p>
+        </p:txBody>
+      </p:sp>
+      <p:pic>
+        <p:nvPicPr>
+          <p:cNvPr id="8" name="Grafik 7">
+            <a:extLst>
+              <a:ext uri="{FF2B5EF4-FFF2-40B4-BE49-F238E27FC236}">
+                <a16:creationId xmlns:a16="http://schemas.microsoft.com/office/drawing/2014/main" id="{1F98723C-3283-3A50-F920-1FB5BC74D92E}"/>
+              </a:ext>
+            </a:extLst>
+          </p:cNvPr>
+          <p:cNvPicPr>
+            <a:picLocks noChangeAspect="1"/>
+          </p:cNvPicPr>
+          <p:nvPr/>
+        </p:nvPicPr>
+        <p:blipFill>
+          <a:blip r:embed="rId2"/>
+          <a:stretch>
+            <a:fillRect/>
+          </a:stretch>
+        </p:blipFill>
+        <p:spPr>
+          <a:xfrm>
+            <a:off x="2036677" y="661542"/>
+            <a:ext cx="5061965" cy="4021450"/>
+          </a:xfrm>
+          <a:prstGeom prst="rect">
+            <a:avLst/>
+          </a:prstGeom>
+        </p:spPr>
+      </p:pic>
+    </p:spTree>
+    <p:extLst>
+      <p:ext uri="{BB962C8B-B14F-4D97-AF65-F5344CB8AC3E}">
+        <p14:creationId xmlns:p14="http://schemas.microsoft.com/office/powerpoint/2010/main" val="715715049"/>
+      </p:ext>
+    </p:extLst>
+  </p:cSld>
+  <p:clrMapOvr>
+    <a:masterClrMapping/>
+  </p:clrMapOvr>
+</p:sld>
+</file>
+
+<file path=ppt/slides/slide16.xml><?xml version="1.0" encoding="utf-8"?>
+<p:sld xmlns:a="http://schemas.openxmlformats.org/drawingml/2006/main" xmlns:r="http://schemas.openxmlformats.org/officeDocument/2006/relationships" xmlns:p="http://schemas.openxmlformats.org/presentationml/2006/main" show="0">
+  <p:cSld>
+    <p:spTree>
+      <p:nvGrpSpPr>
+        <p:cNvPr id="1" name=""/>
+        <p:cNvGrpSpPr/>
+        <p:nvPr/>
+      </p:nvGrpSpPr>
+      <p:grpSpPr>
+        <a:xfrm>
+          <a:off x="0" y="0"/>
+          <a:ext cx="0" cy="0"/>
+          <a:chOff x="0" y="0"/>
+          <a:chExt cx="0" cy="0"/>
+        </a:xfrm>
+      </p:grpSpPr>
+      <p:sp>
+        <p:nvSpPr>
+          <p:cNvPr id="2" name="Titel 1">
+            <a:extLst>
+              <a:ext uri="{FF2B5EF4-FFF2-40B4-BE49-F238E27FC236}">
+                <a16:creationId xmlns:a16="http://schemas.microsoft.com/office/drawing/2014/main" id="{446D3BEF-CC88-B742-5807-43EE48D25381}"/>
+              </a:ext>
+            </a:extLst>
+          </p:cNvPr>
+          <p:cNvSpPr>
+            <a:spLocks noGrp="1"/>
+          </p:cNvSpPr>
+          <p:nvPr>
+            <p:ph type="title"/>
+          </p:nvPr>
+        </p:nvSpPr>
+        <p:spPr/>
+        <p:txBody>
+          <a:bodyPr>
+            <a:normAutofit fontScale="90000"/>
+          </a:bodyPr>
+          <a:lstStyle/>
+          <a:p>
+            <a:r>
+              <a:rPr lang="en-US" dirty="0"/>
+              <a:t>Trace-</a:t>
+            </a:r>
+            <a:r>
+              <a:rPr lang="en-US" dirty="0" err="1"/>
+              <a:t>cmd</a:t>
+            </a:r>
+            <a:endParaRPr lang="en-US" dirty="0"/>
+          </a:p>
+        </p:txBody>
+      </p:sp>
+      <p:sp>
+        <p:nvSpPr>
+          <p:cNvPr id="3" name="Textplatzhalter 2">
+            <a:extLst>
+              <a:ext uri="{FF2B5EF4-FFF2-40B4-BE49-F238E27FC236}">
+                <a16:creationId xmlns:a16="http://schemas.microsoft.com/office/drawing/2014/main" id="{04897626-5992-AC9F-A7C2-0A8A6A65B6F9}"/>
+              </a:ext>
+            </a:extLst>
+          </p:cNvPr>
+          <p:cNvSpPr>
+            <a:spLocks noGrp="1"/>
+          </p:cNvSpPr>
+          <p:nvPr>
+            <p:ph type="body" sz="quarter" idx="14"/>
+          </p:nvPr>
+        </p:nvSpPr>
+        <p:spPr/>
+        <p:txBody>
+          <a:bodyPr>
+            <a:normAutofit/>
+          </a:bodyPr>
+          <a:lstStyle/>
+          <a:p>
+            <a:pPr algn="l"/>
+            <a:r>
+              <a:rPr lang="en-US" sz="1600" b="0" i="0" u="none" strike="noStrike" baseline="0" dirty="0" err="1">
+                <a:latin typeface="NimbusMonL-Regu"/>
+              </a:rPr>
+              <a:t>sudo</a:t>
+            </a:r>
+            <a:r>
+              <a:rPr lang="en-US" sz="1600" b="0" i="0" u="none" strike="noStrike" baseline="0" dirty="0">
+                <a:latin typeface="NimbusMonL-Regu"/>
+              </a:rPr>
+              <a:t> trace-</a:t>
+            </a:r>
+            <a:r>
+              <a:rPr lang="en-US" sz="1600" b="0" i="0" u="none" strike="noStrike" baseline="0" dirty="0" err="1">
+                <a:latin typeface="NimbusMonL-Regu"/>
+              </a:rPr>
+              <a:t>cmd</a:t>
+            </a:r>
+            <a:r>
+              <a:rPr lang="en-US" sz="1600" b="0" i="0" u="none" strike="noStrike" baseline="0" dirty="0">
+                <a:latin typeface="NimbusMonL-Regu"/>
+              </a:rPr>
+              <a:t> record -e all -A @3:823 -name Salamander4 -e all</a:t>
+            </a:r>
+          </a:p>
+          <a:p>
+            <a:pPr algn="l"/>
+            <a:endParaRPr lang="en-US" sz="1600" dirty="0">
+              <a:latin typeface="NimbusMonL-Regu"/>
+            </a:endParaRPr>
+          </a:p>
+          <a:p>
+            <a:pPr algn="l"/>
+            <a:endParaRPr lang="en-US" sz="1600" b="0" i="0" u="none" strike="noStrike" baseline="0" dirty="0">
+              <a:latin typeface="NimbusMonL-Regu"/>
+            </a:endParaRPr>
+          </a:p>
+          <a:p>
+            <a:pPr algn="l"/>
+            <a:endParaRPr lang="en-US" sz="1600" dirty="0">
+              <a:latin typeface="NimbusMonL-Regu"/>
+            </a:endParaRPr>
+          </a:p>
+          <a:p>
+            <a:pPr algn="l"/>
+            <a:endParaRPr lang="pt-BR" sz="1600" b="0" i="0" u="none" strike="noStrike" baseline="0" dirty="0">
+              <a:latin typeface="NimbusMonL-Regu"/>
+            </a:endParaRPr>
+          </a:p>
+          <a:p>
+            <a:pPr algn="l"/>
+            <a:r>
+              <a:rPr lang="pt-BR" sz="1600" b="0" i="0" u="none" strike="noStrike" baseline="0" dirty="0">
+                <a:latin typeface="NimbusMonL-Regu"/>
+              </a:rPr>
+              <a:t>sudo trace-cmd record -e kvm:kvm_entry -e kvm:kvm_exit -A @3:823 -name Salamander4 -e all</a:t>
+            </a:r>
+          </a:p>
+          <a:p>
+            <a:pPr algn="l"/>
+            <a:endParaRPr lang="pt-BR" sz="1600" dirty="0">
+              <a:latin typeface="NimbusMonL-Regu"/>
+            </a:endParaRPr>
+          </a:p>
+          <a:p>
+            <a:pPr algn="l"/>
+            <a:endParaRPr lang="pt-BR" sz="1600" dirty="0">
+              <a:latin typeface="NimbusMonL-Regu"/>
+            </a:endParaRPr>
+          </a:p>
+          <a:p>
+            <a:pPr algn="l"/>
+            <a:endParaRPr lang="pt-BR" sz="1600" dirty="0">
+              <a:latin typeface="NimbusMonL-Regu"/>
+            </a:endParaRPr>
+          </a:p>
+          <a:p>
+            <a:pPr algn="l"/>
+            <a:endParaRPr lang="pt-BR" sz="1600" dirty="0">
+              <a:latin typeface="NimbusMonL-Regu"/>
+            </a:endParaRPr>
+          </a:p>
+          <a:p>
+            <a:pPr algn="l"/>
+            <a:r>
+              <a:rPr lang="en-US" sz="1600" b="0" i="0" u="none" strike="noStrike" baseline="0" dirty="0" err="1">
+                <a:latin typeface="NimbusMonL-Regu"/>
+              </a:rPr>
+              <a:t>sudo</a:t>
+            </a:r>
+            <a:r>
+              <a:rPr lang="en-US" sz="1600" b="0" i="0" u="none" strike="noStrike" baseline="0" dirty="0">
+                <a:latin typeface="NimbusMonL-Regu"/>
+              </a:rPr>
+              <a:t> trace-</a:t>
+            </a:r>
+            <a:r>
+              <a:rPr lang="en-US" sz="1600" b="0" i="0" u="none" strike="noStrike" baseline="0" dirty="0" err="1">
+                <a:latin typeface="NimbusMonL-Regu"/>
+              </a:rPr>
+              <a:t>cmd</a:t>
+            </a:r>
+            <a:r>
+              <a:rPr lang="en-US" sz="1600" b="0" i="0" u="none" strike="noStrike" baseline="0" dirty="0">
+                <a:latin typeface="NimbusMonL-Regu"/>
+              </a:rPr>
+              <a:t> record -e </a:t>
+            </a:r>
+            <a:r>
+              <a:rPr lang="en-US" sz="1600" b="0" i="0" u="none" strike="noStrike" baseline="0" dirty="0" err="1">
+                <a:latin typeface="NimbusMonL-Regu"/>
+              </a:rPr>
+              <a:t>kvm</a:t>
+            </a:r>
+            <a:r>
+              <a:rPr lang="en-US" sz="1600" b="0" i="0" u="none" strike="noStrike" baseline="0" dirty="0">
+                <a:latin typeface="NimbusMonL-Regu"/>
+              </a:rPr>
+              <a:t> -e sched -e </a:t>
+            </a:r>
+            <a:r>
+              <a:rPr lang="en-US" sz="1600" b="0" i="0" u="none" strike="noStrike" baseline="0" dirty="0" err="1">
+                <a:latin typeface="NimbusMonL-Regu"/>
+              </a:rPr>
+              <a:t>irq</a:t>
+            </a:r>
+            <a:r>
+              <a:rPr lang="en-US" sz="1600" b="0" i="0" u="none" strike="noStrike" baseline="0" dirty="0">
+                <a:latin typeface="NimbusMonL-Regu"/>
+              </a:rPr>
+              <a:t> -e -A @3:823 -name Salamander4 -e all</a:t>
+            </a:r>
+            <a:endParaRPr lang="en-US" sz="1600" dirty="0"/>
+          </a:p>
+        </p:txBody>
+      </p:sp>
+      <p:sp>
+        <p:nvSpPr>
+          <p:cNvPr id="4" name="Fußzeilenplatzhalter 3">
+            <a:extLst>
+              <a:ext uri="{FF2B5EF4-FFF2-40B4-BE49-F238E27FC236}">
+                <a16:creationId xmlns:a16="http://schemas.microsoft.com/office/drawing/2014/main" id="{17F6F80D-FCFD-474A-A46E-BEF92F26DC8D}"/>
+              </a:ext>
+            </a:extLst>
+          </p:cNvPr>
+          <p:cNvSpPr>
+            <a:spLocks noGrp="1"/>
+          </p:cNvSpPr>
+          <p:nvPr>
+            <p:ph type="ftr" sz="quarter" idx="12"/>
+          </p:nvPr>
+        </p:nvSpPr>
+        <p:spPr/>
+        <p:txBody>
+          <a:bodyPr/>
+          <a:lstStyle/>
+          <a:p>
+            <a:r>
+              <a:rPr lang="en-US"/>
+              <a:t>Virtualization of a Real-Time Operating System for Robot Control with a Focus on RealTime Compliance</a:t>
+            </a:r>
+            <a:r>
+              <a:rPr lang="en-GB"/>
+              <a:t> | </a:t>
+            </a:r>
+            <a:r>
+              <a:rPr lang="de-AT"/>
+              <a:t>Halil Pamuk, BSc.</a:t>
+            </a:r>
+            <a:r>
+              <a:rPr lang="en-GB"/>
+              <a:t> | 10.10.2024</a:t>
+            </a:r>
+            <a:endParaRPr lang="en-GB" dirty="0"/>
+          </a:p>
+        </p:txBody>
+      </p:sp>
+      <p:sp>
+        <p:nvSpPr>
+          <p:cNvPr id="5" name="Foliennummernplatzhalter 4">
+            <a:extLst>
+              <a:ext uri="{FF2B5EF4-FFF2-40B4-BE49-F238E27FC236}">
+                <a16:creationId xmlns:a16="http://schemas.microsoft.com/office/drawing/2014/main" id="{6FE7C3E3-082F-E591-9994-A62597200B98}"/>
+              </a:ext>
+            </a:extLst>
+          </p:cNvPr>
+          <p:cNvSpPr>
+            <a:spLocks noGrp="1"/>
+          </p:cNvSpPr>
+          <p:nvPr>
+            <p:ph type="sldNum" sz="quarter" idx="13"/>
+          </p:nvPr>
+        </p:nvSpPr>
+        <p:spPr/>
+        <p:txBody>
+          <a:bodyPr/>
+          <a:lstStyle/>
+          <a:p>
+            <a:fld id="{9C057DB4-583E-41A7-BD94-987342018C17}" type="slidenum">
+              <a:rPr lang="en-GB" smtClean="0"/>
+              <a:pPr/>
+              <a:t>16</a:t>
+            </a:fld>
+            <a:endParaRPr lang="en-GB" dirty="0"/>
+          </a:p>
+        </p:txBody>
+      </p:sp>
+      <p:sp>
+        <p:nvSpPr>
+          <p:cNvPr id="6" name="Textfeld 5">
+            <a:extLst>
+              <a:ext uri="{FF2B5EF4-FFF2-40B4-BE49-F238E27FC236}">
+                <a16:creationId xmlns:a16="http://schemas.microsoft.com/office/drawing/2014/main" id="{9AB5A822-3C8A-C9CC-A179-6AC2B863414C}"/>
+              </a:ext>
+            </a:extLst>
+          </p:cNvPr>
+          <p:cNvSpPr txBox="1"/>
+          <p:nvPr/>
+        </p:nvSpPr>
+        <p:spPr>
+          <a:xfrm>
+            <a:off x="2042160" y="1988820"/>
+            <a:ext cx="914400" cy="914400"/>
+          </a:xfrm>
+          <a:prstGeom prst="rect">
+            <a:avLst/>
+          </a:prstGeom>
+        </p:spPr>
+        <p:txBody>
+          <a:bodyPr vert="horz" wrap="none" lIns="91440" tIns="45720" rIns="91440" bIns="45720" rtlCol="0" anchor="t">
+            <a:normAutofit/>
+          </a:bodyPr>
+          <a:lstStyle/>
+          <a:p>
+            <a:pPr algn="l"/>
+            <a:endParaRPr lang="en-US" sz="2800" dirty="0"/>
+          </a:p>
+        </p:txBody>
+      </p:sp>
+    </p:spTree>
+    <p:extLst>
+      <p:ext uri="{BB962C8B-B14F-4D97-AF65-F5344CB8AC3E}">
+        <p14:creationId xmlns:p14="http://schemas.microsoft.com/office/powerpoint/2010/main" val="4209507559"/>
+      </p:ext>
+    </p:extLst>
+  </p:cSld>
+  <p:clrMapOvr>
+    <a:masterClrMapping/>
+  </p:clrMapOvr>
+</p:sld>
+</file>
+
+<file path=ppt/slides/slide17.xml><?xml version="1.0" encoding="utf-8"?>
+<p:sld xmlns:a="http://schemas.openxmlformats.org/drawingml/2006/main" xmlns:r="http://schemas.openxmlformats.org/officeDocument/2006/relationships" xmlns:p="http://schemas.openxmlformats.org/presentationml/2006/main" show="0">
+  <p:cSld>
+    <p:spTree>
+      <p:nvGrpSpPr>
+        <p:cNvPr id="1" name=""/>
+        <p:cNvGrpSpPr/>
+        <p:nvPr/>
+      </p:nvGrpSpPr>
+      <p:grpSpPr>
+        <a:xfrm>
+          <a:off x="0" y="0"/>
+          <a:ext cx="0" cy="0"/>
+          <a:chOff x="0" y="0"/>
+          <a:chExt cx="0" cy="0"/>
+        </a:xfrm>
+      </p:grpSpPr>
+      <p:sp>
+        <p:nvSpPr>
+          <p:cNvPr id="2" name="Titel 1">
+            <a:extLst>
+              <a:ext uri="{FF2B5EF4-FFF2-40B4-BE49-F238E27FC236}">
+                <a16:creationId xmlns:a16="http://schemas.microsoft.com/office/drawing/2014/main" id="{446D3BEF-CC88-B742-5807-43EE48D25381}"/>
+              </a:ext>
+            </a:extLst>
+          </p:cNvPr>
+          <p:cNvSpPr>
+            <a:spLocks noGrp="1"/>
+          </p:cNvSpPr>
+          <p:nvPr>
+            <p:ph type="title"/>
+          </p:nvPr>
+        </p:nvSpPr>
+        <p:spPr/>
+        <p:txBody>
+          <a:bodyPr>
+            <a:normAutofit fontScale="90000"/>
+          </a:bodyPr>
+          <a:lstStyle/>
+          <a:p>
+            <a:r>
+              <a:rPr lang="en-US" dirty="0"/>
+              <a:t>Kernelshark</a:t>
+            </a:r>
+          </a:p>
+        </p:txBody>
+      </p:sp>
+      <p:sp>
+        <p:nvSpPr>
+          <p:cNvPr id="3" name="Textplatzhalter 2">
+            <a:extLst>
+              <a:ext uri="{FF2B5EF4-FFF2-40B4-BE49-F238E27FC236}">
+                <a16:creationId xmlns:a16="http://schemas.microsoft.com/office/drawing/2014/main" id="{04897626-5992-AC9F-A7C2-0A8A6A65B6F9}"/>
+              </a:ext>
+            </a:extLst>
+          </p:cNvPr>
+          <p:cNvSpPr>
+            <a:spLocks noGrp="1"/>
+          </p:cNvSpPr>
+          <p:nvPr>
+            <p:ph type="body" sz="quarter" idx="14"/>
+          </p:nvPr>
+        </p:nvSpPr>
+        <p:spPr/>
+        <p:txBody>
+          <a:bodyPr>
+            <a:normAutofit/>
+          </a:bodyPr>
+          <a:lstStyle/>
+          <a:p>
+            <a:pPr algn="l"/>
+            <a:endParaRPr lang="en-US" sz="1600" dirty="0"/>
+          </a:p>
+        </p:txBody>
+      </p:sp>
+      <p:sp>
+        <p:nvSpPr>
+          <p:cNvPr id="4" name="Fußzeilenplatzhalter 3">
+            <a:extLst>
+              <a:ext uri="{FF2B5EF4-FFF2-40B4-BE49-F238E27FC236}">
+                <a16:creationId xmlns:a16="http://schemas.microsoft.com/office/drawing/2014/main" id="{17F6F80D-FCFD-474A-A46E-BEF92F26DC8D}"/>
+              </a:ext>
+            </a:extLst>
+          </p:cNvPr>
+          <p:cNvSpPr>
+            <a:spLocks noGrp="1"/>
+          </p:cNvSpPr>
+          <p:nvPr>
+            <p:ph type="ftr" sz="quarter" idx="12"/>
+          </p:nvPr>
+        </p:nvSpPr>
+        <p:spPr/>
+        <p:txBody>
+          <a:bodyPr/>
+          <a:lstStyle/>
+          <a:p>
+            <a:r>
+              <a:rPr lang="en-US"/>
+              <a:t>Virtualization of a Real-Time Operating System for Robot Control with a Focus on RealTime Compliance</a:t>
+            </a:r>
+            <a:r>
+              <a:rPr lang="en-GB"/>
+              <a:t> | </a:t>
+            </a:r>
+            <a:r>
+              <a:rPr lang="de-AT"/>
+              <a:t>Halil Pamuk, BSc.</a:t>
+            </a:r>
+            <a:r>
+              <a:rPr lang="en-GB"/>
+              <a:t> | 10.10.2024</a:t>
+            </a:r>
+            <a:endParaRPr lang="en-GB" dirty="0"/>
+          </a:p>
+        </p:txBody>
+      </p:sp>
+      <p:sp>
+        <p:nvSpPr>
+          <p:cNvPr id="5" name="Foliennummernplatzhalter 4">
+            <a:extLst>
+              <a:ext uri="{FF2B5EF4-FFF2-40B4-BE49-F238E27FC236}">
+                <a16:creationId xmlns:a16="http://schemas.microsoft.com/office/drawing/2014/main" id="{6FE7C3E3-082F-E591-9994-A62597200B98}"/>
+              </a:ext>
+            </a:extLst>
+          </p:cNvPr>
+          <p:cNvSpPr>
+            <a:spLocks noGrp="1"/>
+          </p:cNvSpPr>
+          <p:nvPr>
+            <p:ph type="sldNum" sz="quarter" idx="13"/>
+          </p:nvPr>
+        </p:nvSpPr>
+        <p:spPr/>
+        <p:txBody>
+          <a:bodyPr/>
+          <a:lstStyle/>
+          <a:p>
+            <a:fld id="{9C057DB4-583E-41A7-BD94-987342018C17}" type="slidenum">
+              <a:rPr lang="en-GB" smtClean="0"/>
+              <a:pPr/>
+              <a:t>17</a:t>
+            </a:fld>
+            <a:endParaRPr lang="en-GB" dirty="0"/>
+          </a:p>
+        </p:txBody>
+      </p:sp>
+      <p:sp>
+        <p:nvSpPr>
+          <p:cNvPr id="6" name="Textfeld 5">
+            <a:extLst>
+              <a:ext uri="{FF2B5EF4-FFF2-40B4-BE49-F238E27FC236}">
+                <a16:creationId xmlns:a16="http://schemas.microsoft.com/office/drawing/2014/main" id="{9AB5A822-3C8A-C9CC-A179-6AC2B863414C}"/>
+              </a:ext>
+            </a:extLst>
+          </p:cNvPr>
+          <p:cNvSpPr txBox="1"/>
+          <p:nvPr/>
+        </p:nvSpPr>
+        <p:spPr>
+          <a:xfrm>
+            <a:off x="2042160" y="1988820"/>
+            <a:ext cx="914400" cy="914400"/>
+          </a:xfrm>
+          <a:prstGeom prst="rect">
+            <a:avLst/>
+          </a:prstGeom>
+        </p:spPr>
+        <p:txBody>
+          <a:bodyPr vert="horz" wrap="none" lIns="91440" tIns="45720" rIns="91440" bIns="45720" rtlCol="0" anchor="t">
+            <a:normAutofit/>
+          </a:bodyPr>
+          <a:lstStyle/>
+          <a:p>
+            <a:pPr algn="l"/>
+            <a:endParaRPr lang="en-US" sz="2800" dirty="0"/>
+          </a:p>
+        </p:txBody>
+      </p:sp>
+      <p:pic>
+        <p:nvPicPr>
+          <p:cNvPr id="8" name="Grafik 7">
+            <a:extLst>
+              <a:ext uri="{FF2B5EF4-FFF2-40B4-BE49-F238E27FC236}">
+                <a16:creationId xmlns:a16="http://schemas.microsoft.com/office/drawing/2014/main" id="{0B040951-889A-2B51-9982-7F94E3984A70}"/>
+              </a:ext>
+            </a:extLst>
+          </p:cNvPr>
+          <p:cNvPicPr>
+            <a:picLocks noChangeAspect="1"/>
+          </p:cNvPicPr>
+          <p:nvPr/>
+        </p:nvPicPr>
+        <p:blipFill>
+          <a:blip r:embed="rId2"/>
+          <a:stretch>
+            <a:fillRect/>
+          </a:stretch>
+        </p:blipFill>
+        <p:spPr>
+          <a:xfrm>
+            <a:off x="1257700" y="656699"/>
+            <a:ext cx="6619919" cy="4064027"/>
+          </a:xfrm>
+          <a:prstGeom prst="rect">
+            <a:avLst/>
+          </a:prstGeom>
+        </p:spPr>
+      </p:pic>
+    </p:spTree>
+    <p:extLst>
+      <p:ext uri="{BB962C8B-B14F-4D97-AF65-F5344CB8AC3E}">
+        <p14:creationId xmlns:p14="http://schemas.microsoft.com/office/powerpoint/2010/main" val="3712151798"/>
+      </p:ext>
+    </p:extLst>
+  </p:cSld>
+  <p:clrMapOvr>
+    <a:masterClrMapping/>
+  </p:clrMapOvr>
+</p:sld>
+</file>
+
+<file path=ppt/slides/slide18.xml><?xml version="1.0" encoding="utf-8"?>
+<p:sld xmlns:a="http://schemas.openxmlformats.org/drawingml/2006/main" xmlns:r="http://schemas.openxmlformats.org/officeDocument/2006/relationships" xmlns:p="http://schemas.openxmlformats.org/presentationml/2006/main" show="0">
+  <p:cSld>
+    <p:spTree>
+      <p:nvGrpSpPr>
+        <p:cNvPr id="1" name=""/>
+        <p:cNvGrpSpPr/>
+        <p:nvPr/>
+      </p:nvGrpSpPr>
+      <p:grpSpPr>
+        <a:xfrm>
+          <a:off x="0" y="0"/>
+          <a:ext cx="0" cy="0"/>
+          <a:chOff x="0" y="0"/>
+          <a:chExt cx="0" cy="0"/>
+        </a:xfrm>
+      </p:grpSpPr>
+      <p:sp>
+        <p:nvSpPr>
+          <p:cNvPr id="2" name="Titel 1">
+            <a:extLst>
+              <a:ext uri="{FF2B5EF4-FFF2-40B4-BE49-F238E27FC236}">
+                <a16:creationId xmlns:a16="http://schemas.microsoft.com/office/drawing/2014/main" id="{446D3BEF-CC88-B742-5807-43EE48D25381}"/>
+              </a:ext>
+            </a:extLst>
+          </p:cNvPr>
+          <p:cNvSpPr>
+            <a:spLocks noGrp="1"/>
+          </p:cNvSpPr>
+          <p:nvPr>
+            <p:ph type="title"/>
+          </p:nvPr>
+        </p:nvSpPr>
+        <p:spPr/>
+        <p:txBody>
+          <a:bodyPr>
+            <a:normAutofit fontScale="90000"/>
+          </a:bodyPr>
+          <a:lstStyle/>
+          <a:p>
+            <a:r>
+              <a:rPr lang="en-US" dirty="0"/>
+              <a:t>Salamander 4 Bare Metal</a:t>
+            </a:r>
+          </a:p>
+        </p:txBody>
+      </p:sp>
+      <p:sp>
+        <p:nvSpPr>
+          <p:cNvPr id="3" name="Textplatzhalter 2">
+            <a:extLst>
+              <a:ext uri="{FF2B5EF4-FFF2-40B4-BE49-F238E27FC236}">
+                <a16:creationId xmlns:a16="http://schemas.microsoft.com/office/drawing/2014/main" id="{04897626-5992-AC9F-A7C2-0A8A6A65B6F9}"/>
+              </a:ext>
+            </a:extLst>
+          </p:cNvPr>
+          <p:cNvSpPr>
+            <a:spLocks noGrp="1"/>
+          </p:cNvSpPr>
+          <p:nvPr>
+            <p:ph type="body" sz="quarter" idx="14"/>
+          </p:nvPr>
+        </p:nvSpPr>
+        <p:spPr/>
+        <p:txBody>
+          <a:bodyPr>
+            <a:normAutofit/>
+          </a:bodyPr>
+          <a:lstStyle/>
+          <a:p>
+            <a:pPr algn="l"/>
+            <a:endParaRPr lang="en-US" sz="1600" dirty="0"/>
+          </a:p>
+        </p:txBody>
+      </p:sp>
+      <p:sp>
+        <p:nvSpPr>
+          <p:cNvPr id="4" name="Fußzeilenplatzhalter 3">
+            <a:extLst>
+              <a:ext uri="{FF2B5EF4-FFF2-40B4-BE49-F238E27FC236}">
+                <a16:creationId xmlns:a16="http://schemas.microsoft.com/office/drawing/2014/main" id="{17F6F80D-FCFD-474A-A46E-BEF92F26DC8D}"/>
+              </a:ext>
+            </a:extLst>
+          </p:cNvPr>
+          <p:cNvSpPr>
+            <a:spLocks noGrp="1"/>
+          </p:cNvSpPr>
+          <p:nvPr>
+            <p:ph type="ftr" sz="quarter" idx="12"/>
+          </p:nvPr>
+        </p:nvSpPr>
+        <p:spPr/>
+        <p:txBody>
+          <a:bodyPr/>
+          <a:lstStyle/>
+          <a:p>
+            <a:r>
+              <a:rPr lang="en-US"/>
+              <a:t>Virtualization of a Real-Time Operating System for Robot Control with a Focus on RealTime Compliance</a:t>
+            </a:r>
+            <a:r>
+              <a:rPr lang="en-GB"/>
+              <a:t> | </a:t>
+            </a:r>
+            <a:r>
+              <a:rPr lang="de-AT"/>
+              <a:t>Halil Pamuk, BSc.</a:t>
+            </a:r>
+            <a:r>
+              <a:rPr lang="en-GB"/>
+              <a:t> | 10.10.2024</a:t>
+            </a:r>
+            <a:endParaRPr lang="en-GB" dirty="0"/>
+          </a:p>
+        </p:txBody>
+      </p:sp>
+      <p:sp>
+        <p:nvSpPr>
+          <p:cNvPr id="5" name="Foliennummernplatzhalter 4">
+            <a:extLst>
+              <a:ext uri="{FF2B5EF4-FFF2-40B4-BE49-F238E27FC236}">
+                <a16:creationId xmlns:a16="http://schemas.microsoft.com/office/drawing/2014/main" id="{6FE7C3E3-082F-E591-9994-A62597200B98}"/>
+              </a:ext>
+            </a:extLst>
+          </p:cNvPr>
+          <p:cNvSpPr>
+            <a:spLocks noGrp="1"/>
+          </p:cNvSpPr>
+          <p:nvPr>
+            <p:ph type="sldNum" sz="quarter" idx="13"/>
+          </p:nvPr>
+        </p:nvSpPr>
+        <p:spPr/>
+        <p:txBody>
+          <a:bodyPr/>
+          <a:lstStyle/>
+          <a:p>
+            <a:fld id="{9C057DB4-583E-41A7-BD94-987342018C17}" type="slidenum">
+              <a:rPr lang="en-GB" smtClean="0"/>
+              <a:pPr/>
+              <a:t>18</a:t>
+            </a:fld>
+            <a:endParaRPr lang="en-GB" dirty="0"/>
+          </a:p>
+        </p:txBody>
+      </p:sp>
+      <p:sp>
+        <p:nvSpPr>
+          <p:cNvPr id="6" name="Textfeld 5">
+            <a:extLst>
+              <a:ext uri="{FF2B5EF4-FFF2-40B4-BE49-F238E27FC236}">
+                <a16:creationId xmlns:a16="http://schemas.microsoft.com/office/drawing/2014/main" id="{9AB5A822-3C8A-C9CC-A179-6AC2B863414C}"/>
+              </a:ext>
+            </a:extLst>
+          </p:cNvPr>
+          <p:cNvSpPr txBox="1"/>
+          <p:nvPr/>
+        </p:nvSpPr>
+        <p:spPr>
+          <a:xfrm>
+            <a:off x="2042160" y="1988820"/>
+            <a:ext cx="914400" cy="914400"/>
+          </a:xfrm>
+          <a:prstGeom prst="rect">
+            <a:avLst/>
+          </a:prstGeom>
+        </p:spPr>
+        <p:txBody>
+          <a:bodyPr vert="horz" wrap="none" lIns="91440" tIns="45720" rIns="91440" bIns="45720" rtlCol="0" anchor="t">
+            <a:normAutofit/>
+          </a:bodyPr>
+          <a:lstStyle/>
+          <a:p>
+            <a:pPr algn="l"/>
+            <a:endParaRPr lang="en-US" sz="2800" dirty="0"/>
+          </a:p>
+        </p:txBody>
+      </p:sp>
+      <p:pic>
+        <p:nvPicPr>
+          <p:cNvPr id="11" name="Grafik 10">
+            <a:extLst>
+              <a:ext uri="{FF2B5EF4-FFF2-40B4-BE49-F238E27FC236}">
+                <a16:creationId xmlns:a16="http://schemas.microsoft.com/office/drawing/2014/main" id="{106D20C0-0340-0BBF-201B-DC2192015DD9}"/>
+              </a:ext>
+            </a:extLst>
+          </p:cNvPr>
+          <p:cNvPicPr>
+            <a:picLocks noChangeAspect="1"/>
+          </p:cNvPicPr>
+          <p:nvPr/>
+        </p:nvPicPr>
+        <p:blipFill>
+          <a:blip r:embed="rId2"/>
+          <a:stretch>
+            <a:fillRect/>
+          </a:stretch>
+        </p:blipFill>
+        <p:spPr>
+          <a:xfrm>
+            <a:off x="188680" y="761429"/>
+            <a:ext cx="4659094" cy="3713590"/>
+          </a:xfrm>
+          <a:prstGeom prst="rect">
+            <a:avLst/>
+          </a:prstGeom>
+          <a:ln>
+            <a:solidFill>
+              <a:schemeClr val="bg1"/>
+            </a:solidFill>
+          </a:ln>
+        </p:spPr>
+      </p:pic>
+      <p:pic>
+        <p:nvPicPr>
+          <p:cNvPr id="8" name="Grafik 7">
+            <a:extLst>
+              <a:ext uri="{FF2B5EF4-FFF2-40B4-BE49-F238E27FC236}">
+                <a16:creationId xmlns:a16="http://schemas.microsoft.com/office/drawing/2014/main" id="{EB792DB5-BD01-F5C6-38E5-7845F7786252}"/>
+              </a:ext>
+            </a:extLst>
+          </p:cNvPr>
+          <p:cNvPicPr>
+            <a:picLocks noChangeAspect="1"/>
+          </p:cNvPicPr>
+          <p:nvPr/>
+        </p:nvPicPr>
+        <p:blipFill>
+          <a:blip r:embed="rId3"/>
+          <a:stretch>
+            <a:fillRect/>
+          </a:stretch>
+        </p:blipFill>
+        <p:spPr>
+          <a:xfrm>
+            <a:off x="4928455" y="1836703"/>
+            <a:ext cx="4026866" cy="1847353"/>
+          </a:xfrm>
+          <a:prstGeom prst="rect">
+            <a:avLst/>
+          </a:prstGeom>
+          <a:ln>
+            <a:solidFill>
+              <a:schemeClr val="bg1"/>
+            </a:solidFill>
+          </a:ln>
+        </p:spPr>
+      </p:pic>
+    </p:spTree>
+    <p:extLst>
+      <p:ext uri="{BB962C8B-B14F-4D97-AF65-F5344CB8AC3E}">
+        <p14:creationId xmlns:p14="http://schemas.microsoft.com/office/powerpoint/2010/main" val="1747486408"/>
+      </p:ext>
+    </p:extLst>
+  </p:cSld>
+  <p:clrMapOvr>
+    <a:masterClrMapping/>
+  </p:clrMapOvr>
+</p:sld>
+</file>
+
+<file path=ppt/slides/slide19.xml><?xml version="1.0" encoding="utf-8"?>
+<p:sld xmlns:a="http://schemas.openxmlformats.org/drawingml/2006/main" xmlns:r="http://schemas.openxmlformats.org/officeDocument/2006/relationships" xmlns:p="http://schemas.openxmlformats.org/presentationml/2006/main" show="0">
+  <p:cSld>
+    <p:spTree>
+      <p:nvGrpSpPr>
+        <p:cNvPr id="1" name=""/>
+        <p:cNvGrpSpPr/>
+        <p:nvPr/>
+      </p:nvGrpSpPr>
+      <p:grpSpPr>
+        <a:xfrm>
+          <a:off x="0" y="0"/>
+          <a:ext cx="0" cy="0"/>
+          <a:chOff x="0" y="0"/>
+          <a:chExt cx="0" cy="0"/>
+        </a:xfrm>
+      </p:grpSpPr>
+      <p:sp>
+        <p:nvSpPr>
+          <p:cNvPr id="2" name="Titel 1">
+            <a:extLst>
+              <a:ext uri="{FF2B5EF4-FFF2-40B4-BE49-F238E27FC236}">
+                <a16:creationId xmlns:a16="http://schemas.microsoft.com/office/drawing/2014/main" id="{446D3BEF-CC88-B742-5807-43EE48D25381}"/>
+              </a:ext>
+            </a:extLst>
+          </p:cNvPr>
+          <p:cNvSpPr>
+            <a:spLocks noGrp="1"/>
+          </p:cNvSpPr>
+          <p:nvPr>
+            <p:ph type="title"/>
+          </p:nvPr>
+        </p:nvSpPr>
+        <p:spPr/>
+        <p:txBody>
+          <a:bodyPr>
+            <a:normAutofit fontScale="90000"/>
+          </a:bodyPr>
+          <a:lstStyle/>
+          <a:p>
+            <a:r>
+              <a:rPr lang="en-US" dirty="0"/>
+              <a:t>Salamander 4 Untuned Virtualization</a:t>
+            </a:r>
+          </a:p>
+        </p:txBody>
+      </p:sp>
+      <p:sp>
+        <p:nvSpPr>
+          <p:cNvPr id="3" name="Textplatzhalter 2">
+            <a:extLst>
+              <a:ext uri="{FF2B5EF4-FFF2-40B4-BE49-F238E27FC236}">
+                <a16:creationId xmlns:a16="http://schemas.microsoft.com/office/drawing/2014/main" id="{04897626-5992-AC9F-A7C2-0A8A6A65B6F9}"/>
+              </a:ext>
+            </a:extLst>
+          </p:cNvPr>
+          <p:cNvSpPr>
+            <a:spLocks noGrp="1"/>
+          </p:cNvSpPr>
+          <p:nvPr>
+            <p:ph type="body" sz="quarter" idx="14"/>
+          </p:nvPr>
+        </p:nvSpPr>
+        <p:spPr/>
+        <p:txBody>
+          <a:bodyPr>
+            <a:normAutofit/>
+          </a:bodyPr>
+          <a:lstStyle/>
+          <a:p>
+            <a:pPr algn="l"/>
+            <a:endParaRPr lang="en-US" sz="1600" dirty="0"/>
+          </a:p>
+        </p:txBody>
+      </p:sp>
+      <p:sp>
+        <p:nvSpPr>
+          <p:cNvPr id="4" name="Fußzeilenplatzhalter 3">
+            <a:extLst>
+              <a:ext uri="{FF2B5EF4-FFF2-40B4-BE49-F238E27FC236}">
+                <a16:creationId xmlns:a16="http://schemas.microsoft.com/office/drawing/2014/main" id="{17F6F80D-FCFD-474A-A46E-BEF92F26DC8D}"/>
+              </a:ext>
+            </a:extLst>
+          </p:cNvPr>
+          <p:cNvSpPr>
+            <a:spLocks noGrp="1"/>
+          </p:cNvSpPr>
+          <p:nvPr>
+            <p:ph type="ftr" sz="quarter" idx="12"/>
+          </p:nvPr>
+        </p:nvSpPr>
+        <p:spPr/>
+        <p:txBody>
+          <a:bodyPr/>
+          <a:lstStyle/>
+          <a:p>
+            <a:r>
+              <a:rPr lang="en-US"/>
+              <a:t>Virtualization of a Real-Time Operating System for Robot Control with a Focus on RealTime Compliance</a:t>
+            </a:r>
+            <a:r>
+              <a:rPr lang="en-GB"/>
+              <a:t> | </a:t>
+            </a:r>
+            <a:r>
+              <a:rPr lang="de-AT"/>
+              <a:t>Halil Pamuk, BSc.</a:t>
+            </a:r>
+            <a:r>
+              <a:rPr lang="en-GB"/>
+              <a:t> | 10.10.2024</a:t>
+            </a:r>
+            <a:endParaRPr lang="en-GB" dirty="0"/>
+          </a:p>
+        </p:txBody>
+      </p:sp>
+      <p:sp>
+        <p:nvSpPr>
+          <p:cNvPr id="5" name="Foliennummernplatzhalter 4">
+            <a:extLst>
+              <a:ext uri="{FF2B5EF4-FFF2-40B4-BE49-F238E27FC236}">
+                <a16:creationId xmlns:a16="http://schemas.microsoft.com/office/drawing/2014/main" id="{6FE7C3E3-082F-E591-9994-A62597200B98}"/>
+              </a:ext>
+            </a:extLst>
+          </p:cNvPr>
+          <p:cNvSpPr>
+            <a:spLocks noGrp="1"/>
+          </p:cNvSpPr>
+          <p:nvPr>
+            <p:ph type="sldNum" sz="quarter" idx="13"/>
+          </p:nvPr>
+        </p:nvSpPr>
+        <p:spPr/>
+        <p:txBody>
+          <a:bodyPr/>
+          <a:lstStyle/>
+          <a:p>
+            <a:fld id="{9C057DB4-583E-41A7-BD94-987342018C17}" type="slidenum">
+              <a:rPr lang="en-GB" smtClean="0"/>
+              <a:pPr/>
+              <a:t>19</a:t>
+            </a:fld>
+            <a:endParaRPr lang="en-GB" dirty="0"/>
+          </a:p>
+        </p:txBody>
+      </p:sp>
+      <p:sp>
+        <p:nvSpPr>
+          <p:cNvPr id="6" name="Textfeld 5">
+            <a:extLst>
+              <a:ext uri="{FF2B5EF4-FFF2-40B4-BE49-F238E27FC236}">
+                <a16:creationId xmlns:a16="http://schemas.microsoft.com/office/drawing/2014/main" id="{9AB5A822-3C8A-C9CC-A179-6AC2B863414C}"/>
+              </a:ext>
+            </a:extLst>
+          </p:cNvPr>
+          <p:cNvSpPr txBox="1"/>
+          <p:nvPr/>
+        </p:nvSpPr>
+        <p:spPr>
+          <a:xfrm>
+            <a:off x="2042160" y="1988820"/>
+            <a:ext cx="914400" cy="914400"/>
+          </a:xfrm>
+          <a:prstGeom prst="rect">
+            <a:avLst/>
+          </a:prstGeom>
+        </p:spPr>
+        <p:txBody>
+          <a:bodyPr vert="horz" wrap="none" lIns="91440" tIns="45720" rIns="91440" bIns="45720" rtlCol="0" anchor="t">
+            <a:normAutofit/>
+          </a:bodyPr>
+          <a:lstStyle/>
+          <a:p>
+            <a:pPr algn="l"/>
+            <a:endParaRPr lang="en-US" sz="2800" dirty="0"/>
+          </a:p>
+        </p:txBody>
+      </p:sp>
+      <p:pic>
+        <p:nvPicPr>
+          <p:cNvPr id="10" name="Grafik 9">
+            <a:extLst>
+              <a:ext uri="{FF2B5EF4-FFF2-40B4-BE49-F238E27FC236}">
+                <a16:creationId xmlns:a16="http://schemas.microsoft.com/office/drawing/2014/main" id="{C5581C0A-971F-1BAA-360F-C2D050591494}"/>
+              </a:ext>
+            </a:extLst>
+          </p:cNvPr>
+          <p:cNvPicPr>
+            <a:picLocks noChangeAspect="1"/>
+          </p:cNvPicPr>
+          <p:nvPr/>
+        </p:nvPicPr>
+        <p:blipFill>
+          <a:blip r:embed="rId2"/>
+          <a:stretch>
+            <a:fillRect/>
+          </a:stretch>
+        </p:blipFill>
+        <p:spPr>
+          <a:xfrm>
+            <a:off x="188679" y="761429"/>
+            <a:ext cx="4659094" cy="3771348"/>
+          </a:xfrm>
+          <a:prstGeom prst="rect">
+            <a:avLst/>
+          </a:prstGeom>
+          <a:ln>
+            <a:solidFill>
+              <a:schemeClr val="bg1"/>
+            </a:solidFill>
+          </a:ln>
+        </p:spPr>
+      </p:pic>
+      <p:pic>
+        <p:nvPicPr>
+          <p:cNvPr id="13" name="Grafik 12">
+            <a:extLst>
+              <a:ext uri="{FF2B5EF4-FFF2-40B4-BE49-F238E27FC236}">
+                <a16:creationId xmlns:a16="http://schemas.microsoft.com/office/drawing/2014/main" id="{E9EF5FC4-0D37-B3DD-23B3-FAD37AA8FFBE}"/>
+              </a:ext>
+            </a:extLst>
+          </p:cNvPr>
+          <p:cNvPicPr>
+            <a:picLocks noChangeAspect="1"/>
+          </p:cNvPicPr>
+          <p:nvPr/>
+        </p:nvPicPr>
+        <p:blipFill>
+          <a:blip r:embed="rId3"/>
+          <a:stretch>
+            <a:fillRect/>
+          </a:stretch>
+        </p:blipFill>
+        <p:spPr>
+          <a:xfrm>
+            <a:off x="4928455" y="1961016"/>
+            <a:ext cx="4026865" cy="1598725"/>
+          </a:xfrm>
+          <a:prstGeom prst="rect">
+            <a:avLst/>
+          </a:prstGeom>
+          <a:ln>
+            <a:solidFill>
+              <a:schemeClr val="bg1"/>
+            </a:solidFill>
+          </a:ln>
+        </p:spPr>
+      </p:pic>
+    </p:spTree>
+    <p:extLst>
+      <p:ext uri="{BB962C8B-B14F-4D97-AF65-F5344CB8AC3E}">
+        <p14:creationId xmlns:p14="http://schemas.microsoft.com/office/powerpoint/2010/main" val="260377123"/>
+      </p:ext>
+    </p:extLst>
+  </p:cSld>
+  <p:clrMapOvr>
+    <a:masterClrMapping/>
+  </p:clrMapOvr>
+</p:sld>
+</file>
+
 <file path=ppt/slides/slide2.xml><?xml version="1.0" encoding="utf-8"?>
 <p:sld xmlns:a="http://schemas.openxmlformats.org/drawingml/2006/main" xmlns:r="http://schemas.openxmlformats.org/officeDocument/2006/relationships" xmlns:p="http://schemas.openxmlformats.org/presentationml/2006/main">
   <p:cSld>
@@ -6088,12 +8210,17 @@
         </p:blipFill>
         <p:spPr>
           <a:xfrm>
-            <a:off x="4433628" y="2749166"/>
-            <a:ext cx="4124325" cy="1559511"/>
+            <a:off x="4493419" y="2771774"/>
+            <a:ext cx="4064534" cy="1536903"/>
           </a:xfrm>
           <a:prstGeom prst="rect">
             <a:avLst/>
           </a:prstGeom>
+          <a:ln>
+            <a:solidFill>
+              <a:schemeClr val="tx1"/>
+            </a:solidFill>
+          </a:ln>
         </p:spPr>
       </p:pic>
       <p:sp>
@@ -6209,22 +8336,37 @@
           <a:lstStyle/>
           <a:p>
             <a:r>
-              <a:rPr lang="en-US"/>
-              <a:t>Virtualization of a Real-Time Operating System for Robot Control with a Focus on RealTime Compliance</a:t>
-            </a:r>
-            <a:r>
-              <a:rPr lang="en-GB"/>
+              <a:rPr lang="en-US" dirty="0"/>
+              <a:t>Virtualization of a Real-Time Operating System for Robot Control with a Focus on </a:t>
+            </a:r>
+            <a:r>
+              <a:rPr lang="en-US" dirty="0" err="1"/>
+              <a:t>RealTime</a:t>
+            </a:r>
+            <a:r>
+              <a:rPr lang="en-US" dirty="0"/>
+              <a:t> Compliance</a:t>
+            </a:r>
+            <a:r>
+              <a:rPr lang="en-GB" dirty="0"/>
               <a:t> | </a:t>
             </a:r>
             <a:r>
-              <a:rPr lang="de-AT"/>
-              <a:t>Halil Pamuk, BSc.</a:t>
-            </a:r>
-            <a:r>
-              <a:rPr lang="en-GB"/>
+              <a:rPr lang="de-AT" dirty="0"/>
+              <a:t>Halil Pamuk, </a:t>
+            </a:r>
+            <a:r>
+              <a:rPr lang="de-AT" dirty="0" err="1"/>
+              <a:t>BSc</a:t>
+            </a:r>
+            <a:r>
+              <a:rPr lang="de-AT" dirty="0"/>
+              <a:t>.</a:t>
+            </a:r>
+            <a:r>
+              <a:rPr lang="en-GB" dirty="0"/>
               <a:t> | 10.10.2024</a:t>
             </a:r>
-            <a:endParaRPr lang="en-GB" dirty="0"/>
           </a:p>
         </p:txBody>
       </p:sp>
@@ -6292,6 +8434,11 @@
           <a:prstGeom prst="rect">
             <a:avLst/>
           </a:prstGeom>
+          <a:ln>
+            <a:solidFill>
+              <a:schemeClr val="tx1"/>
+            </a:solidFill>
+          </a:ln>
         </p:spPr>
       </p:pic>
       <p:sp>
@@ -6380,8 +8527,8 @@
         </p:nvSpPr>
         <p:spPr>
           <a:xfrm>
-            <a:off x="6003353" y="4178143"/>
-            <a:ext cx="2871893" cy="914400"/>
+            <a:off x="6018658" y="2319325"/>
+            <a:ext cx="2945341" cy="504849"/>
           </a:xfrm>
           <a:prstGeom prst="rect">
             <a:avLst/>
@@ -6389,7 +8536,7 @@
         </p:spPr>
         <p:txBody>
           <a:bodyPr vert="horz" wrap="none" lIns="91440" tIns="45720" rIns="91440" bIns="45720" rtlCol="0" anchor="t">
-            <a:normAutofit/>
+            <a:normAutofit lnSpcReduction="10000"/>
           </a:bodyPr>
           <a:lstStyle/>
           <a:p>
@@ -6414,6 +8561,2371 @@
     <p:extLst>
       <p:ext uri="{BB962C8B-B14F-4D97-AF65-F5344CB8AC3E}">
         <p14:creationId xmlns:p14="http://schemas.microsoft.com/office/powerpoint/2010/main" val="950087830"/>
+      </p:ext>
+    </p:extLst>
+  </p:cSld>
+  <p:clrMapOvr>
+    <a:masterClrMapping/>
+  </p:clrMapOvr>
+</p:sld>
+</file>
+
+<file path=ppt/slides/slide20.xml><?xml version="1.0" encoding="utf-8"?>
+<p:sld xmlns:a="http://schemas.openxmlformats.org/drawingml/2006/main" xmlns:r="http://schemas.openxmlformats.org/officeDocument/2006/relationships" xmlns:p="http://schemas.openxmlformats.org/presentationml/2006/main" show="0">
+  <p:cSld>
+    <p:spTree>
+      <p:nvGrpSpPr>
+        <p:cNvPr id="1" name=""/>
+        <p:cNvGrpSpPr/>
+        <p:nvPr/>
+      </p:nvGrpSpPr>
+      <p:grpSpPr>
+        <a:xfrm>
+          <a:off x="0" y="0"/>
+          <a:ext cx="0" cy="0"/>
+          <a:chOff x="0" y="0"/>
+          <a:chExt cx="0" cy="0"/>
+        </a:xfrm>
+      </p:grpSpPr>
+      <p:sp>
+        <p:nvSpPr>
+          <p:cNvPr id="2" name="Titel 1">
+            <a:extLst>
+              <a:ext uri="{FF2B5EF4-FFF2-40B4-BE49-F238E27FC236}">
+                <a16:creationId xmlns:a16="http://schemas.microsoft.com/office/drawing/2014/main" id="{446D3BEF-CC88-B742-5807-43EE48D25381}"/>
+              </a:ext>
+            </a:extLst>
+          </p:cNvPr>
+          <p:cNvSpPr>
+            <a:spLocks noGrp="1"/>
+          </p:cNvSpPr>
+          <p:nvPr>
+            <p:ph type="title"/>
+          </p:nvPr>
+        </p:nvSpPr>
+        <p:spPr/>
+        <p:txBody>
+          <a:bodyPr>
+            <a:normAutofit fontScale="90000"/>
+          </a:bodyPr>
+          <a:lstStyle/>
+          <a:p>
+            <a:r>
+              <a:rPr lang="en-US" dirty="0"/>
+              <a:t>Salamander 4 Bare Metal vs. Virtualization</a:t>
+            </a:r>
+          </a:p>
+        </p:txBody>
+      </p:sp>
+      <p:sp>
+        <p:nvSpPr>
+          <p:cNvPr id="3" name="Textplatzhalter 2">
+            <a:extLst>
+              <a:ext uri="{FF2B5EF4-FFF2-40B4-BE49-F238E27FC236}">
+                <a16:creationId xmlns:a16="http://schemas.microsoft.com/office/drawing/2014/main" id="{04897626-5992-AC9F-A7C2-0A8A6A65B6F9}"/>
+              </a:ext>
+            </a:extLst>
+          </p:cNvPr>
+          <p:cNvSpPr>
+            <a:spLocks noGrp="1"/>
+          </p:cNvSpPr>
+          <p:nvPr>
+            <p:ph type="body" sz="quarter" idx="14"/>
+          </p:nvPr>
+        </p:nvSpPr>
+        <p:spPr/>
+        <p:txBody>
+          <a:bodyPr>
+            <a:normAutofit/>
+          </a:bodyPr>
+          <a:lstStyle/>
+          <a:p>
+            <a:pPr algn="l"/>
+            <a:endParaRPr lang="en-US" sz="1600" dirty="0"/>
+          </a:p>
+        </p:txBody>
+      </p:sp>
+      <p:sp>
+        <p:nvSpPr>
+          <p:cNvPr id="4" name="Fußzeilenplatzhalter 3">
+            <a:extLst>
+              <a:ext uri="{FF2B5EF4-FFF2-40B4-BE49-F238E27FC236}">
+                <a16:creationId xmlns:a16="http://schemas.microsoft.com/office/drawing/2014/main" id="{17F6F80D-FCFD-474A-A46E-BEF92F26DC8D}"/>
+              </a:ext>
+            </a:extLst>
+          </p:cNvPr>
+          <p:cNvSpPr>
+            <a:spLocks noGrp="1"/>
+          </p:cNvSpPr>
+          <p:nvPr>
+            <p:ph type="ftr" sz="quarter" idx="12"/>
+          </p:nvPr>
+        </p:nvSpPr>
+        <p:spPr/>
+        <p:txBody>
+          <a:bodyPr/>
+          <a:lstStyle/>
+          <a:p>
+            <a:r>
+              <a:rPr lang="en-US"/>
+              <a:t>Virtualization of a Real-Time Operating System for Robot Control with a Focus on RealTime Compliance</a:t>
+            </a:r>
+            <a:r>
+              <a:rPr lang="en-GB"/>
+              <a:t> | </a:t>
+            </a:r>
+            <a:r>
+              <a:rPr lang="de-AT"/>
+              <a:t>Halil Pamuk, BSc.</a:t>
+            </a:r>
+            <a:r>
+              <a:rPr lang="en-GB"/>
+              <a:t> | 10.10.2024</a:t>
+            </a:r>
+            <a:endParaRPr lang="en-GB" dirty="0"/>
+          </a:p>
+        </p:txBody>
+      </p:sp>
+      <p:sp>
+        <p:nvSpPr>
+          <p:cNvPr id="5" name="Foliennummernplatzhalter 4">
+            <a:extLst>
+              <a:ext uri="{FF2B5EF4-FFF2-40B4-BE49-F238E27FC236}">
+                <a16:creationId xmlns:a16="http://schemas.microsoft.com/office/drawing/2014/main" id="{6FE7C3E3-082F-E591-9994-A62597200B98}"/>
+              </a:ext>
+            </a:extLst>
+          </p:cNvPr>
+          <p:cNvSpPr>
+            <a:spLocks noGrp="1"/>
+          </p:cNvSpPr>
+          <p:nvPr>
+            <p:ph type="sldNum" sz="quarter" idx="13"/>
+          </p:nvPr>
+        </p:nvSpPr>
+        <p:spPr/>
+        <p:txBody>
+          <a:bodyPr/>
+          <a:lstStyle/>
+          <a:p>
+            <a:fld id="{9C057DB4-583E-41A7-BD94-987342018C17}" type="slidenum">
+              <a:rPr lang="en-GB" smtClean="0"/>
+              <a:pPr/>
+              <a:t>20</a:t>
+            </a:fld>
+            <a:endParaRPr lang="en-GB" dirty="0"/>
+          </a:p>
+        </p:txBody>
+      </p:sp>
+      <p:sp>
+        <p:nvSpPr>
+          <p:cNvPr id="6" name="Textfeld 5">
+            <a:extLst>
+              <a:ext uri="{FF2B5EF4-FFF2-40B4-BE49-F238E27FC236}">
+                <a16:creationId xmlns:a16="http://schemas.microsoft.com/office/drawing/2014/main" id="{9AB5A822-3C8A-C9CC-A179-6AC2B863414C}"/>
+              </a:ext>
+            </a:extLst>
+          </p:cNvPr>
+          <p:cNvSpPr txBox="1"/>
+          <p:nvPr/>
+        </p:nvSpPr>
+        <p:spPr>
+          <a:xfrm>
+            <a:off x="2042160" y="1988820"/>
+            <a:ext cx="914400" cy="914400"/>
+          </a:xfrm>
+          <a:prstGeom prst="rect">
+            <a:avLst/>
+          </a:prstGeom>
+        </p:spPr>
+        <p:txBody>
+          <a:bodyPr vert="horz" wrap="none" lIns="91440" tIns="45720" rIns="91440" bIns="45720" rtlCol="0" anchor="t">
+            <a:normAutofit/>
+          </a:bodyPr>
+          <a:lstStyle/>
+          <a:p>
+            <a:pPr algn="l"/>
+            <a:endParaRPr lang="en-US" sz="2800" dirty="0"/>
+          </a:p>
+        </p:txBody>
+      </p:sp>
+      <p:pic>
+        <p:nvPicPr>
+          <p:cNvPr id="25" name="Grafik 24">
+            <a:extLst>
+              <a:ext uri="{FF2B5EF4-FFF2-40B4-BE49-F238E27FC236}">
+                <a16:creationId xmlns:a16="http://schemas.microsoft.com/office/drawing/2014/main" id="{7FFDC4E4-238A-D8F0-A432-3EE5613E70C2}"/>
+              </a:ext>
+            </a:extLst>
+          </p:cNvPr>
+          <p:cNvPicPr>
+            <a:picLocks noChangeAspect="1"/>
+          </p:cNvPicPr>
+          <p:nvPr/>
+        </p:nvPicPr>
+        <p:blipFill>
+          <a:blip r:embed="rId2"/>
+          <a:stretch>
+            <a:fillRect/>
+          </a:stretch>
+        </p:blipFill>
+        <p:spPr>
+          <a:xfrm>
+            <a:off x="1613096" y="780847"/>
+            <a:ext cx="5917808" cy="3755154"/>
+          </a:xfrm>
+          <a:prstGeom prst="rect">
+            <a:avLst/>
+          </a:prstGeom>
+        </p:spPr>
+      </p:pic>
+    </p:spTree>
+    <p:extLst>
+      <p:ext uri="{BB962C8B-B14F-4D97-AF65-F5344CB8AC3E}">
+        <p14:creationId xmlns:p14="http://schemas.microsoft.com/office/powerpoint/2010/main" val="2492359486"/>
+      </p:ext>
+    </p:extLst>
+  </p:cSld>
+  <p:clrMapOvr>
+    <a:masterClrMapping/>
+  </p:clrMapOvr>
+</p:sld>
+</file>
+
+<file path=ppt/slides/slide21.xml><?xml version="1.0" encoding="utf-8"?>
+<p:sld xmlns:a="http://schemas.openxmlformats.org/drawingml/2006/main" xmlns:r="http://schemas.openxmlformats.org/officeDocument/2006/relationships" xmlns:p="http://schemas.openxmlformats.org/presentationml/2006/main" show="0">
+  <p:cSld>
+    <p:spTree>
+      <p:nvGrpSpPr>
+        <p:cNvPr id="1" name=""/>
+        <p:cNvGrpSpPr/>
+        <p:nvPr/>
+      </p:nvGrpSpPr>
+      <p:grpSpPr>
+        <a:xfrm>
+          <a:off x="0" y="0"/>
+          <a:ext cx="0" cy="0"/>
+          <a:chOff x="0" y="0"/>
+          <a:chExt cx="0" cy="0"/>
+        </a:xfrm>
+      </p:grpSpPr>
+      <p:sp>
+        <p:nvSpPr>
+          <p:cNvPr id="2" name="Titel 1">
+            <a:extLst>
+              <a:ext uri="{FF2B5EF4-FFF2-40B4-BE49-F238E27FC236}">
+                <a16:creationId xmlns:a16="http://schemas.microsoft.com/office/drawing/2014/main" id="{446D3BEF-CC88-B742-5807-43EE48D25381}"/>
+              </a:ext>
+            </a:extLst>
+          </p:cNvPr>
+          <p:cNvSpPr>
+            <a:spLocks noGrp="1"/>
+          </p:cNvSpPr>
+          <p:nvPr>
+            <p:ph type="title"/>
+          </p:nvPr>
+        </p:nvSpPr>
+        <p:spPr/>
+        <p:txBody>
+          <a:bodyPr>
+            <a:normAutofit fontScale="90000"/>
+          </a:bodyPr>
+          <a:lstStyle/>
+          <a:p>
+            <a:r>
+              <a:rPr lang="en-US" dirty="0"/>
+              <a:t>Salamander 4 Virtualization BIOS Configurations</a:t>
+            </a:r>
+          </a:p>
+        </p:txBody>
+      </p:sp>
+      <p:sp>
+        <p:nvSpPr>
+          <p:cNvPr id="3" name="Textplatzhalter 2">
+            <a:extLst>
+              <a:ext uri="{FF2B5EF4-FFF2-40B4-BE49-F238E27FC236}">
+                <a16:creationId xmlns:a16="http://schemas.microsoft.com/office/drawing/2014/main" id="{04897626-5992-AC9F-A7C2-0A8A6A65B6F9}"/>
+              </a:ext>
+            </a:extLst>
+          </p:cNvPr>
+          <p:cNvSpPr>
+            <a:spLocks noGrp="1"/>
+          </p:cNvSpPr>
+          <p:nvPr>
+            <p:ph type="body" sz="quarter" idx="14"/>
+          </p:nvPr>
+        </p:nvSpPr>
+        <p:spPr/>
+        <p:txBody>
+          <a:bodyPr>
+            <a:normAutofit/>
+          </a:bodyPr>
+          <a:lstStyle/>
+          <a:p>
+            <a:pPr algn="l"/>
+            <a:endParaRPr lang="en-US" sz="1600" dirty="0"/>
+          </a:p>
+        </p:txBody>
+      </p:sp>
+      <p:sp>
+        <p:nvSpPr>
+          <p:cNvPr id="4" name="Fußzeilenplatzhalter 3">
+            <a:extLst>
+              <a:ext uri="{FF2B5EF4-FFF2-40B4-BE49-F238E27FC236}">
+                <a16:creationId xmlns:a16="http://schemas.microsoft.com/office/drawing/2014/main" id="{17F6F80D-FCFD-474A-A46E-BEF92F26DC8D}"/>
+              </a:ext>
+            </a:extLst>
+          </p:cNvPr>
+          <p:cNvSpPr>
+            <a:spLocks noGrp="1"/>
+          </p:cNvSpPr>
+          <p:nvPr>
+            <p:ph type="ftr" sz="quarter" idx="12"/>
+          </p:nvPr>
+        </p:nvSpPr>
+        <p:spPr/>
+        <p:txBody>
+          <a:bodyPr/>
+          <a:lstStyle/>
+          <a:p>
+            <a:r>
+              <a:rPr lang="en-US"/>
+              <a:t>Virtualization of a Real-Time Operating System for Robot Control with a Focus on RealTime Compliance</a:t>
+            </a:r>
+            <a:r>
+              <a:rPr lang="en-GB"/>
+              <a:t> | </a:t>
+            </a:r>
+            <a:r>
+              <a:rPr lang="de-AT"/>
+              <a:t>Halil Pamuk, BSc.</a:t>
+            </a:r>
+            <a:r>
+              <a:rPr lang="en-GB"/>
+              <a:t> | 10.10.2024</a:t>
+            </a:r>
+            <a:endParaRPr lang="en-GB" dirty="0"/>
+          </a:p>
+        </p:txBody>
+      </p:sp>
+      <p:sp>
+        <p:nvSpPr>
+          <p:cNvPr id="5" name="Foliennummernplatzhalter 4">
+            <a:extLst>
+              <a:ext uri="{FF2B5EF4-FFF2-40B4-BE49-F238E27FC236}">
+                <a16:creationId xmlns:a16="http://schemas.microsoft.com/office/drawing/2014/main" id="{6FE7C3E3-082F-E591-9994-A62597200B98}"/>
+              </a:ext>
+            </a:extLst>
+          </p:cNvPr>
+          <p:cNvSpPr>
+            <a:spLocks noGrp="1"/>
+          </p:cNvSpPr>
+          <p:nvPr>
+            <p:ph type="sldNum" sz="quarter" idx="13"/>
+          </p:nvPr>
+        </p:nvSpPr>
+        <p:spPr/>
+        <p:txBody>
+          <a:bodyPr/>
+          <a:lstStyle/>
+          <a:p>
+            <a:fld id="{9C057DB4-583E-41A7-BD94-987342018C17}" type="slidenum">
+              <a:rPr lang="en-GB" smtClean="0"/>
+              <a:pPr/>
+              <a:t>21</a:t>
+            </a:fld>
+            <a:endParaRPr lang="en-GB" dirty="0"/>
+          </a:p>
+        </p:txBody>
+      </p:sp>
+      <p:sp>
+        <p:nvSpPr>
+          <p:cNvPr id="6" name="Textfeld 5">
+            <a:extLst>
+              <a:ext uri="{FF2B5EF4-FFF2-40B4-BE49-F238E27FC236}">
+                <a16:creationId xmlns:a16="http://schemas.microsoft.com/office/drawing/2014/main" id="{9AB5A822-3C8A-C9CC-A179-6AC2B863414C}"/>
+              </a:ext>
+            </a:extLst>
+          </p:cNvPr>
+          <p:cNvSpPr txBox="1"/>
+          <p:nvPr/>
+        </p:nvSpPr>
+        <p:spPr>
+          <a:xfrm>
+            <a:off x="2042160" y="1988820"/>
+            <a:ext cx="914400" cy="914400"/>
+          </a:xfrm>
+          <a:prstGeom prst="rect">
+            <a:avLst/>
+          </a:prstGeom>
+        </p:spPr>
+        <p:txBody>
+          <a:bodyPr vert="horz" wrap="none" lIns="91440" tIns="45720" rIns="91440" bIns="45720" rtlCol="0" anchor="t">
+            <a:normAutofit/>
+          </a:bodyPr>
+          <a:lstStyle/>
+          <a:p>
+            <a:pPr algn="l"/>
+            <a:endParaRPr lang="en-US" sz="2800" dirty="0"/>
+          </a:p>
+        </p:txBody>
+      </p:sp>
+      <p:pic>
+        <p:nvPicPr>
+          <p:cNvPr id="18" name="Grafik 17">
+            <a:extLst>
+              <a:ext uri="{FF2B5EF4-FFF2-40B4-BE49-F238E27FC236}">
+                <a16:creationId xmlns:a16="http://schemas.microsoft.com/office/drawing/2014/main" id="{E0E93EE3-2ACB-3DB4-4E9C-BE36B4DA099E}"/>
+              </a:ext>
+            </a:extLst>
+          </p:cNvPr>
+          <p:cNvPicPr>
+            <a:picLocks noChangeAspect="1"/>
+          </p:cNvPicPr>
+          <p:nvPr/>
+        </p:nvPicPr>
+        <p:blipFill>
+          <a:blip r:embed="rId2"/>
+          <a:stretch>
+            <a:fillRect/>
+          </a:stretch>
+        </p:blipFill>
+        <p:spPr>
+          <a:xfrm>
+            <a:off x="1582703" y="964959"/>
+            <a:ext cx="5969914" cy="3306530"/>
+          </a:xfrm>
+          <a:prstGeom prst="rect">
+            <a:avLst/>
+          </a:prstGeom>
+        </p:spPr>
+      </p:pic>
+    </p:spTree>
+    <p:extLst>
+      <p:ext uri="{BB962C8B-B14F-4D97-AF65-F5344CB8AC3E}">
+        <p14:creationId xmlns:p14="http://schemas.microsoft.com/office/powerpoint/2010/main" val="376197105"/>
+      </p:ext>
+    </p:extLst>
+  </p:cSld>
+  <p:clrMapOvr>
+    <a:masterClrMapping/>
+  </p:clrMapOvr>
+</p:sld>
+</file>
+
+<file path=ppt/slides/slide22.xml><?xml version="1.0" encoding="utf-8"?>
+<p:sld xmlns:a="http://schemas.openxmlformats.org/drawingml/2006/main" xmlns:r="http://schemas.openxmlformats.org/officeDocument/2006/relationships" xmlns:p="http://schemas.openxmlformats.org/presentationml/2006/main" show="0">
+  <p:cSld>
+    <p:spTree>
+      <p:nvGrpSpPr>
+        <p:cNvPr id="1" name=""/>
+        <p:cNvGrpSpPr/>
+        <p:nvPr/>
+      </p:nvGrpSpPr>
+      <p:grpSpPr>
+        <a:xfrm>
+          <a:off x="0" y="0"/>
+          <a:ext cx="0" cy="0"/>
+          <a:chOff x="0" y="0"/>
+          <a:chExt cx="0" cy="0"/>
+        </a:xfrm>
+      </p:grpSpPr>
+      <p:sp>
+        <p:nvSpPr>
+          <p:cNvPr id="2" name="Titel 1">
+            <a:extLst>
+              <a:ext uri="{FF2B5EF4-FFF2-40B4-BE49-F238E27FC236}">
+                <a16:creationId xmlns:a16="http://schemas.microsoft.com/office/drawing/2014/main" id="{446D3BEF-CC88-B742-5807-43EE48D25381}"/>
+              </a:ext>
+            </a:extLst>
+          </p:cNvPr>
+          <p:cNvSpPr>
+            <a:spLocks noGrp="1"/>
+          </p:cNvSpPr>
+          <p:nvPr>
+            <p:ph type="title"/>
+          </p:nvPr>
+        </p:nvSpPr>
+        <p:spPr/>
+        <p:txBody>
+          <a:bodyPr>
+            <a:normAutofit fontScale="90000"/>
+          </a:bodyPr>
+          <a:lstStyle/>
+          <a:p>
+            <a:r>
+              <a:rPr lang="en-US" dirty="0"/>
+              <a:t>Salamander 4 Virtualization after BIOS Configurations</a:t>
+            </a:r>
+          </a:p>
+        </p:txBody>
+      </p:sp>
+      <p:sp>
+        <p:nvSpPr>
+          <p:cNvPr id="3" name="Textplatzhalter 2">
+            <a:extLst>
+              <a:ext uri="{FF2B5EF4-FFF2-40B4-BE49-F238E27FC236}">
+                <a16:creationId xmlns:a16="http://schemas.microsoft.com/office/drawing/2014/main" id="{04897626-5992-AC9F-A7C2-0A8A6A65B6F9}"/>
+              </a:ext>
+            </a:extLst>
+          </p:cNvPr>
+          <p:cNvSpPr>
+            <a:spLocks noGrp="1"/>
+          </p:cNvSpPr>
+          <p:nvPr>
+            <p:ph type="body" sz="quarter" idx="14"/>
+          </p:nvPr>
+        </p:nvSpPr>
+        <p:spPr/>
+        <p:txBody>
+          <a:bodyPr>
+            <a:normAutofit/>
+          </a:bodyPr>
+          <a:lstStyle/>
+          <a:p>
+            <a:pPr algn="l"/>
+            <a:endParaRPr lang="en-US" sz="1600" dirty="0"/>
+          </a:p>
+        </p:txBody>
+      </p:sp>
+      <p:sp>
+        <p:nvSpPr>
+          <p:cNvPr id="4" name="Fußzeilenplatzhalter 3">
+            <a:extLst>
+              <a:ext uri="{FF2B5EF4-FFF2-40B4-BE49-F238E27FC236}">
+                <a16:creationId xmlns:a16="http://schemas.microsoft.com/office/drawing/2014/main" id="{17F6F80D-FCFD-474A-A46E-BEF92F26DC8D}"/>
+              </a:ext>
+            </a:extLst>
+          </p:cNvPr>
+          <p:cNvSpPr>
+            <a:spLocks noGrp="1"/>
+          </p:cNvSpPr>
+          <p:nvPr>
+            <p:ph type="ftr" sz="quarter" idx="12"/>
+          </p:nvPr>
+        </p:nvSpPr>
+        <p:spPr/>
+        <p:txBody>
+          <a:bodyPr/>
+          <a:lstStyle/>
+          <a:p>
+            <a:r>
+              <a:rPr lang="en-US"/>
+              <a:t>Virtualization of a Real-Time Operating System for Robot Control with a Focus on RealTime Compliance</a:t>
+            </a:r>
+            <a:r>
+              <a:rPr lang="en-GB"/>
+              <a:t> | </a:t>
+            </a:r>
+            <a:r>
+              <a:rPr lang="de-AT"/>
+              <a:t>Halil Pamuk, BSc.</a:t>
+            </a:r>
+            <a:r>
+              <a:rPr lang="en-GB"/>
+              <a:t> | 10.10.2024</a:t>
+            </a:r>
+            <a:endParaRPr lang="en-GB" dirty="0"/>
+          </a:p>
+        </p:txBody>
+      </p:sp>
+      <p:sp>
+        <p:nvSpPr>
+          <p:cNvPr id="5" name="Foliennummernplatzhalter 4">
+            <a:extLst>
+              <a:ext uri="{FF2B5EF4-FFF2-40B4-BE49-F238E27FC236}">
+                <a16:creationId xmlns:a16="http://schemas.microsoft.com/office/drawing/2014/main" id="{6FE7C3E3-082F-E591-9994-A62597200B98}"/>
+              </a:ext>
+            </a:extLst>
+          </p:cNvPr>
+          <p:cNvSpPr>
+            <a:spLocks noGrp="1"/>
+          </p:cNvSpPr>
+          <p:nvPr>
+            <p:ph type="sldNum" sz="quarter" idx="13"/>
+          </p:nvPr>
+        </p:nvSpPr>
+        <p:spPr/>
+        <p:txBody>
+          <a:bodyPr/>
+          <a:lstStyle/>
+          <a:p>
+            <a:fld id="{9C057DB4-583E-41A7-BD94-987342018C17}" type="slidenum">
+              <a:rPr lang="en-GB" smtClean="0"/>
+              <a:pPr/>
+              <a:t>22</a:t>
+            </a:fld>
+            <a:endParaRPr lang="en-GB" dirty="0"/>
+          </a:p>
+        </p:txBody>
+      </p:sp>
+      <p:sp>
+        <p:nvSpPr>
+          <p:cNvPr id="6" name="Textfeld 5">
+            <a:extLst>
+              <a:ext uri="{FF2B5EF4-FFF2-40B4-BE49-F238E27FC236}">
+                <a16:creationId xmlns:a16="http://schemas.microsoft.com/office/drawing/2014/main" id="{9AB5A822-3C8A-C9CC-A179-6AC2B863414C}"/>
+              </a:ext>
+            </a:extLst>
+          </p:cNvPr>
+          <p:cNvSpPr txBox="1"/>
+          <p:nvPr/>
+        </p:nvSpPr>
+        <p:spPr>
+          <a:xfrm>
+            <a:off x="2042160" y="1988820"/>
+            <a:ext cx="914400" cy="914400"/>
+          </a:xfrm>
+          <a:prstGeom prst="rect">
+            <a:avLst/>
+          </a:prstGeom>
+        </p:spPr>
+        <p:txBody>
+          <a:bodyPr vert="horz" wrap="none" lIns="91440" tIns="45720" rIns="91440" bIns="45720" rtlCol="0" anchor="t">
+            <a:normAutofit/>
+          </a:bodyPr>
+          <a:lstStyle/>
+          <a:p>
+            <a:pPr algn="l"/>
+            <a:endParaRPr lang="en-US" sz="2800" dirty="0"/>
+          </a:p>
+        </p:txBody>
+      </p:sp>
+      <p:pic>
+        <p:nvPicPr>
+          <p:cNvPr id="12" name="Grafik 11">
+            <a:extLst>
+              <a:ext uri="{FF2B5EF4-FFF2-40B4-BE49-F238E27FC236}">
+                <a16:creationId xmlns:a16="http://schemas.microsoft.com/office/drawing/2014/main" id="{5A7933C1-B2A4-FFC9-1D95-A28F13632EA9}"/>
+              </a:ext>
+            </a:extLst>
+          </p:cNvPr>
+          <p:cNvPicPr>
+            <a:picLocks noChangeAspect="1"/>
+          </p:cNvPicPr>
+          <p:nvPr/>
+        </p:nvPicPr>
+        <p:blipFill>
+          <a:blip r:embed="rId2"/>
+          <a:stretch>
+            <a:fillRect/>
+          </a:stretch>
+        </p:blipFill>
+        <p:spPr>
+          <a:xfrm>
+            <a:off x="197359" y="1156120"/>
+            <a:ext cx="4659094" cy="2831259"/>
+          </a:xfrm>
+          <a:prstGeom prst="rect">
+            <a:avLst/>
+          </a:prstGeom>
+          <a:ln>
+            <a:solidFill>
+              <a:schemeClr val="bg1"/>
+            </a:solidFill>
+          </a:ln>
+        </p:spPr>
+      </p:pic>
+      <p:pic>
+        <p:nvPicPr>
+          <p:cNvPr id="16" name="Grafik 15">
+            <a:extLst>
+              <a:ext uri="{FF2B5EF4-FFF2-40B4-BE49-F238E27FC236}">
+                <a16:creationId xmlns:a16="http://schemas.microsoft.com/office/drawing/2014/main" id="{F4D82E7B-2045-9648-AA0A-D232804C23CE}"/>
+              </a:ext>
+            </a:extLst>
+          </p:cNvPr>
+          <p:cNvPicPr>
+            <a:picLocks noChangeAspect="1"/>
+          </p:cNvPicPr>
+          <p:nvPr/>
+        </p:nvPicPr>
+        <p:blipFill>
+          <a:blip r:embed="rId3"/>
+          <a:stretch>
+            <a:fillRect/>
+          </a:stretch>
+        </p:blipFill>
+        <p:spPr>
+          <a:xfrm>
+            <a:off x="4928454" y="1984767"/>
+            <a:ext cx="4035545" cy="1551224"/>
+          </a:xfrm>
+          <a:prstGeom prst="rect">
+            <a:avLst/>
+          </a:prstGeom>
+          <a:ln>
+            <a:solidFill>
+              <a:schemeClr val="bg1"/>
+            </a:solidFill>
+          </a:ln>
+        </p:spPr>
+      </p:pic>
+    </p:spTree>
+    <p:extLst>
+      <p:ext uri="{BB962C8B-B14F-4D97-AF65-F5344CB8AC3E}">
+        <p14:creationId xmlns:p14="http://schemas.microsoft.com/office/powerpoint/2010/main" val="2911760232"/>
+      </p:ext>
+    </p:extLst>
+  </p:cSld>
+  <p:clrMapOvr>
+    <a:masterClrMapping/>
+  </p:clrMapOvr>
+</p:sld>
+</file>
+
+<file path=ppt/slides/slide23.xml><?xml version="1.0" encoding="utf-8"?>
+<p:sld xmlns:a="http://schemas.openxmlformats.org/drawingml/2006/main" xmlns:r="http://schemas.openxmlformats.org/officeDocument/2006/relationships" xmlns:p="http://schemas.openxmlformats.org/presentationml/2006/main" show="0">
+  <p:cSld>
+    <p:spTree>
+      <p:nvGrpSpPr>
+        <p:cNvPr id="1" name=""/>
+        <p:cNvGrpSpPr/>
+        <p:nvPr/>
+      </p:nvGrpSpPr>
+      <p:grpSpPr>
+        <a:xfrm>
+          <a:off x="0" y="0"/>
+          <a:ext cx="0" cy="0"/>
+          <a:chOff x="0" y="0"/>
+          <a:chExt cx="0" cy="0"/>
+        </a:xfrm>
+      </p:grpSpPr>
+      <p:sp>
+        <p:nvSpPr>
+          <p:cNvPr id="2" name="Titel 1">
+            <a:extLst>
+              <a:ext uri="{FF2B5EF4-FFF2-40B4-BE49-F238E27FC236}">
+                <a16:creationId xmlns:a16="http://schemas.microsoft.com/office/drawing/2014/main" id="{446D3BEF-CC88-B742-5807-43EE48D25381}"/>
+              </a:ext>
+            </a:extLst>
+          </p:cNvPr>
+          <p:cNvSpPr>
+            <a:spLocks noGrp="1"/>
+          </p:cNvSpPr>
+          <p:nvPr>
+            <p:ph type="title"/>
+          </p:nvPr>
+        </p:nvSpPr>
+        <p:spPr/>
+        <p:txBody>
+          <a:bodyPr>
+            <a:normAutofit fontScale="90000"/>
+          </a:bodyPr>
+          <a:lstStyle/>
+          <a:p>
+            <a:r>
+              <a:rPr lang="en-US" dirty="0"/>
+              <a:t>Salamander 4 Virtualization Kernel Configurations</a:t>
+            </a:r>
+          </a:p>
+        </p:txBody>
+      </p:sp>
+      <p:sp>
+        <p:nvSpPr>
+          <p:cNvPr id="3" name="Textplatzhalter 2">
+            <a:extLst>
+              <a:ext uri="{FF2B5EF4-FFF2-40B4-BE49-F238E27FC236}">
+                <a16:creationId xmlns:a16="http://schemas.microsoft.com/office/drawing/2014/main" id="{04897626-5992-AC9F-A7C2-0A8A6A65B6F9}"/>
+              </a:ext>
+            </a:extLst>
+          </p:cNvPr>
+          <p:cNvSpPr>
+            <a:spLocks noGrp="1"/>
+          </p:cNvSpPr>
+          <p:nvPr>
+            <p:ph type="body" sz="quarter" idx="14"/>
+          </p:nvPr>
+        </p:nvSpPr>
+        <p:spPr/>
+        <p:txBody>
+          <a:bodyPr>
+            <a:normAutofit/>
+          </a:bodyPr>
+          <a:lstStyle/>
+          <a:p>
+            <a:pPr algn="l"/>
+            <a:endParaRPr lang="en-US" sz="1600" dirty="0"/>
+          </a:p>
+        </p:txBody>
+      </p:sp>
+      <p:sp>
+        <p:nvSpPr>
+          <p:cNvPr id="4" name="Fußzeilenplatzhalter 3">
+            <a:extLst>
+              <a:ext uri="{FF2B5EF4-FFF2-40B4-BE49-F238E27FC236}">
+                <a16:creationId xmlns:a16="http://schemas.microsoft.com/office/drawing/2014/main" id="{17F6F80D-FCFD-474A-A46E-BEF92F26DC8D}"/>
+              </a:ext>
+            </a:extLst>
+          </p:cNvPr>
+          <p:cNvSpPr>
+            <a:spLocks noGrp="1"/>
+          </p:cNvSpPr>
+          <p:nvPr>
+            <p:ph type="ftr" sz="quarter" idx="12"/>
+          </p:nvPr>
+        </p:nvSpPr>
+        <p:spPr/>
+        <p:txBody>
+          <a:bodyPr/>
+          <a:lstStyle/>
+          <a:p>
+            <a:r>
+              <a:rPr lang="en-US"/>
+              <a:t>Virtualization of a Real-Time Operating System for Robot Control with a Focus on RealTime Compliance</a:t>
+            </a:r>
+            <a:r>
+              <a:rPr lang="en-GB"/>
+              <a:t> | </a:t>
+            </a:r>
+            <a:r>
+              <a:rPr lang="de-AT"/>
+              <a:t>Halil Pamuk, BSc.</a:t>
+            </a:r>
+            <a:r>
+              <a:rPr lang="en-GB"/>
+              <a:t> | 10.10.2024</a:t>
+            </a:r>
+            <a:endParaRPr lang="en-GB" dirty="0"/>
+          </a:p>
+        </p:txBody>
+      </p:sp>
+      <p:sp>
+        <p:nvSpPr>
+          <p:cNvPr id="5" name="Foliennummernplatzhalter 4">
+            <a:extLst>
+              <a:ext uri="{FF2B5EF4-FFF2-40B4-BE49-F238E27FC236}">
+                <a16:creationId xmlns:a16="http://schemas.microsoft.com/office/drawing/2014/main" id="{6FE7C3E3-082F-E591-9994-A62597200B98}"/>
+              </a:ext>
+            </a:extLst>
+          </p:cNvPr>
+          <p:cNvSpPr>
+            <a:spLocks noGrp="1"/>
+          </p:cNvSpPr>
+          <p:nvPr>
+            <p:ph type="sldNum" sz="quarter" idx="13"/>
+          </p:nvPr>
+        </p:nvSpPr>
+        <p:spPr/>
+        <p:txBody>
+          <a:bodyPr/>
+          <a:lstStyle/>
+          <a:p>
+            <a:fld id="{9C057DB4-583E-41A7-BD94-987342018C17}" type="slidenum">
+              <a:rPr lang="en-GB" smtClean="0"/>
+              <a:pPr/>
+              <a:t>23</a:t>
+            </a:fld>
+            <a:endParaRPr lang="en-GB" dirty="0"/>
+          </a:p>
+        </p:txBody>
+      </p:sp>
+      <p:sp>
+        <p:nvSpPr>
+          <p:cNvPr id="6" name="Textfeld 5">
+            <a:extLst>
+              <a:ext uri="{FF2B5EF4-FFF2-40B4-BE49-F238E27FC236}">
+                <a16:creationId xmlns:a16="http://schemas.microsoft.com/office/drawing/2014/main" id="{9AB5A822-3C8A-C9CC-A179-6AC2B863414C}"/>
+              </a:ext>
+            </a:extLst>
+          </p:cNvPr>
+          <p:cNvSpPr txBox="1"/>
+          <p:nvPr/>
+        </p:nvSpPr>
+        <p:spPr>
+          <a:xfrm>
+            <a:off x="2042160" y="1988820"/>
+            <a:ext cx="914400" cy="914400"/>
+          </a:xfrm>
+          <a:prstGeom prst="rect">
+            <a:avLst/>
+          </a:prstGeom>
+        </p:spPr>
+        <p:txBody>
+          <a:bodyPr vert="horz" wrap="none" lIns="91440" tIns="45720" rIns="91440" bIns="45720" rtlCol="0" anchor="t">
+            <a:normAutofit/>
+          </a:bodyPr>
+          <a:lstStyle/>
+          <a:p>
+            <a:pPr algn="l"/>
+            <a:endParaRPr lang="en-US" sz="2800" dirty="0"/>
+          </a:p>
+        </p:txBody>
+      </p:sp>
+      <p:pic>
+        <p:nvPicPr>
+          <p:cNvPr id="14" name="Grafik 13">
+            <a:extLst>
+              <a:ext uri="{FF2B5EF4-FFF2-40B4-BE49-F238E27FC236}">
+                <a16:creationId xmlns:a16="http://schemas.microsoft.com/office/drawing/2014/main" id="{32D9905F-CA70-3B38-1785-7DA6026C0ABA}"/>
+              </a:ext>
+            </a:extLst>
+          </p:cNvPr>
+          <p:cNvPicPr>
+            <a:picLocks noChangeAspect="1"/>
+          </p:cNvPicPr>
+          <p:nvPr/>
+        </p:nvPicPr>
+        <p:blipFill>
+          <a:blip r:embed="rId2"/>
+          <a:stretch>
+            <a:fillRect/>
+          </a:stretch>
+        </p:blipFill>
+        <p:spPr>
+          <a:xfrm>
+            <a:off x="614785" y="1420959"/>
+            <a:ext cx="7905750" cy="2301581"/>
+          </a:xfrm>
+          <a:prstGeom prst="rect">
+            <a:avLst/>
+          </a:prstGeom>
+        </p:spPr>
+      </p:pic>
+    </p:spTree>
+    <p:extLst>
+      <p:ext uri="{BB962C8B-B14F-4D97-AF65-F5344CB8AC3E}">
+        <p14:creationId xmlns:p14="http://schemas.microsoft.com/office/powerpoint/2010/main" val="239929394"/>
+      </p:ext>
+    </p:extLst>
+  </p:cSld>
+  <p:clrMapOvr>
+    <a:masterClrMapping/>
+  </p:clrMapOvr>
+</p:sld>
+</file>
+
+<file path=ppt/slides/slide24.xml><?xml version="1.0" encoding="utf-8"?>
+<p:sld xmlns:a="http://schemas.openxmlformats.org/drawingml/2006/main" xmlns:r="http://schemas.openxmlformats.org/officeDocument/2006/relationships" xmlns:p="http://schemas.openxmlformats.org/presentationml/2006/main" show="0">
+  <p:cSld>
+    <p:spTree>
+      <p:nvGrpSpPr>
+        <p:cNvPr id="1" name=""/>
+        <p:cNvGrpSpPr/>
+        <p:nvPr/>
+      </p:nvGrpSpPr>
+      <p:grpSpPr>
+        <a:xfrm>
+          <a:off x="0" y="0"/>
+          <a:ext cx="0" cy="0"/>
+          <a:chOff x="0" y="0"/>
+          <a:chExt cx="0" cy="0"/>
+        </a:xfrm>
+      </p:grpSpPr>
+      <p:sp>
+        <p:nvSpPr>
+          <p:cNvPr id="2" name="Titel 1">
+            <a:extLst>
+              <a:ext uri="{FF2B5EF4-FFF2-40B4-BE49-F238E27FC236}">
+                <a16:creationId xmlns:a16="http://schemas.microsoft.com/office/drawing/2014/main" id="{446D3BEF-CC88-B742-5807-43EE48D25381}"/>
+              </a:ext>
+            </a:extLst>
+          </p:cNvPr>
+          <p:cNvSpPr>
+            <a:spLocks noGrp="1"/>
+          </p:cNvSpPr>
+          <p:nvPr>
+            <p:ph type="title"/>
+          </p:nvPr>
+        </p:nvSpPr>
+        <p:spPr/>
+        <p:txBody>
+          <a:bodyPr>
+            <a:normAutofit fontScale="90000"/>
+          </a:bodyPr>
+          <a:lstStyle/>
+          <a:p>
+            <a:r>
+              <a:rPr lang="en-US" dirty="0"/>
+              <a:t>Salamander 4 Virtualization after Kernel Configurations</a:t>
+            </a:r>
+          </a:p>
+        </p:txBody>
+      </p:sp>
+      <p:sp>
+        <p:nvSpPr>
+          <p:cNvPr id="3" name="Textplatzhalter 2">
+            <a:extLst>
+              <a:ext uri="{FF2B5EF4-FFF2-40B4-BE49-F238E27FC236}">
+                <a16:creationId xmlns:a16="http://schemas.microsoft.com/office/drawing/2014/main" id="{04897626-5992-AC9F-A7C2-0A8A6A65B6F9}"/>
+              </a:ext>
+            </a:extLst>
+          </p:cNvPr>
+          <p:cNvSpPr>
+            <a:spLocks noGrp="1"/>
+          </p:cNvSpPr>
+          <p:nvPr>
+            <p:ph type="body" sz="quarter" idx="14"/>
+          </p:nvPr>
+        </p:nvSpPr>
+        <p:spPr/>
+        <p:txBody>
+          <a:bodyPr>
+            <a:normAutofit/>
+          </a:bodyPr>
+          <a:lstStyle/>
+          <a:p>
+            <a:pPr algn="l"/>
+            <a:endParaRPr lang="en-US" sz="1600" dirty="0"/>
+          </a:p>
+        </p:txBody>
+      </p:sp>
+      <p:sp>
+        <p:nvSpPr>
+          <p:cNvPr id="4" name="Fußzeilenplatzhalter 3">
+            <a:extLst>
+              <a:ext uri="{FF2B5EF4-FFF2-40B4-BE49-F238E27FC236}">
+                <a16:creationId xmlns:a16="http://schemas.microsoft.com/office/drawing/2014/main" id="{17F6F80D-FCFD-474A-A46E-BEF92F26DC8D}"/>
+              </a:ext>
+            </a:extLst>
+          </p:cNvPr>
+          <p:cNvSpPr>
+            <a:spLocks noGrp="1"/>
+          </p:cNvSpPr>
+          <p:nvPr>
+            <p:ph type="ftr" sz="quarter" idx="12"/>
+          </p:nvPr>
+        </p:nvSpPr>
+        <p:spPr/>
+        <p:txBody>
+          <a:bodyPr/>
+          <a:lstStyle/>
+          <a:p>
+            <a:r>
+              <a:rPr lang="en-US"/>
+              <a:t>Virtualization of a Real-Time Operating System for Robot Control with a Focus on RealTime Compliance</a:t>
+            </a:r>
+            <a:r>
+              <a:rPr lang="en-GB"/>
+              <a:t> | </a:t>
+            </a:r>
+            <a:r>
+              <a:rPr lang="de-AT"/>
+              <a:t>Halil Pamuk, BSc.</a:t>
+            </a:r>
+            <a:r>
+              <a:rPr lang="en-GB"/>
+              <a:t> | 10.10.2024</a:t>
+            </a:r>
+            <a:endParaRPr lang="en-GB" dirty="0"/>
+          </a:p>
+        </p:txBody>
+      </p:sp>
+      <p:sp>
+        <p:nvSpPr>
+          <p:cNvPr id="5" name="Foliennummernplatzhalter 4">
+            <a:extLst>
+              <a:ext uri="{FF2B5EF4-FFF2-40B4-BE49-F238E27FC236}">
+                <a16:creationId xmlns:a16="http://schemas.microsoft.com/office/drawing/2014/main" id="{6FE7C3E3-082F-E591-9994-A62597200B98}"/>
+              </a:ext>
+            </a:extLst>
+          </p:cNvPr>
+          <p:cNvSpPr>
+            <a:spLocks noGrp="1"/>
+          </p:cNvSpPr>
+          <p:nvPr>
+            <p:ph type="sldNum" sz="quarter" idx="13"/>
+          </p:nvPr>
+        </p:nvSpPr>
+        <p:spPr/>
+        <p:txBody>
+          <a:bodyPr/>
+          <a:lstStyle/>
+          <a:p>
+            <a:fld id="{9C057DB4-583E-41A7-BD94-987342018C17}" type="slidenum">
+              <a:rPr lang="en-GB" smtClean="0"/>
+              <a:pPr/>
+              <a:t>24</a:t>
+            </a:fld>
+            <a:endParaRPr lang="en-GB" dirty="0"/>
+          </a:p>
+        </p:txBody>
+      </p:sp>
+      <p:sp>
+        <p:nvSpPr>
+          <p:cNvPr id="6" name="Textfeld 5">
+            <a:extLst>
+              <a:ext uri="{FF2B5EF4-FFF2-40B4-BE49-F238E27FC236}">
+                <a16:creationId xmlns:a16="http://schemas.microsoft.com/office/drawing/2014/main" id="{9AB5A822-3C8A-C9CC-A179-6AC2B863414C}"/>
+              </a:ext>
+            </a:extLst>
+          </p:cNvPr>
+          <p:cNvSpPr txBox="1"/>
+          <p:nvPr/>
+        </p:nvSpPr>
+        <p:spPr>
+          <a:xfrm>
+            <a:off x="2042160" y="1988820"/>
+            <a:ext cx="914400" cy="914400"/>
+          </a:xfrm>
+          <a:prstGeom prst="rect">
+            <a:avLst/>
+          </a:prstGeom>
+        </p:spPr>
+        <p:txBody>
+          <a:bodyPr vert="horz" wrap="none" lIns="91440" tIns="45720" rIns="91440" bIns="45720" rtlCol="0" anchor="t">
+            <a:normAutofit/>
+          </a:bodyPr>
+          <a:lstStyle/>
+          <a:p>
+            <a:pPr algn="l"/>
+            <a:endParaRPr lang="en-US" sz="2800" dirty="0"/>
+          </a:p>
+        </p:txBody>
+      </p:sp>
+      <p:pic>
+        <p:nvPicPr>
+          <p:cNvPr id="9" name="Grafik 8">
+            <a:extLst>
+              <a:ext uri="{FF2B5EF4-FFF2-40B4-BE49-F238E27FC236}">
+                <a16:creationId xmlns:a16="http://schemas.microsoft.com/office/drawing/2014/main" id="{13EBB762-D366-FA43-84DF-3045A2913E98}"/>
+              </a:ext>
+            </a:extLst>
+          </p:cNvPr>
+          <p:cNvPicPr>
+            <a:picLocks noChangeAspect="1"/>
+          </p:cNvPicPr>
+          <p:nvPr/>
+        </p:nvPicPr>
+        <p:blipFill>
+          <a:blip r:embed="rId2"/>
+          <a:stretch>
+            <a:fillRect/>
+          </a:stretch>
+        </p:blipFill>
+        <p:spPr>
+          <a:xfrm>
+            <a:off x="180000" y="1327772"/>
+            <a:ext cx="4659094" cy="2824694"/>
+          </a:xfrm>
+          <a:prstGeom prst="rect">
+            <a:avLst/>
+          </a:prstGeom>
+          <a:ln>
+            <a:solidFill>
+              <a:schemeClr val="bg1"/>
+            </a:solidFill>
+          </a:ln>
+        </p:spPr>
+      </p:pic>
+      <p:pic>
+        <p:nvPicPr>
+          <p:cNvPr id="12" name="Grafik 11">
+            <a:extLst>
+              <a:ext uri="{FF2B5EF4-FFF2-40B4-BE49-F238E27FC236}">
+                <a16:creationId xmlns:a16="http://schemas.microsoft.com/office/drawing/2014/main" id="{28D9921B-23EB-7B05-9A4B-05FC626C4F36}"/>
+              </a:ext>
+            </a:extLst>
+          </p:cNvPr>
+          <p:cNvPicPr>
+            <a:picLocks noChangeAspect="1"/>
+          </p:cNvPicPr>
+          <p:nvPr/>
+        </p:nvPicPr>
+        <p:blipFill>
+          <a:blip r:embed="rId3"/>
+          <a:stretch>
+            <a:fillRect/>
+          </a:stretch>
+        </p:blipFill>
+        <p:spPr>
+          <a:xfrm>
+            <a:off x="4928454" y="1986039"/>
+            <a:ext cx="4026866" cy="1508161"/>
+          </a:xfrm>
+          <a:prstGeom prst="rect">
+            <a:avLst/>
+          </a:prstGeom>
+          <a:ln>
+            <a:solidFill>
+              <a:schemeClr val="bg1"/>
+            </a:solidFill>
+          </a:ln>
+        </p:spPr>
+      </p:pic>
+    </p:spTree>
+    <p:extLst>
+      <p:ext uri="{BB962C8B-B14F-4D97-AF65-F5344CB8AC3E}">
+        <p14:creationId xmlns:p14="http://schemas.microsoft.com/office/powerpoint/2010/main" val="1700598757"/>
+      </p:ext>
+    </p:extLst>
+  </p:cSld>
+  <p:clrMapOvr>
+    <a:masterClrMapping/>
+  </p:clrMapOvr>
+</p:sld>
+</file>
+
+<file path=ppt/slides/slide25.xml><?xml version="1.0" encoding="utf-8"?>
+<p:sld xmlns:a="http://schemas.openxmlformats.org/drawingml/2006/main" xmlns:r="http://schemas.openxmlformats.org/officeDocument/2006/relationships" xmlns:p="http://schemas.openxmlformats.org/presentationml/2006/main" show="0">
+  <p:cSld>
+    <p:spTree>
+      <p:nvGrpSpPr>
+        <p:cNvPr id="1" name=""/>
+        <p:cNvGrpSpPr/>
+        <p:nvPr/>
+      </p:nvGrpSpPr>
+      <p:grpSpPr>
+        <a:xfrm>
+          <a:off x="0" y="0"/>
+          <a:ext cx="0" cy="0"/>
+          <a:chOff x="0" y="0"/>
+          <a:chExt cx="0" cy="0"/>
+        </a:xfrm>
+      </p:grpSpPr>
+      <p:sp>
+        <p:nvSpPr>
+          <p:cNvPr id="2" name="Titel 1">
+            <a:extLst>
+              <a:ext uri="{FF2B5EF4-FFF2-40B4-BE49-F238E27FC236}">
+                <a16:creationId xmlns:a16="http://schemas.microsoft.com/office/drawing/2014/main" id="{446D3BEF-CC88-B742-5807-43EE48D25381}"/>
+              </a:ext>
+            </a:extLst>
+          </p:cNvPr>
+          <p:cNvSpPr>
+            <a:spLocks noGrp="1"/>
+          </p:cNvSpPr>
+          <p:nvPr>
+            <p:ph type="title"/>
+          </p:nvPr>
+        </p:nvSpPr>
+        <p:spPr/>
+        <p:txBody>
+          <a:bodyPr>
+            <a:normAutofit fontScale="90000"/>
+          </a:bodyPr>
+          <a:lstStyle/>
+          <a:p>
+            <a:r>
+              <a:rPr lang="en-US" dirty="0"/>
+              <a:t>Salamander 4 Virtualization Host Configurations</a:t>
+            </a:r>
+          </a:p>
+        </p:txBody>
+      </p:sp>
+      <p:sp>
+        <p:nvSpPr>
+          <p:cNvPr id="3" name="Textplatzhalter 2">
+            <a:extLst>
+              <a:ext uri="{FF2B5EF4-FFF2-40B4-BE49-F238E27FC236}">
+                <a16:creationId xmlns:a16="http://schemas.microsoft.com/office/drawing/2014/main" id="{04897626-5992-AC9F-A7C2-0A8A6A65B6F9}"/>
+              </a:ext>
+            </a:extLst>
+          </p:cNvPr>
+          <p:cNvSpPr>
+            <a:spLocks noGrp="1"/>
+          </p:cNvSpPr>
+          <p:nvPr>
+            <p:ph type="body" sz="quarter" idx="14"/>
+          </p:nvPr>
+        </p:nvSpPr>
+        <p:spPr/>
+        <p:txBody>
+          <a:bodyPr>
+            <a:normAutofit/>
+          </a:bodyPr>
+          <a:lstStyle/>
+          <a:p>
+            <a:pPr algn="l"/>
+            <a:endParaRPr lang="en-US" sz="1600" dirty="0"/>
+          </a:p>
+        </p:txBody>
+      </p:sp>
+      <p:sp>
+        <p:nvSpPr>
+          <p:cNvPr id="4" name="Fußzeilenplatzhalter 3">
+            <a:extLst>
+              <a:ext uri="{FF2B5EF4-FFF2-40B4-BE49-F238E27FC236}">
+                <a16:creationId xmlns:a16="http://schemas.microsoft.com/office/drawing/2014/main" id="{17F6F80D-FCFD-474A-A46E-BEF92F26DC8D}"/>
+              </a:ext>
+            </a:extLst>
+          </p:cNvPr>
+          <p:cNvSpPr>
+            <a:spLocks noGrp="1"/>
+          </p:cNvSpPr>
+          <p:nvPr>
+            <p:ph type="ftr" sz="quarter" idx="12"/>
+          </p:nvPr>
+        </p:nvSpPr>
+        <p:spPr/>
+        <p:txBody>
+          <a:bodyPr/>
+          <a:lstStyle/>
+          <a:p>
+            <a:r>
+              <a:rPr lang="en-US"/>
+              <a:t>Virtualization of a Real-Time Operating System for Robot Control with a Focus on RealTime Compliance</a:t>
+            </a:r>
+            <a:r>
+              <a:rPr lang="en-GB"/>
+              <a:t> | </a:t>
+            </a:r>
+            <a:r>
+              <a:rPr lang="de-AT"/>
+              <a:t>Halil Pamuk, BSc.</a:t>
+            </a:r>
+            <a:r>
+              <a:rPr lang="en-GB"/>
+              <a:t> | 10.10.2024</a:t>
+            </a:r>
+            <a:endParaRPr lang="en-GB" dirty="0"/>
+          </a:p>
+        </p:txBody>
+      </p:sp>
+      <p:sp>
+        <p:nvSpPr>
+          <p:cNvPr id="5" name="Foliennummernplatzhalter 4">
+            <a:extLst>
+              <a:ext uri="{FF2B5EF4-FFF2-40B4-BE49-F238E27FC236}">
+                <a16:creationId xmlns:a16="http://schemas.microsoft.com/office/drawing/2014/main" id="{6FE7C3E3-082F-E591-9994-A62597200B98}"/>
+              </a:ext>
+            </a:extLst>
+          </p:cNvPr>
+          <p:cNvSpPr>
+            <a:spLocks noGrp="1"/>
+          </p:cNvSpPr>
+          <p:nvPr>
+            <p:ph type="sldNum" sz="quarter" idx="13"/>
+          </p:nvPr>
+        </p:nvSpPr>
+        <p:spPr/>
+        <p:txBody>
+          <a:bodyPr/>
+          <a:lstStyle/>
+          <a:p>
+            <a:fld id="{9C057DB4-583E-41A7-BD94-987342018C17}" type="slidenum">
+              <a:rPr lang="en-GB" smtClean="0"/>
+              <a:pPr/>
+              <a:t>25</a:t>
+            </a:fld>
+            <a:endParaRPr lang="en-GB" dirty="0"/>
+          </a:p>
+        </p:txBody>
+      </p:sp>
+      <p:sp>
+        <p:nvSpPr>
+          <p:cNvPr id="6" name="Textfeld 5">
+            <a:extLst>
+              <a:ext uri="{FF2B5EF4-FFF2-40B4-BE49-F238E27FC236}">
+                <a16:creationId xmlns:a16="http://schemas.microsoft.com/office/drawing/2014/main" id="{9AB5A822-3C8A-C9CC-A179-6AC2B863414C}"/>
+              </a:ext>
+            </a:extLst>
+          </p:cNvPr>
+          <p:cNvSpPr txBox="1"/>
+          <p:nvPr/>
+        </p:nvSpPr>
+        <p:spPr>
+          <a:xfrm>
+            <a:off x="2042160" y="1988820"/>
+            <a:ext cx="914400" cy="914400"/>
+          </a:xfrm>
+          <a:prstGeom prst="rect">
+            <a:avLst/>
+          </a:prstGeom>
+        </p:spPr>
+        <p:txBody>
+          <a:bodyPr vert="horz" wrap="none" lIns="91440" tIns="45720" rIns="91440" bIns="45720" rtlCol="0" anchor="t">
+            <a:normAutofit/>
+          </a:bodyPr>
+          <a:lstStyle/>
+          <a:p>
+            <a:pPr algn="l"/>
+            <a:endParaRPr lang="en-US" sz="2800" dirty="0"/>
+          </a:p>
+        </p:txBody>
+      </p:sp>
+      <p:pic>
+        <p:nvPicPr>
+          <p:cNvPr id="14" name="Grafik 13">
+            <a:extLst>
+              <a:ext uri="{FF2B5EF4-FFF2-40B4-BE49-F238E27FC236}">
+                <a16:creationId xmlns:a16="http://schemas.microsoft.com/office/drawing/2014/main" id="{0D3B332F-EB18-DD9A-F19C-ECCD704E3AEB}"/>
+              </a:ext>
+            </a:extLst>
+          </p:cNvPr>
+          <p:cNvPicPr>
+            <a:picLocks noChangeAspect="1"/>
+          </p:cNvPicPr>
+          <p:nvPr/>
+        </p:nvPicPr>
+        <p:blipFill>
+          <a:blip r:embed="rId2"/>
+          <a:stretch>
+            <a:fillRect/>
+          </a:stretch>
+        </p:blipFill>
+        <p:spPr>
+          <a:xfrm>
+            <a:off x="3252787" y="875149"/>
+            <a:ext cx="2409825" cy="3486150"/>
+          </a:xfrm>
+          <a:prstGeom prst="rect">
+            <a:avLst/>
+          </a:prstGeom>
+        </p:spPr>
+      </p:pic>
+    </p:spTree>
+    <p:extLst>
+      <p:ext uri="{BB962C8B-B14F-4D97-AF65-F5344CB8AC3E}">
+        <p14:creationId xmlns:p14="http://schemas.microsoft.com/office/powerpoint/2010/main" val="1250394733"/>
+      </p:ext>
+    </p:extLst>
+  </p:cSld>
+  <p:clrMapOvr>
+    <a:masterClrMapping/>
+  </p:clrMapOvr>
+</p:sld>
+</file>
+
+<file path=ppt/slides/slide26.xml><?xml version="1.0" encoding="utf-8"?>
+<p:sld xmlns:a="http://schemas.openxmlformats.org/drawingml/2006/main" xmlns:r="http://schemas.openxmlformats.org/officeDocument/2006/relationships" xmlns:p="http://schemas.openxmlformats.org/presentationml/2006/main" show="0">
+  <p:cSld>
+    <p:spTree>
+      <p:nvGrpSpPr>
+        <p:cNvPr id="1" name=""/>
+        <p:cNvGrpSpPr/>
+        <p:nvPr/>
+      </p:nvGrpSpPr>
+      <p:grpSpPr>
+        <a:xfrm>
+          <a:off x="0" y="0"/>
+          <a:ext cx="0" cy="0"/>
+          <a:chOff x="0" y="0"/>
+          <a:chExt cx="0" cy="0"/>
+        </a:xfrm>
+      </p:grpSpPr>
+      <p:sp>
+        <p:nvSpPr>
+          <p:cNvPr id="2" name="Titel 1">
+            <a:extLst>
+              <a:ext uri="{FF2B5EF4-FFF2-40B4-BE49-F238E27FC236}">
+                <a16:creationId xmlns:a16="http://schemas.microsoft.com/office/drawing/2014/main" id="{446D3BEF-CC88-B742-5807-43EE48D25381}"/>
+              </a:ext>
+            </a:extLst>
+          </p:cNvPr>
+          <p:cNvSpPr>
+            <a:spLocks noGrp="1"/>
+          </p:cNvSpPr>
+          <p:nvPr>
+            <p:ph type="title"/>
+          </p:nvPr>
+        </p:nvSpPr>
+        <p:spPr/>
+        <p:txBody>
+          <a:bodyPr>
+            <a:normAutofit fontScale="90000"/>
+          </a:bodyPr>
+          <a:lstStyle/>
+          <a:p>
+            <a:r>
+              <a:rPr lang="en-US" dirty="0"/>
+              <a:t>Salamander 4 Virtualization after Host Configurations</a:t>
+            </a:r>
+          </a:p>
+        </p:txBody>
+      </p:sp>
+      <p:sp>
+        <p:nvSpPr>
+          <p:cNvPr id="3" name="Textplatzhalter 2">
+            <a:extLst>
+              <a:ext uri="{FF2B5EF4-FFF2-40B4-BE49-F238E27FC236}">
+                <a16:creationId xmlns:a16="http://schemas.microsoft.com/office/drawing/2014/main" id="{04897626-5992-AC9F-A7C2-0A8A6A65B6F9}"/>
+              </a:ext>
+            </a:extLst>
+          </p:cNvPr>
+          <p:cNvSpPr>
+            <a:spLocks noGrp="1"/>
+          </p:cNvSpPr>
+          <p:nvPr>
+            <p:ph type="body" sz="quarter" idx="14"/>
+          </p:nvPr>
+        </p:nvSpPr>
+        <p:spPr/>
+        <p:txBody>
+          <a:bodyPr>
+            <a:normAutofit/>
+          </a:bodyPr>
+          <a:lstStyle/>
+          <a:p>
+            <a:pPr algn="l"/>
+            <a:endParaRPr lang="en-US" sz="1600" dirty="0"/>
+          </a:p>
+        </p:txBody>
+      </p:sp>
+      <p:sp>
+        <p:nvSpPr>
+          <p:cNvPr id="4" name="Fußzeilenplatzhalter 3">
+            <a:extLst>
+              <a:ext uri="{FF2B5EF4-FFF2-40B4-BE49-F238E27FC236}">
+                <a16:creationId xmlns:a16="http://schemas.microsoft.com/office/drawing/2014/main" id="{17F6F80D-FCFD-474A-A46E-BEF92F26DC8D}"/>
+              </a:ext>
+            </a:extLst>
+          </p:cNvPr>
+          <p:cNvSpPr>
+            <a:spLocks noGrp="1"/>
+          </p:cNvSpPr>
+          <p:nvPr>
+            <p:ph type="ftr" sz="quarter" idx="12"/>
+          </p:nvPr>
+        </p:nvSpPr>
+        <p:spPr/>
+        <p:txBody>
+          <a:bodyPr/>
+          <a:lstStyle/>
+          <a:p>
+            <a:r>
+              <a:rPr lang="en-US"/>
+              <a:t>Virtualization of a Real-Time Operating System for Robot Control with a Focus on RealTime Compliance</a:t>
+            </a:r>
+            <a:r>
+              <a:rPr lang="en-GB"/>
+              <a:t> | </a:t>
+            </a:r>
+            <a:r>
+              <a:rPr lang="de-AT"/>
+              <a:t>Halil Pamuk, BSc.</a:t>
+            </a:r>
+            <a:r>
+              <a:rPr lang="en-GB"/>
+              <a:t> | 10.10.2024</a:t>
+            </a:r>
+            <a:endParaRPr lang="en-GB" dirty="0"/>
+          </a:p>
+        </p:txBody>
+      </p:sp>
+      <p:sp>
+        <p:nvSpPr>
+          <p:cNvPr id="5" name="Foliennummernplatzhalter 4">
+            <a:extLst>
+              <a:ext uri="{FF2B5EF4-FFF2-40B4-BE49-F238E27FC236}">
+                <a16:creationId xmlns:a16="http://schemas.microsoft.com/office/drawing/2014/main" id="{6FE7C3E3-082F-E591-9994-A62597200B98}"/>
+              </a:ext>
+            </a:extLst>
+          </p:cNvPr>
+          <p:cNvSpPr>
+            <a:spLocks noGrp="1"/>
+          </p:cNvSpPr>
+          <p:nvPr>
+            <p:ph type="sldNum" sz="quarter" idx="13"/>
+          </p:nvPr>
+        </p:nvSpPr>
+        <p:spPr/>
+        <p:txBody>
+          <a:bodyPr/>
+          <a:lstStyle/>
+          <a:p>
+            <a:fld id="{9C057DB4-583E-41A7-BD94-987342018C17}" type="slidenum">
+              <a:rPr lang="en-GB" smtClean="0"/>
+              <a:pPr/>
+              <a:t>26</a:t>
+            </a:fld>
+            <a:endParaRPr lang="en-GB" dirty="0"/>
+          </a:p>
+        </p:txBody>
+      </p:sp>
+      <p:sp>
+        <p:nvSpPr>
+          <p:cNvPr id="6" name="Textfeld 5">
+            <a:extLst>
+              <a:ext uri="{FF2B5EF4-FFF2-40B4-BE49-F238E27FC236}">
+                <a16:creationId xmlns:a16="http://schemas.microsoft.com/office/drawing/2014/main" id="{9AB5A822-3C8A-C9CC-A179-6AC2B863414C}"/>
+              </a:ext>
+            </a:extLst>
+          </p:cNvPr>
+          <p:cNvSpPr txBox="1"/>
+          <p:nvPr/>
+        </p:nvSpPr>
+        <p:spPr>
+          <a:xfrm>
+            <a:off x="2042160" y="1988820"/>
+            <a:ext cx="914400" cy="914400"/>
+          </a:xfrm>
+          <a:prstGeom prst="rect">
+            <a:avLst/>
+          </a:prstGeom>
+        </p:spPr>
+        <p:txBody>
+          <a:bodyPr vert="horz" wrap="none" lIns="91440" tIns="45720" rIns="91440" bIns="45720" rtlCol="0" anchor="t">
+            <a:normAutofit/>
+          </a:bodyPr>
+          <a:lstStyle/>
+          <a:p>
+            <a:pPr algn="l"/>
+            <a:endParaRPr lang="en-US" sz="2800" dirty="0"/>
+          </a:p>
+        </p:txBody>
+      </p:sp>
+      <p:pic>
+        <p:nvPicPr>
+          <p:cNvPr id="8" name="Grafik 7">
+            <a:extLst>
+              <a:ext uri="{FF2B5EF4-FFF2-40B4-BE49-F238E27FC236}">
+                <a16:creationId xmlns:a16="http://schemas.microsoft.com/office/drawing/2014/main" id="{C9B42C5C-BEB5-24B1-FB8E-4D0D2754FFDB}"/>
+              </a:ext>
+            </a:extLst>
+          </p:cNvPr>
+          <p:cNvPicPr>
+            <a:picLocks noChangeAspect="1"/>
+          </p:cNvPicPr>
+          <p:nvPr/>
+        </p:nvPicPr>
+        <p:blipFill>
+          <a:blip r:embed="rId2"/>
+          <a:stretch>
+            <a:fillRect/>
+          </a:stretch>
+        </p:blipFill>
+        <p:spPr>
+          <a:xfrm>
+            <a:off x="188680" y="1319215"/>
+            <a:ext cx="4676451" cy="2841807"/>
+          </a:xfrm>
+          <a:prstGeom prst="rect">
+            <a:avLst/>
+          </a:prstGeom>
+          <a:ln>
+            <a:solidFill>
+              <a:schemeClr val="bg1"/>
+            </a:solidFill>
+          </a:ln>
+        </p:spPr>
+      </p:pic>
+      <p:pic>
+        <p:nvPicPr>
+          <p:cNvPr id="11" name="Grafik 10">
+            <a:extLst>
+              <a:ext uri="{FF2B5EF4-FFF2-40B4-BE49-F238E27FC236}">
+                <a16:creationId xmlns:a16="http://schemas.microsoft.com/office/drawing/2014/main" id="{CF459157-1C4B-3F83-9F6D-7BF8DB83AB86}"/>
+              </a:ext>
+            </a:extLst>
+          </p:cNvPr>
+          <p:cNvPicPr>
+            <a:picLocks noChangeAspect="1"/>
+          </p:cNvPicPr>
+          <p:nvPr/>
+        </p:nvPicPr>
+        <p:blipFill>
+          <a:blip r:embed="rId3"/>
+          <a:stretch>
+            <a:fillRect/>
+          </a:stretch>
+        </p:blipFill>
+        <p:spPr>
+          <a:xfrm>
+            <a:off x="4923102" y="1999551"/>
+            <a:ext cx="3974246" cy="1481134"/>
+          </a:xfrm>
+          <a:prstGeom prst="rect">
+            <a:avLst/>
+          </a:prstGeom>
+          <a:ln>
+            <a:solidFill>
+              <a:schemeClr val="bg1"/>
+            </a:solidFill>
+          </a:ln>
+        </p:spPr>
+      </p:pic>
+    </p:spTree>
+    <p:extLst>
+      <p:ext uri="{BB962C8B-B14F-4D97-AF65-F5344CB8AC3E}">
+        <p14:creationId xmlns:p14="http://schemas.microsoft.com/office/powerpoint/2010/main" val="199014759"/>
+      </p:ext>
+    </p:extLst>
+  </p:cSld>
+  <p:clrMapOvr>
+    <a:masterClrMapping/>
+  </p:clrMapOvr>
+</p:sld>
+</file>
+
+<file path=ppt/slides/slide27.xml><?xml version="1.0" encoding="utf-8"?>
+<p:sld xmlns:a="http://schemas.openxmlformats.org/drawingml/2006/main" xmlns:r="http://schemas.openxmlformats.org/officeDocument/2006/relationships" xmlns:p="http://schemas.openxmlformats.org/presentationml/2006/main" show="0">
+  <p:cSld>
+    <p:spTree>
+      <p:nvGrpSpPr>
+        <p:cNvPr id="1" name=""/>
+        <p:cNvGrpSpPr/>
+        <p:nvPr/>
+      </p:nvGrpSpPr>
+      <p:grpSpPr>
+        <a:xfrm>
+          <a:off x="0" y="0"/>
+          <a:ext cx="0" cy="0"/>
+          <a:chOff x="0" y="0"/>
+          <a:chExt cx="0" cy="0"/>
+        </a:xfrm>
+      </p:grpSpPr>
+      <p:sp>
+        <p:nvSpPr>
+          <p:cNvPr id="2" name="Titel 1">
+            <a:extLst>
+              <a:ext uri="{FF2B5EF4-FFF2-40B4-BE49-F238E27FC236}">
+                <a16:creationId xmlns:a16="http://schemas.microsoft.com/office/drawing/2014/main" id="{446D3BEF-CC88-B742-5807-43EE48D25381}"/>
+              </a:ext>
+            </a:extLst>
+          </p:cNvPr>
+          <p:cNvSpPr>
+            <a:spLocks noGrp="1"/>
+          </p:cNvSpPr>
+          <p:nvPr>
+            <p:ph type="title"/>
+          </p:nvPr>
+        </p:nvSpPr>
+        <p:spPr/>
+        <p:txBody>
+          <a:bodyPr>
+            <a:normAutofit fontScale="90000"/>
+          </a:bodyPr>
+          <a:lstStyle/>
+          <a:p>
+            <a:r>
+              <a:rPr lang="en-US" dirty="0"/>
+              <a:t>Salamander 4 Virtualization QEMU Configurations</a:t>
+            </a:r>
+          </a:p>
+        </p:txBody>
+      </p:sp>
+      <p:sp>
+        <p:nvSpPr>
+          <p:cNvPr id="3" name="Textplatzhalter 2">
+            <a:extLst>
+              <a:ext uri="{FF2B5EF4-FFF2-40B4-BE49-F238E27FC236}">
+                <a16:creationId xmlns:a16="http://schemas.microsoft.com/office/drawing/2014/main" id="{04897626-5992-AC9F-A7C2-0A8A6A65B6F9}"/>
+              </a:ext>
+            </a:extLst>
+          </p:cNvPr>
+          <p:cNvSpPr>
+            <a:spLocks noGrp="1"/>
+          </p:cNvSpPr>
+          <p:nvPr>
+            <p:ph type="body" sz="quarter" idx="14"/>
+          </p:nvPr>
+        </p:nvSpPr>
+        <p:spPr/>
+        <p:txBody>
+          <a:bodyPr>
+            <a:normAutofit/>
+          </a:bodyPr>
+          <a:lstStyle/>
+          <a:p>
+            <a:pPr algn="l"/>
+            <a:endParaRPr lang="en-US" sz="1600" dirty="0"/>
+          </a:p>
+        </p:txBody>
+      </p:sp>
+      <p:sp>
+        <p:nvSpPr>
+          <p:cNvPr id="4" name="Fußzeilenplatzhalter 3">
+            <a:extLst>
+              <a:ext uri="{FF2B5EF4-FFF2-40B4-BE49-F238E27FC236}">
+                <a16:creationId xmlns:a16="http://schemas.microsoft.com/office/drawing/2014/main" id="{17F6F80D-FCFD-474A-A46E-BEF92F26DC8D}"/>
+              </a:ext>
+            </a:extLst>
+          </p:cNvPr>
+          <p:cNvSpPr>
+            <a:spLocks noGrp="1"/>
+          </p:cNvSpPr>
+          <p:nvPr>
+            <p:ph type="ftr" sz="quarter" idx="12"/>
+          </p:nvPr>
+        </p:nvSpPr>
+        <p:spPr/>
+        <p:txBody>
+          <a:bodyPr/>
+          <a:lstStyle/>
+          <a:p>
+            <a:r>
+              <a:rPr lang="en-US"/>
+              <a:t>Virtualization of a Real-Time Operating System for Robot Control with a Focus on RealTime Compliance</a:t>
+            </a:r>
+            <a:r>
+              <a:rPr lang="en-GB"/>
+              <a:t> | </a:t>
+            </a:r>
+            <a:r>
+              <a:rPr lang="de-AT"/>
+              <a:t>Halil Pamuk, BSc.</a:t>
+            </a:r>
+            <a:r>
+              <a:rPr lang="en-GB"/>
+              <a:t> | 10.10.2024</a:t>
+            </a:r>
+            <a:endParaRPr lang="en-GB" dirty="0"/>
+          </a:p>
+        </p:txBody>
+      </p:sp>
+      <p:sp>
+        <p:nvSpPr>
+          <p:cNvPr id="5" name="Foliennummernplatzhalter 4">
+            <a:extLst>
+              <a:ext uri="{FF2B5EF4-FFF2-40B4-BE49-F238E27FC236}">
+                <a16:creationId xmlns:a16="http://schemas.microsoft.com/office/drawing/2014/main" id="{6FE7C3E3-082F-E591-9994-A62597200B98}"/>
+              </a:ext>
+            </a:extLst>
+          </p:cNvPr>
+          <p:cNvSpPr>
+            <a:spLocks noGrp="1"/>
+          </p:cNvSpPr>
+          <p:nvPr>
+            <p:ph type="sldNum" sz="quarter" idx="13"/>
+          </p:nvPr>
+        </p:nvSpPr>
+        <p:spPr/>
+        <p:txBody>
+          <a:bodyPr/>
+          <a:lstStyle/>
+          <a:p>
+            <a:fld id="{9C057DB4-583E-41A7-BD94-987342018C17}" type="slidenum">
+              <a:rPr lang="en-GB" smtClean="0"/>
+              <a:pPr/>
+              <a:t>27</a:t>
+            </a:fld>
+            <a:endParaRPr lang="en-GB" dirty="0"/>
+          </a:p>
+        </p:txBody>
+      </p:sp>
+      <p:sp>
+        <p:nvSpPr>
+          <p:cNvPr id="6" name="Textfeld 5">
+            <a:extLst>
+              <a:ext uri="{FF2B5EF4-FFF2-40B4-BE49-F238E27FC236}">
+                <a16:creationId xmlns:a16="http://schemas.microsoft.com/office/drawing/2014/main" id="{9AB5A822-3C8A-C9CC-A179-6AC2B863414C}"/>
+              </a:ext>
+            </a:extLst>
+          </p:cNvPr>
+          <p:cNvSpPr txBox="1"/>
+          <p:nvPr/>
+        </p:nvSpPr>
+        <p:spPr>
+          <a:xfrm>
+            <a:off x="2042160" y="1988820"/>
+            <a:ext cx="914400" cy="914400"/>
+          </a:xfrm>
+          <a:prstGeom prst="rect">
+            <a:avLst/>
+          </a:prstGeom>
+        </p:spPr>
+        <p:txBody>
+          <a:bodyPr vert="horz" wrap="none" lIns="91440" tIns="45720" rIns="91440" bIns="45720" rtlCol="0" anchor="t">
+            <a:normAutofit/>
+          </a:bodyPr>
+          <a:lstStyle/>
+          <a:p>
+            <a:pPr algn="l"/>
+            <a:endParaRPr lang="en-US" sz="2800" dirty="0"/>
+          </a:p>
+        </p:txBody>
+      </p:sp>
+      <p:pic>
+        <p:nvPicPr>
+          <p:cNvPr id="16" name="Grafik 15">
+            <a:extLst>
+              <a:ext uri="{FF2B5EF4-FFF2-40B4-BE49-F238E27FC236}">
+                <a16:creationId xmlns:a16="http://schemas.microsoft.com/office/drawing/2014/main" id="{4149004D-F8A4-6484-6E99-7343828DE748}"/>
+              </a:ext>
+            </a:extLst>
+          </p:cNvPr>
+          <p:cNvPicPr>
+            <a:picLocks noChangeAspect="1"/>
+          </p:cNvPicPr>
+          <p:nvPr/>
+        </p:nvPicPr>
+        <p:blipFill>
+          <a:blip r:embed="rId2"/>
+          <a:stretch>
+            <a:fillRect/>
+          </a:stretch>
+        </p:blipFill>
+        <p:spPr>
+          <a:xfrm>
+            <a:off x="6049285" y="1959492"/>
+            <a:ext cx="2495550" cy="685800"/>
+          </a:xfrm>
+          <a:prstGeom prst="rect">
+            <a:avLst/>
+          </a:prstGeom>
+        </p:spPr>
+      </p:pic>
+      <p:pic>
+        <p:nvPicPr>
+          <p:cNvPr id="18" name="Grafik 17">
+            <a:extLst>
+              <a:ext uri="{FF2B5EF4-FFF2-40B4-BE49-F238E27FC236}">
+                <a16:creationId xmlns:a16="http://schemas.microsoft.com/office/drawing/2014/main" id="{57BD6D07-7979-354B-C04D-FC8969F74962}"/>
+              </a:ext>
+            </a:extLst>
+          </p:cNvPr>
+          <p:cNvPicPr>
+            <a:picLocks noChangeAspect="1"/>
+          </p:cNvPicPr>
+          <p:nvPr/>
+        </p:nvPicPr>
+        <p:blipFill>
+          <a:blip r:embed="rId3"/>
+          <a:stretch>
+            <a:fillRect/>
+          </a:stretch>
+        </p:blipFill>
+        <p:spPr>
+          <a:xfrm>
+            <a:off x="434862" y="713223"/>
+            <a:ext cx="5203938" cy="3864139"/>
+          </a:xfrm>
+          <a:prstGeom prst="rect">
+            <a:avLst/>
+          </a:prstGeom>
+        </p:spPr>
+      </p:pic>
+    </p:spTree>
+    <p:extLst>
+      <p:ext uri="{BB962C8B-B14F-4D97-AF65-F5344CB8AC3E}">
+        <p14:creationId xmlns:p14="http://schemas.microsoft.com/office/powerpoint/2010/main" val="4234065362"/>
+      </p:ext>
+    </p:extLst>
+  </p:cSld>
+  <p:clrMapOvr>
+    <a:masterClrMapping/>
+  </p:clrMapOvr>
+</p:sld>
+</file>
+
+<file path=ppt/slides/slide28.xml><?xml version="1.0" encoding="utf-8"?>
+<p:sld xmlns:a="http://schemas.openxmlformats.org/drawingml/2006/main" xmlns:r="http://schemas.openxmlformats.org/officeDocument/2006/relationships" xmlns:p="http://schemas.openxmlformats.org/presentationml/2006/main">
+  <p:cSld>
+    <p:spTree>
+      <p:nvGrpSpPr>
+        <p:cNvPr id="1" name=""/>
+        <p:cNvGrpSpPr/>
+        <p:nvPr/>
+      </p:nvGrpSpPr>
+      <p:grpSpPr>
+        <a:xfrm>
+          <a:off x="0" y="0"/>
+          <a:ext cx="0" cy="0"/>
+          <a:chOff x="0" y="0"/>
+          <a:chExt cx="0" cy="0"/>
+        </a:xfrm>
+      </p:grpSpPr>
+      <p:sp>
+        <p:nvSpPr>
+          <p:cNvPr id="2" name="Titel 1">
+            <a:extLst>
+              <a:ext uri="{FF2B5EF4-FFF2-40B4-BE49-F238E27FC236}">
+                <a16:creationId xmlns:a16="http://schemas.microsoft.com/office/drawing/2014/main" id="{EC18121D-5603-1234-837C-EAD2ABC19A56}"/>
+              </a:ext>
+            </a:extLst>
+          </p:cNvPr>
+          <p:cNvSpPr>
+            <a:spLocks noGrp="1"/>
+          </p:cNvSpPr>
+          <p:nvPr>
+            <p:ph type="title"/>
+          </p:nvPr>
+        </p:nvSpPr>
+        <p:spPr/>
+        <p:txBody>
+          <a:bodyPr>
+            <a:normAutofit fontScale="90000"/>
+          </a:bodyPr>
+          <a:lstStyle/>
+          <a:p>
+            <a:r>
+              <a:rPr lang="en-US" dirty="0"/>
+              <a:t>Priorities for Different Scheduling Policies</a:t>
+            </a:r>
+          </a:p>
+        </p:txBody>
+      </p:sp>
+      <p:sp>
+        <p:nvSpPr>
+          <p:cNvPr id="3" name="Textplatzhalter 2">
+            <a:extLst>
+              <a:ext uri="{FF2B5EF4-FFF2-40B4-BE49-F238E27FC236}">
+                <a16:creationId xmlns:a16="http://schemas.microsoft.com/office/drawing/2014/main" id="{2C3BD523-EB69-C2FE-1C22-A628F2613470}"/>
+              </a:ext>
+            </a:extLst>
+          </p:cNvPr>
+          <p:cNvSpPr>
+            <a:spLocks noGrp="1"/>
+          </p:cNvSpPr>
+          <p:nvPr>
+            <p:ph type="body" sz="quarter" idx="14"/>
+          </p:nvPr>
+        </p:nvSpPr>
+        <p:spPr/>
+        <p:txBody>
+          <a:bodyPr/>
+          <a:lstStyle/>
+          <a:p>
+            <a:endParaRPr lang="en-US"/>
+          </a:p>
+        </p:txBody>
+      </p:sp>
+      <p:sp>
+        <p:nvSpPr>
+          <p:cNvPr id="4" name="Fußzeilenplatzhalter 3">
+            <a:extLst>
+              <a:ext uri="{FF2B5EF4-FFF2-40B4-BE49-F238E27FC236}">
+                <a16:creationId xmlns:a16="http://schemas.microsoft.com/office/drawing/2014/main" id="{182060B7-CDAC-B251-7ADD-C4242F4AB2CA}"/>
+              </a:ext>
+            </a:extLst>
+          </p:cNvPr>
+          <p:cNvSpPr>
+            <a:spLocks noGrp="1"/>
+          </p:cNvSpPr>
+          <p:nvPr>
+            <p:ph type="ftr" sz="quarter" idx="12"/>
+          </p:nvPr>
+        </p:nvSpPr>
+        <p:spPr/>
+        <p:txBody>
+          <a:bodyPr/>
+          <a:lstStyle/>
+          <a:p>
+            <a:r>
+              <a:rPr lang="en-US"/>
+              <a:t>Virtualization of a Real-Time Operating System for Robot Control with a Focus on RealTime Compliance</a:t>
+            </a:r>
+            <a:r>
+              <a:rPr lang="en-GB"/>
+              <a:t> | </a:t>
+            </a:r>
+            <a:r>
+              <a:rPr lang="de-AT"/>
+              <a:t>Halil Pamuk, BSc.</a:t>
+            </a:r>
+            <a:r>
+              <a:rPr lang="en-GB"/>
+              <a:t> | 10.10.2024</a:t>
+            </a:r>
+            <a:endParaRPr lang="en-GB" dirty="0"/>
+          </a:p>
+        </p:txBody>
+      </p:sp>
+      <p:sp>
+        <p:nvSpPr>
+          <p:cNvPr id="5" name="Foliennummernplatzhalter 4">
+            <a:extLst>
+              <a:ext uri="{FF2B5EF4-FFF2-40B4-BE49-F238E27FC236}">
+                <a16:creationId xmlns:a16="http://schemas.microsoft.com/office/drawing/2014/main" id="{9E92597D-E091-A68C-D941-2351C65FCE0A}"/>
+              </a:ext>
+            </a:extLst>
+          </p:cNvPr>
+          <p:cNvSpPr>
+            <a:spLocks noGrp="1"/>
+          </p:cNvSpPr>
+          <p:nvPr>
+            <p:ph type="sldNum" sz="quarter" idx="13"/>
+          </p:nvPr>
+        </p:nvSpPr>
+        <p:spPr/>
+        <p:txBody>
+          <a:bodyPr/>
+          <a:lstStyle/>
+          <a:p>
+            <a:fld id="{9C057DB4-583E-41A7-BD94-987342018C17}" type="slidenum">
+              <a:rPr lang="en-GB" smtClean="0"/>
+              <a:pPr/>
+              <a:t>28</a:t>
+            </a:fld>
+            <a:endParaRPr lang="en-GB" dirty="0"/>
+          </a:p>
+        </p:txBody>
+      </p:sp>
+      <p:pic>
+        <p:nvPicPr>
+          <p:cNvPr id="7" name="Grafik 6">
+            <a:extLst>
+              <a:ext uri="{FF2B5EF4-FFF2-40B4-BE49-F238E27FC236}">
+                <a16:creationId xmlns:a16="http://schemas.microsoft.com/office/drawing/2014/main" id="{052BA2E4-94F6-A2DD-E9C5-2C088F661730}"/>
+              </a:ext>
+            </a:extLst>
+          </p:cNvPr>
+          <p:cNvPicPr>
+            <a:picLocks noChangeAspect="1"/>
+          </p:cNvPicPr>
+          <p:nvPr/>
+        </p:nvPicPr>
+        <p:blipFill>
+          <a:blip r:embed="rId2"/>
+          <a:stretch>
+            <a:fillRect/>
+          </a:stretch>
+        </p:blipFill>
+        <p:spPr>
+          <a:xfrm>
+            <a:off x="800046" y="861893"/>
+            <a:ext cx="7535227" cy="3512662"/>
+          </a:xfrm>
+          <a:prstGeom prst="rect">
+            <a:avLst/>
+          </a:prstGeom>
+        </p:spPr>
+      </p:pic>
+    </p:spTree>
+    <p:extLst>
+      <p:ext uri="{BB962C8B-B14F-4D97-AF65-F5344CB8AC3E}">
+        <p14:creationId xmlns:p14="http://schemas.microsoft.com/office/powerpoint/2010/main" val="3082631955"/>
+      </p:ext>
+    </p:extLst>
+  </p:cSld>
+  <p:clrMapOvr>
+    <a:masterClrMapping/>
+  </p:clrMapOvr>
+</p:sld>
+</file>
+
+<file path=ppt/slides/slide29.xml><?xml version="1.0" encoding="utf-8"?>
+<p:sld xmlns:a="http://schemas.openxmlformats.org/drawingml/2006/main" xmlns:r="http://schemas.openxmlformats.org/officeDocument/2006/relationships" xmlns:p="http://schemas.openxmlformats.org/presentationml/2006/main" show="0">
+  <p:cSld>
+    <p:spTree>
+      <p:nvGrpSpPr>
+        <p:cNvPr id="1" name=""/>
+        <p:cNvGrpSpPr/>
+        <p:nvPr/>
+      </p:nvGrpSpPr>
+      <p:grpSpPr>
+        <a:xfrm>
+          <a:off x="0" y="0"/>
+          <a:ext cx="0" cy="0"/>
+          <a:chOff x="0" y="0"/>
+          <a:chExt cx="0" cy="0"/>
+        </a:xfrm>
+      </p:grpSpPr>
+      <p:sp>
+        <p:nvSpPr>
+          <p:cNvPr id="2" name="Titel 1">
+            <a:extLst>
+              <a:ext uri="{FF2B5EF4-FFF2-40B4-BE49-F238E27FC236}">
+                <a16:creationId xmlns:a16="http://schemas.microsoft.com/office/drawing/2014/main" id="{446D3BEF-CC88-B742-5807-43EE48D25381}"/>
+              </a:ext>
+            </a:extLst>
+          </p:cNvPr>
+          <p:cNvSpPr>
+            <a:spLocks noGrp="1"/>
+          </p:cNvSpPr>
+          <p:nvPr>
+            <p:ph type="title"/>
+          </p:nvPr>
+        </p:nvSpPr>
+        <p:spPr/>
+        <p:txBody>
+          <a:bodyPr>
+            <a:normAutofit fontScale="90000"/>
+          </a:bodyPr>
+          <a:lstStyle/>
+          <a:p>
+            <a:r>
+              <a:rPr lang="en-US" dirty="0"/>
+              <a:t>Salamander 4 Virtualization after QEMU Configurations</a:t>
+            </a:r>
+          </a:p>
+        </p:txBody>
+      </p:sp>
+      <p:sp>
+        <p:nvSpPr>
+          <p:cNvPr id="3" name="Textplatzhalter 2">
+            <a:extLst>
+              <a:ext uri="{FF2B5EF4-FFF2-40B4-BE49-F238E27FC236}">
+                <a16:creationId xmlns:a16="http://schemas.microsoft.com/office/drawing/2014/main" id="{04897626-5992-AC9F-A7C2-0A8A6A65B6F9}"/>
+              </a:ext>
+            </a:extLst>
+          </p:cNvPr>
+          <p:cNvSpPr>
+            <a:spLocks noGrp="1"/>
+          </p:cNvSpPr>
+          <p:nvPr>
+            <p:ph type="body" sz="quarter" idx="14"/>
+          </p:nvPr>
+        </p:nvSpPr>
+        <p:spPr/>
+        <p:txBody>
+          <a:bodyPr>
+            <a:normAutofit/>
+          </a:bodyPr>
+          <a:lstStyle/>
+          <a:p>
+            <a:pPr algn="l"/>
+            <a:endParaRPr lang="en-US" sz="1600" dirty="0"/>
+          </a:p>
+        </p:txBody>
+      </p:sp>
+      <p:sp>
+        <p:nvSpPr>
+          <p:cNvPr id="4" name="Fußzeilenplatzhalter 3">
+            <a:extLst>
+              <a:ext uri="{FF2B5EF4-FFF2-40B4-BE49-F238E27FC236}">
+                <a16:creationId xmlns:a16="http://schemas.microsoft.com/office/drawing/2014/main" id="{17F6F80D-FCFD-474A-A46E-BEF92F26DC8D}"/>
+              </a:ext>
+            </a:extLst>
+          </p:cNvPr>
+          <p:cNvSpPr>
+            <a:spLocks noGrp="1"/>
+          </p:cNvSpPr>
+          <p:nvPr>
+            <p:ph type="ftr" sz="quarter" idx="12"/>
+          </p:nvPr>
+        </p:nvSpPr>
+        <p:spPr/>
+        <p:txBody>
+          <a:bodyPr/>
+          <a:lstStyle/>
+          <a:p>
+            <a:r>
+              <a:rPr lang="en-US"/>
+              <a:t>Virtualization of a Real-Time Operating System for Robot Control with a Focus on RealTime Compliance</a:t>
+            </a:r>
+            <a:r>
+              <a:rPr lang="en-GB"/>
+              <a:t> | </a:t>
+            </a:r>
+            <a:r>
+              <a:rPr lang="de-AT"/>
+              <a:t>Halil Pamuk, BSc.</a:t>
+            </a:r>
+            <a:r>
+              <a:rPr lang="en-GB"/>
+              <a:t> | 10.10.2024</a:t>
+            </a:r>
+            <a:endParaRPr lang="en-GB" dirty="0"/>
+          </a:p>
+        </p:txBody>
+      </p:sp>
+      <p:sp>
+        <p:nvSpPr>
+          <p:cNvPr id="5" name="Foliennummernplatzhalter 4">
+            <a:extLst>
+              <a:ext uri="{FF2B5EF4-FFF2-40B4-BE49-F238E27FC236}">
+                <a16:creationId xmlns:a16="http://schemas.microsoft.com/office/drawing/2014/main" id="{6FE7C3E3-082F-E591-9994-A62597200B98}"/>
+              </a:ext>
+            </a:extLst>
+          </p:cNvPr>
+          <p:cNvSpPr>
+            <a:spLocks noGrp="1"/>
+          </p:cNvSpPr>
+          <p:nvPr>
+            <p:ph type="sldNum" sz="quarter" idx="13"/>
+          </p:nvPr>
+        </p:nvSpPr>
+        <p:spPr/>
+        <p:txBody>
+          <a:bodyPr/>
+          <a:lstStyle/>
+          <a:p>
+            <a:fld id="{9C057DB4-583E-41A7-BD94-987342018C17}" type="slidenum">
+              <a:rPr lang="en-GB" smtClean="0"/>
+              <a:pPr/>
+              <a:t>29</a:t>
+            </a:fld>
+            <a:endParaRPr lang="en-GB" dirty="0"/>
+          </a:p>
+        </p:txBody>
+      </p:sp>
+      <p:sp>
+        <p:nvSpPr>
+          <p:cNvPr id="6" name="Textfeld 5">
+            <a:extLst>
+              <a:ext uri="{FF2B5EF4-FFF2-40B4-BE49-F238E27FC236}">
+                <a16:creationId xmlns:a16="http://schemas.microsoft.com/office/drawing/2014/main" id="{9AB5A822-3C8A-C9CC-A179-6AC2B863414C}"/>
+              </a:ext>
+            </a:extLst>
+          </p:cNvPr>
+          <p:cNvSpPr txBox="1"/>
+          <p:nvPr/>
+        </p:nvSpPr>
+        <p:spPr>
+          <a:xfrm>
+            <a:off x="2042160" y="1988820"/>
+            <a:ext cx="914400" cy="914400"/>
+          </a:xfrm>
+          <a:prstGeom prst="rect">
+            <a:avLst/>
+          </a:prstGeom>
+        </p:spPr>
+        <p:txBody>
+          <a:bodyPr vert="horz" wrap="none" lIns="91440" tIns="45720" rIns="91440" bIns="45720" rtlCol="0" anchor="t">
+            <a:normAutofit/>
+          </a:bodyPr>
+          <a:lstStyle/>
+          <a:p>
+            <a:pPr algn="l"/>
+            <a:endParaRPr lang="en-US" sz="2800" dirty="0"/>
+          </a:p>
+        </p:txBody>
+      </p:sp>
+      <p:pic>
+        <p:nvPicPr>
+          <p:cNvPr id="8" name="Grafik 7">
+            <a:extLst>
+              <a:ext uri="{FF2B5EF4-FFF2-40B4-BE49-F238E27FC236}">
+                <a16:creationId xmlns:a16="http://schemas.microsoft.com/office/drawing/2014/main" id="{4296391C-A68A-EA64-DED4-454493842C52}"/>
+              </a:ext>
+            </a:extLst>
+          </p:cNvPr>
+          <p:cNvPicPr>
+            <a:picLocks noChangeAspect="1"/>
+          </p:cNvPicPr>
+          <p:nvPr/>
+        </p:nvPicPr>
+        <p:blipFill>
+          <a:blip r:embed="rId2"/>
+          <a:stretch>
+            <a:fillRect/>
+          </a:stretch>
+        </p:blipFill>
+        <p:spPr>
+          <a:xfrm>
+            <a:off x="224681" y="1278092"/>
+            <a:ext cx="4659093" cy="2924053"/>
+          </a:xfrm>
+          <a:prstGeom prst="rect">
+            <a:avLst/>
+          </a:prstGeom>
+          <a:ln>
+            <a:solidFill>
+              <a:schemeClr val="bg1"/>
+            </a:solidFill>
+          </a:ln>
+        </p:spPr>
+      </p:pic>
+      <p:pic>
+        <p:nvPicPr>
+          <p:cNvPr id="14" name="Grafik 13">
+            <a:extLst>
+              <a:ext uri="{FF2B5EF4-FFF2-40B4-BE49-F238E27FC236}">
+                <a16:creationId xmlns:a16="http://schemas.microsoft.com/office/drawing/2014/main" id="{CB2A9039-B2D1-B081-5607-809AB3C33155}"/>
+              </a:ext>
+            </a:extLst>
+          </p:cNvPr>
+          <p:cNvPicPr>
+            <a:picLocks noChangeAspect="1"/>
+          </p:cNvPicPr>
+          <p:nvPr/>
+        </p:nvPicPr>
+        <p:blipFill>
+          <a:blip r:embed="rId3"/>
+          <a:stretch>
+            <a:fillRect/>
+          </a:stretch>
+        </p:blipFill>
+        <p:spPr>
+          <a:xfrm>
+            <a:off x="4939687" y="2145230"/>
+            <a:ext cx="4024312" cy="1515979"/>
+          </a:xfrm>
+          <a:prstGeom prst="rect">
+            <a:avLst/>
+          </a:prstGeom>
+          <a:ln>
+            <a:solidFill>
+              <a:schemeClr val="bg1"/>
+            </a:solidFill>
+          </a:ln>
+        </p:spPr>
+      </p:pic>
+    </p:spTree>
+    <p:extLst>
+      <p:ext uri="{BB962C8B-B14F-4D97-AF65-F5344CB8AC3E}">
+        <p14:creationId xmlns:p14="http://schemas.microsoft.com/office/powerpoint/2010/main" val="238117267"/>
       </p:ext>
     </p:extLst>
   </p:cSld>
@@ -6703,7 +11215,7 @@
           <p:nvPr>
             <p:extLst>
               <p:ext uri="{D42A27DB-BD31-4B8C-83A1-F6EECF244321}">
-                <p14:modId xmlns:p14="http://schemas.microsoft.com/office/powerpoint/2010/main" val="1044625145"/>
+                <p14:modId xmlns:p14="http://schemas.microsoft.com/office/powerpoint/2010/main" val="1824854703"/>
               </p:ext>
             </p:extLst>
           </p:nvPr>
@@ -6743,7 +11255,15 @@
                       <a:pPr algn="ctr"/>
                       <a:r>
                         <a:rPr lang="de-AT" dirty="0"/>
-                        <a:t>Virtualization</a:t>
+                        <a:t>Virtualization </a:t>
+                      </a:r>
+                      <a:r>
+                        <a:rPr lang="de-AT" dirty="0" err="1"/>
+                        <a:t>of</a:t>
+                      </a:r>
+                      <a:r>
+                        <a:rPr lang="de-AT" dirty="0"/>
+                        <a:t> RTOS</a:t>
                       </a:r>
                       <a:endParaRPr lang="en-US" dirty="0"/>
                     </a:p>
@@ -7033,6 +11553,1468 @@
 </p:sld>
 </file>
 
+<file path=ppt/slides/slide30.xml><?xml version="1.0" encoding="utf-8"?>
+<p:sld xmlns:a="http://schemas.openxmlformats.org/drawingml/2006/main" xmlns:r="http://schemas.openxmlformats.org/officeDocument/2006/relationships" xmlns:p="http://schemas.openxmlformats.org/presentationml/2006/main" show="0">
+  <p:cSld>
+    <p:spTree>
+      <p:nvGrpSpPr>
+        <p:cNvPr id="1" name=""/>
+        <p:cNvGrpSpPr/>
+        <p:nvPr/>
+      </p:nvGrpSpPr>
+      <p:grpSpPr>
+        <a:xfrm>
+          <a:off x="0" y="0"/>
+          <a:ext cx="0" cy="0"/>
+          <a:chOff x="0" y="0"/>
+          <a:chExt cx="0" cy="0"/>
+        </a:xfrm>
+      </p:grpSpPr>
+      <p:sp>
+        <p:nvSpPr>
+          <p:cNvPr id="2" name="Titel 1">
+            <a:extLst>
+              <a:ext uri="{FF2B5EF4-FFF2-40B4-BE49-F238E27FC236}">
+                <a16:creationId xmlns:a16="http://schemas.microsoft.com/office/drawing/2014/main" id="{446D3BEF-CC88-B742-5807-43EE48D25381}"/>
+              </a:ext>
+            </a:extLst>
+          </p:cNvPr>
+          <p:cNvSpPr>
+            <a:spLocks noGrp="1"/>
+          </p:cNvSpPr>
+          <p:nvPr>
+            <p:ph type="title"/>
+          </p:nvPr>
+        </p:nvSpPr>
+        <p:spPr/>
+        <p:txBody>
+          <a:bodyPr>
+            <a:normAutofit fontScale="90000"/>
+          </a:bodyPr>
+          <a:lstStyle/>
+          <a:p>
+            <a:r>
+              <a:rPr lang="de-AT" dirty="0"/>
+              <a:t>Robot</a:t>
+            </a:r>
+            <a:endParaRPr lang="en-US" dirty="0"/>
+          </a:p>
+        </p:txBody>
+      </p:sp>
+      <p:sp>
+        <p:nvSpPr>
+          <p:cNvPr id="3" name="Textplatzhalter 2">
+            <a:extLst>
+              <a:ext uri="{FF2B5EF4-FFF2-40B4-BE49-F238E27FC236}">
+                <a16:creationId xmlns:a16="http://schemas.microsoft.com/office/drawing/2014/main" id="{04897626-5992-AC9F-A7C2-0A8A6A65B6F9}"/>
+              </a:ext>
+            </a:extLst>
+          </p:cNvPr>
+          <p:cNvSpPr>
+            <a:spLocks noGrp="1"/>
+          </p:cNvSpPr>
+          <p:nvPr>
+            <p:ph type="body" sz="quarter" idx="14"/>
+          </p:nvPr>
+        </p:nvSpPr>
+        <p:spPr/>
+        <p:txBody>
+          <a:bodyPr>
+            <a:normAutofit/>
+          </a:bodyPr>
+          <a:lstStyle/>
+          <a:p>
+            <a:pPr algn="l"/>
+            <a:endParaRPr lang="en-US" sz="1600" dirty="0"/>
+          </a:p>
+        </p:txBody>
+      </p:sp>
+      <p:sp>
+        <p:nvSpPr>
+          <p:cNvPr id="4" name="Fußzeilenplatzhalter 3">
+            <a:extLst>
+              <a:ext uri="{FF2B5EF4-FFF2-40B4-BE49-F238E27FC236}">
+                <a16:creationId xmlns:a16="http://schemas.microsoft.com/office/drawing/2014/main" id="{17F6F80D-FCFD-474A-A46E-BEF92F26DC8D}"/>
+              </a:ext>
+            </a:extLst>
+          </p:cNvPr>
+          <p:cNvSpPr>
+            <a:spLocks noGrp="1"/>
+          </p:cNvSpPr>
+          <p:nvPr>
+            <p:ph type="ftr" sz="quarter" idx="12"/>
+          </p:nvPr>
+        </p:nvSpPr>
+        <p:spPr/>
+        <p:txBody>
+          <a:bodyPr/>
+          <a:lstStyle/>
+          <a:p>
+            <a:r>
+              <a:rPr lang="en-US"/>
+              <a:t>Virtualization of a Real-Time Operating System for Robot Control with a Focus on RealTime Compliance</a:t>
+            </a:r>
+            <a:r>
+              <a:rPr lang="en-GB"/>
+              <a:t> | </a:t>
+            </a:r>
+            <a:r>
+              <a:rPr lang="de-AT"/>
+              <a:t>Halil Pamuk, BSc.</a:t>
+            </a:r>
+            <a:r>
+              <a:rPr lang="en-GB"/>
+              <a:t> | 10.10.2024</a:t>
+            </a:r>
+            <a:endParaRPr lang="en-GB" dirty="0"/>
+          </a:p>
+        </p:txBody>
+      </p:sp>
+      <p:sp>
+        <p:nvSpPr>
+          <p:cNvPr id="5" name="Foliennummernplatzhalter 4">
+            <a:extLst>
+              <a:ext uri="{FF2B5EF4-FFF2-40B4-BE49-F238E27FC236}">
+                <a16:creationId xmlns:a16="http://schemas.microsoft.com/office/drawing/2014/main" id="{6FE7C3E3-082F-E591-9994-A62597200B98}"/>
+              </a:ext>
+            </a:extLst>
+          </p:cNvPr>
+          <p:cNvSpPr>
+            <a:spLocks noGrp="1"/>
+          </p:cNvSpPr>
+          <p:nvPr>
+            <p:ph type="sldNum" sz="quarter" idx="13"/>
+          </p:nvPr>
+        </p:nvSpPr>
+        <p:spPr/>
+        <p:txBody>
+          <a:bodyPr/>
+          <a:lstStyle/>
+          <a:p>
+            <a:fld id="{9C057DB4-583E-41A7-BD94-987342018C17}" type="slidenum">
+              <a:rPr lang="en-GB" smtClean="0"/>
+              <a:pPr/>
+              <a:t>30</a:t>
+            </a:fld>
+            <a:endParaRPr lang="en-GB" dirty="0"/>
+          </a:p>
+        </p:txBody>
+      </p:sp>
+      <p:sp>
+        <p:nvSpPr>
+          <p:cNvPr id="6" name="Textfeld 5">
+            <a:extLst>
+              <a:ext uri="{FF2B5EF4-FFF2-40B4-BE49-F238E27FC236}">
+                <a16:creationId xmlns:a16="http://schemas.microsoft.com/office/drawing/2014/main" id="{9AB5A822-3C8A-C9CC-A179-6AC2B863414C}"/>
+              </a:ext>
+            </a:extLst>
+          </p:cNvPr>
+          <p:cNvSpPr txBox="1"/>
+          <p:nvPr/>
+        </p:nvSpPr>
+        <p:spPr>
+          <a:xfrm>
+            <a:off x="2042160" y="1988820"/>
+            <a:ext cx="914400" cy="914400"/>
+          </a:xfrm>
+          <a:prstGeom prst="rect">
+            <a:avLst/>
+          </a:prstGeom>
+        </p:spPr>
+        <p:txBody>
+          <a:bodyPr vert="horz" wrap="none" lIns="91440" tIns="45720" rIns="91440" bIns="45720" rtlCol="0" anchor="t">
+            <a:normAutofit/>
+          </a:bodyPr>
+          <a:lstStyle/>
+          <a:p>
+            <a:pPr algn="l"/>
+            <a:endParaRPr lang="en-US" sz="2800" dirty="0"/>
+          </a:p>
+        </p:txBody>
+      </p:sp>
+      <p:pic>
+        <p:nvPicPr>
+          <p:cNvPr id="9" name="Grafik 8">
+            <a:extLst>
+              <a:ext uri="{FF2B5EF4-FFF2-40B4-BE49-F238E27FC236}">
+                <a16:creationId xmlns:a16="http://schemas.microsoft.com/office/drawing/2014/main" id="{8AA22D66-9642-174F-0BDF-305387A9F328}"/>
+              </a:ext>
+            </a:extLst>
+          </p:cNvPr>
+          <p:cNvPicPr>
+            <a:picLocks noChangeAspect="1"/>
+          </p:cNvPicPr>
+          <p:nvPr/>
+        </p:nvPicPr>
+        <p:blipFill>
+          <a:blip r:embed="rId2"/>
+          <a:stretch>
+            <a:fillRect/>
+          </a:stretch>
+        </p:blipFill>
+        <p:spPr>
+          <a:xfrm>
+            <a:off x="352425" y="995839"/>
+            <a:ext cx="3934994" cy="2900362"/>
+          </a:xfrm>
+          <a:prstGeom prst="rect">
+            <a:avLst/>
+          </a:prstGeom>
+        </p:spPr>
+      </p:pic>
+      <p:pic>
+        <p:nvPicPr>
+          <p:cNvPr id="11" name="Grafik 10">
+            <a:extLst>
+              <a:ext uri="{FF2B5EF4-FFF2-40B4-BE49-F238E27FC236}">
+                <a16:creationId xmlns:a16="http://schemas.microsoft.com/office/drawing/2014/main" id="{A8BC4AFD-4111-6B2C-1C53-B29D2B9BFA1D}"/>
+              </a:ext>
+            </a:extLst>
+          </p:cNvPr>
+          <p:cNvPicPr>
+            <a:picLocks noChangeAspect="1"/>
+          </p:cNvPicPr>
+          <p:nvPr/>
+        </p:nvPicPr>
+        <p:blipFill>
+          <a:blip r:embed="rId3"/>
+          <a:stretch>
+            <a:fillRect/>
+          </a:stretch>
+        </p:blipFill>
+        <p:spPr>
+          <a:xfrm>
+            <a:off x="4856583" y="1212419"/>
+            <a:ext cx="3173729" cy="2569005"/>
+          </a:xfrm>
+          <a:prstGeom prst="rect">
+            <a:avLst/>
+          </a:prstGeom>
+        </p:spPr>
+      </p:pic>
+    </p:spTree>
+    <p:extLst>
+      <p:ext uri="{BB962C8B-B14F-4D97-AF65-F5344CB8AC3E}">
+        <p14:creationId xmlns:p14="http://schemas.microsoft.com/office/powerpoint/2010/main" val="243719433"/>
+      </p:ext>
+    </p:extLst>
+  </p:cSld>
+  <p:clrMapOvr>
+    <a:masterClrMapping/>
+  </p:clrMapOvr>
+</p:sld>
+</file>
+
+<file path=ppt/slides/slide31.xml><?xml version="1.0" encoding="utf-8"?>
+<p:sld xmlns:a="http://schemas.openxmlformats.org/drawingml/2006/main" xmlns:r="http://schemas.openxmlformats.org/officeDocument/2006/relationships" xmlns:p="http://schemas.openxmlformats.org/presentationml/2006/main" show="0">
+  <p:cSld>
+    <p:spTree>
+      <p:nvGrpSpPr>
+        <p:cNvPr id="1" name=""/>
+        <p:cNvGrpSpPr/>
+        <p:nvPr/>
+      </p:nvGrpSpPr>
+      <p:grpSpPr>
+        <a:xfrm>
+          <a:off x="0" y="0"/>
+          <a:ext cx="0" cy="0"/>
+          <a:chOff x="0" y="0"/>
+          <a:chExt cx="0" cy="0"/>
+        </a:xfrm>
+      </p:grpSpPr>
+      <p:sp>
+        <p:nvSpPr>
+          <p:cNvPr id="2" name="Titel 1">
+            <a:extLst>
+              <a:ext uri="{FF2B5EF4-FFF2-40B4-BE49-F238E27FC236}">
+                <a16:creationId xmlns:a16="http://schemas.microsoft.com/office/drawing/2014/main" id="{446D3BEF-CC88-B742-5807-43EE48D25381}"/>
+              </a:ext>
+            </a:extLst>
+          </p:cNvPr>
+          <p:cNvSpPr>
+            <a:spLocks noGrp="1"/>
+          </p:cNvSpPr>
+          <p:nvPr>
+            <p:ph type="title"/>
+          </p:nvPr>
+        </p:nvSpPr>
+        <p:spPr/>
+        <p:txBody>
+          <a:bodyPr>
+            <a:normAutofit fontScale="90000"/>
+          </a:bodyPr>
+          <a:lstStyle/>
+          <a:p>
+            <a:r>
+              <a:rPr lang="de-AT" dirty="0" err="1"/>
+              <a:t>Servo</a:t>
+            </a:r>
+            <a:r>
+              <a:rPr lang="de-AT" dirty="0"/>
+              <a:t> Motor </a:t>
+            </a:r>
+            <a:r>
+              <a:rPr lang="de-AT" dirty="0" err="1"/>
+              <a:t>Function</a:t>
+            </a:r>
+            <a:endParaRPr lang="en-US" dirty="0"/>
+          </a:p>
+        </p:txBody>
+      </p:sp>
+      <p:sp>
+        <p:nvSpPr>
+          <p:cNvPr id="3" name="Textplatzhalter 2">
+            <a:extLst>
+              <a:ext uri="{FF2B5EF4-FFF2-40B4-BE49-F238E27FC236}">
+                <a16:creationId xmlns:a16="http://schemas.microsoft.com/office/drawing/2014/main" id="{04897626-5992-AC9F-A7C2-0A8A6A65B6F9}"/>
+              </a:ext>
+            </a:extLst>
+          </p:cNvPr>
+          <p:cNvSpPr>
+            <a:spLocks noGrp="1"/>
+          </p:cNvSpPr>
+          <p:nvPr>
+            <p:ph type="body" sz="quarter" idx="14"/>
+          </p:nvPr>
+        </p:nvSpPr>
+        <p:spPr/>
+        <p:txBody>
+          <a:bodyPr>
+            <a:normAutofit/>
+          </a:bodyPr>
+          <a:lstStyle/>
+          <a:p>
+            <a:pPr algn="l"/>
+            <a:endParaRPr lang="en-US" sz="1600" dirty="0"/>
+          </a:p>
+        </p:txBody>
+      </p:sp>
+      <p:sp>
+        <p:nvSpPr>
+          <p:cNvPr id="4" name="Fußzeilenplatzhalter 3">
+            <a:extLst>
+              <a:ext uri="{FF2B5EF4-FFF2-40B4-BE49-F238E27FC236}">
+                <a16:creationId xmlns:a16="http://schemas.microsoft.com/office/drawing/2014/main" id="{17F6F80D-FCFD-474A-A46E-BEF92F26DC8D}"/>
+              </a:ext>
+            </a:extLst>
+          </p:cNvPr>
+          <p:cNvSpPr>
+            <a:spLocks noGrp="1"/>
+          </p:cNvSpPr>
+          <p:nvPr>
+            <p:ph type="ftr" sz="quarter" idx="12"/>
+          </p:nvPr>
+        </p:nvSpPr>
+        <p:spPr/>
+        <p:txBody>
+          <a:bodyPr/>
+          <a:lstStyle/>
+          <a:p>
+            <a:r>
+              <a:rPr lang="en-US"/>
+              <a:t>Virtualization of a Real-Time Operating System for Robot Control with a Focus on RealTime Compliance</a:t>
+            </a:r>
+            <a:r>
+              <a:rPr lang="en-GB"/>
+              <a:t> | </a:t>
+            </a:r>
+            <a:r>
+              <a:rPr lang="de-AT"/>
+              <a:t>Halil Pamuk, BSc.</a:t>
+            </a:r>
+            <a:r>
+              <a:rPr lang="en-GB"/>
+              <a:t> | 10.10.2024</a:t>
+            </a:r>
+            <a:endParaRPr lang="en-GB" dirty="0"/>
+          </a:p>
+        </p:txBody>
+      </p:sp>
+      <p:sp>
+        <p:nvSpPr>
+          <p:cNvPr id="5" name="Foliennummernplatzhalter 4">
+            <a:extLst>
+              <a:ext uri="{FF2B5EF4-FFF2-40B4-BE49-F238E27FC236}">
+                <a16:creationId xmlns:a16="http://schemas.microsoft.com/office/drawing/2014/main" id="{6FE7C3E3-082F-E591-9994-A62597200B98}"/>
+              </a:ext>
+            </a:extLst>
+          </p:cNvPr>
+          <p:cNvSpPr>
+            <a:spLocks noGrp="1"/>
+          </p:cNvSpPr>
+          <p:nvPr>
+            <p:ph type="sldNum" sz="quarter" idx="13"/>
+          </p:nvPr>
+        </p:nvSpPr>
+        <p:spPr/>
+        <p:txBody>
+          <a:bodyPr/>
+          <a:lstStyle/>
+          <a:p>
+            <a:fld id="{9C057DB4-583E-41A7-BD94-987342018C17}" type="slidenum">
+              <a:rPr lang="en-GB" smtClean="0"/>
+              <a:pPr/>
+              <a:t>31</a:t>
+            </a:fld>
+            <a:endParaRPr lang="en-GB" dirty="0"/>
+          </a:p>
+        </p:txBody>
+      </p:sp>
+      <p:sp>
+        <p:nvSpPr>
+          <p:cNvPr id="6" name="Textfeld 5">
+            <a:extLst>
+              <a:ext uri="{FF2B5EF4-FFF2-40B4-BE49-F238E27FC236}">
+                <a16:creationId xmlns:a16="http://schemas.microsoft.com/office/drawing/2014/main" id="{9AB5A822-3C8A-C9CC-A179-6AC2B863414C}"/>
+              </a:ext>
+            </a:extLst>
+          </p:cNvPr>
+          <p:cNvSpPr txBox="1"/>
+          <p:nvPr/>
+        </p:nvSpPr>
+        <p:spPr>
+          <a:xfrm>
+            <a:off x="2042160" y="1988820"/>
+            <a:ext cx="914400" cy="914400"/>
+          </a:xfrm>
+          <a:prstGeom prst="rect">
+            <a:avLst/>
+          </a:prstGeom>
+        </p:spPr>
+        <p:txBody>
+          <a:bodyPr vert="horz" wrap="none" lIns="91440" tIns="45720" rIns="91440" bIns="45720" rtlCol="0" anchor="t">
+            <a:normAutofit/>
+          </a:bodyPr>
+          <a:lstStyle/>
+          <a:p>
+            <a:pPr algn="l"/>
+            <a:endParaRPr lang="en-US" sz="2800" dirty="0"/>
+          </a:p>
+        </p:txBody>
+      </p:sp>
+      <p:pic>
+        <p:nvPicPr>
+          <p:cNvPr id="8" name="Grafik 7">
+            <a:extLst>
+              <a:ext uri="{FF2B5EF4-FFF2-40B4-BE49-F238E27FC236}">
+                <a16:creationId xmlns:a16="http://schemas.microsoft.com/office/drawing/2014/main" id="{0E09A812-0394-4A2D-1D09-45B398080278}"/>
+              </a:ext>
+            </a:extLst>
+          </p:cNvPr>
+          <p:cNvPicPr>
+            <a:picLocks noChangeAspect="1"/>
+          </p:cNvPicPr>
+          <p:nvPr/>
+        </p:nvPicPr>
+        <p:blipFill>
+          <a:blip r:embed="rId2"/>
+          <a:stretch>
+            <a:fillRect/>
+          </a:stretch>
+        </p:blipFill>
+        <p:spPr>
+          <a:xfrm>
+            <a:off x="2185949" y="971348"/>
+            <a:ext cx="4763421" cy="3609975"/>
+          </a:xfrm>
+          <a:prstGeom prst="rect">
+            <a:avLst/>
+          </a:prstGeom>
+        </p:spPr>
+      </p:pic>
+    </p:spTree>
+    <p:extLst>
+      <p:ext uri="{BB962C8B-B14F-4D97-AF65-F5344CB8AC3E}">
+        <p14:creationId xmlns:p14="http://schemas.microsoft.com/office/powerpoint/2010/main" val="3894031948"/>
+      </p:ext>
+    </p:extLst>
+  </p:cSld>
+  <p:clrMapOvr>
+    <a:masterClrMapping/>
+  </p:clrMapOvr>
+</p:sld>
+</file>
+
+<file path=ppt/slides/slide32.xml><?xml version="1.0" encoding="utf-8"?>
+<p:sld xmlns:a="http://schemas.openxmlformats.org/drawingml/2006/main" xmlns:r="http://schemas.openxmlformats.org/officeDocument/2006/relationships" xmlns:p="http://schemas.openxmlformats.org/presentationml/2006/main" show="0">
+  <p:cSld>
+    <p:spTree>
+      <p:nvGrpSpPr>
+        <p:cNvPr id="1" name=""/>
+        <p:cNvGrpSpPr/>
+        <p:nvPr/>
+      </p:nvGrpSpPr>
+      <p:grpSpPr>
+        <a:xfrm>
+          <a:off x="0" y="0"/>
+          <a:ext cx="0" cy="0"/>
+          <a:chOff x="0" y="0"/>
+          <a:chExt cx="0" cy="0"/>
+        </a:xfrm>
+      </p:grpSpPr>
+      <p:sp>
+        <p:nvSpPr>
+          <p:cNvPr id="2" name="Titel 1">
+            <a:extLst>
+              <a:ext uri="{FF2B5EF4-FFF2-40B4-BE49-F238E27FC236}">
+                <a16:creationId xmlns:a16="http://schemas.microsoft.com/office/drawing/2014/main" id="{446D3BEF-CC88-B742-5807-43EE48D25381}"/>
+              </a:ext>
+            </a:extLst>
+          </p:cNvPr>
+          <p:cNvSpPr>
+            <a:spLocks noGrp="1"/>
+          </p:cNvSpPr>
+          <p:nvPr>
+            <p:ph type="title"/>
+          </p:nvPr>
+        </p:nvSpPr>
+        <p:spPr/>
+        <p:txBody>
+          <a:bodyPr>
+            <a:normAutofit fontScale="90000"/>
+          </a:bodyPr>
+          <a:lstStyle/>
+          <a:p>
+            <a:r>
+              <a:rPr lang="de-AT" dirty="0" err="1"/>
+              <a:t>Servo</a:t>
+            </a:r>
+            <a:r>
+              <a:rPr lang="de-AT" dirty="0"/>
+              <a:t> Motor with PWM </a:t>
+            </a:r>
+            <a:r>
+              <a:rPr lang="de-AT" dirty="0" err="1"/>
+              <a:t>module</a:t>
+            </a:r>
+            <a:endParaRPr lang="en-US" dirty="0"/>
+          </a:p>
+        </p:txBody>
+      </p:sp>
+      <p:sp>
+        <p:nvSpPr>
+          <p:cNvPr id="3" name="Textplatzhalter 2">
+            <a:extLst>
+              <a:ext uri="{FF2B5EF4-FFF2-40B4-BE49-F238E27FC236}">
+                <a16:creationId xmlns:a16="http://schemas.microsoft.com/office/drawing/2014/main" id="{04897626-5992-AC9F-A7C2-0A8A6A65B6F9}"/>
+              </a:ext>
+            </a:extLst>
+          </p:cNvPr>
+          <p:cNvSpPr>
+            <a:spLocks noGrp="1"/>
+          </p:cNvSpPr>
+          <p:nvPr>
+            <p:ph type="body" sz="quarter" idx="14"/>
+          </p:nvPr>
+        </p:nvSpPr>
+        <p:spPr/>
+        <p:txBody>
+          <a:bodyPr>
+            <a:normAutofit/>
+          </a:bodyPr>
+          <a:lstStyle/>
+          <a:p>
+            <a:pPr algn="l"/>
+            <a:endParaRPr lang="en-US" sz="1600" dirty="0"/>
+          </a:p>
+        </p:txBody>
+      </p:sp>
+      <p:sp>
+        <p:nvSpPr>
+          <p:cNvPr id="4" name="Fußzeilenplatzhalter 3">
+            <a:extLst>
+              <a:ext uri="{FF2B5EF4-FFF2-40B4-BE49-F238E27FC236}">
+                <a16:creationId xmlns:a16="http://schemas.microsoft.com/office/drawing/2014/main" id="{17F6F80D-FCFD-474A-A46E-BEF92F26DC8D}"/>
+              </a:ext>
+            </a:extLst>
+          </p:cNvPr>
+          <p:cNvSpPr>
+            <a:spLocks noGrp="1"/>
+          </p:cNvSpPr>
+          <p:nvPr>
+            <p:ph type="ftr" sz="quarter" idx="12"/>
+          </p:nvPr>
+        </p:nvSpPr>
+        <p:spPr/>
+        <p:txBody>
+          <a:bodyPr/>
+          <a:lstStyle/>
+          <a:p>
+            <a:r>
+              <a:rPr lang="en-US"/>
+              <a:t>Virtualization of a Real-Time Operating System for Robot Control with a Focus on RealTime Compliance</a:t>
+            </a:r>
+            <a:r>
+              <a:rPr lang="en-GB"/>
+              <a:t> | </a:t>
+            </a:r>
+            <a:r>
+              <a:rPr lang="de-AT"/>
+              <a:t>Halil Pamuk, BSc.</a:t>
+            </a:r>
+            <a:r>
+              <a:rPr lang="en-GB"/>
+              <a:t> | 10.10.2024</a:t>
+            </a:r>
+            <a:endParaRPr lang="en-GB" dirty="0"/>
+          </a:p>
+        </p:txBody>
+      </p:sp>
+      <p:sp>
+        <p:nvSpPr>
+          <p:cNvPr id="5" name="Foliennummernplatzhalter 4">
+            <a:extLst>
+              <a:ext uri="{FF2B5EF4-FFF2-40B4-BE49-F238E27FC236}">
+                <a16:creationId xmlns:a16="http://schemas.microsoft.com/office/drawing/2014/main" id="{6FE7C3E3-082F-E591-9994-A62597200B98}"/>
+              </a:ext>
+            </a:extLst>
+          </p:cNvPr>
+          <p:cNvSpPr>
+            <a:spLocks noGrp="1"/>
+          </p:cNvSpPr>
+          <p:nvPr>
+            <p:ph type="sldNum" sz="quarter" idx="13"/>
+          </p:nvPr>
+        </p:nvSpPr>
+        <p:spPr/>
+        <p:txBody>
+          <a:bodyPr/>
+          <a:lstStyle/>
+          <a:p>
+            <a:fld id="{9C057DB4-583E-41A7-BD94-987342018C17}" type="slidenum">
+              <a:rPr lang="en-GB" smtClean="0"/>
+              <a:pPr/>
+              <a:t>32</a:t>
+            </a:fld>
+            <a:endParaRPr lang="en-GB" dirty="0"/>
+          </a:p>
+        </p:txBody>
+      </p:sp>
+      <p:sp>
+        <p:nvSpPr>
+          <p:cNvPr id="6" name="Textfeld 5">
+            <a:extLst>
+              <a:ext uri="{FF2B5EF4-FFF2-40B4-BE49-F238E27FC236}">
+                <a16:creationId xmlns:a16="http://schemas.microsoft.com/office/drawing/2014/main" id="{9AB5A822-3C8A-C9CC-A179-6AC2B863414C}"/>
+              </a:ext>
+            </a:extLst>
+          </p:cNvPr>
+          <p:cNvSpPr txBox="1"/>
+          <p:nvPr/>
+        </p:nvSpPr>
+        <p:spPr>
+          <a:xfrm>
+            <a:off x="2042160" y="1988820"/>
+            <a:ext cx="914400" cy="914400"/>
+          </a:xfrm>
+          <a:prstGeom prst="rect">
+            <a:avLst/>
+          </a:prstGeom>
+        </p:spPr>
+        <p:txBody>
+          <a:bodyPr vert="horz" wrap="none" lIns="91440" tIns="45720" rIns="91440" bIns="45720" rtlCol="0" anchor="t">
+            <a:normAutofit/>
+          </a:bodyPr>
+          <a:lstStyle/>
+          <a:p>
+            <a:pPr algn="l"/>
+            <a:endParaRPr lang="en-US" sz="2800" dirty="0"/>
+          </a:p>
+        </p:txBody>
+      </p:sp>
+      <p:pic>
+        <p:nvPicPr>
+          <p:cNvPr id="8" name="Grafik 7">
+            <a:extLst>
+              <a:ext uri="{FF2B5EF4-FFF2-40B4-BE49-F238E27FC236}">
+                <a16:creationId xmlns:a16="http://schemas.microsoft.com/office/drawing/2014/main" id="{735F8350-DE65-C17B-46C7-8C021227B139}"/>
+              </a:ext>
+            </a:extLst>
+          </p:cNvPr>
+          <p:cNvPicPr>
+            <a:picLocks noChangeAspect="1"/>
+          </p:cNvPicPr>
+          <p:nvPr/>
+        </p:nvPicPr>
+        <p:blipFill>
+          <a:blip r:embed="rId2"/>
+          <a:stretch>
+            <a:fillRect/>
+          </a:stretch>
+        </p:blipFill>
+        <p:spPr>
+          <a:xfrm>
+            <a:off x="2785723" y="952894"/>
+            <a:ext cx="3563874" cy="3502109"/>
+          </a:xfrm>
+          <a:prstGeom prst="rect">
+            <a:avLst/>
+          </a:prstGeom>
+        </p:spPr>
+      </p:pic>
+    </p:spTree>
+    <p:extLst>
+      <p:ext uri="{BB962C8B-B14F-4D97-AF65-F5344CB8AC3E}">
+        <p14:creationId xmlns:p14="http://schemas.microsoft.com/office/powerpoint/2010/main" val="446549561"/>
+      </p:ext>
+    </p:extLst>
+  </p:cSld>
+  <p:clrMapOvr>
+    <a:masterClrMapping/>
+  </p:clrMapOvr>
+</p:sld>
+</file>
+
+<file path=ppt/slides/slide33.xml><?xml version="1.0" encoding="utf-8"?>
+<p:sld xmlns:a="http://schemas.openxmlformats.org/drawingml/2006/main" xmlns:r="http://schemas.openxmlformats.org/officeDocument/2006/relationships" xmlns:p="http://schemas.openxmlformats.org/presentationml/2006/main" show="0">
+  <p:cSld>
+    <p:spTree>
+      <p:nvGrpSpPr>
+        <p:cNvPr id="1" name=""/>
+        <p:cNvGrpSpPr/>
+        <p:nvPr/>
+      </p:nvGrpSpPr>
+      <p:grpSpPr>
+        <a:xfrm>
+          <a:off x="0" y="0"/>
+          <a:ext cx="0" cy="0"/>
+          <a:chOff x="0" y="0"/>
+          <a:chExt cx="0" cy="0"/>
+        </a:xfrm>
+      </p:grpSpPr>
+      <p:sp>
+        <p:nvSpPr>
+          <p:cNvPr id="2" name="Titel 1">
+            <a:extLst>
+              <a:ext uri="{FF2B5EF4-FFF2-40B4-BE49-F238E27FC236}">
+                <a16:creationId xmlns:a16="http://schemas.microsoft.com/office/drawing/2014/main" id="{446D3BEF-CC88-B742-5807-43EE48D25381}"/>
+              </a:ext>
+            </a:extLst>
+          </p:cNvPr>
+          <p:cNvSpPr>
+            <a:spLocks noGrp="1"/>
+          </p:cNvSpPr>
+          <p:nvPr>
+            <p:ph type="title"/>
+          </p:nvPr>
+        </p:nvSpPr>
+        <p:spPr/>
+        <p:txBody>
+          <a:bodyPr>
+            <a:normAutofit fontScale="90000"/>
+          </a:bodyPr>
+          <a:lstStyle/>
+          <a:p>
+            <a:r>
+              <a:rPr lang="de-AT" dirty="0" err="1"/>
+              <a:t>Robotic</a:t>
+            </a:r>
+            <a:r>
+              <a:rPr lang="de-AT" dirty="0"/>
+              <a:t> Application Setups</a:t>
+            </a:r>
+            <a:endParaRPr lang="en-US" dirty="0"/>
+          </a:p>
+        </p:txBody>
+      </p:sp>
+      <p:sp>
+        <p:nvSpPr>
+          <p:cNvPr id="3" name="Textplatzhalter 2">
+            <a:extLst>
+              <a:ext uri="{FF2B5EF4-FFF2-40B4-BE49-F238E27FC236}">
+                <a16:creationId xmlns:a16="http://schemas.microsoft.com/office/drawing/2014/main" id="{04897626-5992-AC9F-A7C2-0A8A6A65B6F9}"/>
+              </a:ext>
+            </a:extLst>
+          </p:cNvPr>
+          <p:cNvSpPr>
+            <a:spLocks noGrp="1"/>
+          </p:cNvSpPr>
+          <p:nvPr>
+            <p:ph type="body" sz="quarter" idx="14"/>
+          </p:nvPr>
+        </p:nvSpPr>
+        <p:spPr/>
+        <p:txBody>
+          <a:bodyPr>
+            <a:normAutofit/>
+          </a:bodyPr>
+          <a:lstStyle/>
+          <a:p>
+            <a:pPr algn="l"/>
+            <a:endParaRPr lang="en-US" sz="1600" dirty="0"/>
+          </a:p>
+        </p:txBody>
+      </p:sp>
+      <p:sp>
+        <p:nvSpPr>
+          <p:cNvPr id="4" name="Fußzeilenplatzhalter 3">
+            <a:extLst>
+              <a:ext uri="{FF2B5EF4-FFF2-40B4-BE49-F238E27FC236}">
+                <a16:creationId xmlns:a16="http://schemas.microsoft.com/office/drawing/2014/main" id="{17F6F80D-FCFD-474A-A46E-BEF92F26DC8D}"/>
+              </a:ext>
+            </a:extLst>
+          </p:cNvPr>
+          <p:cNvSpPr>
+            <a:spLocks noGrp="1"/>
+          </p:cNvSpPr>
+          <p:nvPr>
+            <p:ph type="ftr" sz="quarter" idx="12"/>
+          </p:nvPr>
+        </p:nvSpPr>
+        <p:spPr/>
+        <p:txBody>
+          <a:bodyPr/>
+          <a:lstStyle/>
+          <a:p>
+            <a:r>
+              <a:rPr lang="en-US"/>
+              <a:t>Virtualization of a Real-Time Operating System for Robot Control with a Focus on RealTime Compliance</a:t>
+            </a:r>
+            <a:r>
+              <a:rPr lang="en-GB"/>
+              <a:t> | </a:t>
+            </a:r>
+            <a:r>
+              <a:rPr lang="de-AT"/>
+              <a:t>Halil Pamuk, BSc.</a:t>
+            </a:r>
+            <a:r>
+              <a:rPr lang="en-GB"/>
+              <a:t> | 10.10.2024</a:t>
+            </a:r>
+            <a:endParaRPr lang="en-GB" dirty="0"/>
+          </a:p>
+        </p:txBody>
+      </p:sp>
+      <p:sp>
+        <p:nvSpPr>
+          <p:cNvPr id="5" name="Foliennummernplatzhalter 4">
+            <a:extLst>
+              <a:ext uri="{FF2B5EF4-FFF2-40B4-BE49-F238E27FC236}">
+                <a16:creationId xmlns:a16="http://schemas.microsoft.com/office/drawing/2014/main" id="{6FE7C3E3-082F-E591-9994-A62597200B98}"/>
+              </a:ext>
+            </a:extLst>
+          </p:cNvPr>
+          <p:cNvSpPr>
+            <a:spLocks noGrp="1"/>
+          </p:cNvSpPr>
+          <p:nvPr>
+            <p:ph type="sldNum" sz="quarter" idx="13"/>
+          </p:nvPr>
+        </p:nvSpPr>
+        <p:spPr/>
+        <p:txBody>
+          <a:bodyPr/>
+          <a:lstStyle/>
+          <a:p>
+            <a:fld id="{9C057DB4-583E-41A7-BD94-987342018C17}" type="slidenum">
+              <a:rPr lang="en-GB" smtClean="0"/>
+              <a:pPr/>
+              <a:t>33</a:t>
+            </a:fld>
+            <a:endParaRPr lang="en-GB" dirty="0"/>
+          </a:p>
+        </p:txBody>
+      </p:sp>
+      <p:sp>
+        <p:nvSpPr>
+          <p:cNvPr id="6" name="Textfeld 5">
+            <a:extLst>
+              <a:ext uri="{FF2B5EF4-FFF2-40B4-BE49-F238E27FC236}">
+                <a16:creationId xmlns:a16="http://schemas.microsoft.com/office/drawing/2014/main" id="{9AB5A822-3C8A-C9CC-A179-6AC2B863414C}"/>
+              </a:ext>
+            </a:extLst>
+          </p:cNvPr>
+          <p:cNvSpPr txBox="1"/>
+          <p:nvPr/>
+        </p:nvSpPr>
+        <p:spPr>
+          <a:xfrm>
+            <a:off x="2042160" y="1988820"/>
+            <a:ext cx="914400" cy="914400"/>
+          </a:xfrm>
+          <a:prstGeom prst="rect">
+            <a:avLst/>
+          </a:prstGeom>
+        </p:spPr>
+        <p:txBody>
+          <a:bodyPr vert="horz" wrap="none" lIns="91440" tIns="45720" rIns="91440" bIns="45720" rtlCol="0" anchor="t">
+            <a:normAutofit/>
+          </a:bodyPr>
+          <a:lstStyle/>
+          <a:p>
+            <a:pPr algn="l"/>
+            <a:endParaRPr lang="en-US" sz="2800" dirty="0"/>
+          </a:p>
+        </p:txBody>
+      </p:sp>
+      <p:pic>
+        <p:nvPicPr>
+          <p:cNvPr id="8" name="Grafik 7">
+            <a:extLst>
+              <a:ext uri="{FF2B5EF4-FFF2-40B4-BE49-F238E27FC236}">
+                <a16:creationId xmlns:a16="http://schemas.microsoft.com/office/drawing/2014/main" id="{76248B69-8E55-DD43-3B53-2BA2735B4DF3}"/>
+              </a:ext>
+            </a:extLst>
+          </p:cNvPr>
+          <p:cNvPicPr>
+            <a:picLocks noChangeAspect="1"/>
+          </p:cNvPicPr>
+          <p:nvPr/>
+        </p:nvPicPr>
+        <p:blipFill>
+          <a:blip r:embed="rId2"/>
+          <a:stretch>
+            <a:fillRect/>
+          </a:stretch>
+        </p:blipFill>
+        <p:spPr>
+          <a:xfrm>
+            <a:off x="1013209" y="889436"/>
+            <a:ext cx="2972301" cy="3457575"/>
+          </a:xfrm>
+          <a:prstGeom prst="rect">
+            <a:avLst/>
+          </a:prstGeom>
+        </p:spPr>
+      </p:pic>
+      <p:pic>
+        <p:nvPicPr>
+          <p:cNvPr id="12" name="Grafik 11">
+            <a:extLst>
+              <a:ext uri="{FF2B5EF4-FFF2-40B4-BE49-F238E27FC236}">
+                <a16:creationId xmlns:a16="http://schemas.microsoft.com/office/drawing/2014/main" id="{3EC1D0D7-CAD7-1F51-8830-6B3C4D5AB2B3}"/>
+              </a:ext>
+            </a:extLst>
+          </p:cNvPr>
+          <p:cNvPicPr>
+            <a:picLocks noChangeAspect="1"/>
+          </p:cNvPicPr>
+          <p:nvPr/>
+        </p:nvPicPr>
+        <p:blipFill>
+          <a:blip r:embed="rId3"/>
+          <a:stretch>
+            <a:fillRect/>
+          </a:stretch>
+        </p:blipFill>
+        <p:spPr>
+          <a:xfrm>
+            <a:off x="5158492" y="1047750"/>
+            <a:ext cx="2931960" cy="3299261"/>
+          </a:xfrm>
+          <a:prstGeom prst="rect">
+            <a:avLst/>
+          </a:prstGeom>
+        </p:spPr>
+      </p:pic>
+    </p:spTree>
+    <p:extLst>
+      <p:ext uri="{BB962C8B-B14F-4D97-AF65-F5344CB8AC3E}">
+        <p14:creationId xmlns:p14="http://schemas.microsoft.com/office/powerpoint/2010/main" val="2813496607"/>
+      </p:ext>
+    </p:extLst>
+  </p:cSld>
+  <p:clrMapOvr>
+    <a:masterClrMapping/>
+  </p:clrMapOvr>
+</p:sld>
+</file>
+
+<file path=ppt/slides/slide34.xml><?xml version="1.0" encoding="utf-8"?>
+<p:sld xmlns:a="http://schemas.openxmlformats.org/drawingml/2006/main" xmlns:r="http://schemas.openxmlformats.org/officeDocument/2006/relationships" xmlns:p="http://schemas.openxmlformats.org/presentationml/2006/main" show="0">
+  <p:cSld>
+    <p:spTree>
+      <p:nvGrpSpPr>
+        <p:cNvPr id="1" name=""/>
+        <p:cNvGrpSpPr/>
+        <p:nvPr/>
+      </p:nvGrpSpPr>
+      <p:grpSpPr>
+        <a:xfrm>
+          <a:off x="0" y="0"/>
+          <a:ext cx="0" cy="0"/>
+          <a:chOff x="0" y="0"/>
+          <a:chExt cx="0" cy="0"/>
+        </a:xfrm>
+      </p:grpSpPr>
+      <p:sp>
+        <p:nvSpPr>
+          <p:cNvPr id="2" name="Titel 1">
+            <a:extLst>
+              <a:ext uri="{FF2B5EF4-FFF2-40B4-BE49-F238E27FC236}">
+                <a16:creationId xmlns:a16="http://schemas.microsoft.com/office/drawing/2014/main" id="{446D3BEF-CC88-B742-5807-43EE48D25381}"/>
+              </a:ext>
+            </a:extLst>
+          </p:cNvPr>
+          <p:cNvSpPr>
+            <a:spLocks noGrp="1"/>
+          </p:cNvSpPr>
+          <p:nvPr>
+            <p:ph type="title"/>
+          </p:nvPr>
+        </p:nvSpPr>
+        <p:spPr/>
+        <p:txBody>
+          <a:bodyPr>
+            <a:normAutofit fontScale="90000"/>
+          </a:bodyPr>
+          <a:lstStyle/>
+          <a:p>
+            <a:r>
+              <a:rPr lang="de-AT" dirty="0" err="1"/>
+              <a:t>Robotic</a:t>
+            </a:r>
+            <a:r>
+              <a:rPr lang="de-AT" dirty="0"/>
+              <a:t> Application Flowchart</a:t>
+            </a:r>
+            <a:endParaRPr lang="en-US" dirty="0"/>
+          </a:p>
+        </p:txBody>
+      </p:sp>
+      <p:sp>
+        <p:nvSpPr>
+          <p:cNvPr id="3" name="Textplatzhalter 2">
+            <a:extLst>
+              <a:ext uri="{FF2B5EF4-FFF2-40B4-BE49-F238E27FC236}">
+                <a16:creationId xmlns:a16="http://schemas.microsoft.com/office/drawing/2014/main" id="{04897626-5992-AC9F-A7C2-0A8A6A65B6F9}"/>
+              </a:ext>
+            </a:extLst>
+          </p:cNvPr>
+          <p:cNvSpPr>
+            <a:spLocks noGrp="1"/>
+          </p:cNvSpPr>
+          <p:nvPr>
+            <p:ph type="body" sz="quarter" idx="14"/>
+          </p:nvPr>
+        </p:nvSpPr>
+        <p:spPr/>
+        <p:txBody>
+          <a:bodyPr>
+            <a:normAutofit/>
+          </a:bodyPr>
+          <a:lstStyle/>
+          <a:p>
+            <a:pPr algn="l"/>
+            <a:endParaRPr lang="en-US" sz="1600" dirty="0"/>
+          </a:p>
+        </p:txBody>
+      </p:sp>
+      <p:sp>
+        <p:nvSpPr>
+          <p:cNvPr id="4" name="Fußzeilenplatzhalter 3">
+            <a:extLst>
+              <a:ext uri="{FF2B5EF4-FFF2-40B4-BE49-F238E27FC236}">
+                <a16:creationId xmlns:a16="http://schemas.microsoft.com/office/drawing/2014/main" id="{17F6F80D-FCFD-474A-A46E-BEF92F26DC8D}"/>
+              </a:ext>
+            </a:extLst>
+          </p:cNvPr>
+          <p:cNvSpPr>
+            <a:spLocks noGrp="1"/>
+          </p:cNvSpPr>
+          <p:nvPr>
+            <p:ph type="ftr" sz="quarter" idx="12"/>
+          </p:nvPr>
+        </p:nvSpPr>
+        <p:spPr/>
+        <p:txBody>
+          <a:bodyPr/>
+          <a:lstStyle/>
+          <a:p>
+            <a:r>
+              <a:rPr lang="en-US"/>
+              <a:t>Virtualization of a Real-Time Operating System for Robot Control with a Focus on RealTime Compliance</a:t>
+            </a:r>
+            <a:r>
+              <a:rPr lang="en-GB"/>
+              <a:t> | </a:t>
+            </a:r>
+            <a:r>
+              <a:rPr lang="de-AT"/>
+              <a:t>Halil Pamuk, BSc.</a:t>
+            </a:r>
+            <a:r>
+              <a:rPr lang="en-GB"/>
+              <a:t> | 10.10.2024</a:t>
+            </a:r>
+            <a:endParaRPr lang="en-GB" dirty="0"/>
+          </a:p>
+        </p:txBody>
+      </p:sp>
+      <p:sp>
+        <p:nvSpPr>
+          <p:cNvPr id="5" name="Foliennummernplatzhalter 4">
+            <a:extLst>
+              <a:ext uri="{FF2B5EF4-FFF2-40B4-BE49-F238E27FC236}">
+                <a16:creationId xmlns:a16="http://schemas.microsoft.com/office/drawing/2014/main" id="{6FE7C3E3-082F-E591-9994-A62597200B98}"/>
+              </a:ext>
+            </a:extLst>
+          </p:cNvPr>
+          <p:cNvSpPr>
+            <a:spLocks noGrp="1"/>
+          </p:cNvSpPr>
+          <p:nvPr>
+            <p:ph type="sldNum" sz="quarter" idx="13"/>
+          </p:nvPr>
+        </p:nvSpPr>
+        <p:spPr/>
+        <p:txBody>
+          <a:bodyPr/>
+          <a:lstStyle/>
+          <a:p>
+            <a:fld id="{9C057DB4-583E-41A7-BD94-987342018C17}" type="slidenum">
+              <a:rPr lang="en-GB" smtClean="0"/>
+              <a:pPr/>
+              <a:t>34</a:t>
+            </a:fld>
+            <a:endParaRPr lang="en-GB" dirty="0"/>
+          </a:p>
+        </p:txBody>
+      </p:sp>
+      <p:sp>
+        <p:nvSpPr>
+          <p:cNvPr id="6" name="Textfeld 5">
+            <a:extLst>
+              <a:ext uri="{FF2B5EF4-FFF2-40B4-BE49-F238E27FC236}">
+                <a16:creationId xmlns:a16="http://schemas.microsoft.com/office/drawing/2014/main" id="{9AB5A822-3C8A-C9CC-A179-6AC2B863414C}"/>
+              </a:ext>
+            </a:extLst>
+          </p:cNvPr>
+          <p:cNvSpPr txBox="1"/>
+          <p:nvPr/>
+        </p:nvSpPr>
+        <p:spPr>
+          <a:xfrm>
+            <a:off x="2042160" y="1988820"/>
+            <a:ext cx="914400" cy="914400"/>
+          </a:xfrm>
+          <a:prstGeom prst="rect">
+            <a:avLst/>
+          </a:prstGeom>
+        </p:spPr>
+        <p:txBody>
+          <a:bodyPr vert="horz" wrap="none" lIns="91440" tIns="45720" rIns="91440" bIns="45720" rtlCol="0" anchor="t">
+            <a:normAutofit/>
+          </a:bodyPr>
+          <a:lstStyle/>
+          <a:p>
+            <a:pPr algn="l"/>
+            <a:endParaRPr lang="en-US" sz="2800" dirty="0"/>
+          </a:p>
+        </p:txBody>
+      </p:sp>
+      <p:pic>
+        <p:nvPicPr>
+          <p:cNvPr id="9" name="Grafik 8">
+            <a:extLst>
+              <a:ext uri="{FF2B5EF4-FFF2-40B4-BE49-F238E27FC236}">
+                <a16:creationId xmlns:a16="http://schemas.microsoft.com/office/drawing/2014/main" id="{1708792E-4F38-0C2B-B849-C4EF7833D799}"/>
+              </a:ext>
+            </a:extLst>
+          </p:cNvPr>
+          <p:cNvPicPr>
+            <a:picLocks noChangeAspect="1"/>
+          </p:cNvPicPr>
+          <p:nvPr/>
+        </p:nvPicPr>
+        <p:blipFill>
+          <a:blip r:embed="rId2"/>
+          <a:stretch>
+            <a:fillRect/>
+          </a:stretch>
+        </p:blipFill>
+        <p:spPr>
+          <a:xfrm>
+            <a:off x="1399804" y="948827"/>
+            <a:ext cx="6335712" cy="3680122"/>
+          </a:xfrm>
+          <a:prstGeom prst="rect">
+            <a:avLst/>
+          </a:prstGeom>
+        </p:spPr>
+      </p:pic>
+    </p:spTree>
+    <p:extLst>
+      <p:ext uri="{BB962C8B-B14F-4D97-AF65-F5344CB8AC3E}">
+        <p14:creationId xmlns:p14="http://schemas.microsoft.com/office/powerpoint/2010/main" val="3582462374"/>
+      </p:ext>
+    </p:extLst>
+  </p:cSld>
+  <p:clrMapOvr>
+    <a:masterClrMapping/>
+  </p:clrMapOvr>
+</p:sld>
+</file>
+
+<file path=ppt/slides/slide35.xml><?xml version="1.0" encoding="utf-8"?>
+<p:sld xmlns:a="http://schemas.openxmlformats.org/drawingml/2006/main" xmlns:r="http://schemas.openxmlformats.org/officeDocument/2006/relationships" xmlns:p="http://schemas.openxmlformats.org/presentationml/2006/main" show="0">
+  <p:cSld>
+    <p:spTree>
+      <p:nvGrpSpPr>
+        <p:cNvPr id="1" name=""/>
+        <p:cNvGrpSpPr/>
+        <p:nvPr/>
+      </p:nvGrpSpPr>
+      <p:grpSpPr>
+        <a:xfrm>
+          <a:off x="0" y="0"/>
+          <a:ext cx="0" cy="0"/>
+          <a:chOff x="0" y="0"/>
+          <a:chExt cx="0" cy="0"/>
+        </a:xfrm>
+      </p:grpSpPr>
+      <p:sp>
+        <p:nvSpPr>
+          <p:cNvPr id="2" name="Titel 1">
+            <a:extLst>
+              <a:ext uri="{FF2B5EF4-FFF2-40B4-BE49-F238E27FC236}">
+                <a16:creationId xmlns:a16="http://schemas.microsoft.com/office/drawing/2014/main" id="{446D3BEF-CC88-B742-5807-43EE48D25381}"/>
+              </a:ext>
+            </a:extLst>
+          </p:cNvPr>
+          <p:cNvSpPr>
+            <a:spLocks noGrp="1"/>
+          </p:cNvSpPr>
+          <p:nvPr>
+            <p:ph type="title"/>
+          </p:nvPr>
+        </p:nvSpPr>
+        <p:spPr/>
+        <p:txBody>
+          <a:bodyPr>
+            <a:normAutofit fontScale="90000"/>
+          </a:bodyPr>
+          <a:lstStyle/>
+          <a:p>
+            <a:r>
+              <a:rPr lang="de-AT" dirty="0"/>
+              <a:t>Results </a:t>
+            </a:r>
+            <a:r>
+              <a:rPr lang="de-AT" dirty="0" err="1"/>
+              <a:t>of</a:t>
+            </a:r>
+            <a:r>
+              <a:rPr lang="de-AT" dirty="0"/>
+              <a:t> </a:t>
+            </a:r>
+            <a:r>
+              <a:rPr lang="de-AT" dirty="0" err="1"/>
+              <a:t>Robotic</a:t>
+            </a:r>
+            <a:r>
+              <a:rPr lang="de-AT" dirty="0"/>
+              <a:t> Application</a:t>
+            </a:r>
+            <a:endParaRPr lang="en-US" dirty="0"/>
+          </a:p>
+        </p:txBody>
+      </p:sp>
+      <p:sp>
+        <p:nvSpPr>
+          <p:cNvPr id="3" name="Textplatzhalter 2">
+            <a:extLst>
+              <a:ext uri="{FF2B5EF4-FFF2-40B4-BE49-F238E27FC236}">
+                <a16:creationId xmlns:a16="http://schemas.microsoft.com/office/drawing/2014/main" id="{04897626-5992-AC9F-A7C2-0A8A6A65B6F9}"/>
+              </a:ext>
+            </a:extLst>
+          </p:cNvPr>
+          <p:cNvSpPr>
+            <a:spLocks noGrp="1"/>
+          </p:cNvSpPr>
+          <p:nvPr>
+            <p:ph type="body" sz="quarter" idx="14"/>
+          </p:nvPr>
+        </p:nvSpPr>
+        <p:spPr/>
+        <p:txBody>
+          <a:bodyPr>
+            <a:normAutofit/>
+          </a:bodyPr>
+          <a:lstStyle/>
+          <a:p>
+            <a:pPr algn="l"/>
+            <a:endParaRPr lang="en-US" sz="1600" dirty="0"/>
+          </a:p>
+        </p:txBody>
+      </p:sp>
+      <p:sp>
+        <p:nvSpPr>
+          <p:cNvPr id="4" name="Fußzeilenplatzhalter 3">
+            <a:extLst>
+              <a:ext uri="{FF2B5EF4-FFF2-40B4-BE49-F238E27FC236}">
+                <a16:creationId xmlns:a16="http://schemas.microsoft.com/office/drawing/2014/main" id="{17F6F80D-FCFD-474A-A46E-BEF92F26DC8D}"/>
+              </a:ext>
+            </a:extLst>
+          </p:cNvPr>
+          <p:cNvSpPr>
+            <a:spLocks noGrp="1"/>
+          </p:cNvSpPr>
+          <p:nvPr>
+            <p:ph type="ftr" sz="quarter" idx="12"/>
+          </p:nvPr>
+        </p:nvSpPr>
+        <p:spPr/>
+        <p:txBody>
+          <a:bodyPr/>
+          <a:lstStyle/>
+          <a:p>
+            <a:r>
+              <a:rPr lang="en-US"/>
+              <a:t>Virtualization of a Real-Time Operating System for Robot Control with a Focus on RealTime Compliance</a:t>
+            </a:r>
+            <a:r>
+              <a:rPr lang="en-GB"/>
+              <a:t> | </a:t>
+            </a:r>
+            <a:r>
+              <a:rPr lang="de-AT"/>
+              <a:t>Halil Pamuk, BSc.</a:t>
+            </a:r>
+            <a:r>
+              <a:rPr lang="en-GB"/>
+              <a:t> | 10.10.2024</a:t>
+            </a:r>
+            <a:endParaRPr lang="en-GB" dirty="0"/>
+          </a:p>
+        </p:txBody>
+      </p:sp>
+      <p:sp>
+        <p:nvSpPr>
+          <p:cNvPr id="5" name="Foliennummernplatzhalter 4">
+            <a:extLst>
+              <a:ext uri="{FF2B5EF4-FFF2-40B4-BE49-F238E27FC236}">
+                <a16:creationId xmlns:a16="http://schemas.microsoft.com/office/drawing/2014/main" id="{6FE7C3E3-082F-E591-9994-A62597200B98}"/>
+              </a:ext>
+            </a:extLst>
+          </p:cNvPr>
+          <p:cNvSpPr>
+            <a:spLocks noGrp="1"/>
+          </p:cNvSpPr>
+          <p:nvPr>
+            <p:ph type="sldNum" sz="quarter" idx="13"/>
+          </p:nvPr>
+        </p:nvSpPr>
+        <p:spPr/>
+        <p:txBody>
+          <a:bodyPr/>
+          <a:lstStyle/>
+          <a:p>
+            <a:fld id="{9C057DB4-583E-41A7-BD94-987342018C17}" type="slidenum">
+              <a:rPr lang="en-GB" smtClean="0"/>
+              <a:pPr/>
+              <a:t>35</a:t>
+            </a:fld>
+            <a:endParaRPr lang="en-GB" dirty="0"/>
+          </a:p>
+        </p:txBody>
+      </p:sp>
+      <p:sp>
+        <p:nvSpPr>
+          <p:cNvPr id="6" name="Textfeld 5">
+            <a:extLst>
+              <a:ext uri="{FF2B5EF4-FFF2-40B4-BE49-F238E27FC236}">
+                <a16:creationId xmlns:a16="http://schemas.microsoft.com/office/drawing/2014/main" id="{9AB5A822-3C8A-C9CC-A179-6AC2B863414C}"/>
+              </a:ext>
+            </a:extLst>
+          </p:cNvPr>
+          <p:cNvSpPr txBox="1"/>
+          <p:nvPr/>
+        </p:nvSpPr>
+        <p:spPr>
+          <a:xfrm>
+            <a:off x="2042160" y="1988820"/>
+            <a:ext cx="914400" cy="914400"/>
+          </a:xfrm>
+          <a:prstGeom prst="rect">
+            <a:avLst/>
+          </a:prstGeom>
+        </p:spPr>
+        <p:txBody>
+          <a:bodyPr vert="horz" wrap="none" lIns="91440" tIns="45720" rIns="91440" bIns="45720" rtlCol="0" anchor="t">
+            <a:normAutofit/>
+          </a:bodyPr>
+          <a:lstStyle/>
+          <a:p>
+            <a:pPr algn="l"/>
+            <a:endParaRPr lang="en-US" sz="2800" dirty="0"/>
+          </a:p>
+        </p:txBody>
+      </p:sp>
+      <p:pic>
+        <p:nvPicPr>
+          <p:cNvPr id="15" name="Grafik 14">
+            <a:extLst>
+              <a:ext uri="{FF2B5EF4-FFF2-40B4-BE49-F238E27FC236}">
+                <a16:creationId xmlns:a16="http://schemas.microsoft.com/office/drawing/2014/main" id="{E8544F62-5231-61DB-4403-56731A190D2C}"/>
+              </a:ext>
+            </a:extLst>
+          </p:cNvPr>
+          <p:cNvPicPr>
+            <a:picLocks noChangeAspect="1"/>
+          </p:cNvPicPr>
+          <p:nvPr/>
+        </p:nvPicPr>
+        <p:blipFill>
+          <a:blip r:embed="rId2"/>
+          <a:stretch>
+            <a:fillRect/>
+          </a:stretch>
+        </p:blipFill>
+        <p:spPr>
+          <a:xfrm>
+            <a:off x="3916680" y="3595634"/>
+            <a:ext cx="5038640" cy="1014825"/>
+          </a:xfrm>
+          <a:prstGeom prst="rect">
+            <a:avLst/>
+          </a:prstGeom>
+        </p:spPr>
+      </p:pic>
+      <p:pic>
+        <p:nvPicPr>
+          <p:cNvPr id="17" name="Grafik 16">
+            <a:extLst>
+              <a:ext uri="{FF2B5EF4-FFF2-40B4-BE49-F238E27FC236}">
+                <a16:creationId xmlns:a16="http://schemas.microsoft.com/office/drawing/2014/main" id="{93501859-DBDA-8E5E-7530-F41937B0AD39}"/>
+              </a:ext>
+            </a:extLst>
+          </p:cNvPr>
+          <p:cNvPicPr>
+            <a:picLocks noChangeAspect="1"/>
+          </p:cNvPicPr>
+          <p:nvPr/>
+        </p:nvPicPr>
+        <p:blipFill>
+          <a:blip r:embed="rId3"/>
+          <a:stretch>
+            <a:fillRect/>
+          </a:stretch>
+        </p:blipFill>
+        <p:spPr>
+          <a:xfrm>
+            <a:off x="188680" y="607499"/>
+            <a:ext cx="4477220" cy="2920207"/>
+          </a:xfrm>
+          <a:prstGeom prst="rect">
+            <a:avLst/>
+          </a:prstGeom>
+        </p:spPr>
+      </p:pic>
+    </p:spTree>
+    <p:extLst>
+      <p:ext uri="{BB962C8B-B14F-4D97-AF65-F5344CB8AC3E}">
+        <p14:creationId xmlns:p14="http://schemas.microsoft.com/office/powerpoint/2010/main" val="3580813374"/>
+      </p:ext>
+    </p:extLst>
+  </p:cSld>
+  <p:clrMapOvr>
+    <a:masterClrMapping/>
+  </p:clrMapOvr>
+</p:sld>
+</file>
+
 <file path=ppt/slides/slide4.xml><?xml version="1.0" encoding="utf-8"?>
 <p:sld xmlns:a="http://schemas.openxmlformats.org/drawingml/2006/main" xmlns:r="http://schemas.openxmlformats.org/officeDocument/2006/relationships" xmlns:p="http://schemas.openxmlformats.org/presentationml/2006/main">
   <p:cSld>
@@ -7341,7 +13323,18 @@
                   <a:schemeClr val="tx1"/>
                 </a:solidFill>
               </a:rPr>
-              <a:t>Sequentially tune virtualization through BIOS, kernel, host, guest and QEMU configurations</a:t>
+              <a:t>Sequentially tune virtualization through configurations of</a:t>
+            </a:r>
+          </a:p>
+          <a:p>
+            <a:pPr algn="ctr"/>
+            <a:r>
+              <a:rPr lang="en-US" sz="1400" dirty="0">
+                <a:solidFill>
+                  <a:schemeClr val="tx1"/>
+                </a:solidFill>
+              </a:rPr>
+              <a:t>BIOS, kernel, host, guest and QEMU</a:t>
             </a:r>
             <a:endParaRPr lang="en-US" sz="1100" dirty="0">
               <a:solidFill>
@@ -7908,19 +13901,7 @@
               <a:rPr lang="en-US" sz="2000" b="0" i="0" u="none" strike="noStrike" baseline="0" dirty="0">
                 <a:latin typeface="+mn-lt"/>
               </a:rPr>
-              <a:t>and </a:t>
-            </a:r>
-            <a:r>
-              <a:rPr lang="en-US" sz="2000" b="0" i="0" u="none" strike="noStrike" baseline="0" dirty="0" err="1">
-                <a:latin typeface="+mn-lt"/>
-              </a:rPr>
-              <a:t>Kernelshark</a:t>
-            </a:r>
-            <a:r>
-              <a:rPr lang="en-US" sz="2000" b="0" i="0" u="none" strike="noStrike" baseline="0" dirty="0">
-                <a:latin typeface="+mn-lt"/>
-              </a:rPr>
-              <a:t> </a:t>
+              <a:t>and Kernelshark </a:t>
             </a:r>
             <a:r>
               <a:rPr lang="en-US" sz="2000" dirty="0">
@@ -8109,48 +14090,6 @@
               </a:solidFill>
             </a:endParaRPr>
           </a:p>
-          <a:p>
-            <a:r>
-              <a:rPr lang="en-US" sz="2000" dirty="0">
-                <a:solidFill>
-                  <a:srgbClr val="FF0000"/>
-                </a:solidFill>
-              </a:rPr>
-              <a:t>LEGENDE </a:t>
-            </a:r>
-            <a:r>
-              <a:rPr lang="en-US" sz="2000" dirty="0" err="1">
-                <a:solidFill>
-                  <a:srgbClr val="FF0000"/>
-                </a:solidFill>
-              </a:rPr>
-              <a:t>GRÖßER</a:t>
-            </a:r>
-            <a:r>
-              <a:rPr lang="en-US" sz="2000" dirty="0">
-                <a:solidFill>
-                  <a:srgbClr val="FF0000"/>
-                </a:solidFill>
-              </a:rPr>
-              <a:t> UND </a:t>
-            </a:r>
-            <a:r>
-              <a:rPr lang="en-US" sz="2000">
-                <a:solidFill>
-                  <a:srgbClr val="FF0000"/>
-                </a:solidFill>
-              </a:rPr>
-              <a:t>X UND </a:t>
-            </a:r>
-            <a:r>
-              <a:rPr lang="en-US" sz="2000" dirty="0">
-                <a:solidFill>
-                  <a:srgbClr val="FF0000"/>
-                </a:solidFill>
-              </a:rPr>
-              <a:t>Y</a:t>
-            </a:r>
-          </a:p>
         </p:txBody>
       </p:sp>
       <p:sp>
@@ -8362,6 +14301,64 @@
           </a:prstGeom>
         </p:spPr>
       </p:pic>
+      <p:sp>
+        <p:nvSpPr>
+          <p:cNvPr id="7" name="Textfeld 6">
+            <a:extLst>
+              <a:ext uri="{FF2B5EF4-FFF2-40B4-BE49-F238E27FC236}">
+                <a16:creationId xmlns:a16="http://schemas.microsoft.com/office/drawing/2014/main" id="{0B592D90-3BE3-C38F-E2A0-806F30118EBB}"/>
+              </a:ext>
+            </a:extLst>
+          </p:cNvPr>
+          <p:cNvSpPr txBox="1"/>
+          <p:nvPr/>
+        </p:nvSpPr>
+        <p:spPr>
+          <a:xfrm>
+            <a:off x="2827020" y="4184384"/>
+            <a:ext cx="914400" cy="914400"/>
+          </a:xfrm>
+          <a:prstGeom prst="rect">
+            <a:avLst/>
+          </a:prstGeom>
+        </p:spPr>
+        <p:txBody>
+          <a:bodyPr vert="horz" wrap="none" lIns="91440" tIns="45720" rIns="91440" bIns="45720" rtlCol="0" anchor="t">
+            <a:normAutofit/>
+          </a:bodyPr>
+          <a:lstStyle/>
+          <a:p>
+            <a:r>
+              <a:rPr lang="en-US" sz="2800" dirty="0">
+                <a:solidFill>
+                  <a:srgbClr val="FF0000"/>
+                </a:solidFill>
+              </a:rPr>
+              <a:t>LEGENDE </a:t>
+            </a:r>
+            <a:r>
+              <a:rPr lang="en-US" sz="2800" dirty="0" err="1">
+                <a:solidFill>
+                  <a:srgbClr val="FF0000"/>
+                </a:solidFill>
+              </a:rPr>
+              <a:t>GRÖßER</a:t>
+            </a:r>
+            <a:r>
+              <a:rPr lang="en-US" sz="2800" dirty="0">
+                <a:solidFill>
+                  <a:srgbClr val="FF0000"/>
+                </a:solidFill>
+              </a:rPr>
+              <a:t> UND X UND Y?</a:t>
+            </a:r>
+          </a:p>
+          <a:p>
+            <a:pPr algn="l"/>
+            <a:endParaRPr lang="en-US" sz="2800" dirty="0"/>
+          </a:p>
+        </p:txBody>
+      </p:sp>
     </p:spTree>
     <p:extLst>
       <p:ext uri="{BB962C8B-B14F-4D97-AF65-F5344CB8AC3E}">
@@ -8455,18 +14452,14 @@
           <a:p>
             <a:r>
               <a:rPr lang="en-US" sz="1800" dirty="0"/>
-              <a:t>Difference between command issuance time and the time the signal reaches the PWM module was measured 1,000 times for the bare metal, untuned, and tuned versions of Salamander 4. </a:t>
-            </a:r>
-          </a:p>
-          <a:p>
-            <a:pPr marL="0" indent="0">
-              <a:buNone/>
-            </a:pPr>
-            <a:endParaRPr lang="en-US" dirty="0">
-              <a:solidFill>
-                <a:srgbClr val="FF0000"/>
-              </a:solidFill>
-            </a:endParaRPr>
+              <a:t>Difference between command issuance time and signal arrival at PWM module</a:t>
+            </a:r>
+          </a:p>
+          <a:p>
+            <a:r>
+              <a:rPr lang="en-US" sz="1800" dirty="0"/>
+              <a:t>1,000 samples</a:t>
+            </a:r>
           </a:p>
           <a:p>
             <a:endParaRPr lang="de-AT" dirty="0"/>

--- a/Masterprüfung/Presentation/Presentation.pptx
+++ b/Masterprüfung/Presentation/Presentation.pptx
@@ -10556,7 +10556,7 @@
           <a:bodyPr/>
           <a:lstStyle/>
           <a:p>
-            <a:endParaRPr lang="en-US"/>
+            <a:endParaRPr lang="en-US" dirty="0"/>
           </a:p>
         </p:txBody>
       </p:sp>
@@ -11651,22 +11651,37 @@
           <a:lstStyle/>
           <a:p>
             <a:r>
-              <a:rPr lang="en-US"/>
-              <a:t>Virtualization of a Real-Time Operating System for Robot Control with a Focus on RealTime Compliance</a:t>
-            </a:r>
-            <a:r>
-              <a:rPr lang="en-GB"/>
+              <a:rPr lang="en-US" dirty="0"/>
+              <a:t>Virtualization of a Real-Time Operating System for Robot Control with a Focus on </a:t>
+            </a:r>
+            <a:r>
+              <a:rPr lang="en-US" dirty="0" err="1"/>
+              <a:t>RealTime</a:t>
+            </a:r>
+            <a:r>
+              <a:rPr lang="en-US" dirty="0"/>
+              <a:t> Compliance</a:t>
+            </a:r>
+            <a:r>
+              <a:rPr lang="en-GB" dirty="0"/>
               <a:t> | </a:t>
             </a:r>
             <a:r>
-              <a:rPr lang="de-AT"/>
-              <a:t>Halil Pamuk, BSc.</a:t>
-            </a:r>
-            <a:r>
-              <a:rPr lang="en-GB"/>
+              <a:rPr lang="de-AT" dirty="0"/>
+              <a:t>Halil Pamuk, </a:t>
+            </a:r>
+            <a:r>
+              <a:rPr lang="de-AT" dirty="0" err="1"/>
+              <a:t>BSc</a:t>
+            </a:r>
+            <a:r>
+              <a:rPr lang="de-AT" dirty="0"/>
+              <a:t>.</a:t>
+            </a:r>
+            <a:r>
+              <a:rPr lang="en-GB" dirty="0"/>
               <a:t> | 10.10.2024</a:t>
             </a:r>
-            <a:endParaRPr lang="en-GB" dirty="0"/>
           </a:p>
         </p:txBody>
       </p:sp>
@@ -11746,16 +11761,15 @@
           </p:cNvPicPr>
           <p:nvPr/>
         </p:nvPicPr>
-        <p:blipFill>
+        <p:blipFill rotWithShape="1">
           <a:blip r:embed="rId2"/>
-          <a:stretch>
-            <a:fillRect/>
-          </a:stretch>
+          <a:srcRect l="26765" r="23041" b="13273"/>
+          <a:stretch/>
         </p:blipFill>
         <p:spPr>
           <a:xfrm>
-            <a:off x="352425" y="995839"/>
-            <a:ext cx="3934994" cy="2900362"/>
+            <a:off x="1585399" y="950806"/>
+            <a:ext cx="2156426" cy="2746265"/>
           </a:xfrm>
           <a:prstGeom prst="rect">
             <a:avLst/>
@@ -11784,8 +11798,38 @@
         </p:blipFill>
         <p:spPr>
           <a:xfrm>
-            <a:off x="4856583" y="1212419"/>
-            <a:ext cx="3173729" cy="2569005"/>
+            <a:off x="4810534" y="1148015"/>
+            <a:ext cx="3517742" cy="2847470"/>
+          </a:xfrm>
+          <a:prstGeom prst="rect">
+            <a:avLst/>
+          </a:prstGeom>
+        </p:spPr>
+      </p:pic>
+      <p:pic>
+        <p:nvPicPr>
+          <p:cNvPr id="8" name="Grafik 7">
+            <a:extLst>
+              <a:ext uri="{FF2B5EF4-FFF2-40B4-BE49-F238E27FC236}">
+                <a16:creationId xmlns:a16="http://schemas.microsoft.com/office/drawing/2014/main" id="{7C708985-A87B-918E-E384-FE1B754AFFA7}"/>
+              </a:ext>
+            </a:extLst>
+          </p:cNvPr>
+          <p:cNvPicPr>
+            <a:picLocks noChangeAspect="1"/>
+          </p:cNvPicPr>
+          <p:nvPr/>
+        </p:nvPicPr>
+        <p:blipFill>
+          <a:blip r:embed="rId4"/>
+          <a:stretch>
+            <a:fillRect/>
+          </a:stretch>
+        </p:blipFill>
+        <p:spPr>
+          <a:xfrm>
+            <a:off x="1342207" y="3751115"/>
+            <a:ext cx="2315394" cy="192950"/>
           </a:xfrm>
           <a:prstGeom prst="rect">
             <a:avLst/>
@@ -12500,8 +12544,8 @@
         </p:blipFill>
         <p:spPr>
           <a:xfrm>
-            <a:off x="5158492" y="1047750"/>
-            <a:ext cx="2931960" cy="3299261"/>
+            <a:off x="5158492" y="1118790"/>
+            <a:ext cx="2868829" cy="3228221"/>
           </a:xfrm>
           <a:prstGeom prst="rect">
             <a:avLst/>

--- a/Masterprüfung/Presentation/Presentation.pptx
+++ b/Masterprüfung/Presentation/Presentation.pptx
@@ -284,7 +284,7 @@
           <a:p>
             <a:fld id="{177B9070-9281-4B15-842B-9B135EE24603}" type="datetimeFigureOut">
               <a:rPr lang="de-AT" smtClean="0"/>
-              <a:t>02.10.2024</a:t>
+              <a:t>03.10.2024</a:t>
             </a:fld>
             <a:endParaRPr lang="de-AT"/>
           </a:p>
@@ -449,7 +449,7 @@
           <a:p>
             <a:fld id="{843A4CAD-2332-440A-B5F3-F5F26A7FAEC2}" type="datetimeFigureOut">
               <a:rPr lang="en-US" smtClean="0"/>
-              <a:t>10/2/2024</a:t>
+              <a:t>10/3/2024</a:t>
             </a:fld>
             <a:endParaRPr lang="en-US"/>
           </a:p>
@@ -8513,50 +8513,6 @@
           </a:p>
         </p:txBody>
       </p:sp>
-      <p:sp>
-        <p:nvSpPr>
-          <p:cNvPr id="6" name="Textfeld 5">
-            <a:extLst>
-              <a:ext uri="{FF2B5EF4-FFF2-40B4-BE49-F238E27FC236}">
-                <a16:creationId xmlns:a16="http://schemas.microsoft.com/office/drawing/2014/main" id="{2BE9F797-95F7-4855-893E-BE1D6FFC4611}"/>
-              </a:ext>
-            </a:extLst>
-          </p:cNvPr>
-          <p:cNvSpPr txBox="1"/>
-          <p:nvPr/>
-        </p:nvSpPr>
-        <p:spPr>
-          <a:xfrm>
-            <a:off x="6018658" y="2319325"/>
-            <a:ext cx="2945341" cy="504849"/>
-          </a:xfrm>
-          <a:prstGeom prst="rect">
-            <a:avLst/>
-          </a:prstGeom>
-        </p:spPr>
-        <p:txBody>
-          <a:bodyPr vert="horz" wrap="none" lIns="91440" tIns="45720" rIns="91440" bIns="45720" rtlCol="0" anchor="t">
-            <a:normAutofit lnSpcReduction="10000"/>
-          </a:bodyPr>
-          <a:lstStyle/>
-          <a:p>
-            <a:pPr algn="l"/>
-            <a:r>
-              <a:rPr lang="de-AT" sz="2800" dirty="0">
-                <a:solidFill>
-                  <a:srgbClr val="FF0000"/>
-                </a:solidFill>
-              </a:rPr>
-              <a:t>Kann man lesen?</a:t>
-            </a:r>
-            <a:endParaRPr lang="en-US" sz="2800" dirty="0">
-              <a:solidFill>
-                <a:srgbClr val="FF0000"/>
-              </a:solidFill>
-            </a:endParaRPr>
-          </a:p>
-        </p:txBody>
-      </p:sp>
     </p:spTree>
     <p:extLst>
       <p:ext uri="{BB962C8B-B14F-4D97-AF65-F5344CB8AC3E}">
@@ -14984,10 +14940,22 @@
             <a:endParaRPr lang="en-US" dirty="0"/>
           </a:p>
           <a:p>
+            <a:endParaRPr lang="en-US" dirty="0"/>
+          </a:p>
+          <a:p>
+            <a:endParaRPr lang="en-US" dirty="0"/>
+          </a:p>
+          <a:p>
             <a:r>
               <a:rPr lang="en-US" dirty="0"/>
               <a:t>Other hypervisors and virtualization technologies</a:t>
             </a:r>
+          </a:p>
+          <a:p>
+            <a:endParaRPr lang="en-US" dirty="0"/>
+          </a:p>
+          <a:p>
+            <a:endParaRPr lang="en-US" dirty="0"/>
           </a:p>
           <a:p>
             <a:endParaRPr lang="en-US" dirty="0"/>

--- a/Masterprüfung/Presentation/Presentation.pptx
+++ b/Masterprüfung/Presentation/Presentation.pptx
@@ -41,8 +41,8 @@
     <p:sldId id="304" r:id="rId29"/>
     <p:sldId id="298" r:id="rId30"/>
     <p:sldId id="293" r:id="rId31"/>
-    <p:sldId id="294" r:id="rId32"/>
-    <p:sldId id="299" r:id="rId33"/>
+    <p:sldId id="299" r:id="rId32"/>
+    <p:sldId id="294" r:id="rId33"/>
     <p:sldId id="300" r:id="rId34"/>
     <p:sldId id="301" r:id="rId35"/>
     <p:sldId id="302" r:id="rId36"/>
@@ -147,7 +147,7 @@
   <p:extLst>
     <p:ext uri="{521415D9-36F7-43E2-AB2F-B90AF26B5E84}">
       <p14:sectionLst xmlns:p14="http://schemas.microsoft.com/office/powerpoint/2010/main">
-        <p14:section name="Standardabschnitt" id="{620DFEAB-8105-4F67-B7A4-0D5F6999B179}">
+        <p14:section name="Presentation" id="{620DFEAB-8105-4F67-B7A4-0D5F6999B179}">
           <p14:sldIdLst>
             <p14:sldId id="260"/>
             <p14:sldId id="263"/>
@@ -183,8 +183,8 @@
             <p14:sldId id="304"/>
             <p14:sldId id="298"/>
             <p14:sldId id="293"/>
+            <p14:sldId id="299"/>
             <p14:sldId id="294"/>
-            <p14:sldId id="299"/>
             <p14:sldId id="300"/>
             <p14:sldId id="301"/>
             <p14:sldId id="302"/>
@@ -284,7 +284,7 @@
           <a:p>
             <a:fld id="{177B9070-9281-4B15-842B-9B135EE24603}" type="datetimeFigureOut">
               <a:rPr lang="de-AT" smtClean="0"/>
-              <a:t>03.10.2024</a:t>
+              <a:t>06.10.2024</a:t>
             </a:fld>
             <a:endParaRPr lang="de-AT"/>
           </a:p>
@@ -449,7 +449,7 @@
           <a:p>
             <a:fld id="{843A4CAD-2332-440A-B5F3-F5F26A7FAEC2}" type="datetimeFigureOut">
               <a:rPr lang="en-US" smtClean="0"/>
-              <a:t>10/3/2024</a:t>
+              <a:t>10/6/2024</a:t>
             </a:fld>
             <a:endParaRPr lang="en-US"/>
           </a:p>
@@ -5945,7 +5945,7 @@
                 <a:latin typeface="NimbusSanL-Regu"/>
                 <a:hlinkClick r:id="rId2"/>
               </a:rPr>
-              <a:t>https://docs.yoctoproject.org/</a:t>
+              <a:t>https://ubuntu.com/blog/what-is-real-time-linux-ii</a:t>
             </a:r>
             <a:endParaRPr lang="en-US" sz="1800" b="0" i="0" u="none" strike="noStrike" baseline="0" dirty="0">
               <a:latin typeface="NimbusSanL-Regu"/>
@@ -5963,7 +5963,7 @@
                 <a:latin typeface="NimbusSanL-Regu"/>
                 <a:hlinkClick r:id="rId3"/>
               </a:rPr>
-              <a:t>https://www.qemu.org/</a:t>
+              <a:t>https://docs.yoctoproject.org/</a:t>
             </a:r>
             <a:endParaRPr lang="en-US" sz="1800" b="0" i="0" u="none" strike="noStrike" baseline="0" dirty="0">
               <a:latin typeface="NimbusSanL-Regu"/>
@@ -5981,7 +5981,7 @@
                 <a:latin typeface="NimbusSanL-Regu"/>
                 <a:hlinkClick r:id="rId4"/>
               </a:rPr>
-              <a:t>https://xenomai.org/</a:t>
+              <a:t>https://www.qemu.org/</a:t>
             </a:r>
             <a:endParaRPr lang="en-US" sz="1800" b="0" i="0" u="none" strike="noStrike" baseline="0" dirty="0">
               <a:latin typeface="NimbusSanL-Regu"/>
@@ -5999,6 +5999,24 @@
                 <a:latin typeface="NimbusSanL-Regu"/>
                 <a:hlinkClick r:id="rId5"/>
               </a:rPr>
+              <a:t>https://xenomai.org/</a:t>
+            </a:r>
+            <a:endParaRPr lang="en-US" sz="1800" b="0" i="0" u="none" strike="noStrike" baseline="0" dirty="0">
+              <a:latin typeface="NimbusSanL-Regu"/>
+            </a:endParaRPr>
+          </a:p>
+          <a:p>
+            <a:r>
+              <a:rPr lang="en-US" sz="1800" dirty="0">
+                <a:latin typeface="NimbusSanL-Regu"/>
+              </a:rPr>
+              <a:t>[5] </a:t>
+            </a:r>
+            <a:r>
+              <a:rPr lang="en-US" sz="1800" b="0" i="0" u="none" strike="noStrike" baseline="0" dirty="0">
+                <a:latin typeface="NimbusSanL-Regu"/>
+                <a:hlinkClick r:id="rId6"/>
+              </a:rPr>
               <a:t>https://trace-cmd.org/</a:t>
             </a:r>
             <a:endParaRPr lang="en-US" sz="1800" dirty="0">
@@ -6010,7 +6028,7 @@
               <a:rPr lang="en-US" sz="1800" dirty="0">
                 <a:latin typeface="NimbusSanL-Regu"/>
               </a:rPr>
-              <a:t>[5]</a:t>
+              <a:t>[6]</a:t>
             </a:r>
             <a:r>
               <a:rPr lang="en-US" sz="1800" b="0" i="0" u="none" strike="noStrike" baseline="0" dirty="0">
@@ -6021,7 +6039,7 @@
             <a:r>
               <a:rPr lang="en-US" sz="1800" b="0" i="0" u="none" strike="noStrike" baseline="0" dirty="0">
                 <a:latin typeface="NimbusSanL-Regu"/>
-                <a:hlinkClick r:id="rId6"/>
+                <a:hlinkClick r:id="rId7"/>
               </a:rPr>
               <a:t>https://kernelshark.org/</a:t>
             </a:r>
@@ -8210,7 +8228,7 @@
         </p:blipFill>
         <p:spPr>
           <a:xfrm>
-            <a:off x="4493419" y="2771774"/>
+            <a:off x="4699159" y="2771774"/>
             <a:ext cx="4064534" cy="1536903"/>
           </a:xfrm>
           <a:prstGeom prst="rect">
@@ -8428,7 +8446,7 @@
         </p:blipFill>
         <p:spPr>
           <a:xfrm>
-            <a:off x="180000" y="2774944"/>
+            <a:off x="385740" y="2774944"/>
             <a:ext cx="4124325" cy="1533733"/>
           </a:xfrm>
           <a:prstGeom prst="rect">
@@ -8455,8 +8473,8 @@
         </p:nvSpPr>
         <p:spPr>
           <a:xfrm>
-            <a:off x="632460" y="4314209"/>
-            <a:ext cx="960120" cy="271012"/>
+            <a:off x="1351835" y="4340514"/>
+            <a:ext cx="2192134" cy="271012"/>
           </a:xfrm>
           <a:prstGeom prst="rect">
             <a:avLst/>
@@ -8471,7 +8489,15 @@
             <a:pPr algn="l"/>
             <a:r>
               <a:rPr lang="de-AT" sz="1000" dirty="0"/>
-              <a:t>Figure x: </a:t>
+              <a:t>Figure 1: Non-</a:t>
+            </a:r>
+            <a:r>
+              <a:rPr lang="de-AT" sz="1000" dirty="0" err="1"/>
+              <a:t>preemptible</a:t>
+            </a:r>
+            <a:r>
+              <a:rPr lang="de-AT" sz="1000" dirty="0"/>
+              <a:t> Kernel [1] </a:t>
             </a:r>
             <a:endParaRPr lang="en-US" sz="1000" dirty="0"/>
           </a:p>
@@ -8479,10 +8505,10 @@
       </p:sp>
       <p:sp>
         <p:nvSpPr>
-          <p:cNvPr id="17" name="Textfeld 16">
-            <a:extLst>
-              <a:ext uri="{FF2B5EF4-FFF2-40B4-BE49-F238E27FC236}">
-                <a16:creationId xmlns:a16="http://schemas.microsoft.com/office/drawing/2014/main" id="{68A0CFD0-63E7-4A7C-B676-37AE988CB33B}"/>
+          <p:cNvPr id="6" name="Textfeld 5">
+            <a:extLst>
+              <a:ext uri="{FF2B5EF4-FFF2-40B4-BE49-F238E27FC236}">
+                <a16:creationId xmlns:a16="http://schemas.microsoft.com/office/drawing/2014/main" id="{34178FBA-C589-6075-766F-A04B79B9072E}"/>
               </a:ext>
             </a:extLst>
           </p:cNvPr>
@@ -8491,8 +8517,8 @@
         </p:nvSpPr>
         <p:spPr>
           <a:xfrm>
-            <a:off x="4824370" y="4321464"/>
-            <a:ext cx="960120" cy="271012"/>
+            <a:off x="5635359" y="4340427"/>
+            <a:ext cx="2192134" cy="271012"/>
           </a:xfrm>
           <a:prstGeom prst="rect">
             <a:avLst/>
@@ -8507,7 +8533,15 @@
             <a:pPr algn="l"/>
             <a:r>
               <a:rPr lang="de-AT" sz="1000" dirty="0"/>
-              <a:t>Figure x: </a:t>
+              <a:t>Figure 2: </a:t>
+            </a:r>
+            <a:r>
+              <a:rPr lang="de-AT" sz="1000" dirty="0" err="1"/>
+              <a:t>Preemptible</a:t>
+            </a:r>
+            <a:r>
+              <a:rPr lang="de-AT" sz="1000" dirty="0"/>
+              <a:t> Kernel [1]</a:t>
             </a:r>
             <a:endParaRPr lang="en-US" sz="1000" dirty="0"/>
           </a:p>
@@ -11032,6 +11066,17 @@
             </a:endParaRPr>
           </a:p>
           <a:p>
+            <a:pPr marL="0" indent="0" rtl="0">
+              <a:buSzPts val="1900"/>
+              <a:buNone/>
+            </a:pPr>
+            <a:endParaRPr lang="en-US" sz="2000" dirty="0">
+              <a:solidFill>
+                <a:srgbClr val="000000"/>
+              </a:solidFill>
+            </a:endParaRPr>
+          </a:p>
+          <a:p>
             <a:pPr rtl="0">
               <a:buSzPts val="1900"/>
               <a:buFont typeface="Arial" panose="020B0604020202020204" pitchFamily="34" charset="0"/>
@@ -11053,7 +11098,7 @@
                 </a:solidFill>
                 <a:latin typeface="Arial" panose="020B0604020202020204" pitchFamily="34" charset="0"/>
               </a:rPr>
-              <a:t>Bring latency of virtualization closer to hardware (</a:t>
+              <a:t>Bring latency of virtualization closer to bare metal (</a:t>
             </a:r>
             <a:r>
               <a:rPr lang="en-US" sz="2000" b="0" i="0" u="none" strike="noStrike" baseline="0" dirty="0">
@@ -11171,7 +11216,7 @@
           <p:nvPr>
             <p:extLst>
               <p:ext uri="{D42A27DB-BD31-4B8C-83A1-F6EECF244321}">
-                <p14:modId xmlns:p14="http://schemas.microsoft.com/office/powerpoint/2010/main" val="1824854703"/>
+                <p14:modId xmlns:p14="http://schemas.microsoft.com/office/powerpoint/2010/main" val="2225820813"/>
               </p:ext>
             </p:extLst>
           </p:nvPr>
@@ -11184,7 +11229,7 @@
           <a:graphicData uri="http://schemas.openxmlformats.org/drawingml/2006/table">
             <a:tbl>
               <a:tblPr firstRow="1" bandRow="1">
-                <a:tableStyleId>{5C22544A-7EE6-4342-B048-85BDC9FD1C3A}</a:tableStyleId>
+                <a:tableStyleId>{5A111915-BE36-4E01-A7E5-04B1672EAD32}</a:tableStyleId>
               </a:tblPr>
               <a:tblGrid>
                 <a:gridCol w="3398736">
@@ -11219,7 +11264,7 @@
                       </a:r>
                       <a:r>
                         <a:rPr lang="de-AT" dirty="0"/>
-                        <a:t> RTOS</a:t>
+                        <a:t> Real-Time Operating Systems</a:t>
                       </a:r>
                       <a:endParaRPr lang="en-US" dirty="0"/>
                     </a:p>
@@ -11248,6 +11293,7 @@
                     <a:bodyPr/>
                     <a:lstStyle/>
                     <a:p>
+                      <a:pPr algn="ctr"/>
                       <a:r>
                         <a:rPr lang="de-AT" b="1" dirty="0"/>
                         <a:t>Advantages</a:t>
@@ -11255,13 +11301,21 @@
                       <a:endParaRPr lang="en-US" b="1" dirty="0"/>
                     </a:p>
                   </a:txBody>
-                  <a:tcPr/>
+                  <a:tcPr>
+                    <a:solidFill>
+                      <a:schemeClr val="accent6">
+                        <a:lumMod val="40000"/>
+                        <a:lumOff val="60000"/>
+                      </a:schemeClr>
+                    </a:solidFill>
+                  </a:tcPr>
                 </a:tc>
                 <a:tc>
                   <a:txBody>
                     <a:bodyPr/>
                     <a:lstStyle/>
                     <a:p>
+                      <a:pPr algn="ctr"/>
                       <a:r>
                         <a:rPr lang="de-AT" b="1" dirty="0"/>
                         <a:t>Disadvantages</a:t>
@@ -11269,7 +11323,14 @@
                       <a:endParaRPr lang="en-US" b="1" dirty="0"/>
                     </a:p>
                   </a:txBody>
-                  <a:tcPr/>
+                  <a:tcPr>
+                    <a:solidFill>
+                      <a:schemeClr val="accent6">
+                        <a:lumMod val="40000"/>
+                        <a:lumOff val="60000"/>
+                      </a:schemeClr>
+                    </a:solidFill>
+                  </a:tcPr>
                 </a:tc>
                 <a:extLst>
                   <a:ext uri="{0D108BD9-81ED-4DB2-BD59-A6C34878D82A}">
@@ -11283,7 +11344,7 @@
                     <a:bodyPr/>
                     <a:lstStyle/>
                     <a:p>
-                      <a:pPr marL="0" marR="0" lvl="0" indent="0" algn="l" defTabSz="685783" rtl="0" eaLnBrk="1" fontAlgn="auto" latinLnBrk="0" hangingPunct="1">
+                      <a:pPr marL="0" marR="0" lvl="0" indent="0" algn="ctr" defTabSz="685783" rtl="0" eaLnBrk="1" fontAlgn="auto" latinLnBrk="0" hangingPunct="1">
                         <a:lnSpc>
                           <a:spcPct val="100000"/>
                         </a:lnSpc>
@@ -11301,17 +11362,23 @@
                         <a:defRPr/>
                       </a:pPr>
                       <a:r>
-                        <a:rPr lang="en-US" sz="1350" b="0" i="0" kern="1200" dirty="0">
+                        <a:rPr lang="en-US" sz="1350" b="0" kern="1200" dirty="0">
                           <a:solidFill>
                             <a:schemeClr val="dk1"/>
                           </a:solidFill>
                           <a:effectLst/>
-                          <a:latin typeface="+mn-lt"/>
-                          <a:ea typeface="+mn-ea"/>
-                          <a:cs typeface="+mn-cs"/>
                         </a:rPr>
                         <a:t>Scalability &amp; flexibility</a:t>
                       </a:r>
+                      <a:endParaRPr lang="en-US" sz="1350" b="0" i="0" kern="1200" dirty="0">
+                        <a:solidFill>
+                          <a:schemeClr val="dk1"/>
+                        </a:solidFill>
+                        <a:effectLst/>
+                        <a:latin typeface="+mn-lt"/>
+                        <a:ea typeface="+mn-ea"/>
+                        <a:cs typeface="+mn-cs"/>
+                      </a:endParaRPr>
                     </a:p>
                   </a:txBody>
                   <a:tcPr/>
@@ -11321,18 +11388,25 @@
                     <a:bodyPr/>
                     <a:lstStyle/>
                     <a:p>
+                      <a:pPr algn="ctr"/>
                       <a:r>
-                        <a:rPr lang="en-US" sz="1350" b="0" i="0" kern="1200" dirty="0">
+                        <a:rPr lang="en-US" sz="1350" b="0" kern="1200" dirty="0">
                           <a:solidFill>
                             <a:schemeClr val="dk1"/>
                           </a:solidFill>
                           <a:effectLst/>
-                          <a:latin typeface="+mn-lt"/>
-                          <a:ea typeface="+mn-ea"/>
-                          <a:cs typeface="+mn-cs"/>
                         </a:rPr>
                         <a:t>Increased overhead and latency</a:t>
                       </a:r>
+                      <a:endParaRPr lang="en-US" sz="1350" b="0" i="0" kern="1200" dirty="0">
+                        <a:solidFill>
+                          <a:schemeClr val="dk1"/>
+                        </a:solidFill>
+                        <a:effectLst/>
+                        <a:latin typeface="+mn-lt"/>
+                        <a:ea typeface="+mn-ea"/>
+                        <a:cs typeface="+mn-cs"/>
+                      </a:endParaRPr>
                     </a:p>
                   </a:txBody>
                   <a:tcPr/>
@@ -11349,7 +11423,7 @@
                     <a:bodyPr/>
                     <a:lstStyle/>
                     <a:p>
-                      <a:pPr marL="0" marR="0" lvl="0" indent="0" algn="l" defTabSz="685783" rtl="0" eaLnBrk="1" fontAlgn="auto" latinLnBrk="0" hangingPunct="1">
+                      <a:pPr marL="0" marR="0" lvl="0" indent="0" algn="ctr" defTabSz="685783" rtl="0" eaLnBrk="1" fontAlgn="auto" latinLnBrk="0" hangingPunct="1">
                         <a:lnSpc>
                           <a:spcPct val="100000"/>
                         </a:lnSpc>
@@ -11367,17 +11441,23 @@
                         <a:defRPr/>
                       </a:pPr>
                       <a:r>
-                        <a:rPr lang="en-US" sz="1350" b="0" i="0" kern="1200" dirty="0">
+                        <a:rPr lang="en-US" sz="1350" b="0" kern="1200" dirty="0">
                           <a:solidFill>
                             <a:schemeClr val="dk1"/>
                           </a:solidFill>
                           <a:effectLst/>
-                          <a:latin typeface="+mn-lt"/>
-                          <a:ea typeface="+mn-ea"/>
-                          <a:cs typeface="+mn-cs"/>
                         </a:rPr>
                         <a:t>Cheaper</a:t>
                       </a:r>
+                      <a:endParaRPr lang="en-US" sz="1350" b="0" i="0" kern="1200" dirty="0">
+                        <a:solidFill>
+                          <a:schemeClr val="dk1"/>
+                        </a:solidFill>
+                        <a:effectLst/>
+                        <a:latin typeface="+mn-lt"/>
+                        <a:ea typeface="+mn-ea"/>
+                        <a:cs typeface="+mn-cs"/>
+                      </a:endParaRPr>
                     </a:p>
                   </a:txBody>
                   <a:tcPr/>
@@ -11387,18 +11467,25 @@
                     <a:bodyPr/>
                     <a:lstStyle/>
                     <a:p>
+                      <a:pPr algn="ctr"/>
                       <a:r>
-                        <a:rPr lang="en-US" sz="1350" b="0" i="0" kern="1200" dirty="0">
+                        <a:rPr lang="en-US" sz="1350" b="0" kern="1200" dirty="0">
                           <a:solidFill>
                             <a:schemeClr val="dk1"/>
                           </a:solidFill>
                           <a:effectLst/>
-                          <a:latin typeface="+mn-lt"/>
-                          <a:ea typeface="+mn-ea"/>
-                          <a:cs typeface="+mn-cs"/>
                         </a:rPr>
                         <a:t>Performance variability</a:t>
                       </a:r>
+                      <a:endParaRPr lang="en-US" sz="1350" b="0" i="0" kern="1200" dirty="0">
+                        <a:solidFill>
+                          <a:schemeClr val="dk1"/>
+                        </a:solidFill>
+                        <a:effectLst/>
+                        <a:latin typeface="+mn-lt"/>
+                        <a:ea typeface="+mn-ea"/>
+                        <a:cs typeface="+mn-cs"/>
+                      </a:endParaRPr>
                     </a:p>
                   </a:txBody>
                   <a:tcPr/>
@@ -11415,7 +11502,7 @@
                     <a:bodyPr/>
                     <a:lstStyle/>
                     <a:p>
-                      <a:pPr marL="0" marR="0" lvl="0" indent="0" algn="l" defTabSz="685783" rtl="0" eaLnBrk="1" fontAlgn="auto" latinLnBrk="0" hangingPunct="1">
+                      <a:pPr marL="0" marR="0" lvl="0" indent="0" algn="ctr" defTabSz="685783" rtl="0" eaLnBrk="1" fontAlgn="auto" latinLnBrk="0" hangingPunct="1">
                         <a:lnSpc>
                           <a:spcPct val="100000"/>
                         </a:lnSpc>
@@ -11433,17 +11520,23 @@
                         <a:defRPr/>
                       </a:pPr>
                       <a:r>
-                        <a:rPr lang="en-US" sz="1350" b="0" i="0" kern="1200" dirty="0">
+                        <a:rPr lang="en-US" sz="1350" b="0" kern="1200" dirty="0">
                           <a:solidFill>
                             <a:schemeClr val="dk1"/>
                           </a:solidFill>
                           <a:effectLst/>
-                          <a:latin typeface="+mn-lt"/>
-                          <a:ea typeface="+mn-ea"/>
-                          <a:cs typeface="+mn-cs"/>
                         </a:rPr>
                         <a:t>Remote management</a:t>
                       </a:r>
+                      <a:endParaRPr lang="en-US" sz="1350" b="0" i="0" kern="1200" dirty="0">
+                        <a:solidFill>
+                          <a:schemeClr val="dk1"/>
+                        </a:solidFill>
+                        <a:effectLst/>
+                        <a:latin typeface="+mn-lt"/>
+                        <a:ea typeface="+mn-ea"/>
+                        <a:cs typeface="+mn-cs"/>
+                      </a:endParaRPr>
                     </a:p>
                   </a:txBody>
                   <a:tcPr/>
@@ -11453,7 +11546,7 @@
                     <a:bodyPr/>
                     <a:lstStyle/>
                     <a:p>
-                      <a:pPr marL="0" marR="0" lvl="0" indent="0" algn="l" defTabSz="685783" rtl="0" eaLnBrk="1" fontAlgn="auto" latinLnBrk="0" hangingPunct="1">
+                      <a:pPr marL="0" marR="0" lvl="0" indent="0" algn="ctr" defTabSz="685783" rtl="0" eaLnBrk="1" fontAlgn="auto" latinLnBrk="0" hangingPunct="1">
                         <a:lnSpc>
                           <a:spcPct val="100000"/>
                         </a:lnSpc>
@@ -11471,17 +11564,23 @@
                         <a:defRPr/>
                       </a:pPr>
                       <a:r>
-                        <a:rPr lang="en-US" sz="1350" b="0" i="0" kern="1200" dirty="0">
+                        <a:rPr lang="en-US" sz="1350" b="0" kern="1200" dirty="0">
                           <a:solidFill>
                             <a:schemeClr val="dk1"/>
                           </a:solidFill>
                           <a:effectLst/>
-                          <a:latin typeface="+mn-lt"/>
-                          <a:ea typeface="+mn-ea"/>
-                          <a:cs typeface="+mn-cs"/>
                         </a:rPr>
                         <a:t>Complexity</a:t>
                       </a:r>
+                      <a:endParaRPr lang="en-US" sz="1350" b="0" i="0" kern="1200" dirty="0">
+                        <a:solidFill>
+                          <a:schemeClr val="dk1"/>
+                        </a:solidFill>
+                        <a:effectLst/>
+                        <a:latin typeface="+mn-lt"/>
+                        <a:ea typeface="+mn-ea"/>
+                        <a:cs typeface="+mn-cs"/>
+                      </a:endParaRPr>
                     </a:p>
                   </a:txBody>
                   <a:tcPr/>
@@ -11851,11 +11950,11 @@
             </a:r>
             <a:r>
               <a:rPr lang="de-AT" dirty="0"/>
-              <a:t> Motor </a:t>
+              <a:t> Motor with PWM </a:t>
             </a:r>
             <a:r>
               <a:rPr lang="de-AT" dirty="0" err="1"/>
-              <a:t>Function</a:t>
+              <a:t>module</a:t>
             </a:r>
             <a:endParaRPr lang="en-US" dirty="0"/>
           </a:p>
@@ -11997,7 +12096,7 @@
           <p:cNvPr id="8" name="Grafik 7">
             <a:extLst>
               <a:ext uri="{FF2B5EF4-FFF2-40B4-BE49-F238E27FC236}">
-                <a16:creationId xmlns:a16="http://schemas.microsoft.com/office/drawing/2014/main" id="{0E09A812-0394-4A2D-1D09-45B398080278}"/>
+                <a16:creationId xmlns:a16="http://schemas.microsoft.com/office/drawing/2014/main" id="{735F8350-DE65-C17B-46C7-8C021227B139}"/>
               </a:ext>
             </a:extLst>
           </p:cNvPr>
@@ -12014,8 +12113,8 @@
         </p:blipFill>
         <p:spPr>
           <a:xfrm>
-            <a:off x="2185949" y="971348"/>
-            <a:ext cx="4763421" cy="3609975"/>
+            <a:off x="2785723" y="952894"/>
+            <a:ext cx="3563874" cy="3502109"/>
           </a:xfrm>
           <a:prstGeom prst="rect">
             <a:avLst/>
@@ -12025,7 +12124,7 @@
     </p:spTree>
     <p:extLst>
       <p:ext uri="{BB962C8B-B14F-4D97-AF65-F5344CB8AC3E}">
-        <p14:creationId xmlns:p14="http://schemas.microsoft.com/office/powerpoint/2010/main" val="3894031948"/>
+        <p14:creationId xmlns:p14="http://schemas.microsoft.com/office/powerpoint/2010/main" val="446549561"/>
       </p:ext>
     </p:extLst>
   </p:cSld>
@@ -12081,11 +12180,11 @@
             </a:r>
             <a:r>
               <a:rPr lang="de-AT" dirty="0"/>
-              <a:t> Motor with PWM </a:t>
+              <a:t> Motor </a:t>
             </a:r>
             <a:r>
               <a:rPr lang="de-AT" dirty="0" err="1"/>
-              <a:t>module</a:t>
+              <a:t>Function</a:t>
             </a:r>
             <a:endParaRPr lang="en-US" dirty="0"/>
           </a:p>
@@ -12227,7 +12326,7 @@
           <p:cNvPr id="8" name="Grafik 7">
             <a:extLst>
               <a:ext uri="{FF2B5EF4-FFF2-40B4-BE49-F238E27FC236}">
-                <a16:creationId xmlns:a16="http://schemas.microsoft.com/office/drawing/2014/main" id="{735F8350-DE65-C17B-46C7-8C021227B139}"/>
+                <a16:creationId xmlns:a16="http://schemas.microsoft.com/office/drawing/2014/main" id="{0E09A812-0394-4A2D-1D09-45B398080278}"/>
               </a:ext>
             </a:extLst>
           </p:cNvPr>
@@ -12244,8 +12343,8 @@
         </p:blipFill>
         <p:spPr>
           <a:xfrm>
-            <a:off x="2785723" y="952894"/>
-            <a:ext cx="3563874" cy="3502109"/>
+            <a:off x="2185949" y="971348"/>
+            <a:ext cx="4763421" cy="3609975"/>
           </a:xfrm>
           <a:prstGeom prst="rect">
             <a:avLst/>
@@ -12255,7 +12354,7 @@
     </p:spTree>
     <p:extLst>
       <p:ext uri="{BB962C8B-B14F-4D97-AF65-F5344CB8AC3E}">
-        <p14:creationId xmlns:p14="http://schemas.microsoft.com/office/powerpoint/2010/main" val="446549561"/>
+        <p14:creationId xmlns:p14="http://schemas.microsoft.com/office/powerpoint/2010/main" val="3894031948"/>
       </p:ext>
     </p:extLst>
   </p:cSld>
@@ -12944,10 +13043,10 @@
       </p:sp>
       <p:pic>
         <p:nvPicPr>
-          <p:cNvPr id="15" name="Grafik 14">
-            <a:extLst>
-              <a:ext uri="{FF2B5EF4-FFF2-40B4-BE49-F238E27FC236}">
-                <a16:creationId xmlns:a16="http://schemas.microsoft.com/office/drawing/2014/main" id="{E8544F62-5231-61DB-4403-56731A190D2C}"/>
+          <p:cNvPr id="8" name="Grafik 7">
+            <a:extLst>
+              <a:ext uri="{FF2B5EF4-FFF2-40B4-BE49-F238E27FC236}">
+                <a16:creationId xmlns:a16="http://schemas.microsoft.com/office/drawing/2014/main" id="{ED8E7867-64AB-3367-6543-388B17B091C8}"/>
               </a:ext>
             </a:extLst>
           </p:cNvPr>
@@ -12964,38 +13063,8 @@
         </p:blipFill>
         <p:spPr>
           <a:xfrm>
-            <a:off x="3916680" y="3595634"/>
-            <a:ext cx="5038640" cy="1014825"/>
-          </a:xfrm>
-          <a:prstGeom prst="rect">
-            <a:avLst/>
-          </a:prstGeom>
-        </p:spPr>
-      </p:pic>
-      <p:pic>
-        <p:nvPicPr>
-          <p:cNvPr id="17" name="Grafik 16">
-            <a:extLst>
-              <a:ext uri="{FF2B5EF4-FFF2-40B4-BE49-F238E27FC236}">
-                <a16:creationId xmlns:a16="http://schemas.microsoft.com/office/drawing/2014/main" id="{93501859-DBDA-8E5E-7530-F41937B0AD39}"/>
-              </a:ext>
-            </a:extLst>
-          </p:cNvPr>
-          <p:cNvPicPr>
-            <a:picLocks noChangeAspect="1"/>
-          </p:cNvPicPr>
-          <p:nvPr/>
-        </p:nvPicPr>
-        <p:blipFill>
-          <a:blip r:embed="rId3"/>
-          <a:stretch>
-            <a:fillRect/>
-          </a:stretch>
-        </p:blipFill>
-        <p:spPr>
-          <a:xfrm>
-            <a:off x="188680" y="607499"/>
-            <a:ext cx="4477220" cy="2920207"/>
+            <a:off x="1662906" y="737011"/>
+            <a:ext cx="5809508" cy="3845262"/>
           </a:xfrm>
           <a:prstGeom prst="rect">
             <a:avLst/>
@@ -14177,8 +14246,8 @@
         </p:nvSpPr>
         <p:spPr>
           <a:xfrm>
-            <a:off x="6100917" y="4005707"/>
-            <a:ext cx="960120" cy="271012"/>
+            <a:off x="5350711" y="3792636"/>
+            <a:ext cx="2447610" cy="271012"/>
           </a:xfrm>
           <a:prstGeom prst="rect">
             <a:avLst/>
@@ -14193,7 +14262,35 @@
             <a:pPr algn="l"/>
             <a:r>
               <a:rPr lang="de-AT" sz="1000" dirty="0"/>
-              <a:t>Table x:</a:t>
+              <a:t>Table 1: </a:t>
+            </a:r>
+            <a:r>
+              <a:rPr lang="de-AT" sz="1000" dirty="0" err="1"/>
+              <a:t>Comparison</a:t>
+            </a:r>
+            <a:r>
+              <a:rPr lang="de-AT" sz="1000" dirty="0"/>
+              <a:t> </a:t>
+            </a:r>
+            <a:r>
+              <a:rPr lang="de-AT" sz="1000" dirty="0" err="1"/>
+              <a:t>of</a:t>
+            </a:r>
+            <a:r>
+              <a:rPr lang="de-AT" sz="1000" dirty="0"/>
+              <a:t> </a:t>
+            </a:r>
+            <a:r>
+              <a:rPr lang="de-AT" sz="1000" dirty="0" err="1"/>
+              <a:t>Latency</a:t>
+            </a:r>
+            <a:r>
+              <a:rPr lang="de-AT" sz="1000" dirty="0"/>
+              <a:t> </a:t>
+            </a:r>
+            <a:r>
+              <a:rPr lang="de-AT" sz="1000" dirty="0" err="1"/>
+              <a:t>Statistics</a:t>
             </a:r>
             <a:endParaRPr lang="en-US" sz="1000" dirty="0"/>
           </a:p>
@@ -14213,8 +14310,8 @@
         </p:nvSpPr>
         <p:spPr>
           <a:xfrm>
-            <a:off x="2082963" y="4249575"/>
-            <a:ext cx="960120" cy="271012"/>
+            <a:off x="752838" y="1067390"/>
+            <a:ext cx="2658855" cy="271012"/>
           </a:xfrm>
           <a:prstGeom prst="rect">
             <a:avLst/>
@@ -14229,9 +14326,12 @@
             <a:pPr algn="l"/>
             <a:r>
               <a:rPr lang="de-AT" sz="1000" dirty="0"/>
-              <a:t>Figure x: </a:t>
-            </a:r>
-            <a:endParaRPr lang="en-US" sz="1000" dirty="0"/>
+              <a:t>Figure 1: </a:t>
+            </a:r>
+            <a:r>
+              <a:rPr lang="en-US" sz="1000" dirty="0"/>
+              <a:t>Comparison of Latency Distributions</a:t>
+            </a:r>
           </a:p>
         </p:txBody>
       </p:sp>
@@ -14257,14 +14357,13 @@
               </a:ext>
             </a:extLst>
           </a:blip>
-          <a:stretch>
-            <a:fillRect/>
-          </a:stretch>
+          <a:srcRect l="2704" b="2619"/>
+          <a:stretch/>
         </p:blipFill>
         <p:spPr>
           <a:xfrm>
-            <a:off x="321921" y="1270000"/>
-            <a:ext cx="3828284" cy="2871213"/>
+            <a:off x="425449" y="1270659"/>
+            <a:ext cx="3486769" cy="2617374"/>
           </a:xfrm>
           <a:prstGeom prst="rect">
             <a:avLst/>
@@ -14293,8 +14392,8 @@
         </p:blipFill>
         <p:spPr>
           <a:xfrm>
-            <a:off x="4379091" y="1309536"/>
-            <a:ext cx="4576229" cy="2617375"/>
+            <a:off x="4430481" y="1338402"/>
+            <a:ext cx="4288070" cy="2452562"/>
           </a:xfrm>
           <a:prstGeom prst="rect">
             <a:avLst/>
@@ -14303,10 +14402,10 @@
       </p:pic>
       <p:sp>
         <p:nvSpPr>
-          <p:cNvPr id="7" name="Textfeld 6">
-            <a:extLst>
-              <a:ext uri="{FF2B5EF4-FFF2-40B4-BE49-F238E27FC236}">
-                <a16:creationId xmlns:a16="http://schemas.microsoft.com/office/drawing/2014/main" id="{0B592D90-3BE3-C38F-E2A0-806F30118EBB}"/>
+          <p:cNvPr id="9" name="Textfeld 8">
+            <a:extLst>
+              <a:ext uri="{FF2B5EF4-FFF2-40B4-BE49-F238E27FC236}">
+                <a16:creationId xmlns:a16="http://schemas.microsoft.com/office/drawing/2014/main" id="{F8CCF838-B9F3-3873-7A3C-7BBE9F0C64FB}"/>
               </a:ext>
             </a:extLst>
           </p:cNvPr>
@@ -14314,9 +14413,9 @@
           <p:nvPr/>
         </p:nvSpPr>
         <p:spPr>
-          <a:xfrm>
-            <a:off x="2827020" y="4184384"/>
-            <a:ext cx="914400" cy="914400"/>
+          <a:xfrm rot="16200000">
+            <a:off x="-92329" y="2425700"/>
+            <a:ext cx="743456" cy="292100"/>
           </a:xfrm>
           <a:prstGeom prst="rect">
             <a:avLst/>
@@ -14328,37 +14427,134 @@
           </a:bodyPr>
           <a:lstStyle/>
           <a:p>
-            <a:r>
-              <a:rPr lang="en-US" sz="2800" dirty="0">
+            <a:pPr algn="l"/>
+            <a:r>
+              <a:rPr lang="de-DE" sz="1200" dirty="0"/>
+              <a:t>Samples</a:t>
+            </a:r>
+            <a:endParaRPr lang="de-AT" sz="1200" dirty="0"/>
+          </a:p>
+        </p:txBody>
+      </p:sp>
+      <p:sp>
+        <p:nvSpPr>
+          <p:cNvPr id="10" name="Textfeld 9">
+            <a:extLst>
+              <a:ext uri="{FF2B5EF4-FFF2-40B4-BE49-F238E27FC236}">
+                <a16:creationId xmlns:a16="http://schemas.microsoft.com/office/drawing/2014/main" id="{0B4CB77E-F319-30D6-41ED-74601E873F98}"/>
+              </a:ext>
+            </a:extLst>
+          </p:cNvPr>
+          <p:cNvSpPr txBox="1"/>
+          <p:nvPr/>
+        </p:nvSpPr>
+        <p:spPr>
+          <a:xfrm>
+            <a:off x="1736367" y="3806570"/>
+            <a:ext cx="864931" cy="271012"/>
+          </a:xfrm>
+          <a:prstGeom prst="rect">
+            <a:avLst/>
+          </a:prstGeom>
+        </p:spPr>
+        <p:txBody>
+          <a:bodyPr vert="horz" wrap="none" lIns="91440" tIns="45720" rIns="91440" bIns="45720" rtlCol="0" anchor="t">
+            <a:noAutofit/>
+          </a:bodyPr>
+          <a:lstStyle/>
+          <a:p>
+            <a:pPr algn="l"/>
+            <a:r>
+              <a:rPr lang="de-DE" sz="1050" dirty="0">
+                <a:latin typeface="Arial "/>
+              </a:rPr>
+              <a:t>Time in </a:t>
+            </a:r>
+            <a:r>
+              <a:rPr lang="el-GR" sz="1050" b="0" i="0" dirty="0">
                 <a:solidFill>
-                  <a:srgbClr val="FF0000"/>
+                  <a:srgbClr val="111111"/>
                 </a:solidFill>
+                <a:effectLst/>
+                <a:latin typeface="Arial "/>
               </a:rPr>
-              <a:t>LEGENDE </a:t>
-            </a:r>
-            <a:r>
-              <a:rPr lang="en-US" sz="2800" dirty="0" err="1">
+              <a:t>μ</a:t>
+            </a:r>
+            <a:r>
+              <a:rPr lang="de-DE" sz="1050" b="0" i="0" dirty="0">
                 <a:solidFill>
-                  <a:srgbClr val="FF0000"/>
+                  <a:srgbClr val="111111"/>
                 </a:solidFill>
+                <a:effectLst/>
+                <a:latin typeface="Arial "/>
               </a:rPr>
-              <a:t>GRÖßER</a:t>
-            </a:r>
-            <a:r>
-              <a:rPr lang="en-US" sz="2800" dirty="0">
-                <a:solidFill>
-                  <a:srgbClr val="FF0000"/>
-                </a:solidFill>
-              </a:rPr>
-              <a:t> UND X UND Y?</a:t>
-            </a:r>
-          </a:p>
-          <a:p>
-            <a:pPr algn="l"/>
-            <a:endParaRPr lang="en-US" sz="2800" dirty="0"/>
-          </a:p>
-        </p:txBody>
-      </p:sp>
+              <a:t>s</a:t>
+            </a:r>
+            <a:endParaRPr lang="de-AT" sz="1050" dirty="0">
+              <a:latin typeface="Arial "/>
+            </a:endParaRPr>
+          </a:p>
+        </p:txBody>
+      </p:sp>
+      <p:pic>
+        <p:nvPicPr>
+          <p:cNvPr id="14" name="Grafik 13">
+            <a:extLst>
+              <a:ext uri="{FF2B5EF4-FFF2-40B4-BE49-F238E27FC236}">
+                <a16:creationId xmlns:a16="http://schemas.microsoft.com/office/drawing/2014/main" id="{6147F1B5-BDEB-3B8A-5C6E-99A5C42ED7C5}"/>
+              </a:ext>
+            </a:extLst>
+          </p:cNvPr>
+          <p:cNvPicPr>
+            <a:picLocks noChangeAspect="1"/>
+          </p:cNvPicPr>
+          <p:nvPr/>
+        </p:nvPicPr>
+        <p:blipFill>
+          <a:blip r:embed="rId4"/>
+          <a:stretch>
+            <a:fillRect/>
+          </a:stretch>
+        </p:blipFill>
+        <p:spPr>
+          <a:xfrm>
+            <a:off x="950325" y="4063648"/>
+            <a:ext cx="2034338" cy="644861"/>
+          </a:xfrm>
+          <a:prstGeom prst="rect">
+            <a:avLst/>
+          </a:prstGeom>
+        </p:spPr>
+      </p:pic>
+      <p:pic>
+        <p:nvPicPr>
+          <p:cNvPr id="22" name="Grafik 21">
+            <a:extLst>
+              <a:ext uri="{FF2B5EF4-FFF2-40B4-BE49-F238E27FC236}">
+                <a16:creationId xmlns:a16="http://schemas.microsoft.com/office/drawing/2014/main" id="{46B2258E-2926-E754-1F39-54F258F8496A}"/>
+              </a:ext>
+            </a:extLst>
+          </p:cNvPr>
+          <p:cNvPicPr>
+            <a:picLocks noChangeAspect="1"/>
+          </p:cNvPicPr>
+          <p:nvPr/>
+        </p:nvPicPr>
+        <p:blipFill>
+          <a:blip r:embed="rId5"/>
+          <a:srcRect t="15146"/>
+          <a:stretch/>
+        </p:blipFill>
+        <p:spPr>
+          <a:xfrm>
+            <a:off x="2419350" y="1362074"/>
+            <a:ext cx="1337196" cy="426849"/>
+          </a:xfrm>
+          <a:prstGeom prst="rect">
+            <a:avLst/>
+          </a:prstGeom>
+        </p:spPr>
+      </p:pic>
     </p:spTree>
     <p:extLst>
       <p:ext uri="{BB962C8B-B14F-4D97-AF65-F5344CB8AC3E}">
@@ -14451,13 +14647,13 @@
           <a:lstStyle/>
           <a:p>
             <a:r>
-              <a:rPr lang="en-US" sz="1800" dirty="0"/>
-              <a:t>Difference between command issuance time and signal arrival at PWM module</a:t>
-            </a:r>
-          </a:p>
-          <a:p>
-            <a:r>
-              <a:rPr lang="en-US" sz="1800" dirty="0"/>
+              <a:rPr lang="en-US" sz="2000" dirty="0"/>
+              <a:t>Difference between command issuance time and signal arrival at PWM</a:t>
+            </a:r>
+          </a:p>
+          <a:p>
+            <a:r>
+              <a:rPr lang="en-US" sz="2000" dirty="0"/>
               <a:t>1,000 samples</a:t>
             </a:r>
           </a:p>
@@ -14534,42 +14730,6 @@
               <a:t>7</a:t>
             </a:fld>
             <a:endParaRPr lang="en-GB" dirty="0"/>
-          </a:p>
-        </p:txBody>
-      </p:sp>
-      <p:sp>
-        <p:nvSpPr>
-          <p:cNvPr id="6" name="Textfeld 5">
-            <a:extLst>
-              <a:ext uri="{FF2B5EF4-FFF2-40B4-BE49-F238E27FC236}">
-                <a16:creationId xmlns:a16="http://schemas.microsoft.com/office/drawing/2014/main" id="{D9C163D6-FD62-5863-C7DC-CBFBDB83CB00}"/>
-              </a:ext>
-            </a:extLst>
-          </p:cNvPr>
-          <p:cNvSpPr txBox="1"/>
-          <p:nvPr/>
-        </p:nvSpPr>
-        <p:spPr>
-          <a:xfrm>
-            <a:off x="4087600" y="4137912"/>
-            <a:ext cx="960120" cy="271012"/>
-          </a:xfrm>
-          <a:prstGeom prst="rect">
-            <a:avLst/>
-          </a:prstGeom>
-        </p:spPr>
-        <p:txBody>
-          <a:bodyPr vert="horz" wrap="none" lIns="91440" tIns="45720" rIns="91440" bIns="45720" rtlCol="0" anchor="t">
-            <a:normAutofit/>
-          </a:bodyPr>
-          <a:lstStyle/>
-          <a:p>
-            <a:pPr algn="l"/>
-            <a:r>
-              <a:rPr lang="de-AT" sz="1000" dirty="0"/>
-              <a:t>Table x:</a:t>
-            </a:r>
-            <a:endParaRPr lang="en-US" sz="1000" dirty="0"/>
           </a:p>
         </p:txBody>
       </p:sp>
@@ -14603,6 +14763,45 @@
           </a:prstGeom>
         </p:spPr>
       </p:pic>
+      <p:sp>
+        <p:nvSpPr>
+          <p:cNvPr id="7" name="Textfeld 6">
+            <a:extLst>
+              <a:ext uri="{FF2B5EF4-FFF2-40B4-BE49-F238E27FC236}">
+                <a16:creationId xmlns:a16="http://schemas.microsoft.com/office/drawing/2014/main" id="{7A106435-F920-1D2D-8F70-8558378D4BB6}"/>
+              </a:ext>
+            </a:extLst>
+          </p:cNvPr>
+          <p:cNvSpPr txBox="1"/>
+          <p:nvPr/>
+        </p:nvSpPr>
+        <p:spPr>
+          <a:xfrm>
+            <a:off x="2775662" y="4036500"/>
+            <a:ext cx="3583995" cy="271012"/>
+          </a:xfrm>
+          <a:prstGeom prst="rect">
+            <a:avLst/>
+          </a:prstGeom>
+        </p:spPr>
+        <p:txBody>
+          <a:bodyPr vert="horz" wrap="none" lIns="91440" tIns="45720" rIns="91440" bIns="45720" rtlCol="0" anchor="t">
+            <a:normAutofit/>
+          </a:bodyPr>
+          <a:lstStyle/>
+          <a:p>
+            <a:pPr algn="l"/>
+            <a:r>
+              <a:rPr lang="de-AT" sz="1000" dirty="0"/>
+              <a:t>Table 2: </a:t>
+            </a:r>
+            <a:r>
+              <a:rPr lang="en-US" sz="1000" dirty="0"/>
+              <a:t>Comparison of Robotic Application Latency Statistics</a:t>
+            </a:r>
+          </a:p>
+        </p:txBody>
+      </p:sp>
     </p:spTree>
     <p:extLst>
       <p:ext uri="{BB962C8B-B14F-4D97-AF65-F5344CB8AC3E}">
@@ -14940,9 +15139,9 @@
             <a:endParaRPr lang="en-US" dirty="0"/>
           </a:p>
           <a:p>
-            <a:endParaRPr lang="en-US" dirty="0"/>
-          </a:p>
-          <a:p>
+            <a:pPr marL="0" indent="0">
+              <a:buNone/>
+            </a:pPr>
             <a:endParaRPr lang="en-US" dirty="0"/>
           </a:p>
           <a:p>
@@ -14950,9 +15149,6 @@
               <a:rPr lang="en-US" dirty="0"/>
               <a:t>Other hypervisors and virtualization technologies</a:t>
             </a:r>
-          </a:p>
-          <a:p>
-            <a:endParaRPr lang="en-US" dirty="0"/>
           </a:p>
           <a:p>
             <a:endParaRPr lang="en-US" dirty="0"/>

--- a/Masterprüfung/Presentation/Presentation.pptx
+++ b/Masterprüfung/Presentation/Presentation.pptx
@@ -5,10 +5,10 @@
     <p:sldMasterId id="2147483648" r:id="rId1"/>
   </p:sldMasterIdLst>
   <p:notesMasterIdLst>
-    <p:notesMasterId r:id="rId37"/>
+    <p:notesMasterId r:id="rId36"/>
   </p:notesMasterIdLst>
   <p:handoutMasterIdLst>
-    <p:handoutMasterId r:id="rId38"/>
+    <p:handoutMasterId r:id="rId37"/>
   </p:handoutMasterIdLst>
   <p:sldIdLst>
     <p:sldId id="305" r:id="rId2"/>
@@ -39,13 +39,12 @@
     <p:sldId id="300" r:id="rId27"/>
     <p:sldId id="301" r:id="rId28"/>
     <p:sldId id="302" r:id="rId29"/>
-    <p:sldId id="276" r:id="rId30"/>
-    <p:sldId id="277" r:id="rId31"/>
+    <p:sldId id="277" r:id="rId30"/>
+    <p:sldId id="279" r:id="rId31"/>
     <p:sldId id="278" r:id="rId32"/>
-    <p:sldId id="279" r:id="rId33"/>
-    <p:sldId id="280" r:id="rId34"/>
-    <p:sldId id="281" r:id="rId35"/>
-    <p:sldId id="303" r:id="rId36"/>
+    <p:sldId id="280" r:id="rId33"/>
+    <p:sldId id="281" r:id="rId34"/>
+    <p:sldId id="303" r:id="rId35"/>
   </p:sldIdLst>
   <p:sldSz cx="9144000" cy="5143500" type="screen16x9"/>
   <p:notesSz cx="6858000" cy="9144000"/>
@@ -189,10 +188,9 @@
         </p14:section>
         <p14:section name="Frage 3" id="{9ADAF0AC-C1D3-4327-B236-09747C4A1383}">
           <p14:sldIdLst>
-            <p14:sldId id="276"/>
             <p14:sldId id="277"/>
+            <p14:sldId id="279"/>
             <p14:sldId id="278"/>
-            <p14:sldId id="279"/>
             <p14:sldId id="280"/>
             <p14:sldId id="281"/>
             <p14:sldId id="303"/>
@@ -10923,7 +10921,7 @@
           <a:p>
             <a:r>
               <a:rPr lang="en-US" dirty="0"/>
-              <a:t>Operations in a virtualized Environment</a:t>
+              <a:t>Host Operating System</a:t>
             </a:r>
           </a:p>
         </p:txBody>
@@ -11026,10 +11024,10 @@
       </p:sp>
       <p:pic>
         <p:nvPicPr>
-          <p:cNvPr id="7" name="Grafik 6">
-            <a:extLst>
-              <a:ext uri="{FF2B5EF4-FFF2-40B4-BE49-F238E27FC236}">
-                <a16:creationId xmlns:a16="http://schemas.microsoft.com/office/drawing/2014/main" id="{D3C8EB07-66E9-56CB-C779-AE257F3A454B}"/>
+          <p:cNvPr id="8" name="Grafik 7">
+            <a:extLst>
+              <a:ext uri="{FF2B5EF4-FFF2-40B4-BE49-F238E27FC236}">
+                <a16:creationId xmlns:a16="http://schemas.microsoft.com/office/drawing/2014/main" id="{90480B54-5B23-FF47-F714-252518C84D10}"/>
               </a:ext>
             </a:extLst>
           </p:cNvPr>
@@ -11046,8 +11044,8 @@
         </p:blipFill>
         <p:spPr>
           <a:xfrm>
-            <a:off x="2259593" y="750246"/>
-            <a:ext cx="4616134" cy="3821904"/>
+            <a:off x="1243012" y="1090612"/>
+            <a:ext cx="6657975" cy="2962275"/>
           </a:xfrm>
           <a:prstGeom prst="rect">
             <a:avLst/>
@@ -11057,7 +11055,7 @@
     </p:spTree>
     <p:extLst>
       <p:ext uri="{BB962C8B-B14F-4D97-AF65-F5344CB8AC3E}">
-        <p14:creationId xmlns:p14="http://schemas.microsoft.com/office/powerpoint/2010/main" val="3521222500"/>
+        <p14:creationId xmlns:p14="http://schemas.microsoft.com/office/powerpoint/2010/main" val="1970974317"/>
       </p:ext>
     </p:extLst>
   </p:cSld>
@@ -11764,8 +11762,12 @@
           <a:lstStyle/>
           <a:p>
             <a:r>
+              <a:rPr lang="en-US" dirty="0" err="1"/>
+              <a:t>Xenomai</a:t>
+            </a:r>
+            <a:r>
               <a:rPr lang="en-US" dirty="0"/>
-              <a:t>Host Operating System</a:t>
+              <a:t> Approaches </a:t>
             </a:r>
           </a:p>
         </p:txBody>
@@ -11868,10 +11870,10 @@
       </p:sp>
       <p:pic>
         <p:nvPicPr>
-          <p:cNvPr id="8" name="Grafik 7">
-            <a:extLst>
-              <a:ext uri="{FF2B5EF4-FFF2-40B4-BE49-F238E27FC236}">
-                <a16:creationId xmlns:a16="http://schemas.microsoft.com/office/drawing/2014/main" id="{90480B54-5B23-FF47-F714-252518C84D10}"/>
+          <p:cNvPr id="10" name="Grafik 9">
+            <a:extLst>
+              <a:ext uri="{FF2B5EF4-FFF2-40B4-BE49-F238E27FC236}">
+                <a16:creationId xmlns:a16="http://schemas.microsoft.com/office/drawing/2014/main" id="{A0162D1F-E32F-4AB1-B397-D24C5601D159}"/>
               </a:ext>
             </a:extLst>
           </p:cNvPr>
@@ -11888,18 +11890,58 @@
         </p:blipFill>
         <p:spPr>
           <a:xfrm>
-            <a:off x="1243012" y="1090612"/>
-            <a:ext cx="6657975" cy="2962275"/>
+            <a:off x="4865900" y="1402499"/>
+            <a:ext cx="3676167" cy="2577912"/>
           </a:xfrm>
           <a:prstGeom prst="rect">
             <a:avLst/>
           </a:prstGeom>
+          <a:ln>
+            <a:solidFill>
+              <a:schemeClr val="tx1"/>
+            </a:solidFill>
+          </a:ln>
+        </p:spPr>
+      </p:pic>
+      <p:pic>
+        <p:nvPicPr>
+          <p:cNvPr id="12" name="Grafik 11">
+            <a:extLst>
+              <a:ext uri="{FF2B5EF4-FFF2-40B4-BE49-F238E27FC236}">
+                <a16:creationId xmlns:a16="http://schemas.microsoft.com/office/drawing/2014/main" id="{0438F7D7-2BBA-3715-5B63-ACF5E237621D}"/>
+              </a:ext>
+            </a:extLst>
+          </p:cNvPr>
+          <p:cNvPicPr>
+            <a:picLocks noChangeAspect="1"/>
+          </p:cNvPicPr>
+          <p:nvPr/>
+        </p:nvPicPr>
+        <p:blipFill>
+          <a:blip r:embed="rId3"/>
+          <a:stretch>
+            <a:fillRect/>
+          </a:stretch>
+        </p:blipFill>
+        <p:spPr>
+          <a:xfrm>
+            <a:off x="503810" y="1402499"/>
+            <a:ext cx="3774292" cy="2577912"/>
+          </a:xfrm>
+          <a:prstGeom prst="rect">
+            <a:avLst/>
+          </a:prstGeom>
+          <a:ln>
+            <a:solidFill>
+              <a:schemeClr val="tx1"/>
+            </a:solidFill>
+          </a:ln>
         </p:spPr>
       </p:pic>
     </p:spTree>
     <p:extLst>
       <p:ext uri="{BB962C8B-B14F-4D97-AF65-F5344CB8AC3E}">
-        <p14:creationId xmlns:p14="http://schemas.microsoft.com/office/powerpoint/2010/main" val="1970974317"/>
+        <p14:creationId xmlns:p14="http://schemas.microsoft.com/office/powerpoint/2010/main" val="3454499866"/>
       </p:ext>
     </p:extLst>
   </p:cSld>
@@ -12136,13 +12178,14 @@
           <a:lstStyle/>
           <a:p>
             <a:r>
+              <a:rPr lang="en-US" dirty="0"/>
+              <a:t>Trace-</a:t>
+            </a:r>
+            <a:r>
               <a:rPr lang="en-US" dirty="0" err="1"/>
-              <a:t>Xenomai</a:t>
-            </a:r>
-            <a:r>
-              <a:rPr lang="en-US" dirty="0"/>
-              <a:t> Approaches </a:t>
-            </a:r>
+              <a:t>cmd</a:t>
+            </a:r>
+            <a:endParaRPr lang="en-US" dirty="0"/>
           </a:p>
         </p:txBody>
       </p:sp>
@@ -12237,237 +12280,6 @@
               <a:rPr lang="en-GB" smtClean="0"/>
               <a:pPr/>
               <a:t>32</a:t>
-            </a:fld>
-            <a:endParaRPr lang="en-GB" dirty="0"/>
-          </a:p>
-        </p:txBody>
-      </p:sp>
-      <p:pic>
-        <p:nvPicPr>
-          <p:cNvPr id="10" name="Grafik 9">
-            <a:extLst>
-              <a:ext uri="{FF2B5EF4-FFF2-40B4-BE49-F238E27FC236}">
-                <a16:creationId xmlns:a16="http://schemas.microsoft.com/office/drawing/2014/main" id="{A0162D1F-E32F-4AB1-B397-D24C5601D159}"/>
-              </a:ext>
-            </a:extLst>
-          </p:cNvPr>
-          <p:cNvPicPr>
-            <a:picLocks noChangeAspect="1"/>
-          </p:cNvPicPr>
-          <p:nvPr/>
-        </p:nvPicPr>
-        <p:blipFill>
-          <a:blip r:embed="rId2"/>
-          <a:stretch>
-            <a:fillRect/>
-          </a:stretch>
-        </p:blipFill>
-        <p:spPr>
-          <a:xfrm>
-            <a:off x="4865900" y="1402499"/>
-            <a:ext cx="3676167" cy="2577912"/>
-          </a:xfrm>
-          <a:prstGeom prst="rect">
-            <a:avLst/>
-          </a:prstGeom>
-          <a:ln>
-            <a:solidFill>
-              <a:schemeClr val="tx1"/>
-            </a:solidFill>
-          </a:ln>
-        </p:spPr>
-      </p:pic>
-      <p:pic>
-        <p:nvPicPr>
-          <p:cNvPr id="12" name="Grafik 11">
-            <a:extLst>
-              <a:ext uri="{FF2B5EF4-FFF2-40B4-BE49-F238E27FC236}">
-                <a16:creationId xmlns:a16="http://schemas.microsoft.com/office/drawing/2014/main" id="{0438F7D7-2BBA-3715-5B63-ACF5E237621D}"/>
-              </a:ext>
-            </a:extLst>
-          </p:cNvPr>
-          <p:cNvPicPr>
-            <a:picLocks noChangeAspect="1"/>
-          </p:cNvPicPr>
-          <p:nvPr/>
-        </p:nvPicPr>
-        <p:blipFill>
-          <a:blip r:embed="rId3"/>
-          <a:stretch>
-            <a:fillRect/>
-          </a:stretch>
-        </p:blipFill>
-        <p:spPr>
-          <a:xfrm>
-            <a:off x="503810" y="1402499"/>
-            <a:ext cx="3774292" cy="2577912"/>
-          </a:xfrm>
-          <a:prstGeom prst="rect">
-            <a:avLst/>
-          </a:prstGeom>
-          <a:ln>
-            <a:solidFill>
-              <a:schemeClr val="tx1"/>
-            </a:solidFill>
-          </a:ln>
-        </p:spPr>
-      </p:pic>
-    </p:spTree>
-    <p:extLst>
-      <p:ext uri="{BB962C8B-B14F-4D97-AF65-F5344CB8AC3E}">
-        <p14:creationId xmlns:p14="http://schemas.microsoft.com/office/powerpoint/2010/main" val="3454499866"/>
-      </p:ext>
-    </p:extLst>
-  </p:cSld>
-  <p:clrMapOvr>
-    <a:masterClrMapping/>
-  </p:clrMapOvr>
-</p:sld>
-</file>
-
-<file path=ppt/slides/slide33.xml><?xml version="1.0" encoding="utf-8"?>
-<p:sld xmlns:a="http://schemas.openxmlformats.org/drawingml/2006/main" xmlns:r="http://schemas.openxmlformats.org/officeDocument/2006/relationships" xmlns:p="http://schemas.openxmlformats.org/presentationml/2006/main" show="0">
-  <p:cSld>
-    <p:spTree>
-      <p:nvGrpSpPr>
-        <p:cNvPr id="1" name=""/>
-        <p:cNvGrpSpPr/>
-        <p:nvPr/>
-      </p:nvGrpSpPr>
-      <p:grpSpPr>
-        <a:xfrm>
-          <a:off x="0" y="0"/>
-          <a:ext cx="0" cy="0"/>
-          <a:chOff x="0" y="0"/>
-          <a:chExt cx="0" cy="0"/>
-        </a:xfrm>
-      </p:grpSpPr>
-      <p:sp>
-        <p:nvSpPr>
-          <p:cNvPr id="2" name="Titel 1">
-            <a:extLst>
-              <a:ext uri="{FF2B5EF4-FFF2-40B4-BE49-F238E27FC236}">
-                <a16:creationId xmlns:a16="http://schemas.microsoft.com/office/drawing/2014/main" id="{446D3BEF-CC88-B742-5807-43EE48D25381}"/>
-              </a:ext>
-            </a:extLst>
-          </p:cNvPr>
-          <p:cNvSpPr>
-            <a:spLocks noGrp="1"/>
-          </p:cNvSpPr>
-          <p:nvPr>
-            <p:ph type="title"/>
-          </p:nvPr>
-        </p:nvSpPr>
-        <p:spPr/>
-        <p:txBody>
-          <a:bodyPr>
-            <a:normAutofit fontScale="90000"/>
-          </a:bodyPr>
-          <a:lstStyle/>
-          <a:p>
-            <a:r>
-              <a:rPr lang="en-US" dirty="0"/>
-              <a:t>Trace-</a:t>
-            </a:r>
-            <a:r>
-              <a:rPr lang="en-US" dirty="0" err="1"/>
-              <a:t>cmd</a:t>
-            </a:r>
-            <a:endParaRPr lang="en-US" dirty="0"/>
-          </a:p>
-        </p:txBody>
-      </p:sp>
-      <p:sp>
-        <p:nvSpPr>
-          <p:cNvPr id="3" name="Textplatzhalter 2">
-            <a:extLst>
-              <a:ext uri="{FF2B5EF4-FFF2-40B4-BE49-F238E27FC236}">
-                <a16:creationId xmlns:a16="http://schemas.microsoft.com/office/drawing/2014/main" id="{04897626-5992-AC9F-A7C2-0A8A6A65B6F9}"/>
-              </a:ext>
-            </a:extLst>
-          </p:cNvPr>
-          <p:cNvSpPr>
-            <a:spLocks noGrp="1"/>
-          </p:cNvSpPr>
-          <p:nvPr>
-            <p:ph type="body" sz="quarter" idx="14"/>
-          </p:nvPr>
-        </p:nvSpPr>
-        <p:spPr/>
-        <p:txBody>
-          <a:bodyPr/>
-          <a:lstStyle/>
-          <a:p>
-            <a:endParaRPr lang="en-US" dirty="0"/>
-          </a:p>
-        </p:txBody>
-      </p:sp>
-      <p:sp>
-        <p:nvSpPr>
-          <p:cNvPr id="4" name="Fußzeilenplatzhalter 3">
-            <a:extLst>
-              <a:ext uri="{FF2B5EF4-FFF2-40B4-BE49-F238E27FC236}">
-                <a16:creationId xmlns:a16="http://schemas.microsoft.com/office/drawing/2014/main" id="{17F6F80D-FCFD-474A-A46E-BEF92F26DC8D}"/>
-              </a:ext>
-            </a:extLst>
-          </p:cNvPr>
-          <p:cNvSpPr>
-            <a:spLocks noGrp="1"/>
-          </p:cNvSpPr>
-          <p:nvPr>
-            <p:ph type="ftr" sz="quarter" idx="12"/>
-          </p:nvPr>
-        </p:nvSpPr>
-        <p:spPr/>
-        <p:txBody>
-          <a:bodyPr/>
-          <a:lstStyle/>
-          <a:p>
-            <a:r>
-              <a:rPr lang="en-US"/>
-              <a:t>Virtualization of a Real-Time Operating System for Robot Control with a Focus on RealTime Compliance</a:t>
-            </a:r>
-            <a:r>
-              <a:rPr lang="en-GB"/>
-              <a:t> | </a:t>
-            </a:r>
-            <a:r>
-              <a:rPr lang="de-AT"/>
-              <a:t>Halil Pamuk, BSc.</a:t>
-            </a:r>
-            <a:r>
-              <a:rPr lang="en-GB"/>
-              <a:t> | 10.10.2024</a:t>
-            </a:r>
-            <a:endParaRPr lang="en-GB" dirty="0"/>
-          </a:p>
-        </p:txBody>
-      </p:sp>
-      <p:sp>
-        <p:nvSpPr>
-          <p:cNvPr id="5" name="Foliennummernplatzhalter 4">
-            <a:extLst>
-              <a:ext uri="{FF2B5EF4-FFF2-40B4-BE49-F238E27FC236}">
-                <a16:creationId xmlns:a16="http://schemas.microsoft.com/office/drawing/2014/main" id="{6FE7C3E3-082F-E591-9994-A62597200B98}"/>
-              </a:ext>
-            </a:extLst>
-          </p:cNvPr>
-          <p:cNvSpPr>
-            <a:spLocks noGrp="1"/>
-          </p:cNvSpPr>
-          <p:nvPr>
-            <p:ph type="sldNum" sz="quarter" idx="13"/>
-          </p:nvPr>
-        </p:nvSpPr>
-        <p:spPr/>
-        <p:txBody>
-          <a:bodyPr/>
-          <a:lstStyle/>
-          <a:p>
-            <a:fld id="{9C057DB4-583E-41A7-BD94-987342018C17}" type="slidenum">
-              <a:rPr lang="en-GB" smtClean="0"/>
-              <a:pPr/>
-              <a:t>33</a:t>
             </a:fld>
             <a:endParaRPr lang="en-GB" dirty="0"/>
           </a:p>
@@ -12516,6 +12328,334 @@
 </p:sld>
 </file>
 
+<file path=ppt/slides/slide33.xml><?xml version="1.0" encoding="utf-8"?>
+<p:sld xmlns:a="http://schemas.openxmlformats.org/drawingml/2006/main" xmlns:r="http://schemas.openxmlformats.org/officeDocument/2006/relationships" xmlns:p="http://schemas.openxmlformats.org/presentationml/2006/main" show="0">
+  <p:cSld>
+    <p:spTree>
+      <p:nvGrpSpPr>
+        <p:cNvPr id="1" name=""/>
+        <p:cNvGrpSpPr/>
+        <p:nvPr/>
+      </p:nvGrpSpPr>
+      <p:grpSpPr>
+        <a:xfrm>
+          <a:off x="0" y="0"/>
+          <a:ext cx="0" cy="0"/>
+          <a:chOff x="0" y="0"/>
+          <a:chExt cx="0" cy="0"/>
+        </a:xfrm>
+      </p:grpSpPr>
+      <p:sp>
+        <p:nvSpPr>
+          <p:cNvPr id="2" name="Titel 1">
+            <a:extLst>
+              <a:ext uri="{FF2B5EF4-FFF2-40B4-BE49-F238E27FC236}">
+                <a16:creationId xmlns:a16="http://schemas.microsoft.com/office/drawing/2014/main" id="{446D3BEF-CC88-B742-5807-43EE48D25381}"/>
+              </a:ext>
+            </a:extLst>
+          </p:cNvPr>
+          <p:cNvSpPr>
+            <a:spLocks noGrp="1"/>
+          </p:cNvSpPr>
+          <p:nvPr>
+            <p:ph type="title"/>
+          </p:nvPr>
+        </p:nvSpPr>
+        <p:spPr/>
+        <p:txBody>
+          <a:bodyPr>
+            <a:normAutofit fontScale="90000"/>
+          </a:bodyPr>
+          <a:lstStyle/>
+          <a:p>
+            <a:r>
+              <a:rPr lang="en-US" dirty="0"/>
+              <a:t>Trace-</a:t>
+            </a:r>
+            <a:r>
+              <a:rPr lang="en-US" dirty="0" err="1"/>
+              <a:t>cmd</a:t>
+            </a:r>
+            <a:endParaRPr lang="en-US" dirty="0"/>
+          </a:p>
+        </p:txBody>
+      </p:sp>
+      <p:sp>
+        <p:nvSpPr>
+          <p:cNvPr id="3" name="Textplatzhalter 2">
+            <a:extLst>
+              <a:ext uri="{FF2B5EF4-FFF2-40B4-BE49-F238E27FC236}">
+                <a16:creationId xmlns:a16="http://schemas.microsoft.com/office/drawing/2014/main" id="{04897626-5992-AC9F-A7C2-0A8A6A65B6F9}"/>
+              </a:ext>
+            </a:extLst>
+          </p:cNvPr>
+          <p:cNvSpPr>
+            <a:spLocks noGrp="1"/>
+          </p:cNvSpPr>
+          <p:nvPr>
+            <p:ph type="body" sz="quarter" idx="14"/>
+          </p:nvPr>
+        </p:nvSpPr>
+        <p:spPr/>
+        <p:txBody>
+          <a:bodyPr>
+            <a:normAutofit/>
+          </a:bodyPr>
+          <a:lstStyle/>
+          <a:p>
+            <a:pPr algn="l"/>
+            <a:r>
+              <a:rPr lang="en-US" sz="1600" b="0" i="0" u="none" strike="noStrike" baseline="0" dirty="0" err="1">
+                <a:latin typeface="NimbusMonL-Regu"/>
+              </a:rPr>
+              <a:t>sudo</a:t>
+            </a:r>
+            <a:r>
+              <a:rPr lang="en-US" sz="1600" b="0" i="0" u="none" strike="noStrike" baseline="0" dirty="0">
+                <a:latin typeface="NimbusMonL-Regu"/>
+              </a:rPr>
+              <a:t> trace-</a:t>
+            </a:r>
+            <a:r>
+              <a:rPr lang="en-US" sz="1600" b="0" i="0" u="none" strike="noStrike" baseline="0" dirty="0" err="1">
+                <a:latin typeface="NimbusMonL-Regu"/>
+              </a:rPr>
+              <a:t>cmd</a:t>
+            </a:r>
+            <a:r>
+              <a:rPr lang="en-US" sz="1600" b="0" i="0" u="none" strike="noStrike" baseline="0" dirty="0">
+                <a:latin typeface="NimbusMonL-Regu"/>
+              </a:rPr>
+              <a:t> record -e all -A @3:823 -name Salamander4 -e all</a:t>
+            </a:r>
+          </a:p>
+          <a:p>
+            <a:pPr algn="l"/>
+            <a:endParaRPr lang="en-US" sz="1600" dirty="0">
+              <a:latin typeface="NimbusMonL-Regu"/>
+            </a:endParaRPr>
+          </a:p>
+          <a:p>
+            <a:pPr algn="l"/>
+            <a:endParaRPr lang="en-US" sz="1600" b="0" i="0" u="none" strike="noStrike" baseline="0" dirty="0">
+              <a:latin typeface="NimbusMonL-Regu"/>
+            </a:endParaRPr>
+          </a:p>
+          <a:p>
+            <a:pPr algn="l"/>
+            <a:endParaRPr lang="en-US" sz="1600" dirty="0">
+              <a:latin typeface="NimbusMonL-Regu"/>
+            </a:endParaRPr>
+          </a:p>
+          <a:p>
+            <a:pPr algn="l"/>
+            <a:endParaRPr lang="pt-BR" sz="1600" b="0" i="0" u="none" strike="noStrike" baseline="0" dirty="0">
+              <a:latin typeface="NimbusMonL-Regu"/>
+            </a:endParaRPr>
+          </a:p>
+          <a:p>
+            <a:pPr algn="l"/>
+            <a:r>
+              <a:rPr lang="pt-BR" sz="1600" b="0" i="0" u="none" strike="noStrike" baseline="0" dirty="0">
+                <a:latin typeface="NimbusMonL-Regu"/>
+              </a:rPr>
+              <a:t>sudo trace-cmd record -e kvm:kvm_entry -e kvm:kvm_exit -A @3:823 -name Salamander4 -e all</a:t>
+            </a:r>
+          </a:p>
+          <a:p>
+            <a:pPr algn="l"/>
+            <a:endParaRPr lang="pt-BR" sz="1600" dirty="0">
+              <a:latin typeface="NimbusMonL-Regu"/>
+            </a:endParaRPr>
+          </a:p>
+          <a:p>
+            <a:pPr algn="l"/>
+            <a:endParaRPr lang="pt-BR" sz="1600" dirty="0">
+              <a:latin typeface="NimbusMonL-Regu"/>
+            </a:endParaRPr>
+          </a:p>
+          <a:p>
+            <a:pPr algn="l"/>
+            <a:endParaRPr lang="pt-BR" sz="1600" dirty="0">
+              <a:latin typeface="NimbusMonL-Regu"/>
+            </a:endParaRPr>
+          </a:p>
+          <a:p>
+            <a:pPr algn="l"/>
+            <a:endParaRPr lang="pt-BR" sz="1600" dirty="0">
+              <a:latin typeface="NimbusMonL-Regu"/>
+            </a:endParaRPr>
+          </a:p>
+          <a:p>
+            <a:pPr algn="l"/>
+            <a:r>
+              <a:rPr lang="en-US" sz="1600" b="0" i="0" u="none" strike="noStrike" baseline="0" dirty="0" err="1">
+                <a:latin typeface="NimbusMonL-Regu"/>
+              </a:rPr>
+              <a:t>sudo</a:t>
+            </a:r>
+            <a:r>
+              <a:rPr lang="en-US" sz="1600" b="0" i="0" u="none" strike="noStrike" baseline="0" dirty="0">
+                <a:latin typeface="NimbusMonL-Regu"/>
+              </a:rPr>
+              <a:t> trace-</a:t>
+            </a:r>
+            <a:r>
+              <a:rPr lang="en-US" sz="1600" b="0" i="0" u="none" strike="noStrike" baseline="0" dirty="0" err="1">
+                <a:latin typeface="NimbusMonL-Regu"/>
+              </a:rPr>
+              <a:t>cmd</a:t>
+            </a:r>
+            <a:r>
+              <a:rPr lang="en-US" sz="1600" b="0" i="0" u="none" strike="noStrike" baseline="0" dirty="0">
+                <a:latin typeface="NimbusMonL-Regu"/>
+              </a:rPr>
+              <a:t> record -e </a:t>
+            </a:r>
+            <a:r>
+              <a:rPr lang="en-US" sz="1600" b="0" i="0" u="none" strike="noStrike" baseline="0" dirty="0" err="1">
+                <a:latin typeface="NimbusMonL-Regu"/>
+              </a:rPr>
+              <a:t>kvm</a:t>
+            </a:r>
+            <a:r>
+              <a:rPr lang="en-US" sz="1600" b="0" i="0" u="none" strike="noStrike" baseline="0" dirty="0">
+                <a:latin typeface="NimbusMonL-Regu"/>
+              </a:rPr>
+              <a:t> -e sched -e </a:t>
+            </a:r>
+            <a:r>
+              <a:rPr lang="en-US" sz="1600" b="0" i="0" u="none" strike="noStrike" baseline="0" dirty="0" err="1">
+                <a:latin typeface="NimbusMonL-Regu"/>
+              </a:rPr>
+              <a:t>irq</a:t>
+            </a:r>
+            <a:r>
+              <a:rPr lang="en-US" sz="1600" b="0" i="0" u="none" strike="noStrike" baseline="0" dirty="0">
+                <a:latin typeface="NimbusMonL-Regu"/>
+              </a:rPr>
+              <a:t> -e -A @3:823 -name Salamander4 -e all</a:t>
+            </a:r>
+            <a:endParaRPr lang="en-US" sz="1600" dirty="0"/>
+          </a:p>
+        </p:txBody>
+      </p:sp>
+      <p:sp>
+        <p:nvSpPr>
+          <p:cNvPr id="4" name="Fußzeilenplatzhalter 3">
+            <a:extLst>
+              <a:ext uri="{FF2B5EF4-FFF2-40B4-BE49-F238E27FC236}">
+                <a16:creationId xmlns:a16="http://schemas.microsoft.com/office/drawing/2014/main" id="{17F6F80D-FCFD-474A-A46E-BEF92F26DC8D}"/>
+              </a:ext>
+            </a:extLst>
+          </p:cNvPr>
+          <p:cNvSpPr>
+            <a:spLocks noGrp="1"/>
+          </p:cNvSpPr>
+          <p:nvPr>
+            <p:ph type="ftr" sz="quarter" idx="12"/>
+          </p:nvPr>
+        </p:nvSpPr>
+        <p:spPr/>
+        <p:txBody>
+          <a:bodyPr/>
+          <a:lstStyle/>
+          <a:p>
+            <a:r>
+              <a:rPr lang="en-US"/>
+              <a:t>Virtualization of a Real-Time Operating System for Robot Control with a Focus on RealTime Compliance</a:t>
+            </a:r>
+            <a:r>
+              <a:rPr lang="en-GB"/>
+              <a:t> | </a:t>
+            </a:r>
+            <a:r>
+              <a:rPr lang="de-AT"/>
+              <a:t>Halil Pamuk, BSc.</a:t>
+            </a:r>
+            <a:r>
+              <a:rPr lang="en-GB"/>
+              <a:t> | 10.10.2024</a:t>
+            </a:r>
+            <a:endParaRPr lang="en-GB" dirty="0"/>
+          </a:p>
+        </p:txBody>
+      </p:sp>
+      <p:sp>
+        <p:nvSpPr>
+          <p:cNvPr id="5" name="Foliennummernplatzhalter 4">
+            <a:extLst>
+              <a:ext uri="{FF2B5EF4-FFF2-40B4-BE49-F238E27FC236}">
+                <a16:creationId xmlns:a16="http://schemas.microsoft.com/office/drawing/2014/main" id="{6FE7C3E3-082F-E591-9994-A62597200B98}"/>
+              </a:ext>
+            </a:extLst>
+          </p:cNvPr>
+          <p:cNvSpPr>
+            <a:spLocks noGrp="1"/>
+          </p:cNvSpPr>
+          <p:nvPr>
+            <p:ph type="sldNum" sz="quarter" idx="13"/>
+          </p:nvPr>
+        </p:nvSpPr>
+        <p:spPr/>
+        <p:txBody>
+          <a:bodyPr/>
+          <a:lstStyle/>
+          <a:p>
+            <a:fld id="{9C057DB4-583E-41A7-BD94-987342018C17}" type="slidenum">
+              <a:rPr lang="en-GB" smtClean="0"/>
+              <a:pPr/>
+              <a:t>33</a:t>
+            </a:fld>
+            <a:endParaRPr lang="en-GB" dirty="0"/>
+          </a:p>
+        </p:txBody>
+      </p:sp>
+      <p:sp>
+        <p:nvSpPr>
+          <p:cNvPr id="6" name="Textfeld 5">
+            <a:extLst>
+              <a:ext uri="{FF2B5EF4-FFF2-40B4-BE49-F238E27FC236}">
+                <a16:creationId xmlns:a16="http://schemas.microsoft.com/office/drawing/2014/main" id="{9AB5A822-3C8A-C9CC-A179-6AC2B863414C}"/>
+              </a:ext>
+            </a:extLst>
+          </p:cNvPr>
+          <p:cNvSpPr txBox="1"/>
+          <p:nvPr/>
+        </p:nvSpPr>
+        <p:spPr>
+          <a:xfrm>
+            <a:off x="2042160" y="1988820"/>
+            <a:ext cx="914400" cy="914400"/>
+          </a:xfrm>
+          <a:prstGeom prst="rect">
+            <a:avLst/>
+          </a:prstGeom>
+        </p:spPr>
+        <p:txBody>
+          <a:bodyPr vert="horz" wrap="none" lIns="91440" tIns="45720" rIns="91440" bIns="45720" rtlCol="0" anchor="t">
+            <a:normAutofit/>
+          </a:bodyPr>
+          <a:lstStyle/>
+          <a:p>
+            <a:pPr algn="l"/>
+            <a:endParaRPr lang="en-US" sz="2800" dirty="0"/>
+          </a:p>
+        </p:txBody>
+      </p:sp>
+    </p:spTree>
+    <p:extLst>
+      <p:ext uri="{BB962C8B-B14F-4D97-AF65-F5344CB8AC3E}">
+        <p14:creationId xmlns:p14="http://schemas.microsoft.com/office/powerpoint/2010/main" val="4209507559"/>
+      </p:ext>
+    </p:extLst>
+  </p:cSld>
+  <p:clrMapOvr>
+    <a:masterClrMapping/>
+  </p:clrMapOvr>
+</p:sld>
+</file>
+
 <file path=ppt/slides/slide34.xml><?xml version="1.0" encoding="utf-8"?>
 <p:sld xmlns:a="http://schemas.openxmlformats.org/drawingml/2006/main" xmlns:r="http://schemas.openxmlformats.org/officeDocument/2006/relationships" xmlns:p="http://schemas.openxmlformats.org/presentationml/2006/main" show="0">
   <p:cSld>
@@ -12558,13 +12698,8 @@
           <a:p>
             <a:r>
               <a:rPr lang="en-US" dirty="0"/>
-              <a:t>Trace-</a:t>
-            </a:r>
-            <a:r>
-              <a:rPr lang="en-US" dirty="0" err="1"/>
-              <a:t>cmd</a:t>
-            </a:r>
-            <a:endParaRPr lang="en-US" dirty="0"/>
+              <a:t>Kernelshark</a:t>
+            </a:r>
           </a:p>
         </p:txBody>
       </p:sp>
@@ -12592,138 +12727,6 @@
           <a:lstStyle/>
           <a:p>
             <a:pPr algn="l"/>
-            <a:r>
-              <a:rPr lang="en-US" sz="1600" b="0" i="0" u="none" strike="noStrike" baseline="0" dirty="0" err="1">
-                <a:latin typeface="NimbusMonL-Regu"/>
-              </a:rPr>
-              <a:t>sudo</a:t>
-            </a:r>
-            <a:r>
-              <a:rPr lang="en-US" sz="1600" b="0" i="0" u="none" strike="noStrike" baseline="0" dirty="0">
-                <a:latin typeface="NimbusMonL-Regu"/>
-              </a:rPr>
-              <a:t> trace-</a:t>
-            </a:r>
-            <a:r>
-              <a:rPr lang="en-US" sz="1600" b="0" i="0" u="none" strike="noStrike" baseline="0" dirty="0" err="1">
-                <a:latin typeface="NimbusMonL-Regu"/>
-              </a:rPr>
-              <a:t>cmd</a:t>
-            </a:r>
-            <a:r>
-              <a:rPr lang="en-US" sz="1600" b="0" i="0" u="none" strike="noStrike" baseline="0" dirty="0">
-                <a:latin typeface="NimbusMonL-Regu"/>
-              </a:rPr>
-              <a:t> record -e all -A @3:823 -name Salamander4 -e all</a:t>
-            </a:r>
-          </a:p>
-          <a:p>
-            <a:pPr algn="l"/>
-            <a:endParaRPr lang="en-US" sz="1600" dirty="0">
-              <a:latin typeface="NimbusMonL-Regu"/>
-            </a:endParaRPr>
-          </a:p>
-          <a:p>
-            <a:pPr algn="l"/>
-            <a:endParaRPr lang="en-US" sz="1600" b="0" i="0" u="none" strike="noStrike" baseline="0" dirty="0">
-              <a:latin typeface="NimbusMonL-Regu"/>
-            </a:endParaRPr>
-          </a:p>
-          <a:p>
-            <a:pPr algn="l"/>
-            <a:endParaRPr lang="en-US" sz="1600" dirty="0">
-              <a:latin typeface="NimbusMonL-Regu"/>
-            </a:endParaRPr>
-          </a:p>
-          <a:p>
-            <a:pPr algn="l"/>
-            <a:endParaRPr lang="pt-BR" sz="1600" b="0" i="0" u="none" strike="noStrike" baseline="0" dirty="0">
-              <a:latin typeface="NimbusMonL-Regu"/>
-            </a:endParaRPr>
-          </a:p>
-          <a:p>
-            <a:pPr algn="l"/>
-            <a:r>
-              <a:rPr lang="pt-BR" sz="1600" b="0" i="0" u="none" strike="noStrike" baseline="0" dirty="0">
-                <a:latin typeface="NimbusMonL-Regu"/>
-              </a:rPr>
-              <a:t>sudo trace-cmd record -e kvm:kvm_entry -e kvm:kvm_exit -A @3:823 -name Salamander4 -e all</a:t>
-            </a:r>
-          </a:p>
-          <a:p>
-            <a:pPr algn="l"/>
-            <a:endParaRPr lang="pt-BR" sz="1600" dirty="0">
-              <a:latin typeface="NimbusMonL-Regu"/>
-            </a:endParaRPr>
-          </a:p>
-          <a:p>
-            <a:pPr algn="l"/>
-            <a:endParaRPr lang="pt-BR" sz="1600" dirty="0">
-              <a:latin typeface="NimbusMonL-Regu"/>
-            </a:endParaRPr>
-          </a:p>
-          <a:p>
-            <a:pPr algn="l"/>
-            <a:endParaRPr lang="pt-BR" sz="1600" dirty="0">
-              <a:latin typeface="NimbusMonL-Regu"/>
-            </a:endParaRPr>
-          </a:p>
-          <a:p>
-            <a:pPr algn="l"/>
-            <a:endParaRPr lang="pt-BR" sz="1600" dirty="0">
-              <a:latin typeface="NimbusMonL-Regu"/>
-            </a:endParaRPr>
-          </a:p>
-          <a:p>
-            <a:pPr algn="l"/>
-            <a:r>
-              <a:rPr lang="en-US" sz="1600" b="0" i="0" u="none" strike="noStrike" baseline="0" dirty="0" err="1">
-                <a:latin typeface="NimbusMonL-Regu"/>
-              </a:rPr>
-              <a:t>sudo</a:t>
-            </a:r>
-            <a:r>
-              <a:rPr lang="en-US" sz="1600" b="0" i="0" u="none" strike="noStrike" baseline="0" dirty="0">
-                <a:latin typeface="NimbusMonL-Regu"/>
-              </a:rPr>
-              <a:t> trace-</a:t>
-            </a:r>
-            <a:r>
-              <a:rPr lang="en-US" sz="1600" b="0" i="0" u="none" strike="noStrike" baseline="0" dirty="0" err="1">
-                <a:latin typeface="NimbusMonL-Regu"/>
-              </a:rPr>
-              <a:t>cmd</a:t>
-            </a:r>
-            <a:r>
-              <a:rPr lang="en-US" sz="1600" b="0" i="0" u="none" strike="noStrike" baseline="0" dirty="0">
-                <a:latin typeface="NimbusMonL-Regu"/>
-              </a:rPr>
-              <a:t> record -e </a:t>
-            </a:r>
-            <a:r>
-              <a:rPr lang="en-US" sz="1600" b="0" i="0" u="none" strike="noStrike" baseline="0" dirty="0" err="1">
-                <a:latin typeface="NimbusMonL-Regu"/>
-              </a:rPr>
-              <a:t>kvm</a:t>
-            </a:r>
-            <a:r>
-              <a:rPr lang="en-US" sz="1600" b="0" i="0" u="none" strike="noStrike" baseline="0" dirty="0">
-                <a:latin typeface="NimbusMonL-Regu"/>
-              </a:rPr>
-              <a:t> -e sched -e </a:t>
-            </a:r>
-            <a:r>
-              <a:rPr lang="en-US" sz="1600" b="0" i="0" u="none" strike="noStrike" baseline="0" dirty="0" err="1">
-                <a:latin typeface="NimbusMonL-Regu"/>
-              </a:rPr>
-              <a:t>irq</a:t>
-            </a:r>
-            <a:r>
-              <a:rPr lang="en-US" sz="1600" b="0" i="0" u="none" strike="noStrike" baseline="0" dirty="0">
-                <a:latin typeface="NimbusMonL-Regu"/>
-              </a:rPr>
-              <a:t> -e -A @3:823 -name Salamander4 -e all</a:t>
-            </a:r>
             <a:endParaRPr lang="en-US" sz="1600" dirty="0"/>
           </a:p>
         </p:txBody>
@@ -12794,197 +12797,6 @@
               <a:rPr lang="en-GB" smtClean="0"/>
               <a:pPr/>
               <a:t>34</a:t>
-            </a:fld>
-            <a:endParaRPr lang="en-GB" dirty="0"/>
-          </a:p>
-        </p:txBody>
-      </p:sp>
-      <p:sp>
-        <p:nvSpPr>
-          <p:cNvPr id="6" name="Textfeld 5">
-            <a:extLst>
-              <a:ext uri="{FF2B5EF4-FFF2-40B4-BE49-F238E27FC236}">
-                <a16:creationId xmlns:a16="http://schemas.microsoft.com/office/drawing/2014/main" id="{9AB5A822-3C8A-C9CC-A179-6AC2B863414C}"/>
-              </a:ext>
-            </a:extLst>
-          </p:cNvPr>
-          <p:cNvSpPr txBox="1"/>
-          <p:nvPr/>
-        </p:nvSpPr>
-        <p:spPr>
-          <a:xfrm>
-            <a:off x="2042160" y="1988820"/>
-            <a:ext cx="914400" cy="914400"/>
-          </a:xfrm>
-          <a:prstGeom prst="rect">
-            <a:avLst/>
-          </a:prstGeom>
-        </p:spPr>
-        <p:txBody>
-          <a:bodyPr vert="horz" wrap="none" lIns="91440" tIns="45720" rIns="91440" bIns="45720" rtlCol="0" anchor="t">
-            <a:normAutofit/>
-          </a:bodyPr>
-          <a:lstStyle/>
-          <a:p>
-            <a:pPr algn="l"/>
-            <a:endParaRPr lang="en-US" sz="2800" dirty="0"/>
-          </a:p>
-        </p:txBody>
-      </p:sp>
-    </p:spTree>
-    <p:extLst>
-      <p:ext uri="{BB962C8B-B14F-4D97-AF65-F5344CB8AC3E}">
-        <p14:creationId xmlns:p14="http://schemas.microsoft.com/office/powerpoint/2010/main" val="4209507559"/>
-      </p:ext>
-    </p:extLst>
-  </p:cSld>
-  <p:clrMapOvr>
-    <a:masterClrMapping/>
-  </p:clrMapOvr>
-</p:sld>
-</file>
-
-<file path=ppt/slides/slide35.xml><?xml version="1.0" encoding="utf-8"?>
-<p:sld xmlns:a="http://schemas.openxmlformats.org/drawingml/2006/main" xmlns:r="http://schemas.openxmlformats.org/officeDocument/2006/relationships" xmlns:p="http://schemas.openxmlformats.org/presentationml/2006/main" show="0">
-  <p:cSld>
-    <p:spTree>
-      <p:nvGrpSpPr>
-        <p:cNvPr id="1" name=""/>
-        <p:cNvGrpSpPr/>
-        <p:nvPr/>
-      </p:nvGrpSpPr>
-      <p:grpSpPr>
-        <a:xfrm>
-          <a:off x="0" y="0"/>
-          <a:ext cx="0" cy="0"/>
-          <a:chOff x="0" y="0"/>
-          <a:chExt cx="0" cy="0"/>
-        </a:xfrm>
-      </p:grpSpPr>
-      <p:sp>
-        <p:nvSpPr>
-          <p:cNvPr id="2" name="Titel 1">
-            <a:extLst>
-              <a:ext uri="{FF2B5EF4-FFF2-40B4-BE49-F238E27FC236}">
-                <a16:creationId xmlns:a16="http://schemas.microsoft.com/office/drawing/2014/main" id="{446D3BEF-CC88-B742-5807-43EE48D25381}"/>
-              </a:ext>
-            </a:extLst>
-          </p:cNvPr>
-          <p:cNvSpPr>
-            <a:spLocks noGrp="1"/>
-          </p:cNvSpPr>
-          <p:nvPr>
-            <p:ph type="title"/>
-          </p:nvPr>
-        </p:nvSpPr>
-        <p:spPr/>
-        <p:txBody>
-          <a:bodyPr>
-            <a:normAutofit fontScale="90000"/>
-          </a:bodyPr>
-          <a:lstStyle/>
-          <a:p>
-            <a:r>
-              <a:rPr lang="en-US" dirty="0"/>
-              <a:t>Kernelshark</a:t>
-            </a:r>
-          </a:p>
-        </p:txBody>
-      </p:sp>
-      <p:sp>
-        <p:nvSpPr>
-          <p:cNvPr id="3" name="Textplatzhalter 2">
-            <a:extLst>
-              <a:ext uri="{FF2B5EF4-FFF2-40B4-BE49-F238E27FC236}">
-                <a16:creationId xmlns:a16="http://schemas.microsoft.com/office/drawing/2014/main" id="{04897626-5992-AC9F-A7C2-0A8A6A65B6F9}"/>
-              </a:ext>
-            </a:extLst>
-          </p:cNvPr>
-          <p:cNvSpPr>
-            <a:spLocks noGrp="1"/>
-          </p:cNvSpPr>
-          <p:nvPr>
-            <p:ph type="body" sz="quarter" idx="14"/>
-          </p:nvPr>
-        </p:nvSpPr>
-        <p:spPr/>
-        <p:txBody>
-          <a:bodyPr>
-            <a:normAutofit/>
-          </a:bodyPr>
-          <a:lstStyle/>
-          <a:p>
-            <a:pPr algn="l"/>
-            <a:endParaRPr lang="en-US" sz="1600" dirty="0"/>
-          </a:p>
-        </p:txBody>
-      </p:sp>
-      <p:sp>
-        <p:nvSpPr>
-          <p:cNvPr id="4" name="Fußzeilenplatzhalter 3">
-            <a:extLst>
-              <a:ext uri="{FF2B5EF4-FFF2-40B4-BE49-F238E27FC236}">
-                <a16:creationId xmlns:a16="http://schemas.microsoft.com/office/drawing/2014/main" id="{17F6F80D-FCFD-474A-A46E-BEF92F26DC8D}"/>
-              </a:ext>
-            </a:extLst>
-          </p:cNvPr>
-          <p:cNvSpPr>
-            <a:spLocks noGrp="1"/>
-          </p:cNvSpPr>
-          <p:nvPr>
-            <p:ph type="ftr" sz="quarter" idx="12"/>
-          </p:nvPr>
-        </p:nvSpPr>
-        <p:spPr/>
-        <p:txBody>
-          <a:bodyPr/>
-          <a:lstStyle/>
-          <a:p>
-            <a:r>
-              <a:rPr lang="en-US"/>
-              <a:t>Virtualization of a Real-Time Operating System for Robot Control with a Focus on RealTime Compliance</a:t>
-            </a:r>
-            <a:r>
-              <a:rPr lang="en-GB"/>
-              <a:t> | </a:t>
-            </a:r>
-            <a:r>
-              <a:rPr lang="de-AT"/>
-              <a:t>Halil Pamuk, BSc.</a:t>
-            </a:r>
-            <a:r>
-              <a:rPr lang="en-GB"/>
-              <a:t> | 10.10.2024</a:t>
-            </a:r>
-            <a:endParaRPr lang="en-GB" dirty="0"/>
-          </a:p>
-        </p:txBody>
-      </p:sp>
-      <p:sp>
-        <p:nvSpPr>
-          <p:cNvPr id="5" name="Foliennummernplatzhalter 4">
-            <a:extLst>
-              <a:ext uri="{FF2B5EF4-FFF2-40B4-BE49-F238E27FC236}">
-                <a16:creationId xmlns:a16="http://schemas.microsoft.com/office/drawing/2014/main" id="{6FE7C3E3-082F-E591-9994-A62597200B98}"/>
-              </a:ext>
-            </a:extLst>
-          </p:cNvPr>
-          <p:cNvSpPr>
-            <a:spLocks noGrp="1"/>
-          </p:cNvSpPr>
-          <p:nvPr>
-            <p:ph type="sldNum" sz="quarter" idx="13"/>
-          </p:nvPr>
-        </p:nvSpPr>
-        <p:spPr/>
-        <p:txBody>
-          <a:bodyPr/>
-          <a:lstStyle/>
-          <a:p>
-            <a:fld id="{9C057DB4-583E-41A7-BD94-987342018C17}" type="slidenum">
-              <a:rPr lang="en-GB" smtClean="0"/>
-              <a:pPr/>
-              <a:t>35</a:t>
             </a:fld>
             <a:endParaRPr lang="en-GB" dirty="0"/>
           </a:p>
